--- a/Ram_Rao_Final_Practicum.pptx
+++ b/Ram_Rao_Final_Practicum.pptx
@@ -3328,7 +3328,7 @@
           <a:p>
             <a:fld id="{D41C5BD2-4D8D-4C7C-9FC3-7949CD64F1DB}" type="datetimeFigureOut">
               <a:rPr lang="en-US" smtClean="0"/>
-              <a:t>7/3/2022</a:t>
+              <a:t>7/4/2022</a:t>
             </a:fld>
             <a:endParaRPr lang="en-US"/>
           </a:p>
@@ -3742,7 +3742,7 @@
           <a:p>
             <a:fld id="{4BDF68E2-58F2-4D09-BE8B-E3BD06533059}" type="datetimeFigureOut">
               <a:rPr lang="en-US" smtClean="0"/>
-              <a:t>7/3/2022</a:t>
+              <a:t>7/4/2022</a:t>
             </a:fld>
             <a:endParaRPr lang="en-US" dirty="0"/>
           </a:p>
@@ -4019,7 +4019,7 @@
           <a:p>
             <a:fld id="{2E2D6473-DF6D-4702-B328-E0DD40540A4E}" type="datetimeFigureOut">
               <a:rPr lang="en-US" smtClean="0"/>
-              <a:t>7/3/2022</a:t>
+              <a:t>7/4/2022</a:t>
             </a:fld>
             <a:endParaRPr lang="en-US" dirty="0"/>
           </a:p>
@@ -4228,7 +4228,7 @@
           <a:p>
             <a:fld id="{E26F7E3A-B166-407D-9866-32884E7D5B37}" type="datetimeFigureOut">
               <a:rPr lang="en-US" smtClean="0"/>
-              <a:t>7/3/2022</a:t>
+              <a:t>7/4/2022</a:t>
             </a:fld>
             <a:endParaRPr lang="en-US" dirty="0"/>
           </a:p>
@@ -5655,7 +5655,7 @@
           <a:p>
             <a:fld id="{528FC5F6-F338-4AE4-BB23-26385BCFC423}" type="datetimeFigureOut">
               <a:rPr lang="en-US" smtClean="0"/>
-              <a:t>7/3/2022</a:t>
+              <a:t>7/4/2022</a:t>
             </a:fld>
             <a:endParaRPr lang="en-US" dirty="0"/>
           </a:p>
@@ -5931,7 +5931,7 @@
           <a:p>
             <a:fld id="{20EBB0C4-6273-4C6E-B9BD-2EDC30F1CD52}" type="datetimeFigureOut">
               <a:rPr lang="en-US" smtClean="0"/>
-              <a:t>7/3/2022</a:t>
+              <a:t>7/4/2022</a:t>
             </a:fld>
             <a:endParaRPr lang="en-US" dirty="0"/>
           </a:p>
@@ -6197,7 +6197,7 @@
           <a:p>
             <a:fld id="{19AB4D41-86C1-4908-B66A-0B50CEB3BF29}" type="datetimeFigureOut">
               <a:rPr lang="en-US" smtClean="0"/>
-              <a:t>7/3/2022</a:t>
+              <a:t>7/4/2022</a:t>
             </a:fld>
             <a:endParaRPr lang="en-US" dirty="0"/>
           </a:p>
@@ -6610,7 +6610,7 @@
           <a:p>
             <a:fld id="{E6426E2C-56C1-4E0D-A793-0088A7FDD37E}" type="datetimeFigureOut">
               <a:rPr lang="en-US" smtClean="0"/>
-              <a:t>7/3/2022</a:t>
+              <a:t>7/4/2022</a:t>
             </a:fld>
             <a:endParaRPr lang="en-US" dirty="0"/>
           </a:p>
@@ -6752,7 +6752,7 @@
           <a:p>
             <a:fld id="{C8C39B41-D8B5-4052-B551-9B5525EAA8B6}" type="datetimeFigureOut">
               <a:rPr lang="en-US" smtClean="0"/>
-              <a:t>7/3/2022</a:t>
+              <a:t>7/4/2022</a:t>
             </a:fld>
             <a:endParaRPr lang="en-US" dirty="0"/>
           </a:p>
@@ -6866,7 +6866,7 @@
           <a:p>
             <a:fld id="{4D94136C-8742-45B2-AF27-D93DF72833A9}" type="datetimeFigureOut">
               <a:rPr lang="en-US" smtClean="0"/>
-              <a:t>7/3/2022</a:t>
+              <a:t>7/4/2022</a:t>
             </a:fld>
             <a:endParaRPr lang="en-US" dirty="0"/>
           </a:p>
@@ -7179,7 +7179,7 @@
           <a:p>
             <a:fld id="{32ABBEA6-7C60-4B02-AE87-00D78D8422AF}" type="datetimeFigureOut">
               <a:rPr lang="en-US" smtClean="0"/>
-              <a:t>7/3/2022</a:t>
+              <a:t>7/4/2022</a:t>
             </a:fld>
             <a:endParaRPr lang="en-US" dirty="0"/>
           </a:p>
@@ -7469,7 +7469,7 @@
           <a:p>
             <a:fld id="{C9CAD897-D46E-4AD2-BD9B-49DD3E640873}" type="datetimeFigureOut">
               <a:rPr lang="en-US" smtClean="0"/>
-              <a:t>7/3/2022</a:t>
+              <a:t>7/4/2022</a:t>
             </a:fld>
             <a:endParaRPr lang="en-US" dirty="0"/>
           </a:p>
@@ -7711,7 +7711,7 @@
           <a:p>
             <a:fld id="{98624D31-43A5-475A-80CF-332C9F6DCF35}" type="datetimeFigureOut">
               <a:rPr lang="en-US" smtClean="0"/>
-              <a:t>7/3/2022</a:t>
+              <a:t>7/4/2022</a:t>
             </a:fld>
             <a:endParaRPr lang="en-US" dirty="0"/>
           </a:p>
@@ -19065,7 +19065,7 @@
           <p:nvPr>
             <p:extLst>
               <p:ext uri="{D42A27DB-BD31-4B8C-83A1-F6EECF244321}">
-                <p14:modId xmlns:p14="http://schemas.microsoft.com/office/powerpoint/2010/main" val="767254103"/>
+                <p14:modId xmlns:p14="http://schemas.microsoft.com/office/powerpoint/2010/main" val="2194557065"/>
               </p:ext>
             </p:extLst>
           </p:nvPr>
@@ -19312,7 +19312,7 @@
                       <a:pPr algn="ctr"/>
                       <a:r>
                         <a:rPr lang="en-US" sz="1400" b="1" dirty="0"/>
-                        <a:t>95</a:t>
+                        <a:t>97</a:t>
                       </a:r>
                     </a:p>
                   </a:txBody>
@@ -19326,7 +19326,7 @@
                       <a:pPr algn="ctr"/>
                       <a:r>
                         <a:rPr lang="en-US" sz="1400" b="1" dirty="0"/>
-                        <a:t>634</a:t>
+                        <a:t>632</a:t>
                       </a:r>
                     </a:p>
                   </a:txBody>
@@ -19744,45 +19744,6 @@
       </p:grpSp>
       <p:pic>
         <p:nvPicPr>
-          <p:cNvPr id="13" name="x_Picture 13" descr="Shape, square&#10;&#10;Description automatically generated">
-            <a:extLst>
-              <a:ext uri="{FF2B5EF4-FFF2-40B4-BE49-F238E27FC236}">
-                <a16:creationId xmlns:a16="http://schemas.microsoft.com/office/drawing/2014/main" id="{6FAD0E80-284F-1D76-2A74-0396224822BD}"/>
-              </a:ext>
-            </a:extLst>
-          </p:cNvPr>
-          <p:cNvPicPr/>
-          <p:nvPr/>
-        </p:nvPicPr>
-        <p:blipFill>
-          <a:blip r:embed="rId4" r:link="rId5">
-            <a:extLst>
-              <a:ext uri="{28A0092B-C50C-407E-A947-70E740481C1C}">
-                <a14:useLocalDpi xmlns:a14="http://schemas.microsoft.com/office/drawing/2010/main" val="0"/>
-              </a:ext>
-            </a:extLst>
-          </a:blip>
-          <a:srcRect/>
-          <a:stretch>
-            <a:fillRect/>
-          </a:stretch>
-        </p:blipFill>
-        <p:spPr bwMode="auto">
-          <a:xfrm>
-            <a:off x="8035719" y="1008828"/>
-            <a:ext cx="3704385" cy="2523826"/>
-          </a:xfrm>
-          <a:prstGeom prst="rect">
-            <a:avLst/>
-          </a:prstGeom>
-          <a:noFill/>
-          <a:ln>
-            <a:noFill/>
-          </a:ln>
-        </p:spPr>
-      </p:pic>
-      <p:pic>
-        <p:nvPicPr>
           <p:cNvPr id="2050" name="Picture 2">
             <a:extLst>
               <a:ext uri="{FF2B5EF4-FFF2-40B4-BE49-F238E27FC236}">
@@ -19796,7 +19757,7 @@
           <p:nvPr/>
         </p:nvPicPr>
         <p:blipFill>
-          <a:blip r:embed="rId6">
+          <a:blip r:embed="rId4">
             <a:extLst>
               <a:ext uri="{28A0092B-C50C-407E-A947-70E740481C1C}">
                 <a14:useLocalDpi xmlns:a14="http://schemas.microsoft.com/office/drawing/2010/main" val="0"/>
@@ -19985,7 +19946,15 @@
               </a:pPr>
               <a:r>
                 <a:rPr lang="en-US" sz="1700" b="1" kern="1200" dirty="0"/>
-                <a:t>2 Hidden Layers: 100 and 100 Neurons, </a:t>
+                <a:t>3 Hidden Layers: 100, 50 and </a:t>
+              </a:r>
+              <a:r>
+                <a:rPr lang="en-US" sz="1700" b="1" dirty="0"/>
+                <a:t>25</a:t>
+              </a:r>
+              <a:r>
+                <a:rPr lang="en-US" sz="1700" b="1" kern="1200" dirty="0"/>
+                <a:t> Neurons, </a:t>
               </a:r>
               <a:r>
                 <a:rPr lang="en-US" sz="1700" b="1" kern="1200" dirty="0" err="1"/>
@@ -20138,41 +20107,6 @@
       </p:grpSp>
       <p:sp>
         <p:nvSpPr>
-          <p:cNvPr id="18" name="TextBox 17">
-            <a:extLst>
-              <a:ext uri="{FF2B5EF4-FFF2-40B4-BE49-F238E27FC236}">
-                <a16:creationId xmlns:a16="http://schemas.microsoft.com/office/drawing/2014/main" id="{17F70429-15DD-FBD0-70C4-79220D285109}"/>
-              </a:ext>
-            </a:extLst>
-          </p:cNvPr>
-          <p:cNvSpPr txBox="1"/>
-          <p:nvPr/>
-        </p:nvSpPr>
-        <p:spPr>
-          <a:xfrm>
-            <a:off x="10403113" y="2700895"/>
-            <a:ext cx="1209444" cy="276999"/>
-          </a:xfrm>
-          <a:prstGeom prst="rect">
-            <a:avLst/>
-          </a:prstGeom>
-          <a:noFill/>
-        </p:spPr>
-        <p:txBody>
-          <a:bodyPr wrap="square" rtlCol="0">
-            <a:spAutoFit/>
-          </a:bodyPr>
-          <a:lstStyle/>
-          <a:p>
-            <a:r>
-              <a:rPr lang="en-US" sz="1200" b="1" dirty="0"/>
-              <a:t>Training Errors</a:t>
-            </a:r>
-          </a:p>
-        </p:txBody>
-      </p:sp>
-      <p:sp>
-        <p:nvSpPr>
           <p:cNvPr id="19" name="TextBox 18">
             <a:extLst>
               <a:ext uri="{FF2B5EF4-FFF2-40B4-BE49-F238E27FC236}">
@@ -20217,6 +20151,88 @@
           </a:p>
         </p:txBody>
       </p:sp>
+      <p:pic>
+        <p:nvPicPr>
+          <p:cNvPr id="1026" name="Picture 2">
+            <a:extLst>
+              <a:ext uri="{FF2B5EF4-FFF2-40B4-BE49-F238E27FC236}">
+                <a16:creationId xmlns:a16="http://schemas.microsoft.com/office/drawing/2014/main" id="{8C653928-37CA-8CE6-3091-1BFA9451FF90}"/>
+              </a:ext>
+            </a:extLst>
+          </p:cNvPr>
+          <p:cNvPicPr>
+            <a:picLocks noChangeAspect="1" noChangeArrowheads="1"/>
+          </p:cNvPicPr>
+          <p:nvPr/>
+        </p:nvPicPr>
+        <p:blipFill>
+          <a:blip r:embed="rId5">
+            <a:extLst>
+              <a:ext uri="{28A0092B-C50C-407E-A947-70E740481C1C}">
+                <a14:useLocalDpi xmlns:a14="http://schemas.microsoft.com/office/drawing/2010/main" val="0"/>
+              </a:ext>
+            </a:extLst>
+          </a:blip>
+          <a:srcRect/>
+          <a:stretch>
+            <a:fillRect/>
+          </a:stretch>
+        </p:blipFill>
+        <p:spPr bwMode="auto">
+          <a:xfrm>
+            <a:off x="8121387" y="1087938"/>
+            <a:ext cx="3638550" cy="2495550"/>
+          </a:xfrm>
+          <a:prstGeom prst="rect">
+            <a:avLst/>
+          </a:prstGeom>
+          <a:noFill/>
+          <a:extLst>
+            <a:ext uri="{909E8E84-426E-40DD-AFC4-6F175D3DCCD1}">
+              <a14:hiddenFill xmlns:a14="http://schemas.microsoft.com/office/drawing/2010/main">
+                <a:solidFill>
+                  <a:srgbClr val="FFFFFF"/>
+                </a:solidFill>
+              </a14:hiddenFill>
+            </a:ext>
+          </a:extLst>
+        </p:spPr>
+      </p:pic>
+      <p:sp>
+        <p:nvSpPr>
+          <p:cNvPr id="18" name="TextBox 17">
+            <a:extLst>
+              <a:ext uri="{FF2B5EF4-FFF2-40B4-BE49-F238E27FC236}">
+                <a16:creationId xmlns:a16="http://schemas.microsoft.com/office/drawing/2014/main" id="{17F70429-15DD-FBD0-70C4-79220D285109}"/>
+              </a:ext>
+            </a:extLst>
+          </p:cNvPr>
+          <p:cNvSpPr txBox="1"/>
+          <p:nvPr/>
+        </p:nvSpPr>
+        <p:spPr>
+          <a:xfrm>
+            <a:off x="10324836" y="2782824"/>
+            <a:ext cx="1209444" cy="276999"/>
+          </a:xfrm>
+          <a:prstGeom prst="rect">
+            <a:avLst/>
+          </a:prstGeom>
+          <a:noFill/>
+        </p:spPr>
+        <p:txBody>
+          <a:bodyPr wrap="square" rtlCol="0">
+            <a:spAutoFit/>
+          </a:bodyPr>
+          <a:lstStyle/>
+          <a:p>
+            <a:r>
+              <a:rPr lang="en-US" sz="1200" b="1" dirty="0"/>
+              <a:t>Training Errors</a:t>
+            </a:r>
+          </a:p>
+        </p:txBody>
+      </p:sp>
     </p:spTree>
     <p:extLst>
       <p:ext uri="{BB962C8B-B14F-4D97-AF65-F5344CB8AC3E}">
@@ -20657,7 +20673,7 @@
                                           </p:stCondLst>
                                         </p:cTn>
                                         <p:tgtEl>
-                                          <p:spTgt spid="13"/>
+                                          <p:spTgt spid="2050"/>
                                         </p:tgtEl>
                                         <p:attrNameLst>
                                           <p:attrName>style.visibility</p:attrName>
@@ -20671,7 +20687,7 @@
                                       <p:cBhvr>
                                         <p:cTn id="35" dur="1000"/>
                                         <p:tgtEl>
-                                          <p:spTgt spid="13"/>
+                                          <p:spTgt spid="2050"/>
                                         </p:tgtEl>
                                       </p:cBhvr>
                                     </p:animEffect>
@@ -20679,7 +20695,7 @@
                                       <p:cBhvr>
                                         <p:cTn id="36" dur="1000" fill="hold"/>
                                         <p:tgtEl>
-                                          <p:spTgt spid="13"/>
+                                          <p:spTgt spid="2050"/>
                                         </p:tgtEl>
                                         <p:attrNameLst>
                                           <p:attrName>ppt_x</p:attrName>
@@ -20702,7 +20718,7 @@
                                       <p:cBhvr>
                                         <p:cTn id="37" dur="1000" fill="hold"/>
                                         <p:tgtEl>
-                                          <p:spTgt spid="13"/>
+                                          <p:spTgt spid="2050"/>
                                         </p:tgtEl>
                                         <p:attrNameLst>
                                           <p:attrName>ppt_y</p:attrName>
@@ -20743,7 +20759,7 @@
                             </p:stCondLst>
                             <p:childTnLst>
                               <p:par>
-                                <p:cTn id="40" presetID="42" presetClass="entr" presetSubtype="0" fill="hold" nodeType="clickEffect">
+                                <p:cTn id="40" presetID="42" presetClass="entr" presetSubtype="0" fill="hold" grpId="0" nodeType="clickEffect">
                                   <p:stCondLst>
                                     <p:cond delay="0"/>
                                   </p:stCondLst>
@@ -20756,7 +20772,7 @@
                                           </p:stCondLst>
                                         </p:cTn>
                                         <p:tgtEl>
-                                          <p:spTgt spid="2050"/>
+                                          <p:spTgt spid="19"/>
                                         </p:tgtEl>
                                         <p:attrNameLst>
                                           <p:attrName>style.visibility</p:attrName>
@@ -20770,7 +20786,7 @@
                                       <p:cBhvr>
                                         <p:cTn id="42" dur="1000"/>
                                         <p:tgtEl>
-                                          <p:spTgt spid="2050"/>
+                                          <p:spTgt spid="19"/>
                                         </p:tgtEl>
                                       </p:cBhvr>
                                     </p:animEffect>
@@ -20778,7 +20794,7 @@
                                       <p:cBhvr>
                                         <p:cTn id="43" dur="1000" fill="hold"/>
                                         <p:tgtEl>
-                                          <p:spTgt spid="2050"/>
+                                          <p:spTgt spid="19"/>
                                         </p:tgtEl>
                                         <p:attrNameLst>
                                           <p:attrName>ppt_x</p:attrName>
@@ -20800,105 +20816,6 @@
                                     <p:anim calcmode="lin" valueType="num">
                                       <p:cBhvr>
                                         <p:cTn id="44" dur="1000" fill="hold"/>
-                                        <p:tgtEl>
-                                          <p:spTgt spid="2050"/>
-                                        </p:tgtEl>
-                                        <p:attrNameLst>
-                                          <p:attrName>ppt_y</p:attrName>
-                                        </p:attrNameLst>
-                                      </p:cBhvr>
-                                      <p:tavLst>
-                                        <p:tav tm="0">
-                                          <p:val>
-                                            <p:strVal val="#ppt_y+.1"/>
-                                          </p:val>
-                                        </p:tav>
-                                        <p:tav tm="100000">
-                                          <p:val>
-                                            <p:strVal val="#ppt_y"/>
-                                          </p:val>
-                                        </p:tav>
-                                      </p:tavLst>
-                                    </p:anim>
-                                  </p:childTnLst>
-                                </p:cTn>
-                              </p:par>
-                            </p:childTnLst>
-                          </p:cTn>
-                        </p:par>
-                      </p:childTnLst>
-                    </p:cTn>
-                  </p:par>
-                  <p:par>
-                    <p:cTn id="45" fill="hold">
-                      <p:stCondLst>
-                        <p:cond delay="indefinite"/>
-                      </p:stCondLst>
-                      <p:childTnLst>
-                        <p:par>
-                          <p:cTn id="46" fill="hold">
-                            <p:stCondLst>
-                              <p:cond delay="0"/>
-                            </p:stCondLst>
-                            <p:childTnLst>
-                              <p:par>
-                                <p:cTn id="47" presetID="42" presetClass="entr" presetSubtype="0" fill="hold" grpId="0" nodeType="clickEffect">
-                                  <p:stCondLst>
-                                    <p:cond delay="0"/>
-                                  </p:stCondLst>
-                                  <p:childTnLst>
-                                    <p:set>
-                                      <p:cBhvr>
-                                        <p:cTn id="48" dur="1" fill="hold">
-                                          <p:stCondLst>
-                                            <p:cond delay="0"/>
-                                          </p:stCondLst>
-                                        </p:cTn>
-                                        <p:tgtEl>
-                                          <p:spTgt spid="19"/>
-                                        </p:tgtEl>
-                                        <p:attrNameLst>
-                                          <p:attrName>style.visibility</p:attrName>
-                                        </p:attrNameLst>
-                                      </p:cBhvr>
-                                      <p:to>
-                                        <p:strVal val="visible"/>
-                                      </p:to>
-                                    </p:set>
-                                    <p:animEffect transition="in" filter="fade">
-                                      <p:cBhvr>
-                                        <p:cTn id="49" dur="1000"/>
-                                        <p:tgtEl>
-                                          <p:spTgt spid="19"/>
-                                        </p:tgtEl>
-                                      </p:cBhvr>
-                                    </p:animEffect>
-                                    <p:anim calcmode="lin" valueType="num">
-                                      <p:cBhvr>
-                                        <p:cTn id="50" dur="1000" fill="hold"/>
-                                        <p:tgtEl>
-                                          <p:spTgt spid="19"/>
-                                        </p:tgtEl>
-                                        <p:attrNameLst>
-                                          <p:attrName>ppt_x</p:attrName>
-                                        </p:attrNameLst>
-                                      </p:cBhvr>
-                                      <p:tavLst>
-                                        <p:tav tm="0">
-                                          <p:val>
-                                            <p:strVal val="#ppt_x"/>
-                                          </p:val>
-                                        </p:tav>
-                                        <p:tav tm="100000">
-                                          <p:val>
-                                            <p:strVal val="#ppt_x"/>
-                                          </p:val>
-                                        </p:tav>
-                                      </p:tavLst>
-                                    </p:anim>
-                                    <p:anim calcmode="lin" valueType="num">
-                                      <p:cBhvr>
-                                        <p:cTn id="51" dur="1000" fill="hold"/>
                                         <p:tgtEl>
                                           <p:spTgt spid="19"/>
                                         </p:tgtEl>
@@ -20950,8 +20867,8 @@
       </p:par>
     </p:tnLst>
     <p:bldLst>
+      <p:bldP spid="19" grpId="0" animBg="1"/>
       <p:bldP spid="18" grpId="0"/>
-      <p:bldP spid="19" grpId="0" animBg="1"/>
     </p:bldLst>
   </p:timing>
 </p:sld>
@@ -21048,7 +20965,7 @@
           <p:nvPr>
             <p:extLst>
               <p:ext uri="{D42A27DB-BD31-4B8C-83A1-F6EECF244321}">
-                <p14:modId xmlns:p14="http://schemas.microsoft.com/office/powerpoint/2010/main" val="3834433053"/>
+                <p14:modId xmlns:p14="http://schemas.microsoft.com/office/powerpoint/2010/main" val="3221566136"/>
               </p:ext>
             </p:extLst>
           </p:nvPr>
@@ -22464,8 +22381,8 @@
                     <a:p>
                       <a:pPr algn="ctr"/>
                       <a:r>
-                        <a:rPr lang="en-US" sz="1600" dirty="0"/>
-                        <a:t>TBC</a:t>
+                        <a:rPr lang="en-US" sz="1600" b="1" dirty="0"/>
+                        <a:t>0.306</a:t>
                       </a:r>
                     </a:p>
                   </a:txBody>
@@ -22485,7 +22402,7 @@
                             </a:schemeClr>
                           </a:solidFill>
                         </a:rPr>
-                        <a:t>0.907</a:t>
+                        <a:t>0.906</a:t>
                       </a:r>
                     </a:p>
                   </a:txBody>
@@ -22525,7 +22442,7 @@
                             </a:schemeClr>
                           </a:solidFill>
                         </a:rPr>
-                        <a:t>0.869</a:t>
+                        <a:t>0.867</a:t>
                       </a:r>
                     </a:p>
                   </a:txBody>

--- a/Ram_Rao_Final_Practicum.pptx
+++ b/Ram_Rao_Final_Practicum.pptx
@@ -3328,7 +3328,7 @@
           <a:p>
             <a:fld id="{D41C5BD2-4D8D-4C7C-9FC3-7949CD64F1DB}" type="datetimeFigureOut">
               <a:rPr lang="en-US" smtClean="0"/>
-              <a:t>7/4/2022</a:t>
+              <a:t>7/5/2022</a:t>
             </a:fld>
             <a:endParaRPr lang="en-US"/>
           </a:p>
@@ -3742,7 +3742,7 @@
           <a:p>
             <a:fld id="{4BDF68E2-58F2-4D09-BE8B-E3BD06533059}" type="datetimeFigureOut">
               <a:rPr lang="en-US" smtClean="0"/>
-              <a:t>7/4/2022</a:t>
+              <a:t>7/5/2022</a:t>
             </a:fld>
             <a:endParaRPr lang="en-US" dirty="0"/>
           </a:p>
@@ -4019,7 +4019,7 @@
           <a:p>
             <a:fld id="{2E2D6473-DF6D-4702-B328-E0DD40540A4E}" type="datetimeFigureOut">
               <a:rPr lang="en-US" smtClean="0"/>
-              <a:t>7/4/2022</a:t>
+              <a:t>7/5/2022</a:t>
             </a:fld>
             <a:endParaRPr lang="en-US" dirty="0"/>
           </a:p>
@@ -4228,7 +4228,7 @@
           <a:p>
             <a:fld id="{E26F7E3A-B166-407D-9866-32884E7D5B37}" type="datetimeFigureOut">
               <a:rPr lang="en-US" smtClean="0"/>
-              <a:t>7/4/2022</a:t>
+              <a:t>7/5/2022</a:t>
             </a:fld>
             <a:endParaRPr lang="en-US" dirty="0"/>
           </a:p>
@@ -5655,7 +5655,7 @@
           <a:p>
             <a:fld id="{528FC5F6-F338-4AE4-BB23-26385BCFC423}" type="datetimeFigureOut">
               <a:rPr lang="en-US" smtClean="0"/>
-              <a:t>7/4/2022</a:t>
+              <a:t>7/5/2022</a:t>
             </a:fld>
             <a:endParaRPr lang="en-US" dirty="0"/>
           </a:p>
@@ -5931,7 +5931,7 @@
           <a:p>
             <a:fld id="{20EBB0C4-6273-4C6E-B9BD-2EDC30F1CD52}" type="datetimeFigureOut">
               <a:rPr lang="en-US" smtClean="0"/>
-              <a:t>7/4/2022</a:t>
+              <a:t>7/5/2022</a:t>
             </a:fld>
             <a:endParaRPr lang="en-US" dirty="0"/>
           </a:p>
@@ -6197,7 +6197,7 @@
           <a:p>
             <a:fld id="{19AB4D41-86C1-4908-B66A-0B50CEB3BF29}" type="datetimeFigureOut">
               <a:rPr lang="en-US" smtClean="0"/>
-              <a:t>7/4/2022</a:t>
+              <a:t>7/5/2022</a:t>
             </a:fld>
             <a:endParaRPr lang="en-US" dirty="0"/>
           </a:p>
@@ -6610,7 +6610,7 @@
           <a:p>
             <a:fld id="{E6426E2C-56C1-4E0D-A793-0088A7FDD37E}" type="datetimeFigureOut">
               <a:rPr lang="en-US" smtClean="0"/>
-              <a:t>7/4/2022</a:t>
+              <a:t>7/5/2022</a:t>
             </a:fld>
             <a:endParaRPr lang="en-US" dirty="0"/>
           </a:p>
@@ -6752,7 +6752,7 @@
           <a:p>
             <a:fld id="{C8C39B41-D8B5-4052-B551-9B5525EAA8B6}" type="datetimeFigureOut">
               <a:rPr lang="en-US" smtClean="0"/>
-              <a:t>7/4/2022</a:t>
+              <a:t>7/5/2022</a:t>
             </a:fld>
             <a:endParaRPr lang="en-US" dirty="0"/>
           </a:p>
@@ -6866,7 +6866,7 @@
           <a:p>
             <a:fld id="{4D94136C-8742-45B2-AF27-D93DF72833A9}" type="datetimeFigureOut">
               <a:rPr lang="en-US" smtClean="0"/>
-              <a:t>7/4/2022</a:t>
+              <a:t>7/5/2022</a:t>
             </a:fld>
             <a:endParaRPr lang="en-US" dirty="0"/>
           </a:p>
@@ -7179,7 +7179,7 @@
           <a:p>
             <a:fld id="{32ABBEA6-7C60-4B02-AE87-00D78D8422AF}" type="datetimeFigureOut">
               <a:rPr lang="en-US" smtClean="0"/>
-              <a:t>7/4/2022</a:t>
+              <a:t>7/5/2022</a:t>
             </a:fld>
             <a:endParaRPr lang="en-US" dirty="0"/>
           </a:p>
@@ -7469,7 +7469,7 @@
           <a:p>
             <a:fld id="{C9CAD897-D46E-4AD2-BD9B-49DD3E640873}" type="datetimeFigureOut">
               <a:rPr lang="en-US" smtClean="0"/>
-              <a:t>7/4/2022</a:t>
+              <a:t>7/5/2022</a:t>
             </a:fld>
             <a:endParaRPr lang="en-US" dirty="0"/>
           </a:p>
@@ -7711,7 +7711,7 @@
           <a:p>
             <a:fld id="{98624D31-43A5-475A-80CF-332C9F6DCF35}" type="datetimeFigureOut">
               <a:rPr lang="en-US" smtClean="0"/>
-              <a:t>7/4/2022</a:t>
+              <a:t>7/5/2022</a:t>
             </a:fld>
             <a:endParaRPr lang="en-US" dirty="0"/>
           </a:p>
@@ -8795,7 +8795,7 @@
             <a:pPr algn="l"/>
             <a:r>
               <a:rPr lang="en-US" sz="2000" dirty="0"/>
-              <a:t>July 1, 2022</a:t>
+              <a:t>July 15, 2022</a:t>
             </a:r>
           </a:p>
           <a:p>
@@ -8992,206 +8992,6 @@
           </a:p>
         </p:txBody>
       </p:sp>
-      <p:sp>
-        <p:nvSpPr>
-          <p:cNvPr id="10" name="Subtitle 2">
-            <a:extLst>
-              <a:ext uri="{FF2B5EF4-FFF2-40B4-BE49-F238E27FC236}">
-                <a16:creationId xmlns:a16="http://schemas.microsoft.com/office/drawing/2014/main" id="{F1EE8960-D2E0-FE0F-8D14-10161A81A1AD}"/>
-              </a:ext>
-            </a:extLst>
-          </p:cNvPr>
-          <p:cNvSpPr txBox="1">
-            <a:spLocks/>
-          </p:cNvSpPr>
-          <p:nvPr/>
-        </p:nvSpPr>
-        <p:spPr>
-          <a:xfrm>
-            <a:off x="477981" y="1036232"/>
-            <a:ext cx="2618787" cy="537504"/>
-          </a:xfrm>
-          <a:prstGeom prst="rect">
-            <a:avLst/>
-          </a:prstGeom>
-        </p:spPr>
-        <p:txBody>
-          <a:bodyPr vert="horz" lIns="91440" tIns="45720" rIns="91440" bIns="45720" rtlCol="0">
-            <a:noAutofit/>
-          </a:bodyPr>
-          <a:lstStyle>
-            <a:lvl1pPr marL="0" indent="0" algn="ctr" defTabSz="914400" rtl="0" eaLnBrk="1" latinLnBrk="0" hangingPunct="1">
-              <a:lnSpc>
-                <a:spcPct val="90000"/>
-              </a:lnSpc>
-              <a:spcBef>
-                <a:spcPts val="1000"/>
-              </a:spcBef>
-              <a:buFont typeface="Arial" panose="020B0604020202020204" pitchFamily="34" charset="0"/>
-              <a:buNone/>
-              <a:defRPr sz="2400" kern="1200">
-                <a:solidFill>
-                  <a:schemeClr val="tx1"/>
-                </a:solidFill>
-                <a:latin typeface="+mn-lt"/>
-                <a:ea typeface="+mn-ea"/>
-                <a:cs typeface="+mn-cs"/>
-              </a:defRPr>
-            </a:lvl1pPr>
-            <a:lvl2pPr marL="457200" indent="0" algn="ctr" defTabSz="914400" rtl="0" eaLnBrk="1" latinLnBrk="0" hangingPunct="1">
-              <a:lnSpc>
-                <a:spcPct val="90000"/>
-              </a:lnSpc>
-              <a:spcBef>
-                <a:spcPts val="500"/>
-              </a:spcBef>
-              <a:buFont typeface="Arial" panose="020B0604020202020204" pitchFamily="34" charset="0"/>
-              <a:buNone/>
-              <a:defRPr sz="2000" kern="1200">
-                <a:solidFill>
-                  <a:schemeClr val="tx1"/>
-                </a:solidFill>
-                <a:latin typeface="+mn-lt"/>
-                <a:ea typeface="+mn-ea"/>
-                <a:cs typeface="+mn-cs"/>
-              </a:defRPr>
-            </a:lvl2pPr>
-            <a:lvl3pPr marL="914400" indent="0" algn="ctr" defTabSz="914400" rtl="0" eaLnBrk="1" latinLnBrk="0" hangingPunct="1">
-              <a:lnSpc>
-                <a:spcPct val="90000"/>
-              </a:lnSpc>
-              <a:spcBef>
-                <a:spcPts val="500"/>
-              </a:spcBef>
-              <a:buFont typeface="Arial" panose="020B0604020202020204" pitchFamily="34" charset="0"/>
-              <a:buNone/>
-              <a:defRPr sz="1800" kern="1200">
-                <a:solidFill>
-                  <a:schemeClr val="tx1"/>
-                </a:solidFill>
-                <a:latin typeface="+mn-lt"/>
-                <a:ea typeface="+mn-ea"/>
-                <a:cs typeface="+mn-cs"/>
-              </a:defRPr>
-            </a:lvl3pPr>
-            <a:lvl4pPr marL="1371600" indent="0" algn="ctr" defTabSz="914400" rtl="0" eaLnBrk="1" latinLnBrk="0" hangingPunct="1">
-              <a:lnSpc>
-                <a:spcPct val="90000"/>
-              </a:lnSpc>
-              <a:spcBef>
-                <a:spcPts val="500"/>
-              </a:spcBef>
-              <a:buFont typeface="Arial" panose="020B0604020202020204" pitchFamily="34" charset="0"/>
-              <a:buNone/>
-              <a:defRPr sz="1600" kern="1200">
-                <a:solidFill>
-                  <a:schemeClr val="tx1"/>
-                </a:solidFill>
-                <a:latin typeface="+mn-lt"/>
-                <a:ea typeface="+mn-ea"/>
-                <a:cs typeface="+mn-cs"/>
-              </a:defRPr>
-            </a:lvl4pPr>
-            <a:lvl5pPr marL="1828800" indent="0" algn="ctr" defTabSz="914400" rtl="0" eaLnBrk="1" latinLnBrk="0" hangingPunct="1">
-              <a:lnSpc>
-                <a:spcPct val="90000"/>
-              </a:lnSpc>
-              <a:spcBef>
-                <a:spcPts val="500"/>
-              </a:spcBef>
-              <a:buFont typeface="Arial" panose="020B0604020202020204" pitchFamily="34" charset="0"/>
-              <a:buNone/>
-              <a:defRPr sz="1600" kern="1200">
-                <a:solidFill>
-                  <a:schemeClr val="tx1"/>
-                </a:solidFill>
-                <a:latin typeface="+mn-lt"/>
-                <a:ea typeface="+mn-ea"/>
-                <a:cs typeface="+mn-cs"/>
-              </a:defRPr>
-            </a:lvl5pPr>
-            <a:lvl6pPr marL="2286000" indent="0" algn="ctr" defTabSz="914400" rtl="0" eaLnBrk="1" latinLnBrk="0" hangingPunct="1">
-              <a:lnSpc>
-                <a:spcPct val="90000"/>
-              </a:lnSpc>
-              <a:spcBef>
-                <a:spcPts val="500"/>
-              </a:spcBef>
-              <a:buFont typeface="Arial" panose="020B0604020202020204" pitchFamily="34" charset="0"/>
-              <a:buNone/>
-              <a:defRPr sz="1600" kern="1200">
-                <a:solidFill>
-                  <a:schemeClr val="tx1"/>
-                </a:solidFill>
-                <a:latin typeface="+mn-lt"/>
-                <a:ea typeface="+mn-ea"/>
-                <a:cs typeface="+mn-cs"/>
-              </a:defRPr>
-            </a:lvl6pPr>
-            <a:lvl7pPr marL="2743200" indent="0" algn="ctr" defTabSz="914400" rtl="0" eaLnBrk="1" latinLnBrk="0" hangingPunct="1">
-              <a:lnSpc>
-                <a:spcPct val="90000"/>
-              </a:lnSpc>
-              <a:spcBef>
-                <a:spcPts val="500"/>
-              </a:spcBef>
-              <a:buFont typeface="Arial" panose="020B0604020202020204" pitchFamily="34" charset="0"/>
-              <a:buNone/>
-              <a:defRPr sz="1600" kern="1200">
-                <a:solidFill>
-                  <a:schemeClr val="tx1"/>
-                </a:solidFill>
-                <a:latin typeface="+mn-lt"/>
-                <a:ea typeface="+mn-ea"/>
-                <a:cs typeface="+mn-cs"/>
-              </a:defRPr>
-            </a:lvl7pPr>
-            <a:lvl8pPr marL="3200400" indent="0" algn="ctr" defTabSz="914400" rtl="0" eaLnBrk="1" latinLnBrk="0" hangingPunct="1">
-              <a:lnSpc>
-                <a:spcPct val="90000"/>
-              </a:lnSpc>
-              <a:spcBef>
-                <a:spcPts val="500"/>
-              </a:spcBef>
-              <a:buFont typeface="Arial" panose="020B0604020202020204" pitchFamily="34" charset="0"/>
-              <a:buNone/>
-              <a:defRPr sz="1600" kern="1200">
-                <a:solidFill>
-                  <a:schemeClr val="tx1"/>
-                </a:solidFill>
-                <a:latin typeface="+mn-lt"/>
-                <a:ea typeface="+mn-ea"/>
-                <a:cs typeface="+mn-cs"/>
-              </a:defRPr>
-            </a:lvl8pPr>
-            <a:lvl9pPr marL="3657600" indent="0" algn="ctr" defTabSz="914400" rtl="0" eaLnBrk="1" latinLnBrk="0" hangingPunct="1">
-              <a:lnSpc>
-                <a:spcPct val="90000"/>
-              </a:lnSpc>
-              <a:spcBef>
-                <a:spcPts val="500"/>
-              </a:spcBef>
-              <a:buFont typeface="Arial" panose="020B0604020202020204" pitchFamily="34" charset="0"/>
-              <a:buNone/>
-              <a:defRPr sz="1600" kern="1200">
-                <a:solidFill>
-                  <a:schemeClr val="tx1"/>
-                </a:solidFill>
-                <a:latin typeface="+mn-lt"/>
-                <a:ea typeface="+mn-ea"/>
-                <a:cs typeface="+mn-cs"/>
-              </a:defRPr>
-            </a:lvl9pPr>
-          </a:lstStyle>
-          <a:p>
-            <a:pPr algn="l"/>
-            <a:r>
-              <a:rPr lang="en-US" sz="3200" b="1" dirty="0"/>
-              <a:t>FINAL DRAFT</a:t>
-            </a:r>
-          </a:p>
-        </p:txBody>
-      </p:sp>
     </p:spTree>
     <p:extLst>
       <p:ext uri="{BB962C8B-B14F-4D97-AF65-F5344CB8AC3E}">
@@ -9627,103 +9427,6 @@
                                   </p:childTnLst>
                                 </p:cTn>
                               </p:par>
-                              <p:par>
-                                <p:cTn id="27" presetID="42" presetClass="entr" presetSubtype="0" fill="hold" grpId="0" nodeType="withEffect">
-                                  <p:stCondLst>
-                                    <p:cond delay="2000"/>
-                                  </p:stCondLst>
-                                  <p:childTnLst>
-                                    <p:set>
-                                      <p:cBhvr>
-                                        <p:cTn id="28" dur="1" fill="hold">
-                                          <p:stCondLst>
-                                            <p:cond delay="0"/>
-                                          </p:stCondLst>
-                                        </p:cTn>
-                                        <p:tgtEl>
-                                          <p:spTgt spid="10">
-                                            <p:txEl>
-                                              <p:pRg st="0" end="0"/>
-                                            </p:txEl>
-                                          </p:spTgt>
-                                        </p:tgtEl>
-                                        <p:attrNameLst>
-                                          <p:attrName>style.visibility</p:attrName>
-                                        </p:attrNameLst>
-                                      </p:cBhvr>
-                                      <p:to>
-                                        <p:strVal val="visible"/>
-                                      </p:to>
-                                    </p:set>
-                                    <p:animEffect transition="in" filter="fade">
-                                      <p:cBhvr>
-                                        <p:cTn id="29" dur="1000"/>
-                                        <p:tgtEl>
-                                          <p:spTgt spid="10">
-                                            <p:txEl>
-                                              <p:pRg st="0" end="0"/>
-                                            </p:txEl>
-                                          </p:spTgt>
-                                        </p:tgtEl>
-                                      </p:cBhvr>
-                                    </p:animEffect>
-                                    <p:anim calcmode="lin" valueType="num">
-                                      <p:cBhvr>
-                                        <p:cTn id="30" dur="1000" fill="hold"/>
-                                        <p:tgtEl>
-                                          <p:spTgt spid="10">
-                                            <p:txEl>
-                                              <p:pRg st="0" end="0"/>
-                                            </p:txEl>
-                                          </p:spTgt>
-                                        </p:tgtEl>
-                                        <p:attrNameLst>
-                                          <p:attrName>ppt_x</p:attrName>
-                                        </p:attrNameLst>
-                                      </p:cBhvr>
-                                      <p:tavLst>
-                                        <p:tav tm="0">
-                                          <p:val>
-                                            <p:strVal val="#ppt_x"/>
-                                          </p:val>
-                                        </p:tav>
-                                        <p:tav tm="100000">
-                                          <p:val>
-                                            <p:strVal val="#ppt_x"/>
-                                          </p:val>
-                                        </p:tav>
-                                      </p:tavLst>
-                                    </p:anim>
-                                    <p:anim calcmode="lin" valueType="num">
-                                      <p:cBhvr>
-                                        <p:cTn id="31" dur="1000" fill="hold"/>
-                                        <p:tgtEl>
-                                          <p:spTgt spid="10">
-                                            <p:txEl>
-                                              <p:pRg st="0" end="0"/>
-                                            </p:txEl>
-                                          </p:spTgt>
-                                        </p:tgtEl>
-                                        <p:attrNameLst>
-                                          <p:attrName>ppt_y</p:attrName>
-                                        </p:attrNameLst>
-                                      </p:cBhvr>
-                                      <p:tavLst>
-                                        <p:tav tm="0">
-                                          <p:val>
-                                            <p:strVal val="#ppt_y+.1"/>
-                                          </p:val>
-                                        </p:tav>
-                                        <p:tav tm="100000">
-                                          <p:val>
-                                            <p:strVal val="#ppt_y"/>
-                                          </p:val>
-                                        </p:tav>
-                                      </p:tavLst>
-                                    </p:anim>
-                                  </p:childTnLst>
-                                </p:cTn>
-                              </p:par>
                             </p:childTnLst>
                           </p:cTn>
                         </p:par>
@@ -9754,7 +9457,6 @@
     <p:bldLst>
       <p:bldP spid="2" grpId="0"/>
       <p:bldP spid="3" grpId="0" build="p"/>
-      <p:bldP spid="10" grpId="0" build="p"/>
     </p:bldLst>
   </p:timing>
 </p:sld>
@@ -30809,8 +30511,8 @@
         </p:nvSpPr>
         <p:spPr>
           <a:xfrm>
-            <a:off x="10409513" y="3850356"/>
-            <a:ext cx="1560056" cy="461665"/>
+            <a:off x="10299940" y="3850356"/>
+            <a:ext cx="1669629" cy="461665"/>
           </a:xfrm>
           <a:prstGeom prst="rect">
             <a:avLst/>
@@ -30825,7 +30527,7 @@
           <a:p>
             <a:r>
               <a:rPr lang="en-US" sz="1200" b="1" dirty="0"/>
-              <a:t>No of Missing Values, Surviving Features</a:t>
+              <a:t>No. of Missing Values, Surviving Features</a:t>
             </a:r>
           </a:p>
         </p:txBody>

--- a/Ram_Rao_Final_Practicum.pptx
+++ b/Ram_Rao_Final_Practicum.pptx
@@ -9597,7 +9597,7 @@
           <a:p>
             <a:r>
               <a:rPr lang="en-US" dirty="0"/>
-              <a:t>Model Results - Decision Trees and Ensemble Forests</a:t>
+              <a:t>Model Results - Decision Trees and Ensemble Forest</a:t>
             </a:r>
           </a:p>
         </p:txBody>
@@ -9617,7 +9617,7 @@
           <p:nvPr>
             <p:extLst>
               <p:ext uri="{D42A27DB-BD31-4B8C-83A1-F6EECF244321}">
-                <p14:modId xmlns:p14="http://schemas.microsoft.com/office/powerpoint/2010/main" val="1834469940"/>
+                <p14:modId xmlns:p14="http://schemas.microsoft.com/office/powerpoint/2010/main" val="3454070159"/>
               </p:ext>
             </p:extLst>
           </p:nvPr>
@@ -9669,7 +9669,7 @@
                     <a:p>
                       <a:r>
                         <a:rPr lang="en-US" sz="1400" dirty="0"/>
-                        <a:t>Forests</a:t>
+                        <a:t>Forest</a:t>
                       </a:r>
                     </a:p>
                   </a:txBody>
@@ -10238,7 +10238,7 @@
               </a:r>
               <a:r>
                 <a:rPr lang="en-US" b="1" dirty="0"/>
-                <a:t>mble Forests</a:t>
+                <a:t>mble Forest</a:t>
               </a:r>
               <a:r>
                 <a:rPr lang="en-US" b="1" kern="1200" dirty="0"/>
@@ -10733,7 +10733,7 @@
           <a:p>
             <a:r>
               <a:rPr lang="en-US" sz="1200" b="1" dirty="0"/>
-              <a:t>Ensemble Forests</a:t>
+              <a:t>Ensemble Forest</a:t>
             </a:r>
           </a:p>
         </p:txBody>
@@ -13122,7 +13122,7 @@
           <a:p>
             <a:r>
               <a:rPr lang="en-US" dirty="0"/>
-              <a:t>Model Results  Random Forests</a:t>
+              <a:t>Model Results  Random Forest</a:t>
             </a:r>
           </a:p>
         </p:txBody>
@@ -13189,7 +13189,7 @@
           <p:nvPr>
             <p:extLst>
               <p:ext uri="{D42A27DB-BD31-4B8C-83A1-F6EECF244321}">
-                <p14:modId xmlns:p14="http://schemas.microsoft.com/office/powerpoint/2010/main" val="1530074247"/>
+                <p14:modId xmlns:p14="http://schemas.microsoft.com/office/powerpoint/2010/main" val="3848599948"/>
               </p:ext>
             </p:extLst>
           </p:nvPr>
@@ -13235,7 +13235,13 @@
                     <a:p>
                       <a:r>
                         <a:rPr lang="en-US" sz="1400" dirty="0"/>
-                        <a:t>Random Forests</a:t>
+                        <a:t>Random </a:t>
+                      </a:r>
+                    </a:p>
+                    <a:p>
+                      <a:r>
+                        <a:rPr lang="en-US" sz="1400" dirty="0"/>
+                        <a:t>Forest</a:t>
                       </a:r>
                     </a:p>
                   </a:txBody>
@@ -13547,7 +13553,7 @@
               </a:pPr>
               <a:r>
                 <a:rPr lang="en-US" b="1" kern="1200" dirty="0"/>
-                <a:t>Random Forests:</a:t>
+                <a:t>Random Forest:</a:t>
               </a:r>
             </a:p>
             <a:p>
@@ -13760,20 +13766,6 @@
               </a:pPr>
               <a:endParaRPr lang="en-US" b="1" kern="1200" dirty="0"/>
             </a:p>
-            <a:p>
-              <a:pPr lvl="1" defTabSz="933450">
-                <a:lnSpc>
-                  <a:spcPct val="90000"/>
-                </a:lnSpc>
-                <a:spcBef>
-                  <a:spcPct val="0"/>
-                </a:spcBef>
-                <a:spcAft>
-                  <a:spcPct val="35000"/>
-                </a:spcAft>
-              </a:pPr>
-              <a:endParaRPr lang="en-US" sz="2000" kern="1200" dirty="0"/>
-            </a:p>
           </p:txBody>
         </p:sp>
       </p:grpSp>
@@ -13807,7 +13799,7 @@
           <a:p>
             <a:r>
               <a:rPr lang="en-US" sz="1200" b="1" dirty="0"/>
-              <a:t>Random Forests w/Tuning</a:t>
+              <a:t>Random Forest w/Tuning</a:t>
             </a:r>
           </a:p>
         </p:txBody>
@@ -13902,7 +13894,7 @@
           <a:p>
             <a:r>
               <a:rPr lang="en-US" sz="1200" b="1" dirty="0"/>
-              <a:t>Random Forests w/Tuning</a:t>
+              <a:t>Random Forest w/Tuning</a:t>
             </a:r>
           </a:p>
         </p:txBody>
@@ -14059,7 +14051,7 @@
           <a:p>
             <a:r>
               <a:rPr lang="en-US" sz="1200" b="1" dirty="0"/>
-              <a:t>Random Forests w/o Tuning</a:t>
+              <a:t>Random Forest w/o Tuning</a:t>
             </a:r>
           </a:p>
         </p:txBody>
@@ -14094,7 +14086,7 @@
           <a:p>
             <a:r>
               <a:rPr lang="en-US" sz="1200" b="1" dirty="0"/>
-              <a:t>Random Forests w/Tuning</a:t>
+              <a:t>Random Forest w/Tuning</a:t>
             </a:r>
           </a:p>
         </p:txBody>

--- a/Ram_Rao_Final_Practicum.pptx
+++ b/Ram_Rao_Final_Practicum.pptx
@@ -24448,7 +24448,7 @@
           <p:nvPr>
             <p:extLst>
               <p:ext uri="{D42A27DB-BD31-4B8C-83A1-F6EECF244321}">
-                <p14:modId xmlns:p14="http://schemas.microsoft.com/office/powerpoint/2010/main" val="3627248518"/>
+                <p14:modId xmlns:p14="http://schemas.microsoft.com/office/powerpoint/2010/main" val="2813330325"/>
               </p:ext>
             </p:extLst>
           </p:nvPr>
@@ -25221,15 +25221,22 @@
                         <a:t>N_estimators</a:t>
                       </a:r>
                       <a:r>
-                        <a:rPr lang="en-US" sz="1600" b="0" dirty="0">
+                        <a:rPr lang="en-US" sz="1600" b="0">
                           <a:solidFill>
                             <a:schemeClr val="accent1">
                               <a:lumMod val="50000"/>
                             </a:schemeClr>
                           </a:solidFill>
                         </a:rPr>
-                        <a:t>= 100</a:t>
+                        <a:t>= 196</a:t>
                       </a:r>
+                      <a:endParaRPr lang="en-US" sz="1600" b="0" dirty="0">
+                        <a:solidFill>
+                          <a:schemeClr val="accent1">
+                            <a:lumMod val="50000"/>
+                          </a:schemeClr>
+                        </a:solidFill>
+                      </a:endParaRPr>
                     </a:p>
                     <a:p>
                       <a:r>
@@ -25250,7 +25257,7 @@
                             </a:schemeClr>
                           </a:solidFill>
                         </a:rPr>
-                        <a:t> = 1.0,</a:t>
+                        <a:t> = 1.625</a:t>
                       </a:r>
                     </a:p>
                   </a:txBody>

--- a/Ram_Rao_Final_Practicum.pptx
+++ b/Ram_Rao_Final_Practicum.pptx
@@ -3364,7 +3364,7 @@
           <a:p>
             <a:fld id="{D41C5BD2-4D8D-4C7C-9FC3-7949CD64F1DB}" type="datetimeFigureOut">
               <a:rPr lang="en-US" smtClean="0"/>
-              <a:t>7/14/2022</a:t>
+              <a:t>7/15/2022</a:t>
             </a:fld>
             <a:endParaRPr lang="en-US"/>
           </a:p>
@@ -3778,7 +3778,7 @@
           <a:p>
             <a:fld id="{4BDF68E2-58F2-4D09-BE8B-E3BD06533059}" type="datetimeFigureOut">
               <a:rPr lang="en-US" smtClean="0"/>
-              <a:t>7/14/2022</a:t>
+              <a:t>7/15/2022</a:t>
             </a:fld>
             <a:endParaRPr lang="en-US" dirty="0"/>
           </a:p>
@@ -4055,7 +4055,7 @@
           <a:p>
             <a:fld id="{2E2D6473-DF6D-4702-B328-E0DD40540A4E}" type="datetimeFigureOut">
               <a:rPr lang="en-US" smtClean="0"/>
-              <a:t>7/14/2022</a:t>
+              <a:t>7/15/2022</a:t>
             </a:fld>
             <a:endParaRPr lang="en-US" dirty="0"/>
           </a:p>
@@ -4264,7 +4264,7 @@
           <a:p>
             <a:fld id="{E26F7E3A-B166-407D-9866-32884E7D5B37}" type="datetimeFigureOut">
               <a:rPr lang="en-US" smtClean="0"/>
-              <a:t>7/14/2022</a:t>
+              <a:t>7/15/2022</a:t>
             </a:fld>
             <a:endParaRPr lang="en-US" dirty="0"/>
           </a:p>
@@ -5691,7 +5691,7 @@
           <a:p>
             <a:fld id="{528FC5F6-F338-4AE4-BB23-26385BCFC423}" type="datetimeFigureOut">
               <a:rPr lang="en-US" smtClean="0"/>
-              <a:t>7/14/2022</a:t>
+              <a:t>7/15/2022</a:t>
             </a:fld>
             <a:endParaRPr lang="en-US" dirty="0"/>
           </a:p>
@@ -5967,7 +5967,7 @@
           <a:p>
             <a:fld id="{20EBB0C4-6273-4C6E-B9BD-2EDC30F1CD52}" type="datetimeFigureOut">
               <a:rPr lang="en-US" smtClean="0"/>
-              <a:t>7/14/2022</a:t>
+              <a:t>7/15/2022</a:t>
             </a:fld>
             <a:endParaRPr lang="en-US" dirty="0"/>
           </a:p>
@@ -6233,7 +6233,7 @@
           <a:p>
             <a:fld id="{19AB4D41-86C1-4908-B66A-0B50CEB3BF29}" type="datetimeFigureOut">
               <a:rPr lang="en-US" smtClean="0"/>
-              <a:t>7/14/2022</a:t>
+              <a:t>7/15/2022</a:t>
             </a:fld>
             <a:endParaRPr lang="en-US" dirty="0"/>
           </a:p>
@@ -6646,7 +6646,7 @@
           <a:p>
             <a:fld id="{E6426E2C-56C1-4E0D-A793-0088A7FDD37E}" type="datetimeFigureOut">
               <a:rPr lang="en-US" smtClean="0"/>
-              <a:t>7/14/2022</a:t>
+              <a:t>7/15/2022</a:t>
             </a:fld>
             <a:endParaRPr lang="en-US" dirty="0"/>
           </a:p>
@@ -6788,7 +6788,7 @@
           <a:p>
             <a:fld id="{C8C39B41-D8B5-4052-B551-9B5525EAA8B6}" type="datetimeFigureOut">
               <a:rPr lang="en-US" smtClean="0"/>
-              <a:t>7/14/2022</a:t>
+              <a:t>7/15/2022</a:t>
             </a:fld>
             <a:endParaRPr lang="en-US" dirty="0"/>
           </a:p>
@@ -6902,7 +6902,7 @@
           <a:p>
             <a:fld id="{4D94136C-8742-45B2-AF27-D93DF72833A9}" type="datetimeFigureOut">
               <a:rPr lang="en-US" smtClean="0"/>
-              <a:t>7/14/2022</a:t>
+              <a:t>7/15/2022</a:t>
             </a:fld>
             <a:endParaRPr lang="en-US" dirty="0"/>
           </a:p>
@@ -7215,7 +7215,7 @@
           <a:p>
             <a:fld id="{32ABBEA6-7C60-4B02-AE87-00D78D8422AF}" type="datetimeFigureOut">
               <a:rPr lang="en-US" smtClean="0"/>
-              <a:t>7/14/2022</a:t>
+              <a:t>7/15/2022</a:t>
             </a:fld>
             <a:endParaRPr lang="en-US" dirty="0"/>
           </a:p>
@@ -7505,7 +7505,7 @@
           <a:p>
             <a:fld id="{C9CAD897-D46E-4AD2-BD9B-49DD3E640873}" type="datetimeFigureOut">
               <a:rPr lang="en-US" smtClean="0"/>
-              <a:t>7/14/2022</a:t>
+              <a:t>7/15/2022</a:t>
             </a:fld>
             <a:endParaRPr lang="en-US" dirty="0"/>
           </a:p>
@@ -7747,7 +7747,7 @@
           <a:p>
             <a:fld id="{98624D31-43A5-475A-80CF-332C9F6DCF35}" type="datetimeFigureOut">
               <a:rPr lang="en-US" smtClean="0"/>
-              <a:t>7/14/2022</a:t>
+              <a:t>7/15/2022</a:t>
             </a:fld>
             <a:endParaRPr lang="en-US" dirty="0"/>
           </a:p>
@@ -24448,13 +24448,13 @@
           <p:nvPr>
             <p:extLst>
               <p:ext uri="{D42A27DB-BD31-4B8C-83A1-F6EECF244321}">
-                <p14:modId xmlns:p14="http://schemas.microsoft.com/office/powerpoint/2010/main" val="2813330325"/>
+                <p14:modId xmlns:p14="http://schemas.microsoft.com/office/powerpoint/2010/main" val="2099059173"/>
               </p:ext>
             </p:extLst>
           </p:nvPr>
         </p:nvGraphicFramePr>
         <p:xfrm>
-          <a:off x="611016" y="1131259"/>
+          <a:off x="696360" y="1155643"/>
           <a:ext cx="10568152" cy="4942840"/>
         </p:xfrm>
         <a:graphic>
@@ -32408,7 +32408,7 @@
               </a:pPr>
               <a:r>
                 <a:rPr lang="en-US" sz="1400" dirty="0"/>
-                <a:t>Non Defaulted : 0</a:t>
+                <a:t>Non-Defaulted : 0</a:t>
               </a:r>
             </a:p>
             <a:p>
@@ -34245,7 +34245,7 @@
         <p:grpSpPr>
           <a:xfrm>
             <a:off x="8805" y="1286080"/>
-            <a:ext cx="3328627" cy="4680337"/>
+            <a:ext cx="3328627" cy="4853618"/>
             <a:chOff x="0" y="143317"/>
             <a:chExt cx="3474720" cy="1479574"/>
           </a:xfrm>
@@ -34457,6 +34457,30 @@
                 <a:rPr lang="en-US" sz="1600" dirty="0"/>
                 <a:t>it</a:t>
               </a:r>
+            </a:p>
+            <a:p>
+              <a:pPr marL="742950" lvl="1" indent="-285750" defTabSz="933450">
+                <a:lnSpc>
+                  <a:spcPct val="90000"/>
+                </a:lnSpc>
+                <a:spcBef>
+                  <a:spcPct val="0"/>
+                </a:spcBef>
+                <a:spcAft>
+                  <a:spcPct val="35000"/>
+                </a:spcAft>
+                <a:buFont typeface="Wingdings" panose="05000000000000000000" pitchFamily="2" charset="2"/>
+                <a:buChar char="Ø"/>
+              </a:pPr>
+              <a:r>
+                <a:rPr lang="en-US" sz="1600" dirty="0"/>
+                <a:t>Lower </a:t>
+              </a:r>
+              <a:r>
+                <a:rPr lang="en-US" sz="1600" dirty="0" err="1"/>
+                <a:t>PrincipalOverdue</a:t>
+              </a:r>
+              <a:endParaRPr lang="en-US" sz="1600" kern="1200" dirty="0"/>
             </a:p>
             <a:p>
               <a:pPr marL="742950" lvl="1" indent="-285750" defTabSz="933450">
@@ -35605,8 +35629,8 @@
         </p:blipFill>
         <p:spPr>
           <a:xfrm>
-            <a:off x="4250987" y="114617"/>
-            <a:ext cx="7755694" cy="6087409"/>
+            <a:off x="4664472" y="276045"/>
+            <a:ext cx="7517503" cy="5900454"/>
           </a:xfrm>
           <a:prstGeom prst="rect">
             <a:avLst/>
@@ -35674,8 +35698,8 @@
         </p:nvGrpSpPr>
         <p:grpSpPr>
           <a:xfrm>
-            <a:off x="407457" y="1241594"/>
-            <a:ext cx="3474720" cy="4184421"/>
+            <a:off x="31514" y="1030392"/>
+            <a:ext cx="2736345" cy="4783812"/>
             <a:chOff x="0" y="168453"/>
             <a:chExt cx="3474720" cy="1479574"/>
           </a:xfrm>
@@ -35811,7 +35835,45 @@
                 <a:buChar char="q"/>
               </a:pPr>
               <a:r>
-                <a:rPr lang="en-US" sz="2000" dirty="0"/>
+                <a:rPr lang="en-US" sz="1600" b="1" dirty="0"/>
+                <a:t>Higher Default</a:t>
+              </a:r>
+            </a:p>
+            <a:p>
+              <a:pPr marL="800100" lvl="1" indent="-342900" defTabSz="933450">
+                <a:lnSpc>
+                  <a:spcPct val="90000"/>
+                </a:lnSpc>
+                <a:spcBef>
+                  <a:spcPct val="0"/>
+                </a:spcBef>
+                <a:spcAft>
+                  <a:spcPct val="35000"/>
+                </a:spcAft>
+                <a:buFont typeface="Wingdings" panose="05000000000000000000" pitchFamily="2" charset="2"/>
+                <a:buChar char="Ø"/>
+              </a:pPr>
+              <a:r>
+                <a:rPr lang="en-US" sz="1600" dirty="0"/>
+                <a:t>Higher Principal Overdue</a:t>
+              </a:r>
+            </a:p>
+            <a:p>
+              <a:pPr marL="342900" lvl="0" indent="-342900" algn="l" defTabSz="933450">
+                <a:lnSpc>
+                  <a:spcPct val="90000"/>
+                </a:lnSpc>
+                <a:spcBef>
+                  <a:spcPct val="0"/>
+                </a:spcBef>
+                <a:spcAft>
+                  <a:spcPct val="35000"/>
+                </a:spcAft>
+                <a:buFont typeface="Wingdings" panose="05000000000000000000" pitchFamily="2" charset="2"/>
+                <a:buChar char="q"/>
+              </a:pPr>
+              <a:r>
+                <a:rPr lang="en-US" dirty="0"/>
                 <a:t> Higher Spread and Max for  Target Class 1</a:t>
               </a:r>
             </a:p>
@@ -35830,7 +35892,7 @@
                 <a:buChar char="Ø"/>
               </a:pPr>
               <a:r>
-                <a:rPr lang="en-US" sz="2000" dirty="0"/>
+                <a:rPr lang="en-US" sz="1600" dirty="0"/>
                 <a:t>Probability of Default</a:t>
               </a:r>
             </a:p>
@@ -35849,7 +35911,7 @@
                 <a:buChar char="Ø"/>
               </a:pPr>
               <a:r>
-                <a:rPr lang="en-US" sz="2000" dirty="0"/>
+                <a:rPr lang="en-US" sz="1600" dirty="0"/>
                 <a:t>Debt Types</a:t>
               </a:r>
             </a:p>
@@ -35868,7 +35930,7 @@
                 <a:buChar char="Ø"/>
               </a:pPr>
               <a:r>
-                <a:rPr lang="en-US" sz="2000" dirty="0"/>
+                <a:rPr lang="en-US" sz="1600" dirty="0"/>
                 <a:t>Interest Servicing</a:t>
               </a:r>
             </a:p>
@@ -35887,7 +35949,7 @@
                 <a:buChar char="q"/>
               </a:pPr>
               <a:r>
-                <a:rPr lang="en-US" sz="2000" dirty="0"/>
+                <a:rPr lang="en-US" dirty="0"/>
                 <a:t>No Significant Differences  Between Classes</a:t>
               </a:r>
             </a:p>
@@ -35906,7 +35968,7 @@
                 <a:buChar char="Ø"/>
               </a:pPr>
               <a:r>
-                <a:rPr lang="en-US" sz="2000" dirty="0"/>
+                <a:rPr lang="en-US" sz="1600" dirty="0"/>
                 <a:t>Applied Amount</a:t>
               </a:r>
             </a:p>
@@ -35925,7 +35987,7 @@
                 <a:buChar char="Ø"/>
               </a:pPr>
               <a:r>
-                <a:rPr lang="en-US" sz="2000" dirty="0"/>
+                <a:rPr lang="en-US" sz="1600" dirty="0"/>
                 <a:t>Income Types</a:t>
               </a:r>
             </a:p>
@@ -35962,7 +36024,7 @@
         </p:nvCxnSpPr>
         <p:spPr>
           <a:xfrm flipV="1">
-            <a:off x="9996569" y="1241594"/>
+            <a:off x="10195413" y="1337110"/>
             <a:ext cx="596900" cy="535448"/>
           </a:xfrm>
           <a:prstGeom prst="straightConnector1">
@@ -36006,7 +36068,7 @@
         </p:nvCxnSpPr>
         <p:spPr>
           <a:xfrm flipV="1">
-            <a:off x="9929004" y="2321764"/>
+            <a:off x="10173107" y="2446865"/>
             <a:ext cx="658115" cy="582255"/>
           </a:xfrm>
           <a:prstGeom prst="straightConnector1">
@@ -36050,7 +36112,7 @@
         </p:nvCxnSpPr>
         <p:spPr>
           <a:xfrm flipV="1">
-            <a:off x="6241128" y="2207464"/>
+            <a:off x="6623749" y="2332565"/>
             <a:ext cx="590550" cy="228600"/>
           </a:xfrm>
           <a:prstGeom prst="straightConnector1">
@@ -36092,7 +36154,7 @@
         </p:nvCxnSpPr>
         <p:spPr>
           <a:xfrm flipV="1">
-            <a:off x="6241128" y="1571985"/>
+            <a:off x="6623749" y="1700715"/>
             <a:ext cx="590550" cy="50800"/>
           </a:xfrm>
           <a:prstGeom prst="straightConnector1">
@@ -36134,7 +36196,7 @@
         </p:nvCxnSpPr>
         <p:spPr>
           <a:xfrm flipV="1">
-            <a:off x="10135227" y="5559255"/>
+            <a:off x="10422665" y="5520890"/>
             <a:ext cx="495300" cy="114300"/>
           </a:xfrm>
           <a:prstGeom prst="straightConnector1">
@@ -36176,7 +36238,7 @@
         </p:nvCxnSpPr>
         <p:spPr>
           <a:xfrm>
-            <a:off x="6379989" y="4643211"/>
+            <a:off x="6693599" y="4617684"/>
             <a:ext cx="520700" cy="0"/>
           </a:xfrm>
           <a:prstGeom prst="straightConnector1">
@@ -36215,7 +36277,7 @@
         </p:nvCxnSpPr>
         <p:spPr>
           <a:xfrm>
-            <a:off x="6303789" y="4897055"/>
+            <a:off x="6699682" y="4897407"/>
             <a:ext cx="596900" cy="45085"/>
           </a:xfrm>
           <a:prstGeom prst="straightConnector1">
@@ -36254,7 +36316,7 @@
         </p:nvCxnSpPr>
         <p:spPr>
           <a:xfrm>
-            <a:off x="10135227" y="4643211"/>
+            <a:off x="10422665" y="4678069"/>
             <a:ext cx="520700" cy="0"/>
           </a:xfrm>
           <a:prstGeom prst="straightConnector1">
@@ -36279,6 +36341,36 @@
           </a:fontRef>
         </p:style>
       </p:cxnSp>
+      <p:pic>
+        <p:nvPicPr>
+          <p:cNvPr id="4" name="Picture 3">
+            <a:extLst>
+              <a:ext uri="{FF2B5EF4-FFF2-40B4-BE49-F238E27FC236}">
+                <a16:creationId xmlns:a16="http://schemas.microsoft.com/office/drawing/2014/main" id="{1B319DBA-8850-C613-F1EC-EAB452EC7C39}"/>
+              </a:ext>
+            </a:extLst>
+          </p:cNvPr>
+          <p:cNvPicPr>
+            <a:picLocks noChangeAspect="1"/>
+          </p:cNvPicPr>
+          <p:nvPr/>
+        </p:nvPicPr>
+        <p:blipFill>
+          <a:blip r:embed="rId4"/>
+          <a:stretch>
+            <a:fillRect/>
+          </a:stretch>
+        </p:blipFill>
+        <p:spPr>
+          <a:xfrm>
+            <a:off x="2505943" y="2440736"/>
+            <a:ext cx="2291043" cy="3887273"/>
+          </a:xfrm>
+          <a:prstGeom prst="rect">
+            <a:avLst/>
+          </a:prstGeom>
+        </p:spPr>
+      </p:pic>
     </p:spTree>
     <p:extLst>
       <p:ext uri="{BB962C8B-B14F-4D97-AF65-F5344CB8AC3E}">
@@ -36310,7 +36402,7 @@
                             </p:stCondLst>
                             <p:childTnLst>
                               <p:par>
-                                <p:cTn id="5" presetID="21" presetClass="entr" presetSubtype="1" fill="hold" nodeType="clickEffect">
+                                <p:cTn id="5" presetID="42" presetClass="entr" presetSubtype="0" fill="hold" nodeType="clickEffect">
                                   <p:stCondLst>
                                     <p:cond delay="0"/>
                                   </p:stCondLst>
@@ -36333,14 +36425,60 @@
                                         <p:strVal val="visible"/>
                                       </p:to>
                                     </p:set>
-                                    <p:animEffect transition="in" filter="wheel(1)">
-                                      <p:cBhvr>
-                                        <p:cTn id="7" dur="2000"/>
+                                    <p:animEffect transition="in" filter="fade">
+                                      <p:cBhvr>
+                                        <p:cTn id="7" dur="1000"/>
                                         <p:tgtEl>
                                           <p:spTgt spid="18"/>
                                         </p:tgtEl>
                                       </p:cBhvr>
                                     </p:animEffect>
+                                    <p:anim calcmode="lin" valueType="num">
+                                      <p:cBhvr>
+                                        <p:cTn id="8" dur="1000" fill="hold"/>
+                                        <p:tgtEl>
+                                          <p:spTgt spid="18"/>
+                                        </p:tgtEl>
+                                        <p:attrNameLst>
+                                          <p:attrName>ppt_x</p:attrName>
+                                        </p:attrNameLst>
+                                      </p:cBhvr>
+                                      <p:tavLst>
+                                        <p:tav tm="0">
+                                          <p:val>
+                                            <p:strVal val="#ppt_x"/>
+                                          </p:val>
+                                        </p:tav>
+                                        <p:tav tm="100000">
+                                          <p:val>
+                                            <p:strVal val="#ppt_x"/>
+                                          </p:val>
+                                        </p:tav>
+                                      </p:tavLst>
+                                    </p:anim>
+                                    <p:anim calcmode="lin" valueType="num">
+                                      <p:cBhvr>
+                                        <p:cTn id="9" dur="1000" fill="hold"/>
+                                        <p:tgtEl>
+                                          <p:spTgt spid="18"/>
+                                        </p:tgtEl>
+                                        <p:attrNameLst>
+                                          <p:attrName>ppt_y</p:attrName>
+                                        </p:attrNameLst>
+                                      </p:cBhvr>
+                                      <p:tavLst>
+                                        <p:tav tm="0">
+                                          <p:val>
+                                            <p:strVal val="#ppt_y+.1"/>
+                                          </p:val>
+                                        </p:tav>
+                                        <p:tav tm="100000">
+                                          <p:val>
+                                            <p:strVal val="#ppt_y"/>
+                                          </p:val>
+                                        </p:tav>
+                                      </p:tavLst>
+                                    </p:anim>
                                   </p:childTnLst>
                                 </p:cTn>
                               </p:par>
@@ -36351,26 +36489,26 @@
                     </p:cTn>
                   </p:par>
                   <p:par>
-                    <p:cTn id="8" fill="hold">
+                    <p:cTn id="10" fill="hold">
                       <p:stCondLst>
                         <p:cond delay="indefinite"/>
                       </p:stCondLst>
                       <p:childTnLst>
                         <p:par>
-                          <p:cTn id="9" fill="hold">
+                          <p:cTn id="11" fill="hold">
                             <p:stCondLst>
                               <p:cond delay="0"/>
                             </p:stCondLst>
                             <p:childTnLst>
                               <p:par>
-                                <p:cTn id="10" presetID="42" presetClass="entr" presetSubtype="0" fill="hold" nodeType="clickEffect">
+                                <p:cTn id="12" presetID="42" presetClass="entr" presetSubtype="0" fill="hold" nodeType="clickEffect">
                                   <p:stCondLst>
                                     <p:cond delay="0"/>
                                   </p:stCondLst>
                                   <p:childTnLst>
                                     <p:set>
                                       <p:cBhvr>
-                                        <p:cTn id="11" dur="1" fill="hold">
+                                        <p:cTn id="13" dur="1" fill="hold">
                                           <p:stCondLst>
                                             <p:cond delay="0"/>
                                           </p:stCondLst>
@@ -36388,7 +36526,7 @@
                                     </p:set>
                                     <p:animEffect transition="in" filter="fade">
                                       <p:cBhvr>
-                                        <p:cTn id="12" dur="1000"/>
+                                        <p:cTn id="14" dur="1000"/>
                                         <p:tgtEl>
                                           <p:spTgt spid="9"/>
                                         </p:tgtEl>
@@ -36396,7 +36534,7 @@
                                     </p:animEffect>
                                     <p:anim calcmode="lin" valueType="num">
                                       <p:cBhvr>
-                                        <p:cTn id="13" dur="1000" fill="hold"/>
+                                        <p:cTn id="15" dur="1000" fill="hold"/>
                                         <p:tgtEl>
                                           <p:spTgt spid="9"/>
                                         </p:tgtEl>
@@ -36419,7 +36557,7 @@
                                     </p:anim>
                                     <p:anim calcmode="lin" valueType="num">
                                       <p:cBhvr>
-                                        <p:cTn id="14" dur="1000" fill="hold"/>
+                                        <p:cTn id="16" dur="1000" fill="hold"/>
                                         <p:tgtEl>
                                           <p:spTgt spid="9"/>
                                         </p:tgtEl>
@@ -36444,14 +36582,14 @@
                                 </p:cTn>
                               </p:par>
                               <p:par>
-                                <p:cTn id="15" presetID="21" presetClass="entr" presetSubtype="1" fill="hold" nodeType="withEffect">
+                                <p:cTn id="17" presetID="42" presetClass="entr" presetSubtype="0" fill="hold" nodeType="withEffect">
                                   <p:stCondLst>
                                     <p:cond delay="0"/>
                                   </p:stCondLst>
                                   <p:childTnLst>
                                     <p:set>
                                       <p:cBhvr>
-                                        <p:cTn id="16" dur="1" fill="hold">
+                                        <p:cTn id="18" dur="1" fill="hold">
                                           <p:stCondLst>
                                             <p:cond delay="0"/>
                                           </p:stCondLst>
@@ -36467,26 +36605,72 @@
                                         <p:strVal val="visible"/>
                                       </p:to>
                                     </p:set>
-                                    <p:animEffect transition="in" filter="wheel(1)">
-                                      <p:cBhvr>
-                                        <p:cTn id="17" dur="2000"/>
+                                    <p:animEffect transition="in" filter="fade">
+                                      <p:cBhvr>
+                                        <p:cTn id="19" dur="1000"/>
                                         <p:tgtEl>
                                           <p:spTgt spid="14"/>
                                         </p:tgtEl>
                                       </p:cBhvr>
                                     </p:animEffect>
+                                    <p:anim calcmode="lin" valueType="num">
+                                      <p:cBhvr>
+                                        <p:cTn id="20" dur="1000" fill="hold"/>
+                                        <p:tgtEl>
+                                          <p:spTgt spid="14"/>
+                                        </p:tgtEl>
+                                        <p:attrNameLst>
+                                          <p:attrName>ppt_x</p:attrName>
+                                        </p:attrNameLst>
+                                      </p:cBhvr>
+                                      <p:tavLst>
+                                        <p:tav tm="0">
+                                          <p:val>
+                                            <p:strVal val="#ppt_x"/>
+                                          </p:val>
+                                        </p:tav>
+                                        <p:tav tm="100000">
+                                          <p:val>
+                                            <p:strVal val="#ppt_x"/>
+                                          </p:val>
+                                        </p:tav>
+                                      </p:tavLst>
+                                    </p:anim>
+                                    <p:anim calcmode="lin" valueType="num">
+                                      <p:cBhvr>
+                                        <p:cTn id="21" dur="1000" fill="hold"/>
+                                        <p:tgtEl>
+                                          <p:spTgt spid="14"/>
+                                        </p:tgtEl>
+                                        <p:attrNameLst>
+                                          <p:attrName>ppt_y</p:attrName>
+                                        </p:attrNameLst>
+                                      </p:cBhvr>
+                                      <p:tavLst>
+                                        <p:tav tm="0">
+                                          <p:val>
+                                            <p:strVal val="#ppt_y+.1"/>
+                                          </p:val>
+                                        </p:tav>
+                                        <p:tav tm="100000">
+                                          <p:val>
+                                            <p:strVal val="#ppt_y"/>
+                                          </p:val>
+                                        </p:tav>
+                                      </p:tavLst>
+                                    </p:anim>
                                   </p:childTnLst>
                                 </p:cTn>
                               </p:par>
                               <p:par>
-                                <p:cTn id="18" presetID="21" presetClass="entr" presetSubtype="1" fill="hold" nodeType="withEffect">
+                                <p:cTn id="22" presetID="42" presetClass="entr" presetSubtype="0" fill="hold" nodeType="withEffect">
                                   <p:stCondLst>
                                     <p:cond delay="0"/>
                                   </p:stCondLst>
                                   <p:childTnLst>
                                     <p:set>
                                       <p:cBhvr>
-                                        <p:cTn id="19" dur="1" fill="hold">
+                                        <p:cTn id="23" dur="1" fill="hold">
                                           <p:stCondLst>
                                             <p:cond delay="0"/>
                                           </p:stCondLst>
@@ -36502,26 +36686,72 @@
                                         <p:strVal val="visible"/>
                                       </p:to>
                                     </p:set>
-                                    <p:animEffect transition="in" filter="wheel(1)">
-                                      <p:cBhvr>
-                                        <p:cTn id="20" dur="2000"/>
+                                    <p:animEffect transition="in" filter="fade">
+                                      <p:cBhvr>
+                                        <p:cTn id="24" dur="1000"/>
                                         <p:tgtEl>
                                           <p:spTgt spid="13"/>
                                         </p:tgtEl>
                                       </p:cBhvr>
                                     </p:animEffect>
+                                    <p:anim calcmode="lin" valueType="num">
+                                      <p:cBhvr>
+                                        <p:cTn id="25" dur="1000" fill="hold"/>
+                                        <p:tgtEl>
+                                          <p:spTgt spid="13"/>
+                                        </p:tgtEl>
+                                        <p:attrNameLst>
+                                          <p:attrName>ppt_x</p:attrName>
+                                        </p:attrNameLst>
+                                      </p:cBhvr>
+                                      <p:tavLst>
+                                        <p:tav tm="0">
+                                          <p:val>
+                                            <p:strVal val="#ppt_x"/>
+                                          </p:val>
+                                        </p:tav>
+                                        <p:tav tm="100000">
+                                          <p:val>
+                                            <p:strVal val="#ppt_x"/>
+                                          </p:val>
+                                        </p:tav>
+                                      </p:tavLst>
+                                    </p:anim>
+                                    <p:anim calcmode="lin" valueType="num">
+                                      <p:cBhvr>
+                                        <p:cTn id="26" dur="1000" fill="hold"/>
+                                        <p:tgtEl>
+                                          <p:spTgt spid="13"/>
+                                        </p:tgtEl>
+                                        <p:attrNameLst>
+                                          <p:attrName>ppt_y</p:attrName>
+                                        </p:attrNameLst>
+                                      </p:cBhvr>
+                                      <p:tavLst>
+                                        <p:tav tm="0">
+                                          <p:val>
+                                            <p:strVal val="#ppt_y+.1"/>
+                                          </p:val>
+                                        </p:tav>
+                                        <p:tav tm="100000">
+                                          <p:val>
+                                            <p:strVal val="#ppt_y"/>
+                                          </p:val>
+                                        </p:tav>
+                                      </p:tavLst>
+                                    </p:anim>
                                   </p:childTnLst>
                                 </p:cTn>
                               </p:par>
                               <p:par>
-                                <p:cTn id="21" presetID="21" presetClass="entr" presetSubtype="1" fill="hold" nodeType="withEffect">
+                                <p:cTn id="27" presetID="42" presetClass="entr" presetSubtype="0" fill="hold" nodeType="withEffect">
                                   <p:stCondLst>
                                     <p:cond delay="0"/>
                                   </p:stCondLst>
                                   <p:childTnLst>
                                     <p:set>
                                       <p:cBhvr>
-                                        <p:cTn id="22" dur="1" fill="hold">
+                                        <p:cTn id="28" dur="1" fill="hold">
                                           <p:stCondLst>
                                             <p:cond delay="0"/>
                                           </p:stCondLst>
@@ -36537,26 +36767,72 @@
                                         <p:strVal val="visible"/>
                                       </p:to>
                                     </p:set>
-                                    <p:animEffect transition="in" filter="wheel(1)">
-                                      <p:cBhvr>
-                                        <p:cTn id="23" dur="2000"/>
+                                    <p:animEffect transition="in" filter="fade">
+                                      <p:cBhvr>
+                                        <p:cTn id="29" dur="1000"/>
                                         <p:tgtEl>
                                           <p:spTgt spid="8"/>
                                         </p:tgtEl>
                                       </p:cBhvr>
                                     </p:animEffect>
+                                    <p:anim calcmode="lin" valueType="num">
+                                      <p:cBhvr>
+                                        <p:cTn id="30" dur="1000" fill="hold"/>
+                                        <p:tgtEl>
+                                          <p:spTgt spid="8"/>
+                                        </p:tgtEl>
+                                        <p:attrNameLst>
+                                          <p:attrName>ppt_x</p:attrName>
+                                        </p:attrNameLst>
+                                      </p:cBhvr>
+                                      <p:tavLst>
+                                        <p:tav tm="0">
+                                          <p:val>
+                                            <p:strVal val="#ppt_x"/>
+                                          </p:val>
+                                        </p:tav>
+                                        <p:tav tm="100000">
+                                          <p:val>
+                                            <p:strVal val="#ppt_x"/>
+                                          </p:val>
+                                        </p:tav>
+                                      </p:tavLst>
+                                    </p:anim>
+                                    <p:anim calcmode="lin" valueType="num">
+                                      <p:cBhvr>
+                                        <p:cTn id="31" dur="1000" fill="hold"/>
+                                        <p:tgtEl>
+                                          <p:spTgt spid="8"/>
+                                        </p:tgtEl>
+                                        <p:attrNameLst>
+                                          <p:attrName>ppt_y</p:attrName>
+                                        </p:attrNameLst>
+                                      </p:cBhvr>
+                                      <p:tavLst>
+                                        <p:tav tm="0">
+                                          <p:val>
+                                            <p:strVal val="#ppt_y+.1"/>
+                                          </p:val>
+                                        </p:tav>
+                                        <p:tav tm="100000">
+                                          <p:val>
+                                            <p:strVal val="#ppt_y"/>
+                                          </p:val>
+                                        </p:tav>
+                                      </p:tavLst>
+                                    </p:anim>
                                   </p:childTnLst>
                                 </p:cTn>
                               </p:par>
                               <p:par>
-                                <p:cTn id="24" presetID="21" presetClass="entr" presetSubtype="1" fill="hold" nodeType="withEffect">
+                                <p:cTn id="32" presetID="42" presetClass="entr" presetSubtype="0" fill="hold" nodeType="withEffect">
                                   <p:stCondLst>
                                     <p:cond delay="0"/>
                                   </p:stCondLst>
                                   <p:childTnLst>
                                     <p:set>
                                       <p:cBhvr>
-                                        <p:cTn id="25" dur="1" fill="hold">
+                                        <p:cTn id="33" dur="1" fill="hold">
                                           <p:stCondLst>
                                             <p:cond delay="0"/>
                                           </p:stCondLst>
@@ -36572,26 +36848,72 @@
                                         <p:strVal val="visible"/>
                                       </p:to>
                                     </p:set>
-                                    <p:animEffect transition="in" filter="wheel(1)">
-                                      <p:cBhvr>
-                                        <p:cTn id="26" dur="2000"/>
+                                    <p:animEffect transition="in" filter="fade">
+                                      <p:cBhvr>
+                                        <p:cTn id="34" dur="1000"/>
                                         <p:tgtEl>
                                           <p:spTgt spid="12"/>
                                         </p:tgtEl>
                                       </p:cBhvr>
                                     </p:animEffect>
+                                    <p:anim calcmode="lin" valueType="num">
+                                      <p:cBhvr>
+                                        <p:cTn id="35" dur="1000" fill="hold"/>
+                                        <p:tgtEl>
+                                          <p:spTgt spid="12"/>
+                                        </p:tgtEl>
+                                        <p:attrNameLst>
+                                          <p:attrName>ppt_x</p:attrName>
+                                        </p:attrNameLst>
+                                      </p:cBhvr>
+                                      <p:tavLst>
+                                        <p:tav tm="0">
+                                          <p:val>
+                                            <p:strVal val="#ppt_x"/>
+                                          </p:val>
+                                        </p:tav>
+                                        <p:tav tm="100000">
+                                          <p:val>
+                                            <p:strVal val="#ppt_x"/>
+                                          </p:val>
+                                        </p:tav>
+                                      </p:tavLst>
+                                    </p:anim>
+                                    <p:anim calcmode="lin" valueType="num">
+                                      <p:cBhvr>
+                                        <p:cTn id="36" dur="1000" fill="hold"/>
+                                        <p:tgtEl>
+                                          <p:spTgt spid="12"/>
+                                        </p:tgtEl>
+                                        <p:attrNameLst>
+                                          <p:attrName>ppt_y</p:attrName>
+                                        </p:attrNameLst>
+                                      </p:cBhvr>
+                                      <p:tavLst>
+                                        <p:tav tm="0">
+                                          <p:val>
+                                            <p:strVal val="#ppt_y+.1"/>
+                                          </p:val>
+                                        </p:tav>
+                                        <p:tav tm="100000">
+                                          <p:val>
+                                            <p:strVal val="#ppt_y"/>
+                                          </p:val>
+                                        </p:tav>
+                                      </p:tavLst>
+                                    </p:anim>
                                   </p:childTnLst>
                                 </p:cTn>
                               </p:par>
                               <p:par>
-                                <p:cTn id="27" presetID="21" presetClass="entr" presetSubtype="1" fill="hold" nodeType="withEffect">
+                                <p:cTn id="37" presetID="42" presetClass="entr" presetSubtype="0" fill="hold" nodeType="withEffect">
                                   <p:stCondLst>
                                     <p:cond delay="0"/>
                                   </p:stCondLst>
                                   <p:childTnLst>
                                     <p:set>
                                       <p:cBhvr>
-                                        <p:cTn id="28" dur="1" fill="hold">
+                                        <p:cTn id="38" dur="1" fill="hold">
                                           <p:stCondLst>
                                             <p:cond delay="0"/>
                                           </p:stCondLst>
@@ -36607,26 +36929,72 @@
                                         <p:strVal val="visible"/>
                                       </p:to>
                                     </p:set>
-                                    <p:animEffect transition="in" filter="wheel(1)">
-                                      <p:cBhvr>
-                                        <p:cTn id="29" dur="2000"/>
+                                    <p:animEffect transition="in" filter="fade">
+                                      <p:cBhvr>
+                                        <p:cTn id="39" dur="1000"/>
                                         <p:tgtEl>
                                           <p:spTgt spid="19"/>
                                         </p:tgtEl>
                                       </p:cBhvr>
                                     </p:animEffect>
+                                    <p:anim calcmode="lin" valueType="num">
+                                      <p:cBhvr>
+                                        <p:cTn id="40" dur="1000" fill="hold"/>
+                                        <p:tgtEl>
+                                          <p:spTgt spid="19"/>
+                                        </p:tgtEl>
+                                        <p:attrNameLst>
+                                          <p:attrName>ppt_x</p:attrName>
+                                        </p:attrNameLst>
+                                      </p:cBhvr>
+                                      <p:tavLst>
+                                        <p:tav tm="0">
+                                          <p:val>
+                                            <p:strVal val="#ppt_x"/>
+                                          </p:val>
+                                        </p:tav>
+                                        <p:tav tm="100000">
+                                          <p:val>
+                                            <p:strVal val="#ppt_x"/>
+                                          </p:val>
+                                        </p:tav>
+                                      </p:tavLst>
+                                    </p:anim>
+                                    <p:anim calcmode="lin" valueType="num">
+                                      <p:cBhvr>
+                                        <p:cTn id="41" dur="1000" fill="hold"/>
+                                        <p:tgtEl>
+                                          <p:spTgt spid="19"/>
+                                        </p:tgtEl>
+                                        <p:attrNameLst>
+                                          <p:attrName>ppt_y</p:attrName>
+                                        </p:attrNameLst>
+                                      </p:cBhvr>
+                                      <p:tavLst>
+                                        <p:tav tm="0">
+                                          <p:val>
+                                            <p:strVal val="#ppt_y+.1"/>
+                                          </p:val>
+                                        </p:tav>
+                                        <p:tav tm="100000">
+                                          <p:val>
+                                            <p:strVal val="#ppt_y"/>
+                                          </p:val>
+                                        </p:tav>
+                                      </p:tavLst>
+                                    </p:anim>
                                   </p:childTnLst>
                                 </p:cTn>
                               </p:par>
                               <p:par>
-                                <p:cTn id="30" presetID="21" presetClass="entr" presetSubtype="1" fill="hold" nodeType="withEffect">
+                                <p:cTn id="42" presetID="42" presetClass="entr" presetSubtype="0" fill="hold" nodeType="withEffect">
                                   <p:stCondLst>
                                     <p:cond delay="0"/>
                                   </p:stCondLst>
                                   <p:childTnLst>
                                     <p:set>
                                       <p:cBhvr>
-                                        <p:cTn id="31" dur="1" fill="hold">
+                                        <p:cTn id="43" dur="1" fill="hold">
                                           <p:stCondLst>
                                             <p:cond delay="0"/>
                                           </p:stCondLst>
@@ -36642,26 +37010,72 @@
                                         <p:strVal val="visible"/>
                                       </p:to>
                                     </p:set>
-                                    <p:animEffect transition="in" filter="wheel(1)">
-                                      <p:cBhvr>
-                                        <p:cTn id="32" dur="2000"/>
+                                    <p:animEffect transition="in" filter="fade">
+                                      <p:cBhvr>
+                                        <p:cTn id="44" dur="1000"/>
                                         <p:tgtEl>
                                           <p:spTgt spid="20"/>
                                         </p:tgtEl>
                                       </p:cBhvr>
                                     </p:animEffect>
+                                    <p:anim calcmode="lin" valueType="num">
+                                      <p:cBhvr>
+                                        <p:cTn id="45" dur="1000" fill="hold"/>
+                                        <p:tgtEl>
+                                          <p:spTgt spid="20"/>
+                                        </p:tgtEl>
+                                        <p:attrNameLst>
+                                          <p:attrName>ppt_x</p:attrName>
+                                        </p:attrNameLst>
+                                      </p:cBhvr>
+                                      <p:tavLst>
+                                        <p:tav tm="0">
+                                          <p:val>
+                                            <p:strVal val="#ppt_x"/>
+                                          </p:val>
+                                        </p:tav>
+                                        <p:tav tm="100000">
+                                          <p:val>
+                                            <p:strVal val="#ppt_x"/>
+                                          </p:val>
+                                        </p:tav>
+                                      </p:tavLst>
+                                    </p:anim>
+                                    <p:anim calcmode="lin" valueType="num">
+                                      <p:cBhvr>
+                                        <p:cTn id="46" dur="1000" fill="hold"/>
+                                        <p:tgtEl>
+                                          <p:spTgt spid="20"/>
+                                        </p:tgtEl>
+                                        <p:attrNameLst>
+                                          <p:attrName>ppt_y</p:attrName>
+                                        </p:attrNameLst>
+                                      </p:cBhvr>
+                                      <p:tavLst>
+                                        <p:tav tm="0">
+                                          <p:val>
+                                            <p:strVal val="#ppt_y+.1"/>
+                                          </p:val>
+                                        </p:tav>
+                                        <p:tav tm="100000">
+                                          <p:val>
+                                            <p:strVal val="#ppt_y"/>
+                                          </p:val>
+                                        </p:tav>
+                                      </p:tavLst>
+                                    </p:anim>
                                   </p:childTnLst>
                                 </p:cTn>
                               </p:par>
                               <p:par>
-                                <p:cTn id="33" presetID="21" presetClass="entr" presetSubtype="1" fill="hold" nodeType="withEffect">
+                                <p:cTn id="47" presetID="42" presetClass="entr" presetSubtype="0" fill="hold" nodeType="withEffect">
                                   <p:stCondLst>
                                     <p:cond delay="0"/>
                                   </p:stCondLst>
                                   <p:childTnLst>
                                     <p:set>
                                       <p:cBhvr>
-                                        <p:cTn id="34" dur="1" fill="hold">
+                                        <p:cTn id="48" dur="1" fill="hold">
                                           <p:stCondLst>
                                             <p:cond delay="0"/>
                                           </p:stCondLst>
@@ -36677,26 +37091,72 @@
                                         <p:strVal val="visible"/>
                                       </p:to>
                                     </p:set>
-                                    <p:animEffect transition="in" filter="wheel(1)">
-                                      <p:cBhvr>
-                                        <p:cTn id="35" dur="2000"/>
+                                    <p:animEffect transition="in" filter="fade">
+                                      <p:cBhvr>
+                                        <p:cTn id="49" dur="1000"/>
                                         <p:tgtEl>
                                           <p:spTgt spid="21"/>
                                         </p:tgtEl>
                                       </p:cBhvr>
                                     </p:animEffect>
+                                    <p:anim calcmode="lin" valueType="num">
+                                      <p:cBhvr>
+                                        <p:cTn id="50" dur="1000" fill="hold"/>
+                                        <p:tgtEl>
+                                          <p:spTgt spid="21"/>
+                                        </p:tgtEl>
+                                        <p:attrNameLst>
+                                          <p:attrName>ppt_x</p:attrName>
+                                        </p:attrNameLst>
+                                      </p:cBhvr>
+                                      <p:tavLst>
+                                        <p:tav tm="0">
+                                          <p:val>
+                                            <p:strVal val="#ppt_x"/>
+                                          </p:val>
+                                        </p:tav>
+                                        <p:tav tm="100000">
+                                          <p:val>
+                                            <p:strVal val="#ppt_x"/>
+                                          </p:val>
+                                        </p:tav>
+                                      </p:tavLst>
+                                    </p:anim>
+                                    <p:anim calcmode="lin" valueType="num">
+                                      <p:cBhvr>
+                                        <p:cTn id="51" dur="1000" fill="hold"/>
+                                        <p:tgtEl>
+                                          <p:spTgt spid="21"/>
+                                        </p:tgtEl>
+                                        <p:attrNameLst>
+                                          <p:attrName>ppt_y</p:attrName>
+                                        </p:attrNameLst>
+                                      </p:cBhvr>
+                                      <p:tavLst>
+                                        <p:tav tm="0">
+                                          <p:val>
+                                            <p:strVal val="#ppt_y+.1"/>
+                                          </p:val>
+                                        </p:tav>
+                                        <p:tav tm="100000">
+                                          <p:val>
+                                            <p:strVal val="#ppt_y"/>
+                                          </p:val>
+                                        </p:tav>
+                                      </p:tavLst>
+                                    </p:anim>
                                   </p:childTnLst>
                                 </p:cTn>
                               </p:par>
                               <p:par>
-                                <p:cTn id="36" presetID="21" presetClass="entr" presetSubtype="1" fill="hold" nodeType="withEffect">
+                                <p:cTn id="52" presetID="42" presetClass="entr" presetSubtype="0" fill="hold" nodeType="withEffect">
                                   <p:stCondLst>
                                     <p:cond delay="0"/>
                                   </p:stCondLst>
                                   <p:childTnLst>
                                     <p:set>
                                       <p:cBhvr>
-                                        <p:cTn id="37" dur="1" fill="hold">
+                                        <p:cTn id="53" dur="1" fill="hold">
                                           <p:stCondLst>
                                             <p:cond delay="0"/>
                                           </p:stCondLst>
@@ -36712,14 +37172,159 @@
                                         <p:strVal val="visible"/>
                                       </p:to>
                                     </p:set>
-                                    <p:animEffect transition="in" filter="wheel(1)">
-                                      <p:cBhvr>
-                                        <p:cTn id="38" dur="2000"/>
+                                    <p:animEffect transition="in" filter="fade">
+                                      <p:cBhvr>
+                                        <p:cTn id="54" dur="1000"/>
                                         <p:tgtEl>
                                           <p:spTgt spid="17"/>
                                         </p:tgtEl>
                                       </p:cBhvr>
                                     </p:animEffect>
+                                    <p:anim calcmode="lin" valueType="num">
+                                      <p:cBhvr>
+                                        <p:cTn id="55" dur="1000" fill="hold"/>
+                                        <p:tgtEl>
+                                          <p:spTgt spid="17"/>
+                                        </p:tgtEl>
+                                        <p:attrNameLst>
+                                          <p:attrName>ppt_x</p:attrName>
+                                        </p:attrNameLst>
+                                      </p:cBhvr>
+                                      <p:tavLst>
+                                        <p:tav tm="0">
+                                          <p:val>
+                                            <p:strVal val="#ppt_x"/>
+                                          </p:val>
+                                        </p:tav>
+                                        <p:tav tm="100000">
+                                          <p:val>
+                                            <p:strVal val="#ppt_x"/>
+                                          </p:val>
+                                        </p:tav>
+                                      </p:tavLst>
+                                    </p:anim>
+                                    <p:anim calcmode="lin" valueType="num">
+                                      <p:cBhvr>
+                                        <p:cTn id="56" dur="1000" fill="hold"/>
+                                        <p:tgtEl>
+                                          <p:spTgt spid="17"/>
+                                        </p:tgtEl>
+                                        <p:attrNameLst>
+                                          <p:attrName>ppt_y</p:attrName>
+                                        </p:attrNameLst>
+                                      </p:cBhvr>
+                                      <p:tavLst>
+                                        <p:tav tm="0">
+                                          <p:val>
+                                            <p:strVal val="#ppt_y+.1"/>
+                                          </p:val>
+                                        </p:tav>
+                                        <p:tav tm="100000">
+                                          <p:val>
+                                            <p:strVal val="#ppt_y"/>
+                                          </p:val>
+                                        </p:tav>
+                                      </p:tavLst>
+                                    </p:anim>
+                                  </p:childTnLst>
+                                </p:cTn>
+                              </p:par>
+                            </p:childTnLst>
+                          </p:cTn>
+                        </p:par>
+                      </p:childTnLst>
+                    </p:cTn>
+                  </p:par>
+                  <p:par>
+                    <p:cTn id="57" fill="hold">
+                      <p:stCondLst>
+                        <p:cond delay="indefinite"/>
+                      </p:stCondLst>
+                      <p:childTnLst>
+                        <p:par>
+                          <p:cTn id="58" fill="hold">
+                            <p:stCondLst>
+                              <p:cond delay="0"/>
+                            </p:stCondLst>
+                            <p:childTnLst>
+                              <p:par>
+                                <p:cTn id="59" presetID="42" presetClass="entr" presetSubtype="0" fill="hold" nodeType="clickEffect">
+                                  <p:stCondLst>
+                                    <p:cond delay="0"/>
+                                  </p:stCondLst>
+                                  <p:childTnLst>
+                                    <p:set>
+                                      <p:cBhvr>
+                                        <p:cTn id="60" dur="1" fill="hold">
+                                          <p:stCondLst>
+                                            <p:cond delay="0"/>
+                                          </p:stCondLst>
+                                        </p:cTn>
+                                        <p:tgtEl>
+                                          <p:spTgt spid="4"/>
+                                        </p:tgtEl>
+                                        <p:attrNameLst>
+                                          <p:attrName>style.visibility</p:attrName>
+                                        </p:attrNameLst>
+                                      </p:cBhvr>
+                                      <p:to>
+                                        <p:strVal val="visible"/>
+                                      </p:to>
+                                    </p:set>
+                                    <p:animEffect transition="in" filter="fade">
+                                      <p:cBhvr>
+                                        <p:cTn id="61" dur="1000"/>
+                                        <p:tgtEl>
+                                          <p:spTgt spid="4"/>
+                                        </p:tgtEl>
+                                      </p:cBhvr>
+                                    </p:animEffect>
+                                    <p:anim calcmode="lin" valueType="num">
+                                      <p:cBhvr>
+                                        <p:cTn id="62" dur="1000" fill="hold"/>
+                                        <p:tgtEl>
+                                          <p:spTgt spid="4"/>
+                                        </p:tgtEl>
+                                        <p:attrNameLst>
+                                          <p:attrName>ppt_x</p:attrName>
+                                        </p:attrNameLst>
+                                      </p:cBhvr>
+                                      <p:tavLst>
+                                        <p:tav tm="0">
+                                          <p:val>
+                                            <p:strVal val="#ppt_x"/>
+                                          </p:val>
+                                        </p:tav>
+                                        <p:tav tm="100000">
+                                          <p:val>
+                                            <p:strVal val="#ppt_x"/>
+                                          </p:val>
+                                        </p:tav>
+                                      </p:tavLst>
+                                    </p:anim>
+                                    <p:anim calcmode="lin" valueType="num">
+                                      <p:cBhvr>
+                                        <p:cTn id="63" dur="1000" fill="hold"/>
+                                        <p:tgtEl>
+                                          <p:spTgt spid="4"/>
+                                        </p:tgtEl>
+                                        <p:attrNameLst>
+                                          <p:attrName>ppt_y</p:attrName>
+                                        </p:attrNameLst>
+                                      </p:cBhvr>
+                                      <p:tavLst>
+                                        <p:tav tm="0">
+                                          <p:val>
+                                            <p:strVal val="#ppt_y+.1"/>
+                                          </p:val>
+                                        </p:tav>
+                                        <p:tav tm="100000">
+                                          <p:val>
+                                            <p:strVal val="#ppt_y"/>
+                                          </p:val>
+                                        </p:tav>
+                                      </p:tavLst>
+                                    </p:anim>
                                   </p:childTnLst>
                                 </p:cTn>
                               </p:par>

--- a/Ram_Rao_Final_Practicum.pptx
+++ b/Ram_Rao_Final_Practicum.pptx
@@ -24394,7 +24394,7 @@
           <p:nvPr>
             <p:extLst>
               <p:ext uri="{D42A27DB-BD31-4B8C-83A1-F6EECF244321}">
-                <p14:modId xmlns:p14="http://schemas.microsoft.com/office/powerpoint/2010/main" val="2099059173"/>
+                <p14:modId xmlns:p14="http://schemas.microsoft.com/office/powerpoint/2010/main" val="3873388427"/>
               </p:ext>
             </p:extLst>
           </p:nvPr>
@@ -25323,7 +25323,7 @@
                             </a:schemeClr>
                           </a:solidFill>
                         </a:rPr>
-                        <a:t>0.950</a:t>
+                        <a:t>0.954</a:t>
                       </a:r>
                     </a:p>
                   </a:txBody>

--- a/Ram_Rao_Final_Practicum.pptx
+++ b/Ram_Rao_Final_Practicum.pptx
@@ -3364,7 +3364,7 @@
           <a:p>
             <a:fld id="{D41C5BD2-4D8D-4C7C-9FC3-7949CD64F1DB}" type="datetimeFigureOut">
               <a:rPr lang="en-US" smtClean="0"/>
-              <a:t>7/15/2022</a:t>
+              <a:t>7/16/2022</a:t>
             </a:fld>
             <a:endParaRPr lang="en-US"/>
           </a:p>
@@ -3778,7 +3778,7 @@
           <a:p>
             <a:fld id="{4BDF68E2-58F2-4D09-BE8B-E3BD06533059}" type="datetimeFigureOut">
               <a:rPr lang="en-US" smtClean="0"/>
-              <a:t>7/15/2022</a:t>
+              <a:t>7/16/2022</a:t>
             </a:fld>
             <a:endParaRPr lang="en-US" dirty="0"/>
           </a:p>
@@ -4055,7 +4055,7 @@
           <a:p>
             <a:fld id="{2E2D6473-DF6D-4702-B328-E0DD40540A4E}" type="datetimeFigureOut">
               <a:rPr lang="en-US" smtClean="0"/>
-              <a:t>7/15/2022</a:t>
+              <a:t>7/16/2022</a:t>
             </a:fld>
             <a:endParaRPr lang="en-US" dirty="0"/>
           </a:p>
@@ -4264,7 +4264,7 @@
           <a:p>
             <a:fld id="{E26F7E3A-B166-407D-9866-32884E7D5B37}" type="datetimeFigureOut">
               <a:rPr lang="en-US" smtClean="0"/>
-              <a:t>7/15/2022</a:t>
+              <a:t>7/16/2022</a:t>
             </a:fld>
             <a:endParaRPr lang="en-US" dirty="0"/>
           </a:p>
@@ -5691,7 +5691,7 @@
           <a:p>
             <a:fld id="{528FC5F6-F338-4AE4-BB23-26385BCFC423}" type="datetimeFigureOut">
               <a:rPr lang="en-US" smtClean="0"/>
-              <a:t>7/15/2022</a:t>
+              <a:t>7/16/2022</a:t>
             </a:fld>
             <a:endParaRPr lang="en-US" dirty="0"/>
           </a:p>
@@ -5967,7 +5967,7 @@
           <a:p>
             <a:fld id="{20EBB0C4-6273-4C6E-B9BD-2EDC30F1CD52}" type="datetimeFigureOut">
               <a:rPr lang="en-US" smtClean="0"/>
-              <a:t>7/15/2022</a:t>
+              <a:t>7/16/2022</a:t>
             </a:fld>
             <a:endParaRPr lang="en-US" dirty="0"/>
           </a:p>
@@ -6233,7 +6233,7 @@
           <a:p>
             <a:fld id="{19AB4D41-86C1-4908-B66A-0B50CEB3BF29}" type="datetimeFigureOut">
               <a:rPr lang="en-US" smtClean="0"/>
-              <a:t>7/15/2022</a:t>
+              <a:t>7/16/2022</a:t>
             </a:fld>
             <a:endParaRPr lang="en-US" dirty="0"/>
           </a:p>
@@ -6646,7 +6646,7 @@
           <a:p>
             <a:fld id="{E6426E2C-56C1-4E0D-A793-0088A7FDD37E}" type="datetimeFigureOut">
               <a:rPr lang="en-US" smtClean="0"/>
-              <a:t>7/15/2022</a:t>
+              <a:t>7/16/2022</a:t>
             </a:fld>
             <a:endParaRPr lang="en-US" dirty="0"/>
           </a:p>
@@ -6788,7 +6788,7 @@
           <a:p>
             <a:fld id="{C8C39B41-D8B5-4052-B551-9B5525EAA8B6}" type="datetimeFigureOut">
               <a:rPr lang="en-US" smtClean="0"/>
-              <a:t>7/15/2022</a:t>
+              <a:t>7/16/2022</a:t>
             </a:fld>
             <a:endParaRPr lang="en-US" dirty="0"/>
           </a:p>
@@ -6902,7 +6902,7 @@
           <a:p>
             <a:fld id="{4D94136C-8742-45B2-AF27-D93DF72833A9}" type="datetimeFigureOut">
               <a:rPr lang="en-US" smtClean="0"/>
-              <a:t>7/15/2022</a:t>
+              <a:t>7/16/2022</a:t>
             </a:fld>
             <a:endParaRPr lang="en-US" dirty="0"/>
           </a:p>
@@ -7215,7 +7215,7 @@
           <a:p>
             <a:fld id="{32ABBEA6-7C60-4B02-AE87-00D78D8422AF}" type="datetimeFigureOut">
               <a:rPr lang="en-US" smtClean="0"/>
-              <a:t>7/15/2022</a:t>
+              <a:t>7/16/2022</a:t>
             </a:fld>
             <a:endParaRPr lang="en-US" dirty="0"/>
           </a:p>
@@ -7505,7 +7505,7 @@
           <a:p>
             <a:fld id="{C9CAD897-D46E-4AD2-BD9B-49DD3E640873}" type="datetimeFigureOut">
               <a:rPr lang="en-US" smtClean="0"/>
-              <a:t>7/15/2022</a:t>
+              <a:t>7/16/2022</a:t>
             </a:fld>
             <a:endParaRPr lang="en-US" dirty="0"/>
           </a:p>
@@ -7747,7 +7747,7 @@
           <a:p>
             <a:fld id="{98624D31-43A5-475A-80CF-332C9F6DCF35}" type="datetimeFigureOut">
               <a:rPr lang="en-US" smtClean="0"/>
-              <a:t>7/15/2022</a:t>
+              <a:t>7/16/2022</a:t>
             </a:fld>
             <a:endParaRPr lang="en-US" dirty="0"/>
           </a:p>
@@ -35985,8 +35985,8 @@
         </p:blipFill>
         <p:spPr>
           <a:xfrm>
-            <a:off x="4664472" y="276045"/>
-            <a:ext cx="7517503" cy="5900454"/>
+            <a:off x="4767072" y="276045"/>
+            <a:ext cx="7414903" cy="5900454"/>
           </a:xfrm>
           <a:prstGeom prst="rect">
             <a:avLst/>
@@ -36699,10 +36699,10 @@
       </p:cxnSp>
       <p:pic>
         <p:nvPicPr>
-          <p:cNvPr id="4" name="Picture 3">
+          <p:cNvPr id="5" name="Picture 4">
             <a:extLst>
               <a:ext uri="{FF2B5EF4-FFF2-40B4-BE49-F238E27FC236}">
-                <a16:creationId xmlns:a16="http://schemas.microsoft.com/office/drawing/2014/main" id="{1B319DBA-8850-C613-F1EC-EAB452EC7C39}"/>
+                <a16:creationId xmlns:a16="http://schemas.microsoft.com/office/drawing/2014/main" id="{112C38F8-08DB-0525-E36D-697AA56FA630}"/>
               </a:ext>
             </a:extLst>
           </p:cNvPr>
@@ -36719,8 +36719,8 @@
         </p:blipFill>
         <p:spPr>
           <a:xfrm>
-            <a:off x="2505943" y="2440736"/>
-            <a:ext cx="2291043" cy="3887273"/>
+            <a:off x="2640343" y="2606252"/>
+            <a:ext cx="2236457" cy="3722504"/>
           </a:xfrm>
           <a:prstGeom prst="rect">
             <a:avLst/>
@@ -36771,7 +36771,7 @@
                                           </p:stCondLst>
                                         </p:cTn>
                                         <p:tgtEl>
-                                          <p:spTgt spid="18"/>
+                                          <p:spTgt spid="9"/>
                                         </p:tgtEl>
                                         <p:attrNameLst>
                                           <p:attrName>style.visibility</p:attrName>
@@ -36785,7 +36785,7 @@
                                       <p:cBhvr>
                                         <p:cTn id="7" dur="1000"/>
                                         <p:tgtEl>
-                                          <p:spTgt spid="18"/>
+                                          <p:spTgt spid="9"/>
                                         </p:tgtEl>
                                       </p:cBhvr>
                                     </p:animEffect>
@@ -36793,7 +36793,7 @@
                                       <p:cBhvr>
                                         <p:cTn id="8" dur="1000" fill="hold"/>
                                         <p:tgtEl>
-                                          <p:spTgt spid="18"/>
+                                          <p:spTgt spid="9"/>
                                         </p:tgtEl>
                                         <p:attrNameLst>
                                           <p:attrName>ppt_x</p:attrName>
@@ -36816,7 +36816,7 @@
                                       <p:cBhvr>
                                         <p:cTn id="9" dur="1000" fill="hold"/>
                                         <p:tgtEl>
-                                          <p:spTgt spid="18"/>
+                                          <p:spTgt spid="9"/>
                                         </p:tgtEl>
                                         <p:attrNameLst>
                                           <p:attrName>ppt_y</p:attrName>
@@ -36870,7 +36870,7 @@
                                           </p:stCondLst>
                                         </p:cTn>
                                         <p:tgtEl>
-                                          <p:spTgt spid="9"/>
+                                          <p:spTgt spid="14"/>
                                         </p:tgtEl>
                                         <p:attrNameLst>
                                           <p:attrName>style.visibility</p:attrName>
@@ -36884,7 +36884,7 @@
                                       <p:cBhvr>
                                         <p:cTn id="14" dur="1000"/>
                                         <p:tgtEl>
-                                          <p:spTgt spid="9"/>
+                                          <p:spTgt spid="14"/>
                                         </p:tgtEl>
                                       </p:cBhvr>
                                     </p:animEffect>
@@ -36892,7 +36892,7 @@
                                       <p:cBhvr>
                                         <p:cTn id="15" dur="1000" fill="hold"/>
                                         <p:tgtEl>
-                                          <p:spTgt spid="9"/>
+                                          <p:spTgt spid="14"/>
                                         </p:tgtEl>
                                         <p:attrNameLst>
                                           <p:attrName>ppt_x</p:attrName>
@@ -36915,7 +36915,7 @@
                                       <p:cBhvr>
                                         <p:cTn id="16" dur="1000" fill="hold"/>
                                         <p:tgtEl>
-                                          <p:spTgt spid="9"/>
+                                          <p:spTgt spid="14"/>
                                         </p:tgtEl>
                                         <p:attrNameLst>
                                           <p:attrName>ppt_y</p:attrName>
@@ -36951,7 +36951,7 @@
                                           </p:stCondLst>
                                         </p:cTn>
                                         <p:tgtEl>
-                                          <p:spTgt spid="14"/>
+                                          <p:spTgt spid="18"/>
                                         </p:tgtEl>
                                         <p:attrNameLst>
                                           <p:attrName>style.visibility</p:attrName>
@@ -36965,7 +36965,7 @@
                                       <p:cBhvr>
                                         <p:cTn id="19" dur="1000"/>
                                         <p:tgtEl>
-                                          <p:spTgt spid="14"/>
+                                          <p:spTgt spid="18"/>
                                         </p:tgtEl>
                                       </p:cBhvr>
                                     </p:animEffect>
@@ -36973,7 +36973,7 @@
                                       <p:cBhvr>
                                         <p:cTn id="20" dur="1000" fill="hold"/>
                                         <p:tgtEl>
-                                          <p:spTgt spid="14"/>
+                                          <p:spTgt spid="18"/>
                                         </p:tgtEl>
                                         <p:attrNameLst>
                                           <p:attrName>ppt_x</p:attrName>
@@ -36996,7 +36996,7 @@
                                       <p:cBhvr>
                                         <p:cTn id="21" dur="1000" fill="hold"/>
                                         <p:tgtEl>
-                                          <p:spTgt spid="14"/>
+                                          <p:spTgt spid="18"/>
                                         </p:tgtEl>
                                         <p:attrNameLst>
                                           <p:attrName>ppt_y</p:attrName>
@@ -37617,7 +37617,7 @@
                                           </p:stCondLst>
                                         </p:cTn>
                                         <p:tgtEl>
-                                          <p:spTgt spid="4"/>
+                                          <p:spTgt spid="5"/>
                                         </p:tgtEl>
                                         <p:attrNameLst>
                                           <p:attrName>style.visibility</p:attrName>
@@ -37631,7 +37631,7 @@
                                       <p:cBhvr>
                                         <p:cTn id="61" dur="1000"/>
                                         <p:tgtEl>
-                                          <p:spTgt spid="4"/>
+                                          <p:spTgt spid="5"/>
                                         </p:tgtEl>
                                       </p:cBhvr>
                                     </p:animEffect>
@@ -37639,7 +37639,7 @@
                                       <p:cBhvr>
                                         <p:cTn id="62" dur="1000" fill="hold"/>
                                         <p:tgtEl>
-                                          <p:spTgt spid="4"/>
+                                          <p:spTgt spid="5"/>
                                         </p:tgtEl>
                                         <p:attrNameLst>
                                           <p:attrName>ppt_x</p:attrName>
@@ -37662,7 +37662,7 @@
                                       <p:cBhvr>
                                         <p:cTn id="63" dur="1000" fill="hold"/>
                                         <p:tgtEl>
-                                          <p:spTgt spid="4"/>
+                                          <p:spTgt spid="5"/>
                                         </p:tgtEl>
                                         <p:attrNameLst>
                                           <p:attrName>ppt_y</p:attrName>

--- a/Ram_Rao_Final_Practicum.pptx
+++ b/Ram_Rao_Final_Practicum.pptx
@@ -3364,7 +3364,7 @@
           <a:p>
             <a:fld id="{D41C5BD2-4D8D-4C7C-9FC3-7949CD64F1DB}" type="datetimeFigureOut">
               <a:rPr lang="en-US" smtClean="0"/>
-              <a:t>7/16/2022</a:t>
+              <a:t>7/17/2022</a:t>
             </a:fld>
             <a:endParaRPr lang="en-US"/>
           </a:p>
@@ -3778,7 +3778,7 @@
           <a:p>
             <a:fld id="{4BDF68E2-58F2-4D09-BE8B-E3BD06533059}" type="datetimeFigureOut">
               <a:rPr lang="en-US" smtClean="0"/>
-              <a:t>7/16/2022</a:t>
+              <a:t>7/17/2022</a:t>
             </a:fld>
             <a:endParaRPr lang="en-US" dirty="0"/>
           </a:p>
@@ -4055,7 +4055,7 @@
           <a:p>
             <a:fld id="{2E2D6473-DF6D-4702-B328-E0DD40540A4E}" type="datetimeFigureOut">
               <a:rPr lang="en-US" smtClean="0"/>
-              <a:t>7/16/2022</a:t>
+              <a:t>7/17/2022</a:t>
             </a:fld>
             <a:endParaRPr lang="en-US" dirty="0"/>
           </a:p>
@@ -4264,7 +4264,7 @@
           <a:p>
             <a:fld id="{E26F7E3A-B166-407D-9866-32884E7D5B37}" type="datetimeFigureOut">
               <a:rPr lang="en-US" smtClean="0"/>
-              <a:t>7/16/2022</a:t>
+              <a:t>7/17/2022</a:t>
             </a:fld>
             <a:endParaRPr lang="en-US" dirty="0"/>
           </a:p>
@@ -5691,7 +5691,7 @@
           <a:p>
             <a:fld id="{528FC5F6-F338-4AE4-BB23-26385BCFC423}" type="datetimeFigureOut">
               <a:rPr lang="en-US" smtClean="0"/>
-              <a:t>7/16/2022</a:t>
+              <a:t>7/17/2022</a:t>
             </a:fld>
             <a:endParaRPr lang="en-US" dirty="0"/>
           </a:p>
@@ -5967,7 +5967,7 @@
           <a:p>
             <a:fld id="{20EBB0C4-6273-4C6E-B9BD-2EDC30F1CD52}" type="datetimeFigureOut">
               <a:rPr lang="en-US" smtClean="0"/>
-              <a:t>7/16/2022</a:t>
+              <a:t>7/17/2022</a:t>
             </a:fld>
             <a:endParaRPr lang="en-US" dirty="0"/>
           </a:p>
@@ -6233,7 +6233,7 @@
           <a:p>
             <a:fld id="{19AB4D41-86C1-4908-B66A-0B50CEB3BF29}" type="datetimeFigureOut">
               <a:rPr lang="en-US" smtClean="0"/>
-              <a:t>7/16/2022</a:t>
+              <a:t>7/17/2022</a:t>
             </a:fld>
             <a:endParaRPr lang="en-US" dirty="0"/>
           </a:p>
@@ -6646,7 +6646,7 @@
           <a:p>
             <a:fld id="{E6426E2C-56C1-4E0D-A793-0088A7FDD37E}" type="datetimeFigureOut">
               <a:rPr lang="en-US" smtClean="0"/>
-              <a:t>7/16/2022</a:t>
+              <a:t>7/17/2022</a:t>
             </a:fld>
             <a:endParaRPr lang="en-US" dirty="0"/>
           </a:p>
@@ -6788,7 +6788,7 @@
           <a:p>
             <a:fld id="{C8C39B41-D8B5-4052-B551-9B5525EAA8B6}" type="datetimeFigureOut">
               <a:rPr lang="en-US" smtClean="0"/>
-              <a:t>7/16/2022</a:t>
+              <a:t>7/17/2022</a:t>
             </a:fld>
             <a:endParaRPr lang="en-US" dirty="0"/>
           </a:p>
@@ -6902,7 +6902,7 @@
           <a:p>
             <a:fld id="{4D94136C-8742-45B2-AF27-D93DF72833A9}" type="datetimeFigureOut">
               <a:rPr lang="en-US" smtClean="0"/>
-              <a:t>7/16/2022</a:t>
+              <a:t>7/17/2022</a:t>
             </a:fld>
             <a:endParaRPr lang="en-US" dirty="0"/>
           </a:p>
@@ -7215,7 +7215,7 @@
           <a:p>
             <a:fld id="{32ABBEA6-7C60-4B02-AE87-00D78D8422AF}" type="datetimeFigureOut">
               <a:rPr lang="en-US" smtClean="0"/>
-              <a:t>7/16/2022</a:t>
+              <a:t>7/17/2022</a:t>
             </a:fld>
             <a:endParaRPr lang="en-US" dirty="0"/>
           </a:p>
@@ -7505,7 +7505,7 @@
           <a:p>
             <a:fld id="{C9CAD897-D46E-4AD2-BD9B-49DD3E640873}" type="datetimeFigureOut">
               <a:rPr lang="en-US" smtClean="0"/>
-              <a:t>7/16/2022</a:t>
+              <a:t>7/17/2022</a:t>
             </a:fld>
             <a:endParaRPr lang="en-US" dirty="0"/>
           </a:p>
@@ -7747,7 +7747,7 @@
           <a:p>
             <a:fld id="{98624D31-43A5-475A-80CF-332C9F6DCF35}" type="datetimeFigureOut">
               <a:rPr lang="en-US" smtClean="0"/>
-              <a:t>7/16/2022</a:t>
+              <a:t>7/17/2022</a:t>
             </a:fld>
             <a:endParaRPr lang="en-US" dirty="0"/>
           </a:p>
@@ -35160,6 +35160,95 @@
           </a:prstGeom>
         </p:spPr>
       </p:pic>
+      <p:cxnSp>
+        <p:nvCxnSpPr>
+          <p:cNvPr id="13" name="Straight Arrow Connector 12">
+            <a:extLst>
+              <a:ext uri="{FF2B5EF4-FFF2-40B4-BE49-F238E27FC236}">
+                <a16:creationId xmlns:a16="http://schemas.microsoft.com/office/drawing/2014/main" id="{BBBBCF08-3F5C-D181-670E-04965B8343A1}"/>
+              </a:ext>
+            </a:extLst>
+          </p:cNvPr>
+          <p:cNvCxnSpPr>
+            <a:cxnSpLocks/>
+          </p:cNvCxnSpPr>
+          <p:nvPr/>
+        </p:nvCxnSpPr>
+        <p:spPr>
+          <a:xfrm flipV="1">
+            <a:off x="3641509" y="1286080"/>
+            <a:ext cx="1750000" cy="2426808"/>
+          </a:xfrm>
+          <a:prstGeom prst="straightConnector1">
+            <a:avLst/>
+          </a:prstGeom>
+          <a:ln w="28575">
+            <a:solidFill>
+              <a:srgbClr val="FF0000"/>
+            </a:solidFill>
+            <a:prstDash val="sysDash"/>
+            <a:headEnd type="oval" w="med" len="med"/>
+            <a:tailEnd type="triangle" w="med" len="med"/>
+          </a:ln>
+        </p:spPr>
+        <p:style>
+          <a:lnRef idx="1">
+            <a:schemeClr val="accent1"/>
+          </a:lnRef>
+          <a:fillRef idx="0">
+            <a:schemeClr val="accent1"/>
+          </a:fillRef>
+          <a:effectRef idx="0">
+            <a:schemeClr val="accent1"/>
+          </a:effectRef>
+          <a:fontRef idx="minor">
+            <a:schemeClr val="tx1"/>
+          </a:fontRef>
+        </p:style>
+      </p:cxnSp>
+      <p:cxnSp>
+        <p:nvCxnSpPr>
+          <p:cNvPr id="10" name="Straight Arrow Connector 9">
+            <a:extLst>
+              <a:ext uri="{FF2B5EF4-FFF2-40B4-BE49-F238E27FC236}">
+                <a16:creationId xmlns:a16="http://schemas.microsoft.com/office/drawing/2014/main" id="{6FD454CA-0677-F0BD-1513-CCFAC4BBC075}"/>
+              </a:ext>
+            </a:extLst>
+          </p:cNvPr>
+          <p:cNvCxnSpPr>
+            <a:cxnSpLocks/>
+          </p:cNvCxnSpPr>
+          <p:nvPr/>
+        </p:nvCxnSpPr>
+        <p:spPr>
+          <a:xfrm flipH="1" flipV="1">
+            <a:off x="7107810" y="3799002"/>
+            <a:ext cx="970961" cy="1225485"/>
+          </a:xfrm>
+          <a:prstGeom prst="straightConnector1">
+            <a:avLst/>
+          </a:prstGeom>
+          <a:ln w="28575">
+            <a:prstDash val="sysDash"/>
+            <a:headEnd type="oval" w="med" len="med"/>
+            <a:tailEnd type="triangle" w="med" len="med"/>
+          </a:ln>
+        </p:spPr>
+        <p:style>
+          <a:lnRef idx="1">
+            <a:schemeClr val="accent1"/>
+          </a:lnRef>
+          <a:fillRef idx="0">
+            <a:schemeClr val="accent1"/>
+          </a:fillRef>
+          <a:effectRef idx="0">
+            <a:schemeClr val="accent1"/>
+          </a:effectRef>
+          <a:fontRef idx="minor">
+            <a:schemeClr val="tx1"/>
+          </a:fontRef>
+        </p:style>
+      </p:cxnSp>
     </p:spTree>
     <p:extLst>
       <p:ext uri="{BB962C8B-B14F-4D97-AF65-F5344CB8AC3E}">
@@ -35402,7 +35491,7 @@
                                           </p:stCondLst>
                                         </p:cTn>
                                         <p:tgtEl>
-                                          <p:spTgt spid="24"/>
+                                          <p:spTgt spid="13"/>
                                         </p:tgtEl>
                                         <p:attrNameLst>
                                           <p:attrName>style.visibility</p:attrName>
@@ -35416,7 +35505,7 @@
                                       <p:cBhvr>
                                         <p:cTn id="21" dur="1000"/>
                                         <p:tgtEl>
-                                          <p:spTgt spid="24"/>
+                                          <p:spTgt spid="13"/>
                                         </p:tgtEl>
                                       </p:cBhvr>
                                     </p:animEffect>
@@ -35424,7 +35513,7 @@
                                       <p:cBhvr>
                                         <p:cTn id="22" dur="1000" fill="hold"/>
                                         <p:tgtEl>
-                                          <p:spTgt spid="24"/>
+                                          <p:spTgt spid="13"/>
                                         </p:tgtEl>
                                         <p:attrNameLst>
                                           <p:attrName>ppt_x</p:attrName>
@@ -35447,7 +35536,7 @@
                                       <p:cBhvr>
                                         <p:cTn id="23" dur="1000" fill="hold"/>
                                         <p:tgtEl>
-                                          <p:spTgt spid="24"/>
+                                          <p:spTgt spid="13"/>
                                         </p:tgtEl>
                                         <p:attrNameLst>
                                           <p:attrName>ppt_y</p:attrName>
@@ -35501,7 +35590,7 @@
                                           </p:stCondLst>
                                         </p:cTn>
                                         <p:tgtEl>
-                                          <p:spTgt spid="19"/>
+                                          <p:spTgt spid="24"/>
                                         </p:tgtEl>
                                         <p:attrNameLst>
                                           <p:attrName>style.visibility</p:attrName>
@@ -35515,7 +35604,7 @@
                                       <p:cBhvr>
                                         <p:cTn id="28" dur="1000"/>
                                         <p:tgtEl>
-                                          <p:spTgt spid="19"/>
+                                          <p:spTgt spid="24"/>
                                         </p:tgtEl>
                                       </p:cBhvr>
                                     </p:animEffect>
@@ -35523,7 +35612,7 @@
                                       <p:cBhvr>
                                         <p:cTn id="29" dur="1000" fill="hold"/>
                                         <p:tgtEl>
-                                          <p:spTgt spid="19"/>
+                                          <p:spTgt spid="24"/>
                                         </p:tgtEl>
                                         <p:attrNameLst>
                                           <p:attrName>ppt_x</p:attrName>
@@ -35546,7 +35635,7 @@
                                       <p:cBhvr>
                                         <p:cTn id="30" dur="1000" fill="hold"/>
                                         <p:tgtEl>
-                                          <p:spTgt spid="19"/>
+                                          <p:spTgt spid="24"/>
                                         </p:tgtEl>
                                         <p:attrNameLst>
                                           <p:attrName>ppt_y</p:attrName>
@@ -35600,7 +35689,7 @@
                                           </p:stCondLst>
                                         </p:cTn>
                                         <p:tgtEl>
-                                          <p:spTgt spid="7"/>
+                                          <p:spTgt spid="19"/>
                                         </p:tgtEl>
                                         <p:attrNameLst>
                                           <p:attrName>style.visibility</p:attrName>
@@ -35614,7 +35703,7 @@
                                       <p:cBhvr>
                                         <p:cTn id="35" dur="1000"/>
                                         <p:tgtEl>
-                                          <p:spTgt spid="7"/>
+                                          <p:spTgt spid="19"/>
                                         </p:tgtEl>
                                       </p:cBhvr>
                                     </p:animEffect>
@@ -35622,7 +35711,7 @@
                                       <p:cBhvr>
                                         <p:cTn id="36" dur="1000" fill="hold"/>
                                         <p:tgtEl>
-                                          <p:spTgt spid="7"/>
+                                          <p:spTgt spid="19"/>
                                         </p:tgtEl>
                                         <p:attrNameLst>
                                           <p:attrName>ppt_x</p:attrName>
@@ -35645,7 +35734,7 @@
                                       <p:cBhvr>
                                         <p:cTn id="37" dur="1000" fill="hold"/>
                                         <p:tgtEl>
-                                          <p:spTgt spid="7"/>
+                                          <p:spTgt spid="19"/>
                                         </p:tgtEl>
                                         <p:attrNameLst>
                                           <p:attrName>ppt_y</p:attrName>
@@ -35699,7 +35788,7 @@
                                           </p:stCondLst>
                                         </p:cTn>
                                         <p:tgtEl>
-                                          <p:spTgt spid="9"/>
+                                          <p:spTgt spid="10"/>
                                         </p:tgtEl>
                                         <p:attrNameLst>
                                           <p:attrName>style.visibility</p:attrName>
@@ -35713,7 +35802,7 @@
                                       <p:cBhvr>
                                         <p:cTn id="42" dur="1000"/>
                                         <p:tgtEl>
-                                          <p:spTgt spid="9"/>
+                                          <p:spTgt spid="10"/>
                                         </p:tgtEl>
                                       </p:cBhvr>
                                     </p:animEffect>
@@ -35721,7 +35810,7 @@
                                       <p:cBhvr>
                                         <p:cTn id="43" dur="1000" fill="hold"/>
                                         <p:tgtEl>
-                                          <p:spTgt spid="9"/>
+                                          <p:spTgt spid="10"/>
                                         </p:tgtEl>
                                         <p:attrNameLst>
                                           <p:attrName>ppt_x</p:attrName>
@@ -35744,7 +35833,205 @@
                                       <p:cBhvr>
                                         <p:cTn id="44" dur="1000" fill="hold"/>
                                         <p:tgtEl>
-                                          <p:spTgt spid="9"/>
+                                          <p:spTgt spid="10"/>
+                                        </p:tgtEl>
+                                        <p:attrNameLst>
+                                          <p:attrName>ppt_y</p:attrName>
+                                        </p:attrNameLst>
+                                      </p:cBhvr>
+                                      <p:tavLst>
+                                        <p:tav tm="0">
+                                          <p:val>
+                                            <p:strVal val="#ppt_y+.1"/>
+                                          </p:val>
+                                        </p:tav>
+                                        <p:tav tm="100000">
+                                          <p:val>
+                                            <p:strVal val="#ppt_y"/>
+                                          </p:val>
+                                        </p:tav>
+                                      </p:tavLst>
+                                    </p:anim>
+                                  </p:childTnLst>
+                                </p:cTn>
+                              </p:par>
+                            </p:childTnLst>
+                          </p:cTn>
+                        </p:par>
+                      </p:childTnLst>
+                    </p:cTn>
+                  </p:par>
+                  <p:par>
+                    <p:cTn id="45" fill="hold">
+                      <p:stCondLst>
+                        <p:cond delay="indefinite"/>
+                      </p:stCondLst>
+                      <p:childTnLst>
+                        <p:par>
+                          <p:cTn id="46" fill="hold">
+                            <p:stCondLst>
+                              <p:cond delay="0"/>
+                            </p:stCondLst>
+                            <p:childTnLst>
+                              <p:par>
+                                <p:cTn id="47" presetID="42" presetClass="entr" presetSubtype="0" fill="hold" nodeType="clickEffect">
+                                  <p:stCondLst>
+                                    <p:cond delay="0"/>
+                                  </p:stCondLst>
+                                  <p:childTnLst>
+                                    <p:set>
+                                      <p:cBhvr>
+                                        <p:cTn id="48" dur="1" fill="hold">
+                                          <p:stCondLst>
+                                            <p:cond delay="0"/>
+                                          </p:stCondLst>
+                                        </p:cTn>
+                                        <p:tgtEl>
+                                          <p:spTgt spid="7"/>
+                                        </p:tgtEl>
+                                        <p:attrNameLst>
+                                          <p:attrName>style.visibility</p:attrName>
+                                        </p:attrNameLst>
+                                      </p:cBhvr>
+                                      <p:to>
+                                        <p:strVal val="visible"/>
+                                      </p:to>
+                                    </p:set>
+                                    <p:animEffect transition="in" filter="fade">
+                                      <p:cBhvr>
+                                        <p:cTn id="49" dur="1000"/>
+                                        <p:tgtEl>
+                                          <p:spTgt spid="7"/>
+                                        </p:tgtEl>
+                                      </p:cBhvr>
+                                    </p:animEffect>
+                                    <p:anim calcmode="lin" valueType="num">
+                                      <p:cBhvr>
+                                        <p:cTn id="50" dur="1000" fill="hold"/>
+                                        <p:tgtEl>
+                                          <p:spTgt spid="7"/>
+                                        </p:tgtEl>
+                                        <p:attrNameLst>
+                                          <p:attrName>ppt_x</p:attrName>
+                                        </p:attrNameLst>
+                                      </p:cBhvr>
+                                      <p:tavLst>
+                                        <p:tav tm="0">
+                                          <p:val>
+                                            <p:strVal val="#ppt_x"/>
+                                          </p:val>
+                                        </p:tav>
+                                        <p:tav tm="100000">
+                                          <p:val>
+                                            <p:strVal val="#ppt_x"/>
+                                          </p:val>
+                                        </p:tav>
+                                      </p:tavLst>
+                                    </p:anim>
+                                    <p:anim calcmode="lin" valueType="num">
+                                      <p:cBhvr>
+                                        <p:cTn id="51" dur="1000" fill="hold"/>
+                                        <p:tgtEl>
+                                          <p:spTgt spid="7"/>
+                                        </p:tgtEl>
+                                        <p:attrNameLst>
+                                          <p:attrName>ppt_y</p:attrName>
+                                        </p:attrNameLst>
+                                      </p:cBhvr>
+                                      <p:tavLst>
+                                        <p:tav tm="0">
+                                          <p:val>
+                                            <p:strVal val="#ppt_y+.1"/>
+                                          </p:val>
+                                        </p:tav>
+                                        <p:tav tm="100000">
+                                          <p:val>
+                                            <p:strVal val="#ppt_y"/>
+                                          </p:val>
+                                        </p:tav>
+                                      </p:tavLst>
+                                    </p:anim>
+                                  </p:childTnLst>
+                                </p:cTn>
+                              </p:par>
+                            </p:childTnLst>
+                          </p:cTn>
+                        </p:par>
+                      </p:childTnLst>
+                    </p:cTn>
+                  </p:par>
+                  <p:par>
+                    <p:cTn id="52" fill="hold">
+                      <p:stCondLst>
+                        <p:cond delay="indefinite"/>
+                      </p:stCondLst>
+                      <p:childTnLst>
+                        <p:par>
+                          <p:cTn id="53" fill="hold">
+                            <p:stCondLst>
+                              <p:cond delay="0"/>
+                            </p:stCondLst>
+                            <p:childTnLst>
+                              <p:par>
+                                <p:cTn id="54" presetID="42" presetClass="entr" presetSubtype="0" fill="hold" grpId="0" nodeType="clickEffect">
+                                  <p:stCondLst>
+                                    <p:cond delay="0"/>
+                                  </p:stCondLst>
+                                  <p:childTnLst>
+                                    <p:set>
+                                      <p:cBhvr>
+                                        <p:cTn id="55" dur="1" fill="hold">
+                                          <p:stCondLst>
+                                            <p:cond delay="0"/>
+                                          </p:stCondLst>
+                                        </p:cTn>
+                                        <p:tgtEl>
+                                          <p:spTgt spid="2"/>
+                                        </p:tgtEl>
+                                        <p:attrNameLst>
+                                          <p:attrName>style.visibility</p:attrName>
+                                        </p:attrNameLst>
+                                      </p:cBhvr>
+                                      <p:to>
+                                        <p:strVal val="visible"/>
+                                      </p:to>
+                                    </p:set>
+                                    <p:animEffect transition="in" filter="fade">
+                                      <p:cBhvr>
+                                        <p:cTn id="56" dur="1000"/>
+                                        <p:tgtEl>
+                                          <p:spTgt spid="2"/>
+                                        </p:tgtEl>
+                                      </p:cBhvr>
+                                    </p:animEffect>
+                                    <p:anim calcmode="lin" valueType="num">
+                                      <p:cBhvr>
+                                        <p:cTn id="57" dur="1000" fill="hold"/>
+                                        <p:tgtEl>
+                                          <p:spTgt spid="2"/>
+                                        </p:tgtEl>
+                                        <p:attrNameLst>
+                                          <p:attrName>ppt_x</p:attrName>
+                                        </p:attrNameLst>
+                                      </p:cBhvr>
+                                      <p:tavLst>
+                                        <p:tav tm="0">
+                                          <p:val>
+                                            <p:strVal val="#ppt_x"/>
+                                          </p:val>
+                                        </p:tav>
+                                        <p:tav tm="100000">
+                                          <p:val>
+                                            <p:strVal val="#ppt_x"/>
+                                          </p:val>
+                                        </p:tav>
+                                      </p:tavLst>
+                                    </p:anim>
+                                    <p:anim calcmode="lin" valueType="num">
+                                      <p:cBhvr>
+                                        <p:cTn id="58" dur="1000" fill="hold"/>
+                                        <p:tgtEl>
+                                          <p:spTgt spid="2"/>
                                         </p:tgtEl>
                                         <p:attrNameLst>
                                           <p:attrName>ppt_y</p:attrName>
@@ -35767,20 +36054,20 @@
                                 </p:cTn>
                               </p:par>
                               <p:par>
-                                <p:cTn id="45" presetID="42" presetClass="entr" presetSubtype="0" fill="hold" grpId="0" nodeType="withEffect">
+                                <p:cTn id="59" presetID="42" presetClass="entr" presetSubtype="0" fill="hold" nodeType="withEffect">
                                   <p:stCondLst>
                                     <p:cond delay="0"/>
                                   </p:stCondLst>
                                   <p:childTnLst>
                                     <p:set>
                                       <p:cBhvr>
-                                        <p:cTn id="46" dur="1" fill="hold">
+                                        <p:cTn id="60" dur="1" fill="hold">
                                           <p:stCondLst>
                                             <p:cond delay="0"/>
                                           </p:stCondLst>
                                         </p:cTn>
                                         <p:tgtEl>
-                                          <p:spTgt spid="2"/>
+                                          <p:spTgt spid="9"/>
                                         </p:tgtEl>
                                         <p:attrNameLst>
                                           <p:attrName>style.visibility</p:attrName>
@@ -35792,17 +36079,17 @@
                                     </p:set>
                                     <p:animEffect transition="in" filter="fade">
                                       <p:cBhvr>
-                                        <p:cTn id="47" dur="1000"/>
-                                        <p:tgtEl>
-                                          <p:spTgt spid="2"/>
+                                        <p:cTn id="61" dur="1000"/>
+                                        <p:tgtEl>
+                                          <p:spTgt spid="9"/>
                                         </p:tgtEl>
                                       </p:cBhvr>
                                     </p:animEffect>
                                     <p:anim calcmode="lin" valueType="num">
                                       <p:cBhvr>
-                                        <p:cTn id="48" dur="1000" fill="hold"/>
-                                        <p:tgtEl>
-                                          <p:spTgt spid="2"/>
+                                        <p:cTn id="62" dur="1000" fill="hold"/>
+                                        <p:tgtEl>
+                                          <p:spTgt spid="9"/>
                                         </p:tgtEl>
                                         <p:attrNameLst>
                                           <p:attrName>ppt_x</p:attrName>
@@ -35823,9 +36110,9 @@
                                     </p:anim>
                                     <p:anim calcmode="lin" valueType="num">
                                       <p:cBhvr>
-                                        <p:cTn id="49" dur="1000" fill="hold"/>
-                                        <p:tgtEl>
-                                          <p:spTgt spid="2"/>
+                                        <p:cTn id="63" dur="1000" fill="hold"/>
+                                        <p:tgtEl>
+                                          <p:spTgt spid="9"/>
                                         </p:tgtEl>
                                         <p:attrNameLst>
                                           <p:attrName>ppt_y</p:attrName>
@@ -35922,6 +36209,42 @@
           <a:chExt cx="0" cy="0"/>
         </a:xfrm>
       </p:grpSpPr>
+      <p:pic>
+        <p:nvPicPr>
+          <p:cNvPr id="18" name="slide2" descr="Dashboard 1">
+            <a:extLst>
+              <a:ext uri="{FF2B5EF4-FFF2-40B4-BE49-F238E27FC236}">
+                <a16:creationId xmlns:a16="http://schemas.microsoft.com/office/drawing/2014/main" id="{69609A8C-992A-DC71-0BEC-556BF1F303AA}"/>
+              </a:ext>
+            </a:extLst>
+          </p:cNvPr>
+          <p:cNvPicPr>
+            <a:picLocks noChangeAspect="1"/>
+          </p:cNvPicPr>
+          <p:nvPr/>
+        </p:nvPicPr>
+        <p:blipFill>
+          <a:blip r:embed="rId2">
+            <a:extLst>
+              <a:ext uri="{28A0092B-C50C-407E-A947-70E740481C1C}">
+                <a14:useLocalDpi xmlns:a14="http://schemas.microsoft.com/office/drawing/2010/main" val="0"/>
+              </a:ext>
+            </a:extLst>
+          </a:blip>
+          <a:stretch>
+            <a:fillRect/>
+          </a:stretch>
+        </p:blipFill>
+        <p:spPr>
+          <a:xfrm>
+            <a:off x="4858491" y="348791"/>
+            <a:ext cx="7323484" cy="5827707"/>
+          </a:xfrm>
+          <a:prstGeom prst="rect">
+            <a:avLst/>
+          </a:prstGeom>
+        </p:spPr>
+      </p:pic>
       <p:sp>
         <p:nvSpPr>
           <p:cNvPr id="3" name="Text Placeholder 2">
@@ -35959,42 +36282,6 @@
       </p:sp>
       <p:pic>
         <p:nvPicPr>
-          <p:cNvPr id="18" name="slide2" descr="Dashboard 1">
-            <a:extLst>
-              <a:ext uri="{FF2B5EF4-FFF2-40B4-BE49-F238E27FC236}">
-                <a16:creationId xmlns:a16="http://schemas.microsoft.com/office/drawing/2014/main" id="{69609A8C-992A-DC71-0BEC-556BF1F303AA}"/>
-              </a:ext>
-            </a:extLst>
-          </p:cNvPr>
-          <p:cNvPicPr>
-            <a:picLocks noChangeAspect="1"/>
-          </p:cNvPicPr>
-          <p:nvPr/>
-        </p:nvPicPr>
-        <p:blipFill>
-          <a:blip r:embed="rId2">
-            <a:extLst>
-              <a:ext uri="{28A0092B-C50C-407E-A947-70E740481C1C}">
-                <a14:useLocalDpi xmlns:a14="http://schemas.microsoft.com/office/drawing/2010/main" val="0"/>
-              </a:ext>
-            </a:extLst>
-          </a:blip>
-          <a:stretch>
-            <a:fillRect/>
-          </a:stretch>
-        </p:blipFill>
-        <p:spPr>
-          <a:xfrm>
-            <a:off x="4767072" y="276045"/>
-            <a:ext cx="7414903" cy="5900454"/>
-          </a:xfrm>
-          <a:prstGeom prst="rect">
-            <a:avLst/>
-          </a:prstGeom>
-        </p:spPr>
-      </p:pic>
-      <p:pic>
-        <p:nvPicPr>
           <p:cNvPr id="6" name="Picture 2" descr="See the source image">
             <a:extLst>
               <a:ext uri="{FF2B5EF4-FFF2-40B4-BE49-F238E27FC236}">
@@ -36022,7 +36309,7 @@
         </p:blipFill>
         <p:spPr bwMode="auto">
           <a:xfrm>
-            <a:off x="10002919" y="89090"/>
+            <a:off x="10031199" y="-78523"/>
             <a:ext cx="2372572" cy="566884"/>
           </a:xfrm>
           <a:prstGeom prst="rect">
@@ -36055,7 +36342,7 @@
         <p:grpSpPr>
           <a:xfrm>
             <a:off x="31514" y="1030392"/>
-            <a:ext cx="2736345" cy="4783812"/>
+            <a:ext cx="2736345" cy="5146106"/>
             <a:chOff x="0" y="168453"/>
             <a:chExt cx="3474720" cy="1479574"/>
           </a:xfrm>
@@ -36291,6 +36578,25 @@
               </a:r>
             </a:p>
             <a:p>
+              <a:pPr marL="800100" lvl="1" indent="-342900" defTabSz="933450">
+                <a:lnSpc>
+                  <a:spcPct val="90000"/>
+                </a:lnSpc>
+                <a:spcBef>
+                  <a:spcPct val="0"/>
+                </a:spcBef>
+                <a:spcAft>
+                  <a:spcPct val="35000"/>
+                </a:spcAft>
+                <a:buFont typeface="Wingdings" panose="05000000000000000000" pitchFamily="2" charset="2"/>
+                <a:buChar char="Ø"/>
+              </a:pPr>
+              <a:r>
+                <a:rPr lang="en-US" sz="1600" dirty="0"/>
+                <a:t>Principal Overdue</a:t>
+              </a:r>
+            </a:p>
+            <a:p>
               <a:pPr marL="342900" indent="-342900" defTabSz="933450">
                 <a:lnSpc>
                   <a:spcPct val="90000"/>
@@ -36380,7 +36686,7 @@
         </p:nvCxnSpPr>
         <p:spPr>
           <a:xfrm flipV="1">
-            <a:off x="10195413" y="1337110"/>
+            <a:off x="10284062" y="1426491"/>
             <a:ext cx="596900" cy="535448"/>
           </a:xfrm>
           <a:prstGeom prst="straightConnector1">
@@ -36424,7 +36730,7 @@
         </p:nvCxnSpPr>
         <p:spPr>
           <a:xfrm flipV="1">
-            <a:off x="10173107" y="2446865"/>
+            <a:off x="10222847" y="2441328"/>
             <a:ext cx="658115" cy="582255"/>
           </a:xfrm>
           <a:prstGeom prst="straightConnector1">
@@ -36468,7 +36774,7 @@
         </p:nvCxnSpPr>
         <p:spPr>
           <a:xfrm flipV="1">
-            <a:off x="6623749" y="2332565"/>
+            <a:off x="6693099" y="2394499"/>
             <a:ext cx="590550" cy="228600"/>
           </a:xfrm>
           <a:prstGeom prst="straightConnector1">
@@ -36510,7 +36816,7 @@
         </p:nvCxnSpPr>
         <p:spPr>
           <a:xfrm flipV="1">
-            <a:off x="6623749" y="1700715"/>
+            <a:off x="6693349" y="1727383"/>
             <a:ext cx="590550" cy="50800"/>
           </a:xfrm>
           <a:prstGeom prst="straightConnector1">
@@ -36552,7 +36858,7 @@
         </p:nvCxnSpPr>
         <p:spPr>
           <a:xfrm flipV="1">
-            <a:off x="10422665" y="5520890"/>
+            <a:off x="10435365" y="5564253"/>
             <a:ext cx="495300" cy="114300"/>
           </a:xfrm>
           <a:prstGeom prst="straightConnector1">
@@ -36594,7 +36900,7 @@
         </p:nvCxnSpPr>
         <p:spPr>
           <a:xfrm>
-            <a:off x="6693599" y="4617684"/>
+            <a:off x="6829018" y="4648339"/>
             <a:ext cx="520700" cy="0"/>
           </a:xfrm>
           <a:prstGeom prst="straightConnector1">
@@ -36633,7 +36939,7 @@
         </p:nvCxnSpPr>
         <p:spPr>
           <a:xfrm>
-            <a:off x="6699682" y="4897407"/>
+            <a:off x="6805750" y="4908041"/>
             <a:ext cx="596900" cy="45085"/>
           </a:xfrm>
           <a:prstGeom prst="straightConnector1">
@@ -36699,10 +37005,10 @@
       </p:cxnSp>
       <p:pic>
         <p:nvPicPr>
-          <p:cNvPr id="5" name="Picture 4">
+          <p:cNvPr id="4" name="Picture 3">
             <a:extLst>
               <a:ext uri="{FF2B5EF4-FFF2-40B4-BE49-F238E27FC236}">
-                <a16:creationId xmlns:a16="http://schemas.microsoft.com/office/drawing/2014/main" id="{112C38F8-08DB-0525-E36D-697AA56FA630}"/>
+                <a16:creationId xmlns:a16="http://schemas.microsoft.com/office/drawing/2014/main" id="{3C7F16FE-5EF5-24E0-D81E-CA135EF4FC79}"/>
               </a:ext>
             </a:extLst>
           </p:cNvPr>
@@ -36719,8 +37025,82 @@
         </p:blipFill>
         <p:spPr>
           <a:xfrm>
-            <a:off x="2640343" y="2606252"/>
-            <a:ext cx="2236457" cy="3722504"/>
+            <a:off x="2680108" y="4388567"/>
+            <a:ext cx="2230110" cy="2424348"/>
+          </a:xfrm>
+          <a:prstGeom prst="rect">
+            <a:avLst/>
+          </a:prstGeom>
+        </p:spPr>
+      </p:pic>
+      <p:cxnSp>
+        <p:nvCxnSpPr>
+          <p:cNvPr id="22" name="Straight Arrow Connector 21">
+            <a:extLst>
+              <a:ext uri="{FF2B5EF4-FFF2-40B4-BE49-F238E27FC236}">
+                <a16:creationId xmlns:a16="http://schemas.microsoft.com/office/drawing/2014/main" id="{98B33D19-00EC-CCF7-CB99-9CD1AC1FCF66}"/>
+              </a:ext>
+            </a:extLst>
+          </p:cNvPr>
+          <p:cNvCxnSpPr>
+            <a:cxnSpLocks/>
+          </p:cNvCxnSpPr>
+          <p:nvPr/>
+        </p:nvCxnSpPr>
+        <p:spPr>
+          <a:xfrm flipV="1">
+            <a:off x="3795163" y="5960329"/>
+            <a:ext cx="397515" cy="522980"/>
+          </a:xfrm>
+          <a:prstGeom prst="straightConnector1">
+            <a:avLst/>
+          </a:prstGeom>
+          <a:ln w="57150">
+            <a:solidFill>
+              <a:srgbClr val="FF0000"/>
+            </a:solidFill>
+            <a:tailEnd type="triangle"/>
+          </a:ln>
+        </p:spPr>
+        <p:style>
+          <a:lnRef idx="1">
+            <a:schemeClr val="accent1"/>
+          </a:lnRef>
+          <a:fillRef idx="0">
+            <a:schemeClr val="accent1"/>
+          </a:fillRef>
+          <a:effectRef idx="0">
+            <a:schemeClr val="accent1"/>
+          </a:effectRef>
+          <a:fontRef idx="minor">
+            <a:schemeClr val="tx1"/>
+          </a:fontRef>
+        </p:style>
+      </p:cxnSp>
+      <p:pic>
+        <p:nvPicPr>
+          <p:cNvPr id="5" name="Picture 4">
+            <a:extLst>
+              <a:ext uri="{FF2B5EF4-FFF2-40B4-BE49-F238E27FC236}">
+                <a16:creationId xmlns:a16="http://schemas.microsoft.com/office/drawing/2014/main" id="{112C38F8-08DB-0525-E36D-697AA56FA630}"/>
+              </a:ext>
+            </a:extLst>
+          </p:cNvPr>
+          <p:cNvPicPr>
+            <a:picLocks noChangeAspect="1"/>
+          </p:cNvPicPr>
+          <p:nvPr/>
+        </p:nvPicPr>
+        <p:blipFill>
+          <a:blip r:embed="rId5"/>
+          <a:stretch>
+            <a:fillRect/>
+          </a:stretch>
+        </p:blipFill>
+        <p:spPr>
+          <a:xfrm>
+            <a:off x="2691055" y="897671"/>
+            <a:ext cx="2276871" cy="3490896"/>
           </a:xfrm>
           <a:prstGeom prst="rect">
             <a:avLst/>
@@ -36771,7 +37151,7 @@
                                           </p:stCondLst>
                                         </p:cTn>
                                         <p:tgtEl>
-                                          <p:spTgt spid="9"/>
+                                          <p:spTgt spid="20"/>
                                         </p:tgtEl>
                                         <p:attrNameLst>
                                           <p:attrName>style.visibility</p:attrName>
@@ -36785,7 +37165,7 @@
                                       <p:cBhvr>
                                         <p:cTn id="7" dur="1000"/>
                                         <p:tgtEl>
-                                          <p:spTgt spid="9"/>
+                                          <p:spTgt spid="20"/>
                                         </p:tgtEl>
                                       </p:cBhvr>
                                     </p:animEffect>
@@ -36793,7 +37173,7 @@
                                       <p:cBhvr>
                                         <p:cTn id="8" dur="1000" fill="hold"/>
                                         <p:tgtEl>
-                                          <p:spTgt spid="9"/>
+                                          <p:spTgt spid="20"/>
                                         </p:tgtEl>
                                         <p:attrNameLst>
                                           <p:attrName>ppt_x</p:attrName>
@@ -36816,7 +37196,88 @@
                                       <p:cBhvr>
                                         <p:cTn id="9" dur="1000" fill="hold"/>
                                         <p:tgtEl>
-                                          <p:spTgt spid="9"/>
+                                          <p:spTgt spid="20"/>
+                                        </p:tgtEl>
+                                        <p:attrNameLst>
+                                          <p:attrName>ppt_y</p:attrName>
+                                        </p:attrNameLst>
+                                      </p:cBhvr>
+                                      <p:tavLst>
+                                        <p:tav tm="0">
+                                          <p:val>
+                                            <p:strVal val="#ppt_y+.1"/>
+                                          </p:val>
+                                        </p:tav>
+                                        <p:tav tm="100000">
+                                          <p:val>
+                                            <p:strVal val="#ppt_y"/>
+                                          </p:val>
+                                        </p:tav>
+                                      </p:tavLst>
+                                    </p:anim>
+                                  </p:childTnLst>
+                                </p:cTn>
+                              </p:par>
+                              <p:par>
+                                <p:cTn id="10" presetID="42" presetClass="entr" presetSubtype="0" fill="hold" nodeType="withEffect">
+                                  <p:stCondLst>
+                                    <p:cond delay="0"/>
+                                  </p:stCondLst>
+                                  <p:childTnLst>
+                                    <p:set>
+                                      <p:cBhvr>
+                                        <p:cTn id="11" dur="1" fill="hold">
+                                          <p:stCondLst>
+                                            <p:cond delay="0"/>
+                                          </p:stCondLst>
+                                        </p:cTn>
+                                        <p:tgtEl>
+                                          <p:spTgt spid="21"/>
+                                        </p:tgtEl>
+                                        <p:attrNameLst>
+                                          <p:attrName>style.visibility</p:attrName>
+                                        </p:attrNameLst>
+                                      </p:cBhvr>
+                                      <p:to>
+                                        <p:strVal val="visible"/>
+                                      </p:to>
+                                    </p:set>
+                                    <p:animEffect transition="in" filter="fade">
+                                      <p:cBhvr>
+                                        <p:cTn id="12" dur="1000"/>
+                                        <p:tgtEl>
+                                          <p:spTgt spid="21"/>
+                                        </p:tgtEl>
+                                      </p:cBhvr>
+                                    </p:animEffect>
+                                    <p:anim calcmode="lin" valueType="num">
+                                      <p:cBhvr>
+                                        <p:cTn id="13" dur="1000" fill="hold"/>
+                                        <p:tgtEl>
+                                          <p:spTgt spid="21"/>
+                                        </p:tgtEl>
+                                        <p:attrNameLst>
+                                          <p:attrName>ppt_x</p:attrName>
+                                        </p:attrNameLst>
+                                      </p:cBhvr>
+                                      <p:tavLst>
+                                        <p:tav tm="0">
+                                          <p:val>
+                                            <p:strVal val="#ppt_x"/>
+                                          </p:val>
+                                        </p:tav>
+                                        <p:tav tm="100000">
+                                          <p:val>
+                                            <p:strVal val="#ppt_x"/>
+                                          </p:val>
+                                        </p:tav>
+                                      </p:tavLst>
+                                    </p:anim>
+                                    <p:anim calcmode="lin" valueType="num">
+                                      <p:cBhvr>
+                                        <p:cTn id="14" dur="1000" fill="hold"/>
+                                        <p:tgtEl>
+                                          <p:spTgt spid="21"/>
                                         </p:tgtEl>
                                         <p:attrNameLst>
                                           <p:attrName>ppt_y</p:attrName>
@@ -36845,32 +37306,32 @@
                     </p:cTn>
                   </p:par>
                   <p:par>
-                    <p:cTn id="10" fill="hold">
+                    <p:cTn id="15" fill="hold">
                       <p:stCondLst>
                         <p:cond delay="indefinite"/>
                       </p:stCondLst>
                       <p:childTnLst>
                         <p:par>
-                          <p:cTn id="11" fill="hold">
+                          <p:cTn id="16" fill="hold">
                             <p:stCondLst>
                               <p:cond delay="0"/>
                             </p:stCondLst>
                             <p:childTnLst>
                               <p:par>
-                                <p:cTn id="12" presetID="42" presetClass="entr" presetSubtype="0" fill="hold" nodeType="clickEffect">
+                                <p:cTn id="17" presetID="42" presetClass="entr" presetSubtype="0" fill="hold" nodeType="clickEffect">
                                   <p:stCondLst>
                                     <p:cond delay="0"/>
                                   </p:stCondLst>
                                   <p:childTnLst>
                                     <p:set>
                                       <p:cBhvr>
-                                        <p:cTn id="13" dur="1" fill="hold">
+                                        <p:cTn id="18" dur="1" fill="hold">
                                           <p:stCondLst>
                                             <p:cond delay="0"/>
                                           </p:stCondLst>
                                         </p:cTn>
                                         <p:tgtEl>
-                                          <p:spTgt spid="14"/>
+                                          <p:spTgt spid="9"/>
                                         </p:tgtEl>
                                         <p:attrNameLst>
                                           <p:attrName>style.visibility</p:attrName>
@@ -36882,17 +37343,17 @@
                                     </p:set>
                                     <p:animEffect transition="in" filter="fade">
                                       <p:cBhvr>
-                                        <p:cTn id="14" dur="1000"/>
-                                        <p:tgtEl>
-                                          <p:spTgt spid="14"/>
+                                        <p:cTn id="19" dur="1000"/>
+                                        <p:tgtEl>
+                                          <p:spTgt spid="9"/>
                                         </p:tgtEl>
                                       </p:cBhvr>
                                     </p:animEffect>
                                     <p:anim calcmode="lin" valueType="num">
                                       <p:cBhvr>
-                                        <p:cTn id="15" dur="1000" fill="hold"/>
-                                        <p:tgtEl>
-                                          <p:spTgt spid="14"/>
+                                        <p:cTn id="20" dur="1000" fill="hold"/>
+                                        <p:tgtEl>
+                                          <p:spTgt spid="9"/>
                                         </p:tgtEl>
                                         <p:attrNameLst>
                                           <p:attrName>ppt_x</p:attrName>
@@ -36913,90 +37374,9 @@
                                     </p:anim>
                                     <p:anim calcmode="lin" valueType="num">
                                       <p:cBhvr>
-                                        <p:cTn id="16" dur="1000" fill="hold"/>
-                                        <p:tgtEl>
-                                          <p:spTgt spid="14"/>
-                                        </p:tgtEl>
-                                        <p:attrNameLst>
-                                          <p:attrName>ppt_y</p:attrName>
-                                        </p:attrNameLst>
-                                      </p:cBhvr>
-                                      <p:tavLst>
-                                        <p:tav tm="0">
-                                          <p:val>
-                                            <p:strVal val="#ppt_y+.1"/>
-                                          </p:val>
-                                        </p:tav>
-                                        <p:tav tm="100000">
-                                          <p:val>
-                                            <p:strVal val="#ppt_y"/>
-                                          </p:val>
-                                        </p:tav>
-                                      </p:tavLst>
-                                    </p:anim>
-                                  </p:childTnLst>
-                                </p:cTn>
-                              </p:par>
-                              <p:par>
-                                <p:cTn id="17" presetID="42" presetClass="entr" presetSubtype="0" fill="hold" nodeType="withEffect">
-                                  <p:stCondLst>
-                                    <p:cond delay="0"/>
-                                  </p:stCondLst>
-                                  <p:childTnLst>
-                                    <p:set>
-                                      <p:cBhvr>
-                                        <p:cTn id="18" dur="1" fill="hold">
-                                          <p:stCondLst>
-                                            <p:cond delay="0"/>
-                                          </p:stCondLst>
-                                        </p:cTn>
-                                        <p:tgtEl>
-                                          <p:spTgt spid="18"/>
-                                        </p:tgtEl>
-                                        <p:attrNameLst>
-                                          <p:attrName>style.visibility</p:attrName>
-                                        </p:attrNameLst>
-                                      </p:cBhvr>
-                                      <p:to>
-                                        <p:strVal val="visible"/>
-                                      </p:to>
-                                    </p:set>
-                                    <p:animEffect transition="in" filter="fade">
-                                      <p:cBhvr>
-                                        <p:cTn id="19" dur="1000"/>
-                                        <p:tgtEl>
-                                          <p:spTgt spid="18"/>
-                                        </p:tgtEl>
-                                      </p:cBhvr>
-                                    </p:animEffect>
-                                    <p:anim calcmode="lin" valueType="num">
-                                      <p:cBhvr>
-                                        <p:cTn id="20" dur="1000" fill="hold"/>
-                                        <p:tgtEl>
-                                          <p:spTgt spid="18"/>
-                                        </p:tgtEl>
-                                        <p:attrNameLst>
-                                          <p:attrName>ppt_x</p:attrName>
-                                        </p:attrNameLst>
-                                      </p:cBhvr>
-                                      <p:tavLst>
-                                        <p:tav tm="0">
-                                          <p:val>
-                                            <p:strVal val="#ppt_x"/>
-                                          </p:val>
-                                        </p:tav>
-                                        <p:tav tm="100000">
-                                          <p:val>
-                                            <p:strVal val="#ppt_x"/>
-                                          </p:val>
-                                        </p:tav>
-                                      </p:tavLst>
-                                    </p:anim>
-                                    <p:anim calcmode="lin" valueType="num">
-                                      <p:cBhvr>
                                         <p:cTn id="21" dur="1000" fill="hold"/>
                                         <p:tgtEl>
-                                          <p:spTgt spid="18"/>
+                                          <p:spTgt spid="9"/>
                                         </p:tgtEl>
                                         <p:attrNameLst>
                                           <p:attrName>ppt_y</p:attrName>
@@ -37032,7 +37412,7 @@
                                           </p:stCondLst>
                                         </p:cTn>
                                         <p:tgtEl>
-                                          <p:spTgt spid="13"/>
+                                          <p:spTgt spid="18"/>
                                         </p:tgtEl>
                                         <p:attrNameLst>
                                           <p:attrName>style.visibility</p:attrName>
@@ -37046,7 +37426,7 @@
                                       <p:cBhvr>
                                         <p:cTn id="24" dur="1000"/>
                                         <p:tgtEl>
-                                          <p:spTgt spid="13"/>
+                                          <p:spTgt spid="18"/>
                                         </p:tgtEl>
                                       </p:cBhvr>
                                     </p:animEffect>
@@ -37054,7 +37434,7 @@
                                       <p:cBhvr>
                                         <p:cTn id="25" dur="1000" fill="hold"/>
                                         <p:tgtEl>
-                                          <p:spTgt spid="13"/>
+                                          <p:spTgt spid="18"/>
                                         </p:tgtEl>
                                         <p:attrNameLst>
                                           <p:attrName>ppt_x</p:attrName>
@@ -37077,7 +37457,7 @@
                                       <p:cBhvr>
                                         <p:cTn id="26" dur="1000" fill="hold"/>
                                         <p:tgtEl>
-                                          <p:spTgt spid="13"/>
+                                          <p:spTgt spid="18"/>
                                         </p:tgtEl>
                                         <p:attrNameLst>
                                           <p:attrName>ppt_y</p:attrName>
@@ -37113,7 +37493,7 @@
                                           </p:stCondLst>
                                         </p:cTn>
                                         <p:tgtEl>
-                                          <p:spTgt spid="8"/>
+                                          <p:spTgt spid="14"/>
                                         </p:tgtEl>
                                         <p:attrNameLst>
                                           <p:attrName>style.visibility</p:attrName>
@@ -37127,7 +37507,7 @@
                                       <p:cBhvr>
                                         <p:cTn id="29" dur="1000"/>
                                         <p:tgtEl>
-                                          <p:spTgt spid="8"/>
+                                          <p:spTgt spid="14"/>
                                         </p:tgtEl>
                                       </p:cBhvr>
                                     </p:animEffect>
@@ -37135,7 +37515,7 @@
                                       <p:cBhvr>
                                         <p:cTn id="30" dur="1000" fill="hold"/>
                                         <p:tgtEl>
-                                          <p:spTgt spid="8"/>
+                                          <p:spTgt spid="14"/>
                                         </p:tgtEl>
                                         <p:attrNameLst>
                                           <p:attrName>ppt_x</p:attrName>
@@ -37158,7 +37538,7 @@
                                       <p:cBhvr>
                                         <p:cTn id="31" dur="1000" fill="hold"/>
                                         <p:tgtEl>
-                                          <p:spTgt spid="8"/>
+                                          <p:spTgt spid="14"/>
                                         </p:tgtEl>
                                         <p:attrNameLst>
                                           <p:attrName>ppt_y</p:attrName>
@@ -37194,7 +37574,7 @@
                                           </p:stCondLst>
                                         </p:cTn>
                                         <p:tgtEl>
-                                          <p:spTgt spid="12"/>
+                                          <p:spTgt spid="13"/>
                                         </p:tgtEl>
                                         <p:attrNameLst>
                                           <p:attrName>style.visibility</p:attrName>
@@ -37208,7 +37588,7 @@
                                       <p:cBhvr>
                                         <p:cTn id="34" dur="1000"/>
                                         <p:tgtEl>
-                                          <p:spTgt spid="12"/>
+                                          <p:spTgt spid="13"/>
                                         </p:tgtEl>
                                       </p:cBhvr>
                                     </p:animEffect>
@@ -37216,7 +37596,7 @@
                                       <p:cBhvr>
                                         <p:cTn id="35" dur="1000" fill="hold"/>
                                         <p:tgtEl>
-                                          <p:spTgt spid="12"/>
+                                          <p:spTgt spid="13"/>
                                         </p:tgtEl>
                                         <p:attrNameLst>
                                           <p:attrName>ppt_x</p:attrName>
@@ -37239,7 +37619,7 @@
                                       <p:cBhvr>
                                         <p:cTn id="36" dur="1000" fill="hold"/>
                                         <p:tgtEl>
-                                          <p:spTgt spid="12"/>
+                                          <p:spTgt spid="13"/>
                                         </p:tgtEl>
                                         <p:attrNameLst>
                                           <p:attrName>ppt_y</p:attrName>
@@ -37356,7 +37736,7 @@
                                           </p:stCondLst>
                                         </p:cTn>
                                         <p:tgtEl>
-                                          <p:spTgt spid="20"/>
+                                          <p:spTgt spid="8"/>
                                         </p:tgtEl>
                                         <p:attrNameLst>
                                           <p:attrName>style.visibility</p:attrName>
@@ -37370,7 +37750,7 @@
                                       <p:cBhvr>
                                         <p:cTn id="44" dur="1000"/>
                                         <p:tgtEl>
-                                          <p:spTgt spid="20"/>
+                                          <p:spTgt spid="8"/>
                                         </p:tgtEl>
                                       </p:cBhvr>
                                     </p:animEffect>
@@ -37378,7 +37758,7 @@
                                       <p:cBhvr>
                                         <p:cTn id="45" dur="1000" fill="hold"/>
                                         <p:tgtEl>
-                                          <p:spTgt spid="20"/>
+                                          <p:spTgt spid="8"/>
                                         </p:tgtEl>
                                         <p:attrNameLst>
                                           <p:attrName>ppt_x</p:attrName>
@@ -37401,7 +37781,7 @@
                                       <p:cBhvr>
                                         <p:cTn id="46" dur="1000" fill="hold"/>
                                         <p:tgtEl>
-                                          <p:spTgt spid="20"/>
+                                          <p:spTgt spid="8"/>
                                         </p:tgtEl>
                                         <p:attrNameLst>
                                           <p:attrName>ppt_y</p:attrName>
@@ -37437,7 +37817,7 @@
                                           </p:stCondLst>
                                         </p:cTn>
                                         <p:tgtEl>
-                                          <p:spTgt spid="21"/>
+                                          <p:spTgt spid="12"/>
                                         </p:tgtEl>
                                         <p:attrNameLst>
                                           <p:attrName>style.visibility</p:attrName>
@@ -37451,7 +37831,7 @@
                                       <p:cBhvr>
                                         <p:cTn id="49" dur="1000"/>
                                         <p:tgtEl>
-                                          <p:spTgt spid="21"/>
+                                          <p:spTgt spid="12"/>
                                         </p:tgtEl>
                                       </p:cBhvr>
                                     </p:animEffect>
@@ -37459,7 +37839,7 @@
                                       <p:cBhvr>
                                         <p:cTn id="50" dur="1000" fill="hold"/>
                                         <p:tgtEl>
-                                          <p:spTgt spid="21"/>
+                                          <p:spTgt spid="12"/>
                                         </p:tgtEl>
                                         <p:attrNameLst>
                                           <p:attrName>ppt_x</p:attrName>
@@ -37482,7 +37862,7 @@
                                       <p:cBhvr>
                                         <p:cTn id="51" dur="1000" fill="hold"/>
                                         <p:tgtEl>
-                                          <p:spTgt spid="21"/>
+                                          <p:spTgt spid="12"/>
                                         </p:tgtEl>
                                         <p:attrNameLst>
                                           <p:attrName>ppt_y</p:attrName>
@@ -37663,6 +38043,186 @@
                                         <p:cTn id="63" dur="1000" fill="hold"/>
                                         <p:tgtEl>
                                           <p:spTgt spid="5"/>
+                                        </p:tgtEl>
+                                        <p:attrNameLst>
+                                          <p:attrName>ppt_y</p:attrName>
+                                        </p:attrNameLst>
+                                      </p:cBhvr>
+                                      <p:tavLst>
+                                        <p:tav tm="0">
+                                          <p:val>
+                                            <p:strVal val="#ppt_y+.1"/>
+                                          </p:val>
+                                        </p:tav>
+                                        <p:tav tm="100000">
+                                          <p:val>
+                                            <p:strVal val="#ppt_y"/>
+                                          </p:val>
+                                        </p:tav>
+                                      </p:tavLst>
+                                    </p:anim>
+                                  </p:childTnLst>
+                                </p:cTn>
+                              </p:par>
+                            </p:childTnLst>
+                          </p:cTn>
+                        </p:par>
+                      </p:childTnLst>
+                    </p:cTn>
+                  </p:par>
+                  <p:par>
+                    <p:cTn id="64" fill="hold">
+                      <p:stCondLst>
+                        <p:cond delay="indefinite"/>
+                      </p:stCondLst>
+                      <p:childTnLst>
+                        <p:par>
+                          <p:cTn id="65" fill="hold">
+                            <p:stCondLst>
+                              <p:cond delay="0"/>
+                            </p:stCondLst>
+                            <p:childTnLst>
+                              <p:par>
+                                <p:cTn id="66" presetID="42" presetClass="entr" presetSubtype="0" fill="hold" nodeType="clickEffect">
+                                  <p:stCondLst>
+                                    <p:cond delay="0"/>
+                                  </p:stCondLst>
+                                  <p:childTnLst>
+                                    <p:set>
+                                      <p:cBhvr>
+                                        <p:cTn id="67" dur="1" fill="hold">
+                                          <p:stCondLst>
+                                            <p:cond delay="0"/>
+                                          </p:stCondLst>
+                                        </p:cTn>
+                                        <p:tgtEl>
+                                          <p:spTgt spid="4"/>
+                                        </p:tgtEl>
+                                        <p:attrNameLst>
+                                          <p:attrName>style.visibility</p:attrName>
+                                        </p:attrNameLst>
+                                      </p:cBhvr>
+                                      <p:to>
+                                        <p:strVal val="visible"/>
+                                      </p:to>
+                                    </p:set>
+                                    <p:animEffect transition="in" filter="fade">
+                                      <p:cBhvr>
+                                        <p:cTn id="68" dur="1000"/>
+                                        <p:tgtEl>
+                                          <p:spTgt spid="4"/>
+                                        </p:tgtEl>
+                                      </p:cBhvr>
+                                    </p:animEffect>
+                                    <p:anim calcmode="lin" valueType="num">
+                                      <p:cBhvr>
+                                        <p:cTn id="69" dur="1000" fill="hold"/>
+                                        <p:tgtEl>
+                                          <p:spTgt spid="4"/>
+                                        </p:tgtEl>
+                                        <p:attrNameLst>
+                                          <p:attrName>ppt_x</p:attrName>
+                                        </p:attrNameLst>
+                                      </p:cBhvr>
+                                      <p:tavLst>
+                                        <p:tav tm="0">
+                                          <p:val>
+                                            <p:strVal val="#ppt_x"/>
+                                          </p:val>
+                                        </p:tav>
+                                        <p:tav tm="100000">
+                                          <p:val>
+                                            <p:strVal val="#ppt_x"/>
+                                          </p:val>
+                                        </p:tav>
+                                      </p:tavLst>
+                                    </p:anim>
+                                    <p:anim calcmode="lin" valueType="num">
+                                      <p:cBhvr>
+                                        <p:cTn id="70" dur="1000" fill="hold"/>
+                                        <p:tgtEl>
+                                          <p:spTgt spid="4"/>
+                                        </p:tgtEl>
+                                        <p:attrNameLst>
+                                          <p:attrName>ppt_y</p:attrName>
+                                        </p:attrNameLst>
+                                      </p:cBhvr>
+                                      <p:tavLst>
+                                        <p:tav tm="0">
+                                          <p:val>
+                                            <p:strVal val="#ppt_y+.1"/>
+                                          </p:val>
+                                        </p:tav>
+                                        <p:tav tm="100000">
+                                          <p:val>
+                                            <p:strVal val="#ppt_y"/>
+                                          </p:val>
+                                        </p:tav>
+                                      </p:tavLst>
+                                    </p:anim>
+                                  </p:childTnLst>
+                                </p:cTn>
+                              </p:par>
+                              <p:par>
+                                <p:cTn id="71" presetID="42" presetClass="entr" presetSubtype="0" fill="hold" nodeType="withEffect">
+                                  <p:stCondLst>
+                                    <p:cond delay="0"/>
+                                  </p:stCondLst>
+                                  <p:childTnLst>
+                                    <p:set>
+                                      <p:cBhvr>
+                                        <p:cTn id="72" dur="1" fill="hold">
+                                          <p:stCondLst>
+                                            <p:cond delay="0"/>
+                                          </p:stCondLst>
+                                        </p:cTn>
+                                        <p:tgtEl>
+                                          <p:spTgt spid="22"/>
+                                        </p:tgtEl>
+                                        <p:attrNameLst>
+                                          <p:attrName>style.visibility</p:attrName>
+                                        </p:attrNameLst>
+                                      </p:cBhvr>
+                                      <p:to>
+                                        <p:strVal val="visible"/>
+                                      </p:to>
+                                    </p:set>
+                                    <p:animEffect transition="in" filter="fade">
+                                      <p:cBhvr>
+                                        <p:cTn id="73" dur="1000"/>
+                                        <p:tgtEl>
+                                          <p:spTgt spid="22"/>
+                                        </p:tgtEl>
+                                      </p:cBhvr>
+                                    </p:animEffect>
+                                    <p:anim calcmode="lin" valueType="num">
+                                      <p:cBhvr>
+                                        <p:cTn id="74" dur="1000" fill="hold"/>
+                                        <p:tgtEl>
+                                          <p:spTgt spid="22"/>
+                                        </p:tgtEl>
+                                        <p:attrNameLst>
+                                          <p:attrName>ppt_x</p:attrName>
+                                        </p:attrNameLst>
+                                      </p:cBhvr>
+                                      <p:tavLst>
+                                        <p:tav tm="0">
+                                          <p:val>
+                                            <p:strVal val="#ppt_x"/>
+                                          </p:val>
+                                        </p:tav>
+                                        <p:tav tm="100000">
+                                          <p:val>
+                                            <p:strVal val="#ppt_x"/>
+                                          </p:val>
+                                        </p:tav>
+                                      </p:tavLst>
+                                    </p:anim>
+                                    <p:anim calcmode="lin" valueType="num">
+                                      <p:cBhvr>
+                                        <p:cTn id="75" dur="1000" fill="hold"/>
+                                        <p:tgtEl>
+                                          <p:spTgt spid="22"/>
                                         </p:tgtEl>
                                         <p:attrNameLst>
                                           <p:attrName>ppt_y</p:attrName>

--- a/Ram_Rao_Final_Practicum.pptx
+++ b/Ram_Rao_Final_Practicum.pptx
@@ -35188,7 +35188,7 @@
             </a:solidFill>
             <a:prstDash val="sysDash"/>
             <a:headEnd type="oval" w="med" len="med"/>
-            <a:tailEnd type="triangle" w="med" len="med"/>
+            <a:tailEnd type="triangle" w="lg" len="lg"/>
           </a:ln>
         </p:spPr>
         <p:style>
@@ -35231,7 +35231,7 @@
           <a:ln w="28575">
             <a:prstDash val="sysDash"/>
             <a:headEnd type="oval" w="med" len="med"/>
-            <a:tailEnd type="triangle" w="med" len="med"/>
+            <a:tailEnd type="triangle" w="lg" len="lg"/>
           </a:ln>
         </p:spPr>
         <p:style>
@@ -36692,11 +36692,13 @@
           <a:prstGeom prst="straightConnector1">
             <a:avLst/>
           </a:prstGeom>
-          <a:ln w="57150">
+          <a:ln w="38100">
             <a:solidFill>
               <a:srgbClr val="FF0000"/>
             </a:solidFill>
-            <a:tailEnd type="triangle"/>
+            <a:prstDash val="sysDash"/>
+            <a:headEnd type="none" w="sm" len="med"/>
+            <a:tailEnd type="arrow" w="med" len="med"/>
           </a:ln>
         </p:spPr>
         <p:style>
@@ -36736,11 +36738,13 @@
           <a:prstGeom prst="straightConnector1">
             <a:avLst/>
           </a:prstGeom>
-          <a:ln w="57150">
+          <a:ln w="38100">
             <a:solidFill>
               <a:srgbClr val="FF0000"/>
             </a:solidFill>
-            <a:tailEnd type="triangle"/>
+            <a:prstDash val="sysDash"/>
+            <a:headEnd type="none" w="sm" len="med"/>
+            <a:tailEnd type="arrow" w="med" len="med"/>
           </a:ln>
         </p:spPr>
         <p:style>
@@ -36780,11 +36784,13 @@
           <a:prstGeom prst="straightConnector1">
             <a:avLst/>
           </a:prstGeom>
-          <a:ln w="57150">
+          <a:ln w="38100">
             <a:solidFill>
               <a:srgbClr val="FF0000"/>
             </a:solidFill>
-            <a:tailEnd type="triangle"/>
+            <a:prstDash val="sysDash"/>
+            <a:headEnd type="none" w="sm" len="med"/>
+            <a:tailEnd type="arrow" w="med" len="med"/>
           </a:ln>
         </p:spPr>
         <p:style>
@@ -36822,11 +36828,13 @@
           <a:prstGeom prst="straightConnector1">
             <a:avLst/>
           </a:prstGeom>
-          <a:ln w="57150">
+          <a:ln w="38100">
             <a:solidFill>
               <a:srgbClr val="FFFF00"/>
             </a:solidFill>
-            <a:tailEnd type="triangle"/>
+            <a:prstDash val="sysDash"/>
+            <a:headEnd type="none" w="sm" len="med"/>
+            <a:tailEnd type="arrow" w="med" len="med"/>
           </a:ln>
         </p:spPr>
         <p:style>
@@ -36864,11 +36872,13 @@
           <a:prstGeom prst="straightConnector1">
             <a:avLst/>
           </a:prstGeom>
-          <a:ln w="57150">
+          <a:ln w="38100">
             <a:solidFill>
               <a:srgbClr val="FF0000"/>
             </a:solidFill>
-            <a:tailEnd type="triangle"/>
+            <a:prstDash val="sysDash"/>
+            <a:headEnd type="none" w="sm" len="med"/>
+            <a:tailEnd type="arrow" w="med" len="med"/>
           </a:ln>
         </p:spPr>
         <p:style>
@@ -36906,8 +36916,10 @@
           <a:prstGeom prst="straightConnector1">
             <a:avLst/>
           </a:prstGeom>
-          <a:ln w="57150">
-            <a:tailEnd type="triangle"/>
+          <a:ln w="38100">
+            <a:prstDash val="sysDash"/>
+            <a:headEnd type="none" w="sm" len="med"/>
+            <a:tailEnd type="arrow" w="med" len="med"/>
           </a:ln>
         </p:spPr>
         <p:style>
@@ -36939,14 +36951,16 @@
         </p:nvCxnSpPr>
         <p:spPr>
           <a:xfrm>
-            <a:off x="6805750" y="4908041"/>
+            <a:off x="6777441" y="4944006"/>
             <a:ext cx="596900" cy="45085"/>
           </a:xfrm>
           <a:prstGeom prst="straightConnector1">
             <a:avLst/>
           </a:prstGeom>
-          <a:ln w="57150">
-            <a:tailEnd type="triangle"/>
+          <a:ln w="38100">
+            <a:prstDash val="sysDash"/>
+            <a:headEnd type="none" w="sm" len="med"/>
+            <a:tailEnd type="arrow" w="med" len="med"/>
           </a:ln>
         </p:spPr>
         <p:style>
@@ -36984,8 +36998,10 @@
           <a:prstGeom prst="straightConnector1">
             <a:avLst/>
           </a:prstGeom>
-          <a:ln w="57150">
-            <a:tailEnd type="triangle"/>
+          <a:ln w="38100">
+            <a:prstDash val="sysDash"/>
+            <a:headEnd type="none" w="sm" len="med"/>
+            <a:tailEnd type="arrow" w="med" len="med"/>
           </a:ln>
         </p:spPr>
         <p:style>
@@ -37055,11 +37071,13 @@
           <a:prstGeom prst="straightConnector1">
             <a:avLst/>
           </a:prstGeom>
-          <a:ln w="57150">
+          <a:ln w="38100">
             <a:solidFill>
               <a:srgbClr val="FF0000"/>
             </a:solidFill>
-            <a:tailEnd type="triangle"/>
+            <a:prstDash val="sysDash"/>
+            <a:headEnd type="none" w="sm" len="med"/>
+            <a:tailEnd type="arrow" w="med" len="med"/>
           </a:ln>
         </p:spPr>
         <p:style>

--- a/Ram_Rao_Final_Practicum.pptx
+++ b/Ram_Rao_Final_Practicum.pptx
@@ -30832,7 +30832,7 @@
           <a:p>
             <a:r>
               <a:rPr lang="en-US" dirty="0"/>
-              <a:t>Identify a Process for Remote Machine Learning</a:t>
+              <a:t>Implement a Process for Remote Machine Learning</a:t>
             </a:r>
           </a:p>
           <a:p>
@@ -35249,6 +35249,52 @@
           </a:fontRef>
         </p:style>
       </p:cxnSp>
+      <p:cxnSp>
+        <p:nvCxnSpPr>
+          <p:cNvPr id="18" name="Straight Arrow Connector 17">
+            <a:extLst>
+              <a:ext uri="{FF2B5EF4-FFF2-40B4-BE49-F238E27FC236}">
+                <a16:creationId xmlns:a16="http://schemas.microsoft.com/office/drawing/2014/main" id="{D963FFAA-C377-5DD1-20D3-B6DB65F0D008}"/>
+              </a:ext>
+            </a:extLst>
+          </p:cNvPr>
+          <p:cNvCxnSpPr>
+            <a:cxnSpLocks/>
+          </p:cNvCxnSpPr>
+          <p:nvPr/>
+        </p:nvCxnSpPr>
+        <p:spPr>
+          <a:xfrm flipV="1">
+            <a:off x="7031838" y="1715909"/>
+            <a:ext cx="1046933" cy="632946"/>
+          </a:xfrm>
+          <a:prstGeom prst="straightConnector1">
+            <a:avLst/>
+          </a:prstGeom>
+          <a:ln w="28575">
+            <a:solidFill>
+              <a:srgbClr val="FF0000"/>
+            </a:solidFill>
+            <a:prstDash val="sysDash"/>
+            <a:headEnd type="oval" w="med" len="med"/>
+            <a:tailEnd type="triangle" w="lg" len="lg"/>
+          </a:ln>
+        </p:spPr>
+        <p:style>
+          <a:lnRef idx="1">
+            <a:schemeClr val="accent1"/>
+          </a:lnRef>
+          <a:fillRef idx="0">
+            <a:schemeClr val="accent1"/>
+          </a:fillRef>
+          <a:effectRef idx="0">
+            <a:schemeClr val="accent1"/>
+          </a:effectRef>
+          <a:fontRef idx="minor">
+            <a:schemeClr val="tx1"/>
+          </a:fontRef>
+        </p:style>
+      </p:cxnSp>
     </p:spTree>
     <p:extLst>
       <p:ext uri="{BB962C8B-B14F-4D97-AF65-F5344CB8AC3E}">
@@ -36113,6 +36159,105 @@
                                         <p:cTn id="63" dur="1000" fill="hold"/>
                                         <p:tgtEl>
                                           <p:spTgt spid="9"/>
+                                        </p:tgtEl>
+                                        <p:attrNameLst>
+                                          <p:attrName>ppt_y</p:attrName>
+                                        </p:attrNameLst>
+                                      </p:cBhvr>
+                                      <p:tavLst>
+                                        <p:tav tm="0">
+                                          <p:val>
+                                            <p:strVal val="#ppt_y+.1"/>
+                                          </p:val>
+                                        </p:tav>
+                                        <p:tav tm="100000">
+                                          <p:val>
+                                            <p:strVal val="#ppt_y"/>
+                                          </p:val>
+                                        </p:tav>
+                                      </p:tavLst>
+                                    </p:anim>
+                                  </p:childTnLst>
+                                </p:cTn>
+                              </p:par>
+                            </p:childTnLst>
+                          </p:cTn>
+                        </p:par>
+                      </p:childTnLst>
+                    </p:cTn>
+                  </p:par>
+                  <p:par>
+                    <p:cTn id="64" fill="hold">
+                      <p:stCondLst>
+                        <p:cond delay="indefinite"/>
+                      </p:stCondLst>
+                      <p:childTnLst>
+                        <p:par>
+                          <p:cTn id="65" fill="hold">
+                            <p:stCondLst>
+                              <p:cond delay="0"/>
+                            </p:stCondLst>
+                            <p:childTnLst>
+                              <p:par>
+                                <p:cTn id="66" presetID="42" presetClass="entr" presetSubtype="0" fill="hold" nodeType="clickEffect">
+                                  <p:stCondLst>
+                                    <p:cond delay="0"/>
+                                  </p:stCondLst>
+                                  <p:childTnLst>
+                                    <p:set>
+                                      <p:cBhvr>
+                                        <p:cTn id="67" dur="1" fill="hold">
+                                          <p:stCondLst>
+                                            <p:cond delay="0"/>
+                                          </p:stCondLst>
+                                        </p:cTn>
+                                        <p:tgtEl>
+                                          <p:spTgt spid="18"/>
+                                        </p:tgtEl>
+                                        <p:attrNameLst>
+                                          <p:attrName>style.visibility</p:attrName>
+                                        </p:attrNameLst>
+                                      </p:cBhvr>
+                                      <p:to>
+                                        <p:strVal val="visible"/>
+                                      </p:to>
+                                    </p:set>
+                                    <p:animEffect transition="in" filter="fade">
+                                      <p:cBhvr>
+                                        <p:cTn id="68" dur="1000"/>
+                                        <p:tgtEl>
+                                          <p:spTgt spid="18"/>
+                                        </p:tgtEl>
+                                      </p:cBhvr>
+                                    </p:animEffect>
+                                    <p:anim calcmode="lin" valueType="num">
+                                      <p:cBhvr>
+                                        <p:cTn id="69" dur="1000" fill="hold"/>
+                                        <p:tgtEl>
+                                          <p:spTgt spid="18"/>
+                                        </p:tgtEl>
+                                        <p:attrNameLst>
+                                          <p:attrName>ppt_x</p:attrName>
+                                        </p:attrNameLst>
+                                      </p:cBhvr>
+                                      <p:tavLst>
+                                        <p:tav tm="0">
+                                          <p:val>
+                                            <p:strVal val="#ppt_x"/>
+                                          </p:val>
+                                        </p:tav>
+                                        <p:tav tm="100000">
+                                          <p:val>
+                                            <p:strVal val="#ppt_x"/>
+                                          </p:val>
+                                        </p:tav>
+                                      </p:tavLst>
+                                    </p:anim>
+                                    <p:anim calcmode="lin" valueType="num">
+                                      <p:cBhvr>
+                                        <p:cTn id="70" dur="1000" fill="hold"/>
+                                        <p:tgtEl>
+                                          <p:spTgt spid="18"/>
                                         </p:tgtEl>
                                         <p:attrNameLst>
                                           <p:attrName>ppt_y</p:attrName>
@@ -38642,8 +38787,8 @@
         </p:blipFill>
         <p:spPr>
           <a:xfrm>
-            <a:off x="4795051" y="773917"/>
-            <a:ext cx="7218386" cy="3760512"/>
+            <a:off x="4795051" y="773916"/>
+            <a:ext cx="7218386" cy="3858429"/>
           </a:xfrm>
           <a:prstGeom prst="rect">
             <a:avLst/>
@@ -38714,13 +38859,13 @@
           <p:nvPr>
             <p:extLst>
               <p:ext uri="{D42A27DB-BD31-4B8C-83A1-F6EECF244321}">
-                <p14:modId xmlns:p14="http://schemas.microsoft.com/office/powerpoint/2010/main" val="853567718"/>
+                <p14:modId xmlns:p14="http://schemas.microsoft.com/office/powerpoint/2010/main" val="2993600875"/>
               </p:ext>
             </p:extLst>
           </p:nvPr>
         </p:nvGraphicFramePr>
         <p:xfrm>
-          <a:off x="8949979" y="4921178"/>
+          <a:off x="9044384" y="4987824"/>
           <a:ext cx="3019590" cy="1844040"/>
         </p:xfrm>
         <a:graphic>
@@ -38966,7 +39111,7 @@
         </p:nvSpPr>
         <p:spPr>
           <a:xfrm>
-            <a:off x="9377931" y="4565775"/>
+            <a:off x="9443918" y="4640808"/>
             <a:ext cx="2352497" cy="338554"/>
           </a:xfrm>
           <a:prstGeom prst="rect">
@@ -39008,7 +39153,7 @@
         </p:nvSpPr>
         <p:spPr>
           <a:xfrm>
-            <a:off x="5054046" y="4621770"/>
+            <a:off x="5044619" y="4715310"/>
             <a:ext cx="2352497" cy="338554"/>
           </a:xfrm>
           <a:prstGeom prst="rect">
@@ -39051,7 +39196,7 @@
         </p:nvSpPr>
         <p:spPr>
           <a:xfrm>
-            <a:off x="10299940" y="3850356"/>
+            <a:off x="10343808" y="3944079"/>
             <a:ext cx="1669629" cy="461665"/>
           </a:xfrm>
           <a:prstGeom prst="rect">
@@ -39087,13 +39232,13 @@
           <p:nvPr>
             <p:extLst>
               <p:ext uri="{D42A27DB-BD31-4B8C-83A1-F6EECF244321}">
-                <p14:modId xmlns:p14="http://schemas.microsoft.com/office/powerpoint/2010/main" val="2392824115"/>
+                <p14:modId xmlns:p14="http://schemas.microsoft.com/office/powerpoint/2010/main" val="1521129189"/>
               </p:ext>
             </p:extLst>
           </p:nvPr>
         </p:nvGraphicFramePr>
         <p:xfrm>
-          <a:off x="4584375" y="4960324"/>
+          <a:off x="4653881" y="5053864"/>
           <a:ext cx="3291840" cy="1778000"/>
         </p:xfrm>
         <a:graphic>
@@ -39309,6 +39454,112 @@
           </a:extLst>
         </p:spPr>
       </p:pic>
+      <p:sp>
+        <p:nvSpPr>
+          <p:cNvPr id="4" name="Rectangle: Rounded Corners 3">
+            <a:extLst>
+              <a:ext uri="{FF2B5EF4-FFF2-40B4-BE49-F238E27FC236}">
+                <a16:creationId xmlns:a16="http://schemas.microsoft.com/office/drawing/2014/main" id="{A27CA98A-CB20-4FD8-B290-B4A6D0E52BCE}"/>
+              </a:ext>
+            </a:extLst>
+          </p:cNvPr>
+          <p:cNvSpPr/>
+          <p:nvPr/>
+        </p:nvSpPr>
+        <p:spPr>
+          <a:xfrm>
+            <a:off x="5665509" y="1828800"/>
+            <a:ext cx="2469823" cy="641022"/>
+          </a:xfrm>
+          <a:prstGeom prst="roundRect">
+            <a:avLst/>
+          </a:prstGeom>
+          <a:noFill/>
+          <a:ln w="28575">
+            <a:solidFill>
+              <a:srgbClr val="FF0000"/>
+            </a:solidFill>
+            <a:prstDash val="sysDash"/>
+          </a:ln>
+        </p:spPr>
+        <p:style>
+          <a:lnRef idx="2">
+            <a:schemeClr val="accent1">
+              <a:shade val="50000"/>
+            </a:schemeClr>
+          </a:lnRef>
+          <a:fillRef idx="1">
+            <a:schemeClr val="accent1"/>
+          </a:fillRef>
+          <a:effectRef idx="0">
+            <a:schemeClr val="accent1"/>
+          </a:effectRef>
+          <a:fontRef idx="minor">
+            <a:schemeClr val="lt1"/>
+          </a:fontRef>
+        </p:style>
+        <p:txBody>
+          <a:bodyPr rtlCol="0" anchor="ctr"/>
+          <a:lstStyle/>
+          <a:p>
+            <a:pPr algn="ctr"/>
+            <a:endParaRPr lang="en-US" dirty="0"/>
+          </a:p>
+        </p:txBody>
+      </p:sp>
+      <p:sp>
+        <p:nvSpPr>
+          <p:cNvPr id="5" name="TextBox 4">
+            <a:extLst>
+              <a:ext uri="{FF2B5EF4-FFF2-40B4-BE49-F238E27FC236}">
+                <a16:creationId xmlns:a16="http://schemas.microsoft.com/office/drawing/2014/main" id="{6CF0CF7A-423E-2F04-6580-09F3F9BEEE5A}"/>
+              </a:ext>
+            </a:extLst>
+          </p:cNvPr>
+          <p:cNvSpPr txBox="1"/>
+          <p:nvPr/>
+        </p:nvSpPr>
+        <p:spPr>
+          <a:xfrm>
+            <a:off x="8404245" y="1894788"/>
+            <a:ext cx="1277084" cy="307777"/>
+          </a:xfrm>
+          <a:prstGeom prst="rect">
+            <a:avLst/>
+          </a:prstGeom>
+          <a:solidFill>
+            <a:schemeClr val="accent1">
+              <a:lumMod val="40000"/>
+              <a:lumOff val="60000"/>
+            </a:schemeClr>
+          </a:solidFill>
+          <a:ln w="12700">
+            <a:solidFill>
+              <a:schemeClr val="tx1"/>
+            </a:solidFill>
+          </a:ln>
+          <a:effectLst>
+            <a:outerShdw blurRad="50800" dist="38100" algn="l" rotWithShape="0">
+              <a:prstClr val="black">
+                <a:alpha val="40000"/>
+              </a:prstClr>
+            </a:outerShdw>
+            <a:reflection blurRad="6350" stA="50000" endA="300" endPos="55000" dir="5400000" sy="-100000" algn="bl" rotWithShape="0"/>
+          </a:effectLst>
+        </p:spPr>
+        <p:txBody>
+          <a:bodyPr wrap="square" rtlCol="0">
+            <a:spAutoFit/>
+          </a:bodyPr>
+          <a:lstStyle/>
+          <a:p>
+            <a:r>
+              <a:rPr lang="en-US" sz="1400" dirty="0"/>
+              <a:t>PRIOR BELIEFS</a:t>
+            </a:r>
+          </a:p>
+        </p:txBody>
+      </p:sp>
     </p:spTree>
     <p:extLst>
       <p:ext uri="{BB962C8B-B14F-4D97-AF65-F5344CB8AC3E}">
@@ -39966,6 +40217,186 @@
                       </p:childTnLst>
                     </p:cTn>
                   </p:par>
+                  <p:par>
+                    <p:cTn id="46" fill="hold">
+                      <p:stCondLst>
+                        <p:cond delay="indefinite"/>
+                      </p:stCondLst>
+                      <p:childTnLst>
+                        <p:par>
+                          <p:cTn id="47" fill="hold">
+                            <p:stCondLst>
+                              <p:cond delay="0"/>
+                            </p:stCondLst>
+                            <p:childTnLst>
+                              <p:par>
+                                <p:cTn id="48" presetID="42" presetClass="entr" presetSubtype="0" fill="hold" grpId="0" nodeType="clickEffect">
+                                  <p:stCondLst>
+                                    <p:cond delay="0"/>
+                                  </p:stCondLst>
+                                  <p:childTnLst>
+                                    <p:set>
+                                      <p:cBhvr>
+                                        <p:cTn id="49" dur="1" fill="hold">
+                                          <p:stCondLst>
+                                            <p:cond delay="0"/>
+                                          </p:stCondLst>
+                                        </p:cTn>
+                                        <p:tgtEl>
+                                          <p:spTgt spid="4"/>
+                                        </p:tgtEl>
+                                        <p:attrNameLst>
+                                          <p:attrName>style.visibility</p:attrName>
+                                        </p:attrNameLst>
+                                      </p:cBhvr>
+                                      <p:to>
+                                        <p:strVal val="visible"/>
+                                      </p:to>
+                                    </p:set>
+                                    <p:animEffect transition="in" filter="fade">
+                                      <p:cBhvr>
+                                        <p:cTn id="50" dur="1000"/>
+                                        <p:tgtEl>
+                                          <p:spTgt spid="4"/>
+                                        </p:tgtEl>
+                                      </p:cBhvr>
+                                    </p:animEffect>
+                                    <p:anim calcmode="lin" valueType="num">
+                                      <p:cBhvr>
+                                        <p:cTn id="51" dur="1000" fill="hold"/>
+                                        <p:tgtEl>
+                                          <p:spTgt spid="4"/>
+                                        </p:tgtEl>
+                                        <p:attrNameLst>
+                                          <p:attrName>ppt_x</p:attrName>
+                                        </p:attrNameLst>
+                                      </p:cBhvr>
+                                      <p:tavLst>
+                                        <p:tav tm="0">
+                                          <p:val>
+                                            <p:strVal val="#ppt_x"/>
+                                          </p:val>
+                                        </p:tav>
+                                        <p:tav tm="100000">
+                                          <p:val>
+                                            <p:strVal val="#ppt_x"/>
+                                          </p:val>
+                                        </p:tav>
+                                      </p:tavLst>
+                                    </p:anim>
+                                    <p:anim calcmode="lin" valueType="num">
+                                      <p:cBhvr>
+                                        <p:cTn id="52" dur="1000" fill="hold"/>
+                                        <p:tgtEl>
+                                          <p:spTgt spid="4"/>
+                                        </p:tgtEl>
+                                        <p:attrNameLst>
+                                          <p:attrName>ppt_y</p:attrName>
+                                        </p:attrNameLst>
+                                      </p:cBhvr>
+                                      <p:tavLst>
+                                        <p:tav tm="0">
+                                          <p:val>
+                                            <p:strVal val="#ppt_y+.1"/>
+                                          </p:val>
+                                        </p:tav>
+                                        <p:tav tm="100000">
+                                          <p:val>
+                                            <p:strVal val="#ppt_y"/>
+                                          </p:val>
+                                        </p:tav>
+                                      </p:tavLst>
+                                    </p:anim>
+                                  </p:childTnLst>
+                                </p:cTn>
+                              </p:par>
+                              <p:par>
+                                <p:cTn id="53" presetID="42" presetClass="entr" presetSubtype="0" fill="hold" grpId="0" nodeType="withEffect">
+                                  <p:stCondLst>
+                                    <p:cond delay="0"/>
+                                  </p:stCondLst>
+                                  <p:childTnLst>
+                                    <p:set>
+                                      <p:cBhvr>
+                                        <p:cTn id="54" dur="1" fill="hold">
+                                          <p:stCondLst>
+                                            <p:cond delay="0"/>
+                                          </p:stCondLst>
+                                        </p:cTn>
+                                        <p:tgtEl>
+                                          <p:spTgt spid="5"/>
+                                        </p:tgtEl>
+                                        <p:attrNameLst>
+                                          <p:attrName>style.visibility</p:attrName>
+                                        </p:attrNameLst>
+                                      </p:cBhvr>
+                                      <p:to>
+                                        <p:strVal val="visible"/>
+                                      </p:to>
+                                    </p:set>
+                                    <p:animEffect transition="in" filter="fade">
+                                      <p:cBhvr>
+                                        <p:cTn id="55" dur="1000"/>
+                                        <p:tgtEl>
+                                          <p:spTgt spid="5"/>
+                                        </p:tgtEl>
+                                      </p:cBhvr>
+                                    </p:animEffect>
+                                    <p:anim calcmode="lin" valueType="num">
+                                      <p:cBhvr>
+                                        <p:cTn id="56" dur="1000" fill="hold"/>
+                                        <p:tgtEl>
+                                          <p:spTgt spid="5"/>
+                                        </p:tgtEl>
+                                        <p:attrNameLst>
+                                          <p:attrName>ppt_x</p:attrName>
+                                        </p:attrNameLst>
+                                      </p:cBhvr>
+                                      <p:tavLst>
+                                        <p:tav tm="0">
+                                          <p:val>
+                                            <p:strVal val="#ppt_x"/>
+                                          </p:val>
+                                        </p:tav>
+                                        <p:tav tm="100000">
+                                          <p:val>
+                                            <p:strVal val="#ppt_x"/>
+                                          </p:val>
+                                        </p:tav>
+                                      </p:tavLst>
+                                    </p:anim>
+                                    <p:anim calcmode="lin" valueType="num">
+                                      <p:cBhvr>
+                                        <p:cTn id="57" dur="1000" fill="hold"/>
+                                        <p:tgtEl>
+                                          <p:spTgt spid="5"/>
+                                        </p:tgtEl>
+                                        <p:attrNameLst>
+                                          <p:attrName>ppt_y</p:attrName>
+                                        </p:attrNameLst>
+                                      </p:cBhvr>
+                                      <p:tavLst>
+                                        <p:tav tm="0">
+                                          <p:val>
+                                            <p:strVal val="#ppt_y+.1"/>
+                                          </p:val>
+                                        </p:tav>
+                                        <p:tav tm="100000">
+                                          <p:val>
+                                            <p:strVal val="#ppt_y"/>
+                                          </p:val>
+                                        </p:tav>
+                                      </p:tavLst>
+                                    </p:anim>
+                                  </p:childTnLst>
+                                </p:cTn>
+                              </p:par>
+                            </p:childTnLst>
+                          </p:cTn>
+                        </p:par>
+                      </p:childTnLst>
+                    </p:cTn>
+                  </p:par>
                 </p:childTnLst>
               </p:cTn>
               <p:prevCondLst>
@@ -39991,6 +40422,8 @@
       <p:bldP spid="26" grpId="0" animBg="1"/>
       <p:bldP spid="27" grpId="0" animBg="1"/>
       <p:bldP spid="28" grpId="0"/>
+      <p:bldP spid="4" grpId="0" animBg="1"/>
+      <p:bldP spid="5" grpId="0" animBg="1"/>
     </p:bldLst>
   </p:timing>
 </p:sld>

--- a/Ram_Rao_Final_Practicum.pptx
+++ b/Ram_Rao_Final_Practicum.pptx
@@ -35295,6 +35295,212 @@
           </a:fontRef>
         </p:style>
       </p:cxnSp>
+      <p:sp>
+        <p:nvSpPr>
+          <p:cNvPr id="3" name="Rectangle: Rounded Corners 2">
+            <a:extLst>
+              <a:ext uri="{FF2B5EF4-FFF2-40B4-BE49-F238E27FC236}">
+                <a16:creationId xmlns:a16="http://schemas.microsoft.com/office/drawing/2014/main" id="{60B61B31-866B-2ADE-B896-CDBB039A1FE1}"/>
+              </a:ext>
+            </a:extLst>
+          </p:cNvPr>
+          <p:cNvSpPr/>
+          <p:nvPr/>
+        </p:nvSpPr>
+        <p:spPr>
+          <a:xfrm>
+            <a:off x="3200399" y="5374257"/>
+            <a:ext cx="733245" cy="636984"/>
+          </a:xfrm>
+          <a:prstGeom prst="roundRect">
+            <a:avLst/>
+          </a:prstGeom>
+          <a:noFill/>
+          <a:ln w="28575">
+            <a:prstDash val="sysDash"/>
+          </a:ln>
+        </p:spPr>
+        <p:style>
+          <a:lnRef idx="2">
+            <a:schemeClr val="accent1">
+              <a:shade val="50000"/>
+            </a:schemeClr>
+          </a:lnRef>
+          <a:fillRef idx="1">
+            <a:schemeClr val="accent1"/>
+          </a:fillRef>
+          <a:effectRef idx="0">
+            <a:schemeClr val="accent1"/>
+          </a:effectRef>
+          <a:fontRef idx="minor">
+            <a:schemeClr val="lt1"/>
+          </a:fontRef>
+        </p:style>
+        <p:txBody>
+          <a:bodyPr rtlCol="0" anchor="ctr"/>
+          <a:lstStyle/>
+          <a:p>
+            <a:pPr algn="ctr"/>
+            <a:endParaRPr lang="en-US"/>
+          </a:p>
+        </p:txBody>
+      </p:sp>
+      <p:sp>
+        <p:nvSpPr>
+          <p:cNvPr id="20" name="Rectangle: Rounded Corners 19">
+            <a:extLst>
+              <a:ext uri="{FF2B5EF4-FFF2-40B4-BE49-F238E27FC236}">
+                <a16:creationId xmlns:a16="http://schemas.microsoft.com/office/drawing/2014/main" id="{44B2AE77-56BD-D9A9-4D07-6A9B5C303A58}"/>
+              </a:ext>
+            </a:extLst>
+          </p:cNvPr>
+          <p:cNvSpPr/>
+          <p:nvPr/>
+        </p:nvSpPr>
+        <p:spPr>
+          <a:xfrm>
+            <a:off x="3200399" y="6058141"/>
+            <a:ext cx="733245" cy="636984"/>
+          </a:xfrm>
+          <a:prstGeom prst="roundRect">
+            <a:avLst/>
+          </a:prstGeom>
+          <a:noFill/>
+          <a:ln w="28575">
+            <a:solidFill>
+              <a:srgbClr val="FF0000"/>
+            </a:solidFill>
+            <a:prstDash val="sysDash"/>
+          </a:ln>
+        </p:spPr>
+        <p:style>
+          <a:lnRef idx="2">
+            <a:schemeClr val="accent1">
+              <a:shade val="50000"/>
+            </a:schemeClr>
+          </a:lnRef>
+          <a:fillRef idx="1">
+            <a:schemeClr val="accent1"/>
+          </a:fillRef>
+          <a:effectRef idx="0">
+            <a:schemeClr val="accent1"/>
+          </a:effectRef>
+          <a:fontRef idx="minor">
+            <a:schemeClr val="lt1"/>
+          </a:fontRef>
+        </p:style>
+        <p:txBody>
+          <a:bodyPr rtlCol="0" anchor="ctr"/>
+          <a:lstStyle/>
+          <a:p>
+            <a:pPr algn="ctr"/>
+            <a:endParaRPr lang="en-US"/>
+          </a:p>
+        </p:txBody>
+      </p:sp>
+      <p:sp>
+        <p:nvSpPr>
+          <p:cNvPr id="22" name="Rectangle: Rounded Corners 21">
+            <a:extLst>
+              <a:ext uri="{FF2B5EF4-FFF2-40B4-BE49-F238E27FC236}">
+                <a16:creationId xmlns:a16="http://schemas.microsoft.com/office/drawing/2014/main" id="{1B4FFCD2-9443-4B05-F844-1AE823AE61EA}"/>
+              </a:ext>
+            </a:extLst>
+          </p:cNvPr>
+          <p:cNvSpPr/>
+          <p:nvPr/>
+        </p:nvSpPr>
+        <p:spPr>
+          <a:xfrm>
+            <a:off x="4099904" y="5374257"/>
+            <a:ext cx="385832" cy="636984"/>
+          </a:xfrm>
+          <a:prstGeom prst="roundRect">
+            <a:avLst/>
+          </a:prstGeom>
+          <a:noFill/>
+          <a:ln w="28575">
+            <a:prstDash val="sysDash"/>
+          </a:ln>
+        </p:spPr>
+        <p:style>
+          <a:lnRef idx="2">
+            <a:schemeClr val="accent1">
+              <a:shade val="50000"/>
+            </a:schemeClr>
+          </a:lnRef>
+          <a:fillRef idx="1">
+            <a:schemeClr val="accent1"/>
+          </a:fillRef>
+          <a:effectRef idx="0">
+            <a:schemeClr val="accent1"/>
+          </a:effectRef>
+          <a:fontRef idx="minor">
+            <a:schemeClr val="lt1"/>
+          </a:fontRef>
+        </p:style>
+        <p:txBody>
+          <a:bodyPr rtlCol="0" anchor="ctr"/>
+          <a:lstStyle/>
+          <a:p>
+            <a:pPr algn="ctr"/>
+            <a:endParaRPr lang="en-US"/>
+          </a:p>
+        </p:txBody>
+      </p:sp>
+      <p:sp>
+        <p:nvSpPr>
+          <p:cNvPr id="23" name="Rectangle: Rounded Corners 22">
+            <a:extLst>
+              <a:ext uri="{FF2B5EF4-FFF2-40B4-BE49-F238E27FC236}">
+                <a16:creationId xmlns:a16="http://schemas.microsoft.com/office/drawing/2014/main" id="{4BABAB20-E673-B594-9CB3-7B076C043015}"/>
+              </a:ext>
+            </a:extLst>
+          </p:cNvPr>
+          <p:cNvSpPr/>
+          <p:nvPr/>
+        </p:nvSpPr>
+        <p:spPr>
+          <a:xfrm>
+            <a:off x="4597499" y="6058141"/>
+            <a:ext cx="385832" cy="636984"/>
+          </a:xfrm>
+          <a:prstGeom prst="roundRect">
+            <a:avLst/>
+          </a:prstGeom>
+          <a:noFill/>
+          <a:ln w="28575">
+            <a:solidFill>
+              <a:srgbClr val="FF0000"/>
+            </a:solidFill>
+            <a:prstDash val="sysDash"/>
+          </a:ln>
+        </p:spPr>
+        <p:style>
+          <a:lnRef idx="2">
+            <a:schemeClr val="accent1">
+              <a:shade val="50000"/>
+            </a:schemeClr>
+          </a:lnRef>
+          <a:fillRef idx="1">
+            <a:schemeClr val="accent1"/>
+          </a:fillRef>
+          <a:effectRef idx="0">
+            <a:schemeClr val="accent1"/>
+          </a:effectRef>
+          <a:fontRef idx="minor">
+            <a:schemeClr val="lt1"/>
+          </a:fontRef>
+        </p:style>
+        <p:txBody>
+          <a:bodyPr rtlCol="0" anchor="ctr"/>
+          <a:lstStyle/>
+          <a:p>
+            <a:pPr algn="ctr"/>
+            <a:endParaRPr lang="en-US"/>
+          </a:p>
+        </p:txBody>
+      </p:sp>
     </p:spTree>
     <p:extLst>
       <p:ext uri="{BB962C8B-B14F-4D97-AF65-F5344CB8AC3E}">
@@ -35703,39 +35909,21 @@
                                   </p:childTnLst>
                                 </p:cTn>
                               </p:par>
-                            </p:childTnLst>
-                          </p:cTn>
-                        </p:par>
-                      </p:childTnLst>
-                    </p:cTn>
-                  </p:par>
-                  <p:par>
-                    <p:cTn id="31" fill="hold">
-                      <p:stCondLst>
-                        <p:cond delay="indefinite"/>
-                      </p:stCondLst>
-                      <p:childTnLst>
-                        <p:par>
-                          <p:cTn id="32" fill="hold">
-                            <p:stCondLst>
-                              <p:cond delay="0"/>
-                            </p:stCondLst>
-                            <p:childTnLst>
                               <p:par>
-                                <p:cTn id="33" presetID="42" presetClass="entr" presetSubtype="0" fill="hold" nodeType="clickEffect">
+                                <p:cTn id="31" presetID="42" presetClass="entr" presetSubtype="0" fill="hold" nodeType="withEffect">
                                   <p:stCondLst>
                                     <p:cond delay="0"/>
                                   </p:stCondLst>
                                   <p:childTnLst>
                                     <p:set>
                                       <p:cBhvr>
-                                        <p:cTn id="34" dur="1" fill="hold">
+                                        <p:cTn id="32" dur="1" fill="hold">
                                           <p:stCondLst>
                                             <p:cond delay="0"/>
                                           </p:stCondLst>
                                         </p:cTn>
                                         <p:tgtEl>
-                                          <p:spTgt spid="19"/>
+                                          <p:spTgt spid="18"/>
                                         </p:tgtEl>
                                         <p:attrNameLst>
                                           <p:attrName>style.visibility</p:attrName>
@@ -35747,17 +35935,17 @@
                                     </p:set>
                                     <p:animEffect transition="in" filter="fade">
                                       <p:cBhvr>
-                                        <p:cTn id="35" dur="1000"/>
-                                        <p:tgtEl>
-                                          <p:spTgt spid="19"/>
+                                        <p:cTn id="33" dur="1000"/>
+                                        <p:tgtEl>
+                                          <p:spTgt spid="18"/>
                                         </p:tgtEl>
                                       </p:cBhvr>
                                     </p:animEffect>
                                     <p:anim calcmode="lin" valueType="num">
                                       <p:cBhvr>
-                                        <p:cTn id="36" dur="1000" fill="hold"/>
-                                        <p:tgtEl>
-                                          <p:spTgt spid="19"/>
+                                        <p:cTn id="34" dur="1000" fill="hold"/>
+                                        <p:tgtEl>
+                                          <p:spTgt spid="18"/>
                                         </p:tgtEl>
                                         <p:attrNameLst>
                                           <p:attrName>ppt_x</p:attrName>
@@ -35778,9 +35966,9 @@
                                     </p:anim>
                                     <p:anim calcmode="lin" valueType="num">
                                       <p:cBhvr>
-                                        <p:cTn id="37" dur="1000" fill="hold"/>
-                                        <p:tgtEl>
-                                          <p:spTgt spid="19"/>
+                                        <p:cTn id="35" dur="1000" fill="hold"/>
+                                        <p:tgtEl>
+                                          <p:spTgt spid="18"/>
                                         </p:tgtEl>
                                         <p:attrNameLst>
                                           <p:attrName>ppt_y</p:attrName>
@@ -35809,32 +35997,32 @@
                     </p:cTn>
                   </p:par>
                   <p:par>
-                    <p:cTn id="38" fill="hold">
+                    <p:cTn id="36" fill="hold">
                       <p:stCondLst>
                         <p:cond delay="indefinite"/>
                       </p:stCondLst>
                       <p:childTnLst>
                         <p:par>
-                          <p:cTn id="39" fill="hold">
+                          <p:cTn id="37" fill="hold">
                             <p:stCondLst>
                               <p:cond delay="0"/>
                             </p:stCondLst>
                             <p:childTnLst>
                               <p:par>
-                                <p:cTn id="40" presetID="42" presetClass="entr" presetSubtype="0" fill="hold" nodeType="clickEffect">
+                                <p:cTn id="38" presetID="42" presetClass="entr" presetSubtype="0" fill="hold" nodeType="clickEffect">
                                   <p:stCondLst>
                                     <p:cond delay="0"/>
                                   </p:stCondLst>
                                   <p:childTnLst>
                                     <p:set>
                                       <p:cBhvr>
-                                        <p:cTn id="41" dur="1" fill="hold">
+                                        <p:cTn id="39" dur="1" fill="hold">
                                           <p:stCondLst>
                                             <p:cond delay="0"/>
                                           </p:stCondLst>
                                         </p:cTn>
                                         <p:tgtEl>
-                                          <p:spTgt spid="10"/>
+                                          <p:spTgt spid="19"/>
                                         </p:tgtEl>
                                         <p:attrNameLst>
                                           <p:attrName>style.visibility</p:attrName>
@@ -35846,17 +36034,17 @@
                                     </p:set>
                                     <p:animEffect transition="in" filter="fade">
                                       <p:cBhvr>
-                                        <p:cTn id="42" dur="1000"/>
-                                        <p:tgtEl>
-                                          <p:spTgt spid="10"/>
+                                        <p:cTn id="40" dur="1000"/>
+                                        <p:tgtEl>
+                                          <p:spTgt spid="19"/>
                                         </p:tgtEl>
                                       </p:cBhvr>
                                     </p:animEffect>
                                     <p:anim calcmode="lin" valueType="num">
                                       <p:cBhvr>
-                                        <p:cTn id="43" dur="1000" fill="hold"/>
-                                        <p:tgtEl>
-                                          <p:spTgt spid="10"/>
+                                        <p:cTn id="41" dur="1000" fill="hold"/>
+                                        <p:tgtEl>
+                                          <p:spTgt spid="19"/>
                                         </p:tgtEl>
                                         <p:attrNameLst>
                                           <p:attrName>ppt_x</p:attrName>
@@ -35877,7 +36065,88 @@
                                     </p:anim>
                                     <p:anim calcmode="lin" valueType="num">
                                       <p:cBhvr>
-                                        <p:cTn id="44" dur="1000" fill="hold"/>
+                                        <p:cTn id="42" dur="1000" fill="hold"/>
+                                        <p:tgtEl>
+                                          <p:spTgt spid="19"/>
+                                        </p:tgtEl>
+                                        <p:attrNameLst>
+                                          <p:attrName>ppt_y</p:attrName>
+                                        </p:attrNameLst>
+                                      </p:cBhvr>
+                                      <p:tavLst>
+                                        <p:tav tm="0">
+                                          <p:val>
+                                            <p:strVal val="#ppt_y+.1"/>
+                                          </p:val>
+                                        </p:tav>
+                                        <p:tav tm="100000">
+                                          <p:val>
+                                            <p:strVal val="#ppt_y"/>
+                                          </p:val>
+                                        </p:tav>
+                                      </p:tavLst>
+                                    </p:anim>
+                                  </p:childTnLst>
+                                </p:cTn>
+                              </p:par>
+                              <p:par>
+                                <p:cTn id="43" presetID="42" presetClass="entr" presetSubtype="0" fill="hold" nodeType="withEffect">
+                                  <p:stCondLst>
+                                    <p:cond delay="0"/>
+                                  </p:stCondLst>
+                                  <p:childTnLst>
+                                    <p:set>
+                                      <p:cBhvr>
+                                        <p:cTn id="44" dur="1" fill="hold">
+                                          <p:stCondLst>
+                                            <p:cond delay="0"/>
+                                          </p:stCondLst>
+                                        </p:cTn>
+                                        <p:tgtEl>
+                                          <p:spTgt spid="10"/>
+                                        </p:tgtEl>
+                                        <p:attrNameLst>
+                                          <p:attrName>style.visibility</p:attrName>
+                                        </p:attrNameLst>
+                                      </p:cBhvr>
+                                      <p:to>
+                                        <p:strVal val="visible"/>
+                                      </p:to>
+                                    </p:set>
+                                    <p:animEffect transition="in" filter="fade">
+                                      <p:cBhvr>
+                                        <p:cTn id="45" dur="1000"/>
+                                        <p:tgtEl>
+                                          <p:spTgt spid="10"/>
+                                        </p:tgtEl>
+                                      </p:cBhvr>
+                                    </p:animEffect>
+                                    <p:anim calcmode="lin" valueType="num">
+                                      <p:cBhvr>
+                                        <p:cTn id="46" dur="1000" fill="hold"/>
+                                        <p:tgtEl>
+                                          <p:spTgt spid="10"/>
+                                        </p:tgtEl>
+                                        <p:attrNameLst>
+                                          <p:attrName>ppt_x</p:attrName>
+                                        </p:attrNameLst>
+                                      </p:cBhvr>
+                                      <p:tavLst>
+                                        <p:tav tm="0">
+                                          <p:val>
+                                            <p:strVal val="#ppt_x"/>
+                                          </p:val>
+                                        </p:tav>
+                                        <p:tav tm="100000">
+                                          <p:val>
+                                            <p:strVal val="#ppt_x"/>
+                                          </p:val>
+                                        </p:tav>
+                                      </p:tavLst>
+                                    </p:anim>
+                                    <p:anim calcmode="lin" valueType="num">
+                                      <p:cBhvr>
+                                        <p:cTn id="47" dur="1000" fill="hold"/>
                                         <p:tgtEl>
                                           <p:spTgt spid="10"/>
                                         </p:tgtEl>
@@ -35908,32 +36177,32 @@
                     </p:cTn>
                   </p:par>
                   <p:par>
-                    <p:cTn id="45" fill="hold">
+                    <p:cTn id="48" fill="hold">
                       <p:stCondLst>
                         <p:cond delay="indefinite"/>
                       </p:stCondLst>
                       <p:childTnLst>
                         <p:par>
-                          <p:cTn id="46" fill="hold">
+                          <p:cTn id="49" fill="hold">
                             <p:stCondLst>
                               <p:cond delay="0"/>
                             </p:stCondLst>
                             <p:childTnLst>
                               <p:par>
-                                <p:cTn id="47" presetID="42" presetClass="entr" presetSubtype="0" fill="hold" nodeType="clickEffect">
+                                <p:cTn id="50" presetID="42" presetClass="entr" presetSubtype="0" fill="hold" grpId="0" nodeType="clickEffect">
                                   <p:stCondLst>
                                     <p:cond delay="0"/>
                                   </p:stCondLst>
                                   <p:childTnLst>
                                     <p:set>
                                       <p:cBhvr>
-                                        <p:cTn id="48" dur="1" fill="hold">
+                                        <p:cTn id="51" dur="1" fill="hold">
                                           <p:stCondLst>
                                             <p:cond delay="0"/>
                                           </p:stCondLst>
                                         </p:cTn>
                                         <p:tgtEl>
-                                          <p:spTgt spid="7"/>
+                                          <p:spTgt spid="3"/>
                                         </p:tgtEl>
                                         <p:attrNameLst>
                                           <p:attrName>style.visibility</p:attrName>
@@ -35945,17 +36214,17 @@
                                     </p:set>
                                     <p:animEffect transition="in" filter="fade">
                                       <p:cBhvr>
-                                        <p:cTn id="49" dur="1000"/>
-                                        <p:tgtEl>
-                                          <p:spTgt spid="7"/>
+                                        <p:cTn id="52" dur="1000"/>
+                                        <p:tgtEl>
+                                          <p:spTgt spid="3"/>
                                         </p:tgtEl>
                                       </p:cBhvr>
                                     </p:animEffect>
                                     <p:anim calcmode="lin" valueType="num">
                                       <p:cBhvr>
-                                        <p:cTn id="50" dur="1000" fill="hold"/>
-                                        <p:tgtEl>
-                                          <p:spTgt spid="7"/>
+                                        <p:cTn id="53" dur="1000" fill="hold"/>
+                                        <p:tgtEl>
+                                          <p:spTgt spid="3"/>
                                         </p:tgtEl>
                                         <p:attrNameLst>
                                           <p:attrName>ppt_x</p:attrName>
@@ -35976,7 +36245,331 @@
                                     </p:anim>
                                     <p:anim calcmode="lin" valueType="num">
                                       <p:cBhvr>
-                                        <p:cTn id="51" dur="1000" fill="hold"/>
+                                        <p:cTn id="54" dur="1000" fill="hold"/>
+                                        <p:tgtEl>
+                                          <p:spTgt spid="3"/>
+                                        </p:tgtEl>
+                                        <p:attrNameLst>
+                                          <p:attrName>ppt_y</p:attrName>
+                                        </p:attrNameLst>
+                                      </p:cBhvr>
+                                      <p:tavLst>
+                                        <p:tav tm="0">
+                                          <p:val>
+                                            <p:strVal val="#ppt_y+.1"/>
+                                          </p:val>
+                                        </p:tav>
+                                        <p:tav tm="100000">
+                                          <p:val>
+                                            <p:strVal val="#ppt_y"/>
+                                          </p:val>
+                                        </p:tav>
+                                      </p:tavLst>
+                                    </p:anim>
+                                  </p:childTnLst>
+                                </p:cTn>
+                              </p:par>
+                              <p:par>
+                                <p:cTn id="55" presetID="42" presetClass="entr" presetSubtype="0" fill="hold" grpId="0" nodeType="withEffect">
+                                  <p:stCondLst>
+                                    <p:cond delay="0"/>
+                                  </p:stCondLst>
+                                  <p:childTnLst>
+                                    <p:set>
+                                      <p:cBhvr>
+                                        <p:cTn id="56" dur="1" fill="hold">
+                                          <p:stCondLst>
+                                            <p:cond delay="0"/>
+                                          </p:stCondLst>
+                                        </p:cTn>
+                                        <p:tgtEl>
+                                          <p:spTgt spid="22"/>
+                                        </p:tgtEl>
+                                        <p:attrNameLst>
+                                          <p:attrName>style.visibility</p:attrName>
+                                        </p:attrNameLst>
+                                      </p:cBhvr>
+                                      <p:to>
+                                        <p:strVal val="visible"/>
+                                      </p:to>
+                                    </p:set>
+                                    <p:animEffect transition="in" filter="fade">
+                                      <p:cBhvr>
+                                        <p:cTn id="57" dur="1000"/>
+                                        <p:tgtEl>
+                                          <p:spTgt spid="22"/>
+                                        </p:tgtEl>
+                                      </p:cBhvr>
+                                    </p:animEffect>
+                                    <p:anim calcmode="lin" valueType="num">
+                                      <p:cBhvr>
+                                        <p:cTn id="58" dur="1000" fill="hold"/>
+                                        <p:tgtEl>
+                                          <p:spTgt spid="22"/>
+                                        </p:tgtEl>
+                                        <p:attrNameLst>
+                                          <p:attrName>ppt_x</p:attrName>
+                                        </p:attrNameLst>
+                                      </p:cBhvr>
+                                      <p:tavLst>
+                                        <p:tav tm="0">
+                                          <p:val>
+                                            <p:strVal val="#ppt_x"/>
+                                          </p:val>
+                                        </p:tav>
+                                        <p:tav tm="100000">
+                                          <p:val>
+                                            <p:strVal val="#ppt_x"/>
+                                          </p:val>
+                                        </p:tav>
+                                      </p:tavLst>
+                                    </p:anim>
+                                    <p:anim calcmode="lin" valueType="num">
+                                      <p:cBhvr>
+                                        <p:cTn id="59" dur="1000" fill="hold"/>
+                                        <p:tgtEl>
+                                          <p:spTgt spid="22"/>
+                                        </p:tgtEl>
+                                        <p:attrNameLst>
+                                          <p:attrName>ppt_y</p:attrName>
+                                        </p:attrNameLst>
+                                      </p:cBhvr>
+                                      <p:tavLst>
+                                        <p:tav tm="0">
+                                          <p:val>
+                                            <p:strVal val="#ppt_y+.1"/>
+                                          </p:val>
+                                        </p:tav>
+                                        <p:tav tm="100000">
+                                          <p:val>
+                                            <p:strVal val="#ppt_y"/>
+                                          </p:val>
+                                        </p:tav>
+                                      </p:tavLst>
+                                    </p:anim>
+                                  </p:childTnLst>
+                                </p:cTn>
+                              </p:par>
+                              <p:par>
+                                <p:cTn id="60" presetID="42" presetClass="entr" presetSubtype="0" fill="hold" grpId="0" nodeType="withEffect">
+                                  <p:stCondLst>
+                                    <p:cond delay="0"/>
+                                  </p:stCondLst>
+                                  <p:childTnLst>
+                                    <p:set>
+                                      <p:cBhvr>
+                                        <p:cTn id="61" dur="1" fill="hold">
+                                          <p:stCondLst>
+                                            <p:cond delay="0"/>
+                                          </p:stCondLst>
+                                        </p:cTn>
+                                        <p:tgtEl>
+                                          <p:spTgt spid="20"/>
+                                        </p:tgtEl>
+                                        <p:attrNameLst>
+                                          <p:attrName>style.visibility</p:attrName>
+                                        </p:attrNameLst>
+                                      </p:cBhvr>
+                                      <p:to>
+                                        <p:strVal val="visible"/>
+                                      </p:to>
+                                    </p:set>
+                                    <p:animEffect transition="in" filter="fade">
+                                      <p:cBhvr>
+                                        <p:cTn id="62" dur="1000"/>
+                                        <p:tgtEl>
+                                          <p:spTgt spid="20"/>
+                                        </p:tgtEl>
+                                      </p:cBhvr>
+                                    </p:animEffect>
+                                    <p:anim calcmode="lin" valueType="num">
+                                      <p:cBhvr>
+                                        <p:cTn id="63" dur="1000" fill="hold"/>
+                                        <p:tgtEl>
+                                          <p:spTgt spid="20"/>
+                                        </p:tgtEl>
+                                        <p:attrNameLst>
+                                          <p:attrName>ppt_x</p:attrName>
+                                        </p:attrNameLst>
+                                      </p:cBhvr>
+                                      <p:tavLst>
+                                        <p:tav tm="0">
+                                          <p:val>
+                                            <p:strVal val="#ppt_x"/>
+                                          </p:val>
+                                        </p:tav>
+                                        <p:tav tm="100000">
+                                          <p:val>
+                                            <p:strVal val="#ppt_x"/>
+                                          </p:val>
+                                        </p:tav>
+                                      </p:tavLst>
+                                    </p:anim>
+                                    <p:anim calcmode="lin" valueType="num">
+                                      <p:cBhvr>
+                                        <p:cTn id="64" dur="1000" fill="hold"/>
+                                        <p:tgtEl>
+                                          <p:spTgt spid="20"/>
+                                        </p:tgtEl>
+                                        <p:attrNameLst>
+                                          <p:attrName>ppt_y</p:attrName>
+                                        </p:attrNameLst>
+                                      </p:cBhvr>
+                                      <p:tavLst>
+                                        <p:tav tm="0">
+                                          <p:val>
+                                            <p:strVal val="#ppt_y+.1"/>
+                                          </p:val>
+                                        </p:tav>
+                                        <p:tav tm="100000">
+                                          <p:val>
+                                            <p:strVal val="#ppt_y"/>
+                                          </p:val>
+                                        </p:tav>
+                                      </p:tavLst>
+                                    </p:anim>
+                                  </p:childTnLst>
+                                </p:cTn>
+                              </p:par>
+                              <p:par>
+                                <p:cTn id="65" presetID="42" presetClass="entr" presetSubtype="0" fill="hold" grpId="0" nodeType="withEffect">
+                                  <p:stCondLst>
+                                    <p:cond delay="0"/>
+                                  </p:stCondLst>
+                                  <p:childTnLst>
+                                    <p:set>
+                                      <p:cBhvr>
+                                        <p:cTn id="66" dur="1" fill="hold">
+                                          <p:stCondLst>
+                                            <p:cond delay="0"/>
+                                          </p:stCondLst>
+                                        </p:cTn>
+                                        <p:tgtEl>
+                                          <p:spTgt spid="23"/>
+                                        </p:tgtEl>
+                                        <p:attrNameLst>
+                                          <p:attrName>style.visibility</p:attrName>
+                                        </p:attrNameLst>
+                                      </p:cBhvr>
+                                      <p:to>
+                                        <p:strVal val="visible"/>
+                                      </p:to>
+                                    </p:set>
+                                    <p:animEffect transition="in" filter="fade">
+                                      <p:cBhvr>
+                                        <p:cTn id="67" dur="1000"/>
+                                        <p:tgtEl>
+                                          <p:spTgt spid="23"/>
+                                        </p:tgtEl>
+                                      </p:cBhvr>
+                                    </p:animEffect>
+                                    <p:anim calcmode="lin" valueType="num">
+                                      <p:cBhvr>
+                                        <p:cTn id="68" dur="1000" fill="hold"/>
+                                        <p:tgtEl>
+                                          <p:spTgt spid="23"/>
+                                        </p:tgtEl>
+                                        <p:attrNameLst>
+                                          <p:attrName>ppt_x</p:attrName>
+                                        </p:attrNameLst>
+                                      </p:cBhvr>
+                                      <p:tavLst>
+                                        <p:tav tm="0">
+                                          <p:val>
+                                            <p:strVal val="#ppt_x"/>
+                                          </p:val>
+                                        </p:tav>
+                                        <p:tav tm="100000">
+                                          <p:val>
+                                            <p:strVal val="#ppt_x"/>
+                                          </p:val>
+                                        </p:tav>
+                                      </p:tavLst>
+                                    </p:anim>
+                                    <p:anim calcmode="lin" valueType="num">
+                                      <p:cBhvr>
+                                        <p:cTn id="69" dur="1000" fill="hold"/>
+                                        <p:tgtEl>
+                                          <p:spTgt spid="23"/>
+                                        </p:tgtEl>
+                                        <p:attrNameLst>
+                                          <p:attrName>ppt_y</p:attrName>
+                                        </p:attrNameLst>
+                                      </p:cBhvr>
+                                      <p:tavLst>
+                                        <p:tav tm="0">
+                                          <p:val>
+                                            <p:strVal val="#ppt_y+.1"/>
+                                          </p:val>
+                                        </p:tav>
+                                        <p:tav tm="100000">
+                                          <p:val>
+                                            <p:strVal val="#ppt_y"/>
+                                          </p:val>
+                                        </p:tav>
+                                      </p:tavLst>
+                                    </p:anim>
+                                  </p:childTnLst>
+                                </p:cTn>
+                              </p:par>
+                              <p:par>
+                                <p:cTn id="70" presetID="42" presetClass="entr" presetSubtype="0" fill="hold" nodeType="withEffect">
+                                  <p:stCondLst>
+                                    <p:cond delay="0"/>
+                                  </p:stCondLst>
+                                  <p:childTnLst>
+                                    <p:set>
+                                      <p:cBhvr>
+                                        <p:cTn id="71" dur="1" fill="hold">
+                                          <p:stCondLst>
+                                            <p:cond delay="0"/>
+                                          </p:stCondLst>
+                                        </p:cTn>
+                                        <p:tgtEl>
+                                          <p:spTgt spid="7"/>
+                                        </p:tgtEl>
+                                        <p:attrNameLst>
+                                          <p:attrName>style.visibility</p:attrName>
+                                        </p:attrNameLst>
+                                      </p:cBhvr>
+                                      <p:to>
+                                        <p:strVal val="visible"/>
+                                      </p:to>
+                                    </p:set>
+                                    <p:animEffect transition="in" filter="fade">
+                                      <p:cBhvr>
+                                        <p:cTn id="72" dur="1000"/>
+                                        <p:tgtEl>
+                                          <p:spTgt spid="7"/>
+                                        </p:tgtEl>
+                                      </p:cBhvr>
+                                    </p:animEffect>
+                                    <p:anim calcmode="lin" valueType="num">
+                                      <p:cBhvr>
+                                        <p:cTn id="73" dur="1000" fill="hold"/>
+                                        <p:tgtEl>
+                                          <p:spTgt spid="7"/>
+                                        </p:tgtEl>
+                                        <p:attrNameLst>
+                                          <p:attrName>ppt_x</p:attrName>
+                                        </p:attrNameLst>
+                                      </p:cBhvr>
+                                      <p:tavLst>
+                                        <p:tav tm="0">
+                                          <p:val>
+                                            <p:strVal val="#ppt_x"/>
+                                          </p:val>
+                                        </p:tav>
+                                        <p:tav tm="100000">
+                                          <p:val>
+                                            <p:strVal val="#ppt_x"/>
+                                          </p:val>
+                                        </p:tav>
+                                      </p:tavLst>
+                                    </p:anim>
+                                    <p:anim calcmode="lin" valueType="num">
+                                      <p:cBhvr>
+                                        <p:cTn id="74" dur="1000" fill="hold"/>
                                         <p:tgtEl>
                                           <p:spTgt spid="7"/>
                                         </p:tgtEl>
@@ -36007,26 +36600,26 @@
                     </p:cTn>
                   </p:par>
                   <p:par>
-                    <p:cTn id="52" fill="hold">
+                    <p:cTn id="75" fill="hold">
                       <p:stCondLst>
                         <p:cond delay="indefinite"/>
                       </p:stCondLst>
                       <p:childTnLst>
                         <p:par>
-                          <p:cTn id="53" fill="hold">
+                          <p:cTn id="76" fill="hold">
                             <p:stCondLst>
                               <p:cond delay="0"/>
                             </p:stCondLst>
                             <p:childTnLst>
                               <p:par>
-                                <p:cTn id="54" presetID="42" presetClass="entr" presetSubtype="0" fill="hold" grpId="0" nodeType="clickEffect">
+                                <p:cTn id="77" presetID="42" presetClass="entr" presetSubtype="0" fill="hold" grpId="0" nodeType="clickEffect">
                                   <p:stCondLst>
                                     <p:cond delay="0"/>
                                   </p:stCondLst>
                                   <p:childTnLst>
                                     <p:set>
                                       <p:cBhvr>
-                                        <p:cTn id="55" dur="1" fill="hold">
+                                        <p:cTn id="78" dur="1" fill="hold">
                                           <p:stCondLst>
                                             <p:cond delay="0"/>
                                           </p:stCondLst>
@@ -36044,7 +36637,7 @@
                                     </p:set>
                                     <p:animEffect transition="in" filter="fade">
                                       <p:cBhvr>
-                                        <p:cTn id="56" dur="1000"/>
+                                        <p:cTn id="79" dur="1000"/>
                                         <p:tgtEl>
                                           <p:spTgt spid="2"/>
                                         </p:tgtEl>
@@ -36052,7 +36645,7 @@
                                     </p:animEffect>
                                     <p:anim calcmode="lin" valueType="num">
                                       <p:cBhvr>
-                                        <p:cTn id="57" dur="1000" fill="hold"/>
+                                        <p:cTn id="80" dur="1000" fill="hold"/>
                                         <p:tgtEl>
                                           <p:spTgt spid="2"/>
                                         </p:tgtEl>
@@ -36075,7 +36668,7 @@
                                     </p:anim>
                                     <p:anim calcmode="lin" valueType="num">
                                       <p:cBhvr>
-                                        <p:cTn id="58" dur="1000" fill="hold"/>
+                                        <p:cTn id="81" dur="1000" fill="hold"/>
                                         <p:tgtEl>
                                           <p:spTgt spid="2"/>
                                         </p:tgtEl>
@@ -36100,14 +36693,14 @@
                                 </p:cTn>
                               </p:par>
                               <p:par>
-                                <p:cTn id="59" presetID="42" presetClass="entr" presetSubtype="0" fill="hold" nodeType="withEffect">
+                                <p:cTn id="82" presetID="42" presetClass="entr" presetSubtype="0" fill="hold" nodeType="withEffect">
                                   <p:stCondLst>
                                     <p:cond delay="0"/>
                                   </p:stCondLst>
                                   <p:childTnLst>
                                     <p:set>
                                       <p:cBhvr>
-                                        <p:cTn id="60" dur="1" fill="hold">
+                                        <p:cTn id="83" dur="1" fill="hold">
                                           <p:stCondLst>
                                             <p:cond delay="0"/>
                                           </p:stCondLst>
@@ -36125,7 +36718,7 @@
                                     </p:set>
                                     <p:animEffect transition="in" filter="fade">
                                       <p:cBhvr>
-                                        <p:cTn id="61" dur="1000"/>
+                                        <p:cTn id="84" dur="1000"/>
                                         <p:tgtEl>
                                           <p:spTgt spid="9"/>
                                         </p:tgtEl>
@@ -36133,7 +36726,7 @@
                                     </p:animEffect>
                                     <p:anim calcmode="lin" valueType="num">
                                       <p:cBhvr>
-                                        <p:cTn id="62" dur="1000" fill="hold"/>
+                                        <p:cTn id="85" dur="1000" fill="hold"/>
                                         <p:tgtEl>
                                           <p:spTgt spid="9"/>
                                         </p:tgtEl>
@@ -36156,108 +36749,9 @@
                                     </p:anim>
                                     <p:anim calcmode="lin" valueType="num">
                                       <p:cBhvr>
-                                        <p:cTn id="63" dur="1000" fill="hold"/>
+                                        <p:cTn id="86" dur="1000" fill="hold"/>
                                         <p:tgtEl>
                                           <p:spTgt spid="9"/>
-                                        </p:tgtEl>
-                                        <p:attrNameLst>
-                                          <p:attrName>ppt_y</p:attrName>
-                                        </p:attrNameLst>
-                                      </p:cBhvr>
-                                      <p:tavLst>
-                                        <p:tav tm="0">
-                                          <p:val>
-                                            <p:strVal val="#ppt_y+.1"/>
-                                          </p:val>
-                                        </p:tav>
-                                        <p:tav tm="100000">
-                                          <p:val>
-                                            <p:strVal val="#ppt_y"/>
-                                          </p:val>
-                                        </p:tav>
-                                      </p:tavLst>
-                                    </p:anim>
-                                  </p:childTnLst>
-                                </p:cTn>
-                              </p:par>
-                            </p:childTnLst>
-                          </p:cTn>
-                        </p:par>
-                      </p:childTnLst>
-                    </p:cTn>
-                  </p:par>
-                  <p:par>
-                    <p:cTn id="64" fill="hold">
-                      <p:stCondLst>
-                        <p:cond delay="indefinite"/>
-                      </p:stCondLst>
-                      <p:childTnLst>
-                        <p:par>
-                          <p:cTn id="65" fill="hold">
-                            <p:stCondLst>
-                              <p:cond delay="0"/>
-                            </p:stCondLst>
-                            <p:childTnLst>
-                              <p:par>
-                                <p:cTn id="66" presetID="42" presetClass="entr" presetSubtype="0" fill="hold" nodeType="clickEffect">
-                                  <p:stCondLst>
-                                    <p:cond delay="0"/>
-                                  </p:stCondLst>
-                                  <p:childTnLst>
-                                    <p:set>
-                                      <p:cBhvr>
-                                        <p:cTn id="67" dur="1" fill="hold">
-                                          <p:stCondLst>
-                                            <p:cond delay="0"/>
-                                          </p:stCondLst>
-                                        </p:cTn>
-                                        <p:tgtEl>
-                                          <p:spTgt spid="18"/>
-                                        </p:tgtEl>
-                                        <p:attrNameLst>
-                                          <p:attrName>style.visibility</p:attrName>
-                                        </p:attrNameLst>
-                                      </p:cBhvr>
-                                      <p:to>
-                                        <p:strVal val="visible"/>
-                                      </p:to>
-                                    </p:set>
-                                    <p:animEffect transition="in" filter="fade">
-                                      <p:cBhvr>
-                                        <p:cTn id="68" dur="1000"/>
-                                        <p:tgtEl>
-                                          <p:spTgt spid="18"/>
-                                        </p:tgtEl>
-                                      </p:cBhvr>
-                                    </p:animEffect>
-                                    <p:anim calcmode="lin" valueType="num">
-                                      <p:cBhvr>
-                                        <p:cTn id="69" dur="1000" fill="hold"/>
-                                        <p:tgtEl>
-                                          <p:spTgt spid="18"/>
-                                        </p:tgtEl>
-                                        <p:attrNameLst>
-                                          <p:attrName>ppt_x</p:attrName>
-                                        </p:attrNameLst>
-                                      </p:cBhvr>
-                                      <p:tavLst>
-                                        <p:tav tm="0">
-                                          <p:val>
-                                            <p:strVal val="#ppt_x"/>
-                                          </p:val>
-                                        </p:tav>
-                                        <p:tav tm="100000">
-                                          <p:val>
-                                            <p:strVal val="#ppt_x"/>
-                                          </p:val>
-                                        </p:tav>
-                                      </p:tavLst>
-                                    </p:anim>
-                                    <p:anim calcmode="lin" valueType="num">
-                                      <p:cBhvr>
-                                        <p:cTn id="70" dur="1000" fill="hold"/>
-                                        <p:tgtEl>
-                                          <p:spTgt spid="18"/>
                                         </p:tgtEl>
                                         <p:attrNameLst>
                                           <p:attrName>ppt_y</p:attrName>
@@ -36308,6 +36802,10 @@
     </p:tnLst>
     <p:bldLst>
       <p:bldP spid="2" grpId="0" animBg="1"/>
+      <p:bldP spid="3" grpId="0" animBg="1"/>
+      <p:bldP spid="20" grpId="0" animBg="1"/>
+      <p:bldP spid="22" grpId="0" animBg="1"/>
+      <p:bldP spid="23" grpId="0" animBg="1"/>
     </p:bldLst>
   </p:timing>
 </p:sld>

--- a/Ram_Rao_Final_Practicum.pptx
+++ b/Ram_Rao_Final_Practicum.pptx
@@ -26164,6 +26164,66 @@
           <a:chExt cx="0" cy="0"/>
         </a:xfrm>
       </p:grpSpPr>
+      <p:pic>
+        <p:nvPicPr>
+          <p:cNvPr id="37" name="Picture 36" descr="Chart, bar chart&#10;&#10;Description automatically generated">
+            <a:extLst>
+              <a:ext uri="{FF2B5EF4-FFF2-40B4-BE49-F238E27FC236}">
+                <a16:creationId xmlns:a16="http://schemas.microsoft.com/office/drawing/2014/main" id="{02DD6CF9-1CBE-9DDA-0DC6-FA78EF1BC7AB}"/>
+              </a:ext>
+            </a:extLst>
+          </p:cNvPr>
+          <p:cNvPicPr>
+            <a:picLocks noChangeAspect="1"/>
+          </p:cNvPicPr>
+          <p:nvPr/>
+        </p:nvPicPr>
+        <p:blipFill>
+          <a:blip r:embed="rId2"/>
+          <a:stretch>
+            <a:fillRect/>
+          </a:stretch>
+        </p:blipFill>
+        <p:spPr>
+          <a:xfrm>
+            <a:off x="5601636" y="23425"/>
+            <a:ext cx="4536569" cy="1998687"/>
+          </a:xfrm>
+          <a:prstGeom prst="rect">
+            <a:avLst/>
+          </a:prstGeom>
+        </p:spPr>
+      </p:pic>
+      <p:pic>
+        <p:nvPicPr>
+          <p:cNvPr id="30" name="Picture 29" descr="Chart, bar chart&#10;&#10;Description automatically generated">
+            <a:extLst>
+              <a:ext uri="{FF2B5EF4-FFF2-40B4-BE49-F238E27FC236}">
+                <a16:creationId xmlns:a16="http://schemas.microsoft.com/office/drawing/2014/main" id="{12DE3204-04FA-4A82-8DEC-8B608CAB7ADB}"/>
+              </a:ext>
+            </a:extLst>
+          </p:cNvPr>
+          <p:cNvPicPr>
+            <a:picLocks noChangeAspect="1"/>
+          </p:cNvPicPr>
+          <p:nvPr/>
+        </p:nvPicPr>
+        <p:blipFill>
+          <a:blip r:embed="rId3"/>
+          <a:stretch>
+            <a:fillRect/>
+          </a:stretch>
+        </p:blipFill>
+        <p:spPr>
+          <a:xfrm>
+            <a:off x="290990" y="3911854"/>
+            <a:ext cx="5134890" cy="2446020"/>
+          </a:xfrm>
+          <a:prstGeom prst="rect">
+            <a:avLst/>
+          </a:prstGeom>
+        </p:spPr>
+      </p:pic>
       <p:sp>
         <p:nvSpPr>
           <p:cNvPr id="3" name="Text Placeholder 2">
@@ -26424,339 +26484,6 @@
           </p:txBody>
         </p:sp>
       </p:grpSp>
-      <p:pic>
-        <p:nvPicPr>
-          <p:cNvPr id="4" name="Picture 3">
-            <a:extLst>
-              <a:ext uri="{FF2B5EF4-FFF2-40B4-BE49-F238E27FC236}">
-                <a16:creationId xmlns:a16="http://schemas.microsoft.com/office/drawing/2014/main" id="{FAE5BF9B-8A6E-AB7B-1234-9E9328CE31F4}"/>
-              </a:ext>
-            </a:extLst>
-          </p:cNvPr>
-          <p:cNvPicPr>
-            <a:picLocks noChangeAspect="1"/>
-          </p:cNvPicPr>
-          <p:nvPr/>
-        </p:nvPicPr>
-        <p:blipFill>
-          <a:blip r:embed="rId2"/>
-          <a:stretch>
-            <a:fillRect/>
-          </a:stretch>
-        </p:blipFill>
-        <p:spPr>
-          <a:xfrm>
-            <a:off x="105883" y="420182"/>
-            <a:ext cx="5541801" cy="3418207"/>
-          </a:xfrm>
-          <a:prstGeom prst="rect">
-            <a:avLst/>
-          </a:prstGeom>
-        </p:spPr>
-      </p:pic>
-      <p:pic>
-        <p:nvPicPr>
-          <p:cNvPr id="14" name="Picture 13">
-            <a:extLst>
-              <a:ext uri="{FF2B5EF4-FFF2-40B4-BE49-F238E27FC236}">
-                <a16:creationId xmlns:a16="http://schemas.microsoft.com/office/drawing/2014/main" id="{10618767-17B4-3E4F-E2F1-16CD31BB42AE}"/>
-              </a:ext>
-            </a:extLst>
-          </p:cNvPr>
-          <p:cNvPicPr>
-            <a:picLocks noChangeAspect="1"/>
-          </p:cNvPicPr>
-          <p:nvPr/>
-        </p:nvPicPr>
-        <p:blipFill>
-          <a:blip r:embed="rId3"/>
-          <a:stretch>
-            <a:fillRect/>
-          </a:stretch>
-        </p:blipFill>
-        <p:spPr>
-          <a:xfrm>
-            <a:off x="304896" y="3837038"/>
-            <a:ext cx="5059484" cy="2555859"/>
-          </a:xfrm>
-          <a:prstGeom prst="rect">
-            <a:avLst/>
-          </a:prstGeom>
-        </p:spPr>
-      </p:pic>
-      <p:sp>
-        <p:nvSpPr>
-          <p:cNvPr id="32" name="TextBox 31">
-            <a:extLst>
-              <a:ext uri="{FF2B5EF4-FFF2-40B4-BE49-F238E27FC236}">
-                <a16:creationId xmlns:a16="http://schemas.microsoft.com/office/drawing/2014/main" id="{A0E65AC2-A868-7DA8-B7E3-7D7323F9DA7C}"/>
-              </a:ext>
-            </a:extLst>
-          </p:cNvPr>
-          <p:cNvSpPr txBox="1"/>
-          <p:nvPr/>
-        </p:nvSpPr>
-        <p:spPr>
-          <a:xfrm>
-            <a:off x="4273265" y="703925"/>
-            <a:ext cx="1484952" cy="276999"/>
-          </a:xfrm>
-          <a:prstGeom prst="rect">
-            <a:avLst/>
-          </a:prstGeom>
-          <a:noFill/>
-        </p:spPr>
-        <p:txBody>
-          <a:bodyPr wrap="square" rtlCol="0">
-            <a:spAutoFit/>
-          </a:bodyPr>
-          <a:lstStyle/>
-          <a:p>
-            <a:r>
-              <a:rPr lang="en-US" sz="1200" b="1" dirty="0"/>
-              <a:t>20 Feature Model</a:t>
-            </a:r>
-          </a:p>
-        </p:txBody>
-      </p:sp>
-      <p:sp>
-        <p:nvSpPr>
-          <p:cNvPr id="33" name="TextBox 32">
-            <a:extLst>
-              <a:ext uri="{FF2B5EF4-FFF2-40B4-BE49-F238E27FC236}">
-                <a16:creationId xmlns:a16="http://schemas.microsoft.com/office/drawing/2014/main" id="{D2D6A3F2-C1CC-28E3-05B6-15862063F786}"/>
-              </a:ext>
-            </a:extLst>
-          </p:cNvPr>
-          <p:cNvSpPr txBox="1"/>
-          <p:nvPr/>
-        </p:nvSpPr>
-        <p:spPr>
-          <a:xfrm>
-            <a:off x="3904802" y="4323870"/>
-            <a:ext cx="1484952" cy="276999"/>
-          </a:xfrm>
-          <a:prstGeom prst="rect">
-            <a:avLst/>
-          </a:prstGeom>
-          <a:noFill/>
-        </p:spPr>
-        <p:txBody>
-          <a:bodyPr wrap="square" rtlCol="0">
-            <a:spAutoFit/>
-          </a:bodyPr>
-          <a:lstStyle/>
-          <a:p>
-            <a:r>
-              <a:rPr lang="en-US" sz="1200" b="1" dirty="0"/>
-              <a:t>10 Feature Model</a:t>
-            </a:r>
-          </a:p>
-        </p:txBody>
-      </p:sp>
-      <p:pic>
-        <p:nvPicPr>
-          <p:cNvPr id="34" name="Picture 33">
-            <a:extLst>
-              <a:ext uri="{FF2B5EF4-FFF2-40B4-BE49-F238E27FC236}">
-                <a16:creationId xmlns:a16="http://schemas.microsoft.com/office/drawing/2014/main" id="{3F6223FB-C9E4-72C7-B829-3DBC334A944F}"/>
-              </a:ext>
-            </a:extLst>
-          </p:cNvPr>
-          <p:cNvPicPr>
-            <a:picLocks noChangeAspect="1"/>
-          </p:cNvPicPr>
-          <p:nvPr/>
-        </p:nvPicPr>
-        <p:blipFill>
-          <a:blip r:embed="rId4"/>
-          <a:stretch>
-            <a:fillRect/>
-          </a:stretch>
-        </p:blipFill>
-        <p:spPr>
-          <a:xfrm>
-            <a:off x="5578727" y="16785"/>
-            <a:ext cx="4522900" cy="2067393"/>
-          </a:xfrm>
-          <a:prstGeom prst="rect">
-            <a:avLst/>
-          </a:prstGeom>
-        </p:spPr>
-      </p:pic>
-      <p:sp>
-        <p:nvSpPr>
-          <p:cNvPr id="38" name="TextBox 37">
-            <a:extLst>
-              <a:ext uri="{FF2B5EF4-FFF2-40B4-BE49-F238E27FC236}">
-                <a16:creationId xmlns:a16="http://schemas.microsoft.com/office/drawing/2014/main" id="{F408F561-6B0C-EF9E-C918-971CB01D993A}"/>
-              </a:ext>
-            </a:extLst>
-          </p:cNvPr>
-          <p:cNvSpPr txBox="1"/>
-          <p:nvPr/>
-        </p:nvSpPr>
-        <p:spPr>
-          <a:xfrm>
-            <a:off x="4047011" y="2478357"/>
-            <a:ext cx="1398430" cy="861774"/>
-          </a:xfrm>
-          <a:prstGeom prst="rect">
-            <a:avLst/>
-          </a:prstGeom>
-          <a:solidFill>
-            <a:srgbClr val="FFC000"/>
-          </a:solidFill>
-          <a:ln>
-            <a:solidFill>
-              <a:schemeClr val="tx1"/>
-            </a:solidFill>
-          </a:ln>
-          <a:effectLst>
-            <a:outerShdw blurRad="50800" dist="38100" dir="2700000" algn="tl" rotWithShape="0">
-              <a:prstClr val="black">
-                <a:alpha val="40000"/>
-              </a:prstClr>
-            </a:outerShdw>
-          </a:effectLst>
-        </p:spPr>
-        <p:txBody>
-          <a:bodyPr wrap="square" rtlCol="0">
-            <a:spAutoFit/>
-          </a:bodyPr>
-          <a:lstStyle/>
-          <a:p>
-            <a:r>
-              <a:rPr lang="en-US" sz="1000" b="1" dirty="0"/>
-              <a:t>Accuracy:	</a:t>
-            </a:r>
-            <a:r>
-              <a:rPr lang="en-US" sz="1000" b="1" dirty="0">
-                <a:solidFill>
-                  <a:srgbClr val="0070C0"/>
-                </a:solidFill>
-              </a:rPr>
-              <a:t>0.979</a:t>
-            </a:r>
-          </a:p>
-          <a:p>
-            <a:r>
-              <a:rPr lang="en-US" sz="1000" b="1" dirty="0"/>
-              <a:t>Precision:	</a:t>
-            </a:r>
-            <a:r>
-              <a:rPr lang="en-US" sz="1000" b="1" dirty="0">
-                <a:solidFill>
-                  <a:srgbClr val="0070C0"/>
-                </a:solidFill>
-              </a:rPr>
-              <a:t>0.981</a:t>
-            </a:r>
-          </a:p>
-          <a:p>
-            <a:r>
-              <a:rPr lang="en-US" sz="1000" b="1" dirty="0"/>
-              <a:t>Recall:	</a:t>
-            </a:r>
-            <a:r>
-              <a:rPr lang="en-US" sz="1000" b="1" dirty="0">
-                <a:solidFill>
-                  <a:srgbClr val="0070C0"/>
-                </a:solidFill>
-              </a:rPr>
-              <a:t>0.960</a:t>
-            </a:r>
-          </a:p>
-          <a:p>
-            <a:r>
-              <a:rPr lang="en-US" sz="1000" b="1" dirty="0"/>
-              <a:t>F_1 Score:	</a:t>
-            </a:r>
-            <a:r>
-              <a:rPr lang="en-US" sz="1000" b="1" dirty="0">
-                <a:solidFill>
-                  <a:srgbClr val="0070C0"/>
-                </a:solidFill>
-              </a:rPr>
-              <a:t>0.970</a:t>
-            </a:r>
-          </a:p>
-          <a:p>
-            <a:r>
-              <a:rPr lang="en-US" sz="1000" b="1" dirty="0"/>
-              <a:t>AUC:	</a:t>
-            </a:r>
-            <a:r>
-              <a:rPr lang="en-US" sz="1000" b="1" dirty="0">
-                <a:solidFill>
-                  <a:srgbClr val="0070C0"/>
-                </a:solidFill>
-              </a:rPr>
-              <a:t>0.975</a:t>
-            </a:r>
-          </a:p>
-        </p:txBody>
-      </p:sp>
-      <p:pic>
-        <p:nvPicPr>
-          <p:cNvPr id="40" name="Picture 39">
-            <a:extLst>
-              <a:ext uri="{FF2B5EF4-FFF2-40B4-BE49-F238E27FC236}">
-                <a16:creationId xmlns:a16="http://schemas.microsoft.com/office/drawing/2014/main" id="{EFA67FF7-0E5F-012C-7135-FCD7200204BE}"/>
-              </a:ext>
-            </a:extLst>
-          </p:cNvPr>
-          <p:cNvPicPr>
-            <a:picLocks noChangeAspect="1"/>
-          </p:cNvPicPr>
-          <p:nvPr/>
-        </p:nvPicPr>
-        <p:blipFill>
-          <a:blip r:embed="rId5"/>
-          <a:stretch>
-            <a:fillRect/>
-          </a:stretch>
-        </p:blipFill>
-        <p:spPr>
-          <a:xfrm>
-            <a:off x="5711316" y="4838665"/>
-            <a:ext cx="4266664" cy="1327014"/>
-          </a:xfrm>
-          <a:prstGeom prst="rect">
-            <a:avLst/>
-          </a:prstGeom>
-        </p:spPr>
-      </p:pic>
-      <p:pic>
-        <p:nvPicPr>
-          <p:cNvPr id="44" name="Picture 43">
-            <a:extLst>
-              <a:ext uri="{FF2B5EF4-FFF2-40B4-BE49-F238E27FC236}">
-                <a16:creationId xmlns:a16="http://schemas.microsoft.com/office/drawing/2014/main" id="{F1813CC5-1FD5-4F44-5CFD-3341D72209FC}"/>
-              </a:ext>
-            </a:extLst>
-          </p:cNvPr>
-          <p:cNvPicPr>
-            <a:picLocks noChangeAspect="1"/>
-          </p:cNvPicPr>
-          <p:nvPr/>
-        </p:nvPicPr>
-        <p:blipFill>
-          <a:blip r:embed="rId6"/>
-          <a:stretch>
-            <a:fillRect/>
-          </a:stretch>
-        </p:blipFill>
-        <p:spPr>
-          <a:xfrm>
-            <a:off x="5711990" y="2627838"/>
-            <a:ext cx="4399782" cy="1561618"/>
-          </a:xfrm>
-          <a:prstGeom prst="rect">
-            <a:avLst/>
-          </a:prstGeom>
-        </p:spPr>
-      </p:pic>
       <p:sp>
         <p:nvSpPr>
           <p:cNvPr id="46" name="TextBox 45">
@@ -26771,7 +26498,7 @@
         </p:nvSpPr>
         <p:spPr>
           <a:xfrm>
-            <a:off x="8740432" y="1362024"/>
+            <a:off x="8603350" y="819462"/>
             <a:ext cx="1484952" cy="276999"/>
           </a:xfrm>
           <a:prstGeom prst="rect">
@@ -26788,528 +26515,6 @@
             <a:r>
               <a:rPr lang="en-US" sz="1200" b="1" dirty="0"/>
               <a:t>6 Feature Model</a:t>
-            </a:r>
-          </a:p>
-        </p:txBody>
-      </p:sp>
-      <p:sp>
-        <p:nvSpPr>
-          <p:cNvPr id="47" name="TextBox 46">
-            <a:extLst>
-              <a:ext uri="{FF2B5EF4-FFF2-40B4-BE49-F238E27FC236}">
-                <a16:creationId xmlns:a16="http://schemas.microsoft.com/office/drawing/2014/main" id="{09DD0F51-0F59-138E-B16C-00160BBEAA07}"/>
-              </a:ext>
-            </a:extLst>
-          </p:cNvPr>
-          <p:cNvSpPr txBox="1"/>
-          <p:nvPr/>
-        </p:nvSpPr>
-        <p:spPr>
-          <a:xfrm>
-            <a:off x="8898201" y="3370300"/>
-            <a:ext cx="1484952" cy="276999"/>
-          </a:xfrm>
-          <a:prstGeom prst="rect">
-            <a:avLst/>
-          </a:prstGeom>
-          <a:noFill/>
-        </p:spPr>
-        <p:txBody>
-          <a:bodyPr wrap="square" rtlCol="0">
-            <a:spAutoFit/>
-          </a:bodyPr>
-          <a:lstStyle/>
-          <a:p>
-            <a:r>
-              <a:rPr lang="en-US" sz="1200" b="1" dirty="0"/>
-              <a:t>4 Feature Model</a:t>
-            </a:r>
-          </a:p>
-        </p:txBody>
-      </p:sp>
-      <p:sp>
-        <p:nvSpPr>
-          <p:cNvPr id="48" name="TextBox 47">
-            <a:extLst>
-              <a:ext uri="{FF2B5EF4-FFF2-40B4-BE49-F238E27FC236}">
-                <a16:creationId xmlns:a16="http://schemas.microsoft.com/office/drawing/2014/main" id="{5D29533E-A01A-E3E3-6F6B-477569C06074}"/>
-              </a:ext>
-            </a:extLst>
-          </p:cNvPr>
-          <p:cNvSpPr txBox="1"/>
-          <p:nvPr/>
-        </p:nvSpPr>
-        <p:spPr>
-          <a:xfrm>
-            <a:off x="8740432" y="5345020"/>
-            <a:ext cx="1484952" cy="276999"/>
-          </a:xfrm>
-          <a:prstGeom prst="rect">
-            <a:avLst/>
-          </a:prstGeom>
-          <a:noFill/>
-        </p:spPr>
-        <p:txBody>
-          <a:bodyPr wrap="square" rtlCol="0">
-            <a:spAutoFit/>
-          </a:bodyPr>
-          <a:lstStyle/>
-          <a:p>
-            <a:r>
-              <a:rPr lang="en-US" sz="1200" b="1" dirty="0"/>
-              <a:t>2 Feature Model</a:t>
-            </a:r>
-          </a:p>
-        </p:txBody>
-      </p:sp>
-      <p:sp>
-        <p:nvSpPr>
-          <p:cNvPr id="53" name="TextBox 52">
-            <a:extLst>
-              <a:ext uri="{FF2B5EF4-FFF2-40B4-BE49-F238E27FC236}">
-                <a16:creationId xmlns:a16="http://schemas.microsoft.com/office/drawing/2014/main" id="{51B6DE7C-3B44-335D-3336-58E28CCFA6D6}"/>
-              </a:ext>
-            </a:extLst>
-          </p:cNvPr>
-          <p:cNvSpPr txBox="1"/>
-          <p:nvPr/>
-        </p:nvSpPr>
-        <p:spPr>
-          <a:xfrm>
-            <a:off x="3708914" y="5053241"/>
-            <a:ext cx="1398430" cy="861774"/>
-          </a:xfrm>
-          <a:prstGeom prst="rect">
-            <a:avLst/>
-          </a:prstGeom>
-          <a:solidFill>
-            <a:srgbClr val="FFC000"/>
-          </a:solidFill>
-          <a:ln>
-            <a:solidFill>
-              <a:schemeClr val="tx1"/>
-            </a:solidFill>
-          </a:ln>
-          <a:effectLst>
-            <a:outerShdw blurRad="50800" dist="38100" dir="2700000" algn="tl" rotWithShape="0">
-              <a:prstClr val="black">
-                <a:alpha val="40000"/>
-              </a:prstClr>
-            </a:outerShdw>
-          </a:effectLst>
-        </p:spPr>
-        <p:txBody>
-          <a:bodyPr wrap="square" rtlCol="0">
-            <a:spAutoFit/>
-          </a:bodyPr>
-          <a:lstStyle/>
-          <a:p>
-            <a:r>
-              <a:rPr lang="en-US" sz="1000" b="1" dirty="0"/>
-              <a:t>Accuracy:	</a:t>
-            </a:r>
-            <a:r>
-              <a:rPr lang="en-US" sz="1000" b="1" dirty="0">
-                <a:solidFill>
-                  <a:srgbClr val="0070C0"/>
-                </a:solidFill>
-              </a:rPr>
-              <a:t>0.979</a:t>
-            </a:r>
-          </a:p>
-          <a:p>
-            <a:r>
-              <a:rPr lang="en-US" sz="1000" b="1" dirty="0"/>
-              <a:t>Precision:	</a:t>
-            </a:r>
-            <a:r>
-              <a:rPr lang="en-US" sz="1000" b="1" dirty="0">
-                <a:solidFill>
-                  <a:srgbClr val="0070C0"/>
-                </a:solidFill>
-              </a:rPr>
-              <a:t>0.982</a:t>
-            </a:r>
-          </a:p>
-          <a:p>
-            <a:r>
-              <a:rPr lang="en-US" sz="1000" b="1" dirty="0"/>
-              <a:t>Recall:	</a:t>
-            </a:r>
-            <a:r>
-              <a:rPr lang="en-US" sz="1000" b="1" dirty="0">
-                <a:solidFill>
-                  <a:srgbClr val="0070C0"/>
-                </a:solidFill>
-              </a:rPr>
-              <a:t>0.956</a:t>
-            </a:r>
-          </a:p>
-          <a:p>
-            <a:r>
-              <a:rPr lang="en-US" sz="1000" b="1" dirty="0"/>
-              <a:t>F_1 Score:	</a:t>
-            </a:r>
-            <a:r>
-              <a:rPr lang="en-US" sz="1000" b="1" dirty="0">
-                <a:solidFill>
-                  <a:srgbClr val="0070C0"/>
-                </a:solidFill>
-              </a:rPr>
-              <a:t>0.969</a:t>
-            </a:r>
-          </a:p>
-          <a:p>
-            <a:r>
-              <a:rPr lang="en-US" sz="1000" b="1" dirty="0"/>
-              <a:t>AUC:	</a:t>
-            </a:r>
-            <a:r>
-              <a:rPr lang="en-US" sz="1000" b="1" dirty="0">
-                <a:solidFill>
-                  <a:srgbClr val="0070C0"/>
-                </a:solidFill>
-              </a:rPr>
-              <a:t>0.973</a:t>
-            </a:r>
-          </a:p>
-        </p:txBody>
-      </p:sp>
-      <p:sp>
-        <p:nvSpPr>
-          <p:cNvPr id="55" name="TextBox 54">
-            <a:extLst>
-              <a:ext uri="{FF2B5EF4-FFF2-40B4-BE49-F238E27FC236}">
-                <a16:creationId xmlns:a16="http://schemas.microsoft.com/office/drawing/2014/main" id="{A1C8AFB1-EEF6-2419-864C-650AAB925D75}"/>
-              </a:ext>
-            </a:extLst>
-          </p:cNvPr>
-          <p:cNvSpPr txBox="1"/>
-          <p:nvPr/>
-        </p:nvSpPr>
-        <p:spPr>
-          <a:xfrm>
-            <a:off x="5666082" y="1827291"/>
-            <a:ext cx="1398430" cy="861774"/>
-          </a:xfrm>
-          <a:prstGeom prst="rect">
-            <a:avLst/>
-          </a:prstGeom>
-          <a:solidFill>
-            <a:srgbClr val="FFC000"/>
-          </a:solidFill>
-          <a:ln>
-            <a:solidFill>
-              <a:schemeClr val="tx1"/>
-            </a:solidFill>
-          </a:ln>
-          <a:effectLst>
-            <a:outerShdw blurRad="50800" dist="38100" dir="2700000" algn="tl" rotWithShape="0">
-              <a:prstClr val="black">
-                <a:alpha val="40000"/>
-              </a:prstClr>
-            </a:outerShdw>
-          </a:effectLst>
-        </p:spPr>
-        <p:txBody>
-          <a:bodyPr wrap="square" rtlCol="0">
-            <a:spAutoFit/>
-          </a:bodyPr>
-          <a:lstStyle/>
-          <a:p>
-            <a:r>
-              <a:rPr lang="en-US" sz="1000" b="1" dirty="0"/>
-              <a:t>Accuracy:	</a:t>
-            </a:r>
-            <a:r>
-              <a:rPr lang="en-US" sz="1000" b="1" dirty="0">
-                <a:solidFill>
-                  <a:srgbClr val="FF0000"/>
-                </a:solidFill>
-              </a:rPr>
-              <a:t>0.969</a:t>
-            </a:r>
-          </a:p>
-          <a:p>
-            <a:r>
-              <a:rPr lang="en-US" sz="1000" b="1" dirty="0"/>
-              <a:t>Precision:	</a:t>
-            </a:r>
-            <a:r>
-              <a:rPr lang="en-US" sz="1000" b="1" dirty="0">
-                <a:solidFill>
-                  <a:srgbClr val="FF0000"/>
-                </a:solidFill>
-              </a:rPr>
-              <a:t>0.969</a:t>
-            </a:r>
-          </a:p>
-          <a:p>
-            <a:r>
-              <a:rPr lang="en-US" sz="1000" b="1" dirty="0"/>
-              <a:t>Recall:	</a:t>
-            </a:r>
-            <a:r>
-              <a:rPr lang="en-US" sz="1000" b="1" dirty="0">
-                <a:solidFill>
-                  <a:srgbClr val="FF0000"/>
-                </a:solidFill>
-              </a:rPr>
-              <a:t>0.941</a:t>
-            </a:r>
-          </a:p>
-          <a:p>
-            <a:r>
-              <a:rPr lang="en-US" sz="1000" b="1" dirty="0"/>
-              <a:t>F_1 Score:	</a:t>
-            </a:r>
-            <a:r>
-              <a:rPr lang="en-US" sz="1000" b="1" dirty="0">
-                <a:solidFill>
-                  <a:srgbClr val="FF0000"/>
-                </a:solidFill>
-              </a:rPr>
-              <a:t>0.955</a:t>
-            </a:r>
-          </a:p>
-          <a:p>
-            <a:r>
-              <a:rPr lang="en-US" sz="1000" b="1" dirty="0"/>
-              <a:t>AUC:	</a:t>
-            </a:r>
-            <a:r>
-              <a:rPr lang="en-US" sz="1000" b="1" dirty="0">
-                <a:solidFill>
-                  <a:srgbClr val="FF0000"/>
-                </a:solidFill>
-              </a:rPr>
-              <a:t>0.962</a:t>
-            </a:r>
-          </a:p>
-        </p:txBody>
-      </p:sp>
-      <p:sp>
-        <p:nvSpPr>
-          <p:cNvPr id="56" name="TextBox 55">
-            <a:extLst>
-              <a:ext uri="{FF2B5EF4-FFF2-40B4-BE49-F238E27FC236}">
-                <a16:creationId xmlns:a16="http://schemas.microsoft.com/office/drawing/2014/main" id="{202FE195-E129-55F7-DE67-163439A9219A}"/>
-              </a:ext>
-            </a:extLst>
-          </p:cNvPr>
-          <p:cNvSpPr txBox="1"/>
-          <p:nvPr/>
-        </p:nvSpPr>
-        <p:spPr>
-          <a:xfrm>
-            <a:off x="5764502" y="3913833"/>
-            <a:ext cx="1398430" cy="861774"/>
-          </a:xfrm>
-          <a:prstGeom prst="rect">
-            <a:avLst/>
-          </a:prstGeom>
-          <a:solidFill>
-            <a:srgbClr val="FFC000"/>
-          </a:solidFill>
-          <a:ln>
-            <a:solidFill>
-              <a:schemeClr val="tx1"/>
-            </a:solidFill>
-          </a:ln>
-          <a:effectLst>
-            <a:outerShdw blurRad="50800" dist="38100" dir="2700000" algn="tl" rotWithShape="0">
-              <a:prstClr val="black">
-                <a:alpha val="40000"/>
-              </a:prstClr>
-            </a:outerShdw>
-          </a:effectLst>
-        </p:spPr>
-        <p:txBody>
-          <a:bodyPr wrap="square" rtlCol="0">
-            <a:spAutoFit/>
-          </a:bodyPr>
-          <a:lstStyle/>
-          <a:p>
-            <a:r>
-              <a:rPr lang="en-US" sz="1000" b="1" dirty="0"/>
-              <a:t>Accuracy:	</a:t>
-            </a:r>
-            <a:r>
-              <a:rPr lang="en-US" sz="1000" b="1" dirty="0">
-                <a:solidFill>
-                  <a:srgbClr val="FF0000"/>
-                </a:solidFill>
-              </a:rPr>
-              <a:t>0.937</a:t>
-            </a:r>
-          </a:p>
-          <a:p>
-            <a:r>
-              <a:rPr lang="en-US" sz="1000" b="1" dirty="0"/>
-              <a:t>Precision:	</a:t>
-            </a:r>
-            <a:r>
-              <a:rPr lang="en-US" sz="1000" b="1" dirty="0">
-                <a:solidFill>
-                  <a:srgbClr val="FF0000"/>
-                </a:solidFill>
-              </a:rPr>
-              <a:t>0.936</a:t>
-            </a:r>
-          </a:p>
-          <a:p>
-            <a:r>
-              <a:rPr lang="en-US" sz="1000" b="1" dirty="0"/>
-              <a:t>Recall:	</a:t>
-            </a:r>
-            <a:r>
-              <a:rPr lang="en-US" sz="1000" b="1" dirty="0">
-                <a:solidFill>
-                  <a:srgbClr val="FF0000"/>
-                </a:solidFill>
-              </a:rPr>
-              <a:t>0.879</a:t>
-            </a:r>
-          </a:p>
-          <a:p>
-            <a:r>
-              <a:rPr lang="en-US" sz="1000" b="1" dirty="0"/>
-              <a:t>F_1 Score:	</a:t>
-            </a:r>
-            <a:r>
-              <a:rPr lang="en-US" sz="1000" b="1" dirty="0">
-                <a:solidFill>
-                  <a:srgbClr val="FF0000"/>
-                </a:solidFill>
-              </a:rPr>
-              <a:t>0.906</a:t>
-            </a:r>
-          </a:p>
-          <a:p>
-            <a:r>
-              <a:rPr lang="en-US" sz="1000" b="1" dirty="0"/>
-              <a:t>AUC:	</a:t>
-            </a:r>
-            <a:r>
-              <a:rPr lang="en-US" sz="1000" b="1" dirty="0">
-                <a:solidFill>
-                  <a:srgbClr val="FF0000"/>
-                </a:solidFill>
-              </a:rPr>
-              <a:t>0.923</a:t>
-            </a:r>
-          </a:p>
-        </p:txBody>
-      </p:sp>
-      <p:sp>
-        <p:nvSpPr>
-          <p:cNvPr id="58" name="TextBox 57">
-            <a:extLst>
-              <a:ext uri="{FF2B5EF4-FFF2-40B4-BE49-F238E27FC236}">
-                <a16:creationId xmlns:a16="http://schemas.microsoft.com/office/drawing/2014/main" id="{850DF325-24E9-EA3A-3CBD-881765A9F180}"/>
-              </a:ext>
-            </a:extLst>
-          </p:cNvPr>
-          <p:cNvSpPr txBox="1"/>
-          <p:nvPr/>
-        </p:nvSpPr>
-        <p:spPr>
-          <a:xfrm>
-            <a:off x="5711316" y="5909631"/>
-            <a:ext cx="1398430" cy="861774"/>
-          </a:xfrm>
-          <a:prstGeom prst="rect">
-            <a:avLst/>
-          </a:prstGeom>
-          <a:solidFill>
-            <a:srgbClr val="FFC000"/>
-          </a:solidFill>
-          <a:ln>
-            <a:solidFill>
-              <a:schemeClr val="tx1"/>
-            </a:solidFill>
-          </a:ln>
-          <a:effectLst>
-            <a:outerShdw blurRad="50800" dist="38100" dir="2700000" algn="tl" rotWithShape="0">
-              <a:prstClr val="black">
-                <a:alpha val="40000"/>
-              </a:prstClr>
-            </a:outerShdw>
-          </a:effectLst>
-        </p:spPr>
-        <p:txBody>
-          <a:bodyPr wrap="square" rtlCol="0">
-            <a:spAutoFit/>
-          </a:bodyPr>
-          <a:lstStyle/>
-          <a:p>
-            <a:r>
-              <a:rPr lang="en-US" sz="1000" b="1" dirty="0"/>
-              <a:t>Accuracy:	</a:t>
-            </a:r>
-            <a:r>
-              <a:rPr lang="en-US" sz="1000" b="1" dirty="0">
-                <a:solidFill>
-                  <a:srgbClr val="FF0000"/>
-                </a:solidFill>
-              </a:rPr>
-              <a:t>0.912</a:t>
-            </a:r>
-          </a:p>
-          <a:p>
-            <a:r>
-              <a:rPr lang="en-US" sz="1000" b="1" dirty="0"/>
-              <a:t>Precision:	</a:t>
-            </a:r>
-            <a:r>
-              <a:rPr lang="en-US" sz="1000" b="1" dirty="0">
-                <a:solidFill>
-                  <a:srgbClr val="FF0000"/>
-                </a:solidFill>
-              </a:rPr>
-              <a:t>0.921</a:t>
-            </a:r>
-          </a:p>
-          <a:p>
-            <a:r>
-              <a:rPr lang="en-US" sz="1000" b="1" dirty="0"/>
-              <a:t>Recall:	</a:t>
-            </a:r>
-            <a:r>
-              <a:rPr lang="en-US" sz="1000" b="1" dirty="0">
-                <a:solidFill>
-                  <a:srgbClr val="FF0000"/>
-                </a:solidFill>
-              </a:rPr>
-              <a:t>0.819</a:t>
-            </a:r>
-          </a:p>
-          <a:p>
-            <a:r>
-              <a:rPr lang="en-US" sz="1000" b="1" dirty="0"/>
-              <a:t>F_1 Score:	</a:t>
-            </a:r>
-            <a:r>
-              <a:rPr lang="en-US" sz="1000" b="1" dirty="0">
-                <a:solidFill>
-                  <a:srgbClr val="FF0000"/>
-                </a:solidFill>
-              </a:rPr>
-              <a:t>0.867</a:t>
-            </a:r>
-          </a:p>
-          <a:p>
-            <a:r>
-              <a:rPr lang="en-US" sz="1000" b="1" dirty="0"/>
-              <a:t>AUC:	</a:t>
-            </a:r>
-            <a:r>
-              <a:rPr lang="en-US" sz="1000" b="1" dirty="0">
-                <a:solidFill>
-                  <a:srgbClr val="FF0000"/>
-                </a:solidFill>
-              </a:rPr>
-              <a:t>0.891</a:t>
             </a:r>
           </a:p>
         </p:txBody>
@@ -27637,10 +26842,10 @@
       </p:grpSp>
       <p:sp>
         <p:nvSpPr>
-          <p:cNvPr id="2" name="TextBox 1">
+          <p:cNvPr id="53" name="TextBox 52">
             <a:extLst>
               <a:ext uri="{FF2B5EF4-FFF2-40B4-BE49-F238E27FC236}">
-                <a16:creationId xmlns:a16="http://schemas.microsoft.com/office/drawing/2014/main" id="{2DD55F29-E8EC-1F4B-82EA-015BD3BB77C9}"/>
+                <a16:creationId xmlns:a16="http://schemas.microsoft.com/office/drawing/2014/main" id="{51B6DE7C-3B44-335D-3336-58E28CCFA6D6}"/>
               </a:ext>
             </a:extLst>
           </p:cNvPr>
@@ -27649,15 +26854,27 @@
         </p:nvSpPr>
         <p:spPr>
           <a:xfrm>
-            <a:off x="3185490" y="3631236"/>
-            <a:ext cx="1398430" cy="215444"/>
+            <a:off x="3881376" y="5010604"/>
+            <a:ext cx="1398430" cy="861774"/>
           </a:xfrm>
           <a:prstGeom prst="rect">
             <a:avLst/>
           </a:prstGeom>
           <a:solidFill>
-            <a:schemeClr val="bg1"/>
+            <a:srgbClr val="FFC000"/>
           </a:solidFill>
+          <a:ln>
+            <a:solidFill>
+              <a:schemeClr val="tx1"/>
+            </a:solidFill>
+          </a:ln>
+          <a:effectLst>
+            <a:outerShdw blurRad="50800" dist="38100" dir="2700000" algn="tl" rotWithShape="0">
+              <a:prstClr val="black">
+                <a:alpha val="40000"/>
+              </a:prstClr>
+            </a:outerShdw>
+          </a:effectLst>
         </p:spPr>
         <p:txBody>
           <a:bodyPr wrap="square" rtlCol="0">
@@ -27666,18 +26883,82 @@
           <a:lstStyle/>
           <a:p>
             <a:r>
-              <a:rPr lang="en-US" sz="800" dirty="0"/>
-              <a:t>Feature Importance</a:t>
+              <a:rPr lang="en-US" sz="1000" b="1" dirty="0"/>
+              <a:t>Accuracy:	</a:t>
+            </a:r>
+            <a:r>
+              <a:rPr lang="en-US" sz="1000" b="1" dirty="0">
+                <a:solidFill>
+                  <a:srgbClr val="0070C0"/>
+                </a:solidFill>
+              </a:rPr>
+              <a:t>0.979</a:t>
+            </a:r>
+          </a:p>
+          <a:p>
+            <a:r>
+              <a:rPr lang="en-US" sz="1000" b="1" dirty="0"/>
+              <a:t>Precision:	</a:t>
+            </a:r>
+            <a:r>
+              <a:rPr lang="en-US" sz="1000" b="1" dirty="0">
+                <a:solidFill>
+                  <a:srgbClr val="0070C0"/>
+                </a:solidFill>
+              </a:rPr>
+              <a:t>0.982</a:t>
+            </a:r>
+          </a:p>
+          <a:p>
+            <a:r>
+              <a:rPr lang="en-US" sz="1000" b="1" dirty="0"/>
+              <a:t>Recall:	</a:t>
+            </a:r>
+            <a:r>
+              <a:rPr lang="en-US" sz="1000" b="1" dirty="0">
+                <a:solidFill>
+                  <a:srgbClr val="0070C0"/>
+                </a:solidFill>
+              </a:rPr>
+              <a:t>0.956</a:t>
+            </a:r>
+          </a:p>
+          <a:p>
+            <a:r>
+              <a:rPr lang="en-US" sz="1000" b="1" dirty="0"/>
+              <a:t>F_1 Score:	</a:t>
+            </a:r>
+            <a:r>
+              <a:rPr lang="en-US" sz="1000" b="1" dirty="0">
+                <a:solidFill>
+                  <a:srgbClr val="0070C0"/>
+                </a:solidFill>
+              </a:rPr>
+              <a:t>0.969</a:t>
+            </a:r>
+          </a:p>
+          <a:p>
+            <a:r>
+              <a:rPr lang="en-US" sz="1000" b="1" dirty="0"/>
+              <a:t>AUC:	</a:t>
+            </a:r>
+            <a:r>
+              <a:rPr lang="en-US" sz="1000" b="1" dirty="0">
+                <a:solidFill>
+                  <a:srgbClr val="0070C0"/>
+                </a:solidFill>
+              </a:rPr>
+              <a:t>0.973</a:t>
             </a:r>
           </a:p>
         </p:txBody>
       </p:sp>
       <p:sp>
         <p:nvSpPr>
-          <p:cNvPr id="26" name="TextBox 25">
+          <p:cNvPr id="33" name="TextBox 32">
             <a:extLst>
               <a:ext uri="{FF2B5EF4-FFF2-40B4-BE49-F238E27FC236}">
-                <a16:creationId xmlns:a16="http://schemas.microsoft.com/office/drawing/2014/main" id="{668B8D09-AB23-A0FF-E149-7B4DBCFB0CC7}"/>
+                <a16:creationId xmlns:a16="http://schemas.microsoft.com/office/drawing/2014/main" id="{D2D6A3F2-C1CC-28E3-05B6-15862063F786}"/>
               </a:ext>
             </a:extLst>
           </p:cNvPr>
@@ -27686,15 +26967,13 @@
         </p:nvSpPr>
         <p:spPr>
           <a:xfrm>
-            <a:off x="2733721" y="6178359"/>
-            <a:ext cx="1398430" cy="215444"/>
+            <a:off x="4047011" y="4348135"/>
+            <a:ext cx="1484952" cy="276999"/>
           </a:xfrm>
           <a:prstGeom prst="rect">
             <a:avLst/>
           </a:prstGeom>
-          <a:solidFill>
-            <a:schemeClr val="bg1"/>
-          </a:solidFill>
+          <a:noFill/>
         </p:spPr>
         <p:txBody>
           <a:bodyPr wrap="square" rtlCol="0">
@@ -27703,18 +26982,48 @@
           <a:lstStyle/>
           <a:p>
             <a:r>
-              <a:rPr lang="en-US" sz="800" dirty="0"/>
-              <a:t>Feature Importance</a:t>
+              <a:rPr lang="en-US" sz="1200" b="1" dirty="0"/>
+              <a:t>10 Feature Model</a:t>
             </a:r>
           </a:p>
         </p:txBody>
       </p:sp>
+      <p:pic>
+        <p:nvPicPr>
+          <p:cNvPr id="31" name="Picture 30" descr="Chart, bar chart&#10;&#10;Description automatically generated">
+            <a:extLst>
+              <a:ext uri="{FF2B5EF4-FFF2-40B4-BE49-F238E27FC236}">
+                <a16:creationId xmlns:a16="http://schemas.microsoft.com/office/drawing/2014/main" id="{DECA0B31-F660-7075-5C01-4D7FEA68E572}"/>
+              </a:ext>
+            </a:extLst>
+          </p:cNvPr>
+          <p:cNvPicPr>
+            <a:picLocks noChangeAspect="1"/>
+          </p:cNvPicPr>
+          <p:nvPr/>
+        </p:nvPicPr>
+        <p:blipFill>
+          <a:blip r:embed="rId4"/>
+          <a:stretch>
+            <a:fillRect/>
+          </a:stretch>
+        </p:blipFill>
+        <p:spPr>
+          <a:xfrm>
+            <a:off x="0" y="410964"/>
+            <a:ext cx="5702400" cy="3494577"/>
+          </a:xfrm>
+          <a:prstGeom prst="rect">
+            <a:avLst/>
+          </a:prstGeom>
+        </p:spPr>
+      </p:pic>
       <p:sp>
         <p:nvSpPr>
-          <p:cNvPr id="27" name="TextBox 26">
+          <p:cNvPr id="32" name="TextBox 31">
             <a:extLst>
               <a:ext uri="{FF2B5EF4-FFF2-40B4-BE49-F238E27FC236}">
-                <a16:creationId xmlns:a16="http://schemas.microsoft.com/office/drawing/2014/main" id="{B43D07E8-7E9B-A8E5-2C2A-E3418C8AB097}"/>
+                <a16:creationId xmlns:a16="http://schemas.microsoft.com/office/drawing/2014/main" id="{A0E65AC2-A868-7DA8-B7E3-7D7323F9DA7C}"/>
               </a:ext>
             </a:extLst>
           </p:cNvPr>
@@ -27723,15 +27032,13 @@
         </p:nvSpPr>
         <p:spPr>
           <a:xfrm>
-            <a:off x="7717767" y="1868734"/>
-            <a:ext cx="1398430" cy="215444"/>
+            <a:off x="4047011" y="931750"/>
+            <a:ext cx="1484952" cy="276999"/>
           </a:xfrm>
           <a:prstGeom prst="rect">
             <a:avLst/>
           </a:prstGeom>
-          <a:solidFill>
-            <a:schemeClr val="bg1"/>
-          </a:solidFill>
+          <a:noFill/>
         </p:spPr>
         <p:txBody>
           <a:bodyPr wrap="square" rtlCol="0">
@@ -27740,18 +27047,18 @@
           <a:lstStyle/>
           <a:p>
             <a:r>
-              <a:rPr lang="en-US" sz="800" dirty="0"/>
-              <a:t>Feature Importance</a:t>
+              <a:rPr lang="en-US" sz="1200" b="1" dirty="0"/>
+              <a:t>20 Feature Model</a:t>
             </a:r>
           </a:p>
         </p:txBody>
       </p:sp>
       <p:sp>
         <p:nvSpPr>
-          <p:cNvPr id="28" name="TextBox 27">
+          <p:cNvPr id="38" name="TextBox 37">
             <a:extLst>
               <a:ext uri="{FF2B5EF4-FFF2-40B4-BE49-F238E27FC236}">
-                <a16:creationId xmlns:a16="http://schemas.microsoft.com/office/drawing/2014/main" id="{86DCD49E-EC25-8298-1DD4-6C96B87A5D88}"/>
+                <a16:creationId xmlns:a16="http://schemas.microsoft.com/office/drawing/2014/main" id="{F408F561-6B0C-EF9E-C918-971CB01D993A}"/>
               </a:ext>
             </a:extLst>
           </p:cNvPr>
@@ -27760,15 +27067,27 @@
         </p:nvSpPr>
         <p:spPr>
           <a:xfrm>
-            <a:off x="7840177" y="3942056"/>
-            <a:ext cx="1398430" cy="215444"/>
+            <a:off x="3975440" y="2653953"/>
+            <a:ext cx="1398430" cy="861774"/>
           </a:xfrm>
           <a:prstGeom prst="rect">
             <a:avLst/>
           </a:prstGeom>
           <a:solidFill>
-            <a:schemeClr val="bg1"/>
+            <a:srgbClr val="FFC000"/>
           </a:solidFill>
+          <a:ln>
+            <a:solidFill>
+              <a:schemeClr val="tx1"/>
+            </a:solidFill>
+          </a:ln>
+          <a:effectLst>
+            <a:outerShdw blurRad="50800" dist="38100" dir="2700000" algn="tl" rotWithShape="0">
+              <a:prstClr val="black">
+                <a:alpha val="40000"/>
+              </a:prstClr>
+            </a:outerShdw>
+          </a:effectLst>
         </p:spPr>
         <p:txBody>
           <a:bodyPr wrap="square" rtlCol="0">
@@ -27777,18 +27096,112 @@
           <a:lstStyle/>
           <a:p>
             <a:r>
-              <a:rPr lang="en-US" sz="800" dirty="0"/>
-              <a:t>Feature Importance</a:t>
+              <a:rPr lang="en-US" sz="1000" b="1" dirty="0"/>
+              <a:t>Accuracy:	</a:t>
+            </a:r>
+            <a:r>
+              <a:rPr lang="en-US" sz="1000" b="1" dirty="0">
+                <a:solidFill>
+                  <a:srgbClr val="0070C0"/>
+                </a:solidFill>
+              </a:rPr>
+              <a:t>0.979</a:t>
+            </a:r>
+          </a:p>
+          <a:p>
+            <a:r>
+              <a:rPr lang="en-US" sz="1000" b="1" dirty="0"/>
+              <a:t>Precision:	</a:t>
+            </a:r>
+            <a:r>
+              <a:rPr lang="en-US" sz="1000" b="1" dirty="0">
+                <a:solidFill>
+                  <a:srgbClr val="0070C0"/>
+                </a:solidFill>
+              </a:rPr>
+              <a:t>0.981</a:t>
+            </a:r>
+          </a:p>
+          <a:p>
+            <a:r>
+              <a:rPr lang="en-US" sz="1000" b="1" dirty="0"/>
+              <a:t>Recall:	</a:t>
+            </a:r>
+            <a:r>
+              <a:rPr lang="en-US" sz="1000" b="1" dirty="0">
+                <a:solidFill>
+                  <a:srgbClr val="0070C0"/>
+                </a:solidFill>
+              </a:rPr>
+              <a:t>0.960</a:t>
+            </a:r>
+          </a:p>
+          <a:p>
+            <a:r>
+              <a:rPr lang="en-US" sz="1000" b="1" dirty="0"/>
+              <a:t>F_1 Score:	</a:t>
+            </a:r>
+            <a:r>
+              <a:rPr lang="en-US" sz="1000" b="1" dirty="0">
+                <a:solidFill>
+                  <a:srgbClr val="0070C0"/>
+                </a:solidFill>
+              </a:rPr>
+              <a:t>0.970</a:t>
+            </a:r>
+          </a:p>
+          <a:p>
+            <a:r>
+              <a:rPr lang="en-US" sz="1000" b="1" dirty="0"/>
+              <a:t>AUC:	</a:t>
+            </a:r>
+            <a:r>
+              <a:rPr lang="en-US" sz="1000" b="1" dirty="0">
+                <a:solidFill>
+                  <a:srgbClr val="0070C0"/>
+                </a:solidFill>
+              </a:rPr>
+              <a:t>0.975</a:t>
             </a:r>
           </a:p>
         </p:txBody>
       </p:sp>
+      <p:pic>
+        <p:nvPicPr>
+          <p:cNvPr id="39" name="Picture 38" descr="Chart, bar chart&#10;&#10;Description automatically generated">
+            <a:extLst>
+              <a:ext uri="{FF2B5EF4-FFF2-40B4-BE49-F238E27FC236}">
+                <a16:creationId xmlns:a16="http://schemas.microsoft.com/office/drawing/2014/main" id="{03F46F31-8AF5-BC39-189E-A1AADC7F5025}"/>
+              </a:ext>
+            </a:extLst>
+          </p:cNvPr>
+          <p:cNvPicPr>
+            <a:picLocks noChangeAspect="1"/>
+          </p:cNvPicPr>
+          <p:nvPr/>
+        </p:nvPicPr>
+        <p:blipFill>
+          <a:blip r:embed="rId5"/>
+          <a:stretch>
+            <a:fillRect/>
+          </a:stretch>
+        </p:blipFill>
+        <p:spPr>
+          <a:xfrm>
+            <a:off x="5711316" y="2650075"/>
+            <a:ext cx="4400049" cy="1518862"/>
+          </a:xfrm>
+          <a:prstGeom prst="rect">
+            <a:avLst/>
+          </a:prstGeom>
+        </p:spPr>
+      </p:pic>
       <p:sp>
         <p:nvSpPr>
-          <p:cNvPr id="29" name="TextBox 28">
+          <p:cNvPr id="55" name="TextBox 54">
             <a:extLst>
               <a:ext uri="{FF2B5EF4-FFF2-40B4-BE49-F238E27FC236}">
-                <a16:creationId xmlns:a16="http://schemas.microsoft.com/office/drawing/2014/main" id="{285F460A-D373-7A3D-F303-2EF1232A179C}"/>
+                <a16:creationId xmlns:a16="http://schemas.microsoft.com/office/drawing/2014/main" id="{A1C8AFB1-EEF6-2419-864C-650AAB925D75}"/>
               </a:ext>
             </a:extLst>
           </p:cNvPr>
@@ -27797,7 +27210,446 @@
         </p:nvSpPr>
         <p:spPr>
           <a:xfrm>
-            <a:off x="7840177" y="5909631"/>
+            <a:off x="5666082" y="1827291"/>
+            <a:ext cx="1398430" cy="861774"/>
+          </a:xfrm>
+          <a:prstGeom prst="rect">
+            <a:avLst/>
+          </a:prstGeom>
+          <a:solidFill>
+            <a:srgbClr val="FFC000"/>
+          </a:solidFill>
+          <a:ln>
+            <a:solidFill>
+              <a:schemeClr val="tx1"/>
+            </a:solidFill>
+          </a:ln>
+          <a:effectLst>
+            <a:outerShdw blurRad="50800" dist="38100" dir="2700000" algn="tl" rotWithShape="0">
+              <a:prstClr val="black">
+                <a:alpha val="40000"/>
+              </a:prstClr>
+            </a:outerShdw>
+          </a:effectLst>
+        </p:spPr>
+        <p:txBody>
+          <a:bodyPr wrap="square" rtlCol="0">
+            <a:spAutoFit/>
+          </a:bodyPr>
+          <a:lstStyle/>
+          <a:p>
+            <a:r>
+              <a:rPr lang="en-US" sz="1000" b="1" dirty="0"/>
+              <a:t>Accuracy:	</a:t>
+            </a:r>
+            <a:r>
+              <a:rPr lang="en-US" sz="1000" b="1" dirty="0">
+                <a:solidFill>
+                  <a:srgbClr val="FF0000"/>
+                </a:solidFill>
+              </a:rPr>
+              <a:t>0.969</a:t>
+            </a:r>
+          </a:p>
+          <a:p>
+            <a:r>
+              <a:rPr lang="en-US" sz="1000" b="1" dirty="0"/>
+              <a:t>Precision:	</a:t>
+            </a:r>
+            <a:r>
+              <a:rPr lang="en-US" sz="1000" b="1" dirty="0">
+                <a:solidFill>
+                  <a:srgbClr val="FF0000"/>
+                </a:solidFill>
+              </a:rPr>
+              <a:t>0.969</a:t>
+            </a:r>
+          </a:p>
+          <a:p>
+            <a:r>
+              <a:rPr lang="en-US" sz="1000" b="1" dirty="0"/>
+              <a:t>Recall:	</a:t>
+            </a:r>
+            <a:r>
+              <a:rPr lang="en-US" sz="1000" b="1" dirty="0">
+                <a:solidFill>
+                  <a:srgbClr val="FF0000"/>
+                </a:solidFill>
+              </a:rPr>
+              <a:t>0.941</a:t>
+            </a:r>
+          </a:p>
+          <a:p>
+            <a:r>
+              <a:rPr lang="en-US" sz="1000" b="1" dirty="0"/>
+              <a:t>F_1 Score:	</a:t>
+            </a:r>
+            <a:r>
+              <a:rPr lang="en-US" sz="1000" b="1" dirty="0">
+                <a:solidFill>
+                  <a:srgbClr val="FF0000"/>
+                </a:solidFill>
+              </a:rPr>
+              <a:t>0.955</a:t>
+            </a:r>
+          </a:p>
+          <a:p>
+            <a:r>
+              <a:rPr lang="en-US" sz="1000" b="1" dirty="0"/>
+              <a:t>AUC:	</a:t>
+            </a:r>
+            <a:r>
+              <a:rPr lang="en-US" sz="1000" b="1" dirty="0">
+                <a:solidFill>
+                  <a:srgbClr val="FF0000"/>
+                </a:solidFill>
+              </a:rPr>
+              <a:t>0.962</a:t>
+            </a:r>
+          </a:p>
+        </p:txBody>
+      </p:sp>
+      <p:sp>
+        <p:nvSpPr>
+          <p:cNvPr id="47" name="TextBox 46">
+            <a:extLst>
+              <a:ext uri="{FF2B5EF4-FFF2-40B4-BE49-F238E27FC236}">
+                <a16:creationId xmlns:a16="http://schemas.microsoft.com/office/drawing/2014/main" id="{09DD0F51-0F59-138E-B16C-00160BBEAA07}"/>
+              </a:ext>
+            </a:extLst>
+          </p:cNvPr>
+          <p:cNvSpPr txBox="1"/>
+          <p:nvPr/>
+        </p:nvSpPr>
+        <p:spPr>
+          <a:xfrm>
+            <a:off x="8813817" y="3170520"/>
+            <a:ext cx="1484952" cy="276999"/>
+          </a:xfrm>
+          <a:prstGeom prst="rect">
+            <a:avLst/>
+          </a:prstGeom>
+          <a:noFill/>
+        </p:spPr>
+        <p:txBody>
+          <a:bodyPr wrap="square" rtlCol="0">
+            <a:spAutoFit/>
+          </a:bodyPr>
+          <a:lstStyle/>
+          <a:p>
+            <a:r>
+              <a:rPr lang="en-US" sz="1200" b="1" dirty="0"/>
+              <a:t>4 Feature Model</a:t>
+            </a:r>
+          </a:p>
+        </p:txBody>
+      </p:sp>
+      <p:pic>
+        <p:nvPicPr>
+          <p:cNvPr id="41" name="Picture 40" descr="A picture containing graphical user interface&#10;&#10;Description automatically generated">
+            <a:extLst>
+              <a:ext uri="{FF2B5EF4-FFF2-40B4-BE49-F238E27FC236}">
+                <a16:creationId xmlns:a16="http://schemas.microsoft.com/office/drawing/2014/main" id="{C217E6CA-41FF-D469-8CC9-9F64B973C4C6}"/>
+              </a:ext>
+            </a:extLst>
+          </p:cNvPr>
+          <p:cNvPicPr>
+            <a:picLocks noChangeAspect="1"/>
+          </p:cNvPicPr>
+          <p:nvPr/>
+        </p:nvPicPr>
+        <p:blipFill>
+          <a:blip r:embed="rId6"/>
+          <a:stretch>
+            <a:fillRect/>
+          </a:stretch>
+        </p:blipFill>
+        <p:spPr>
+          <a:xfrm>
+            <a:off x="5938887" y="4785766"/>
+            <a:ext cx="4149415" cy="1366930"/>
+          </a:xfrm>
+          <a:prstGeom prst="rect">
+            <a:avLst/>
+          </a:prstGeom>
+        </p:spPr>
+      </p:pic>
+      <p:sp>
+        <p:nvSpPr>
+          <p:cNvPr id="58" name="TextBox 57">
+            <a:extLst>
+              <a:ext uri="{FF2B5EF4-FFF2-40B4-BE49-F238E27FC236}">
+                <a16:creationId xmlns:a16="http://schemas.microsoft.com/office/drawing/2014/main" id="{850DF325-24E9-EA3A-3CBD-881765A9F180}"/>
+              </a:ext>
+            </a:extLst>
+          </p:cNvPr>
+          <p:cNvSpPr txBox="1"/>
+          <p:nvPr/>
+        </p:nvSpPr>
+        <p:spPr>
+          <a:xfrm>
+            <a:off x="5635244" y="5889300"/>
+            <a:ext cx="1398430" cy="861774"/>
+          </a:xfrm>
+          <a:prstGeom prst="rect">
+            <a:avLst/>
+          </a:prstGeom>
+          <a:solidFill>
+            <a:srgbClr val="FFC000"/>
+          </a:solidFill>
+          <a:ln>
+            <a:solidFill>
+              <a:schemeClr val="tx1"/>
+            </a:solidFill>
+          </a:ln>
+          <a:effectLst>
+            <a:outerShdw blurRad="50800" dist="38100" dir="2700000" algn="tl" rotWithShape="0">
+              <a:prstClr val="black">
+                <a:alpha val="40000"/>
+              </a:prstClr>
+            </a:outerShdw>
+          </a:effectLst>
+        </p:spPr>
+        <p:txBody>
+          <a:bodyPr wrap="square" rtlCol="0">
+            <a:spAutoFit/>
+          </a:bodyPr>
+          <a:lstStyle/>
+          <a:p>
+            <a:r>
+              <a:rPr lang="en-US" sz="1000" b="1" dirty="0"/>
+              <a:t>Accuracy:	</a:t>
+            </a:r>
+            <a:r>
+              <a:rPr lang="en-US" sz="1000" b="1" dirty="0">
+                <a:solidFill>
+                  <a:srgbClr val="FF0000"/>
+                </a:solidFill>
+              </a:rPr>
+              <a:t>0.912</a:t>
+            </a:r>
+          </a:p>
+          <a:p>
+            <a:r>
+              <a:rPr lang="en-US" sz="1000" b="1" dirty="0"/>
+              <a:t>Precision:	</a:t>
+            </a:r>
+            <a:r>
+              <a:rPr lang="en-US" sz="1000" b="1" dirty="0">
+                <a:solidFill>
+                  <a:srgbClr val="FF0000"/>
+                </a:solidFill>
+              </a:rPr>
+              <a:t>0.921</a:t>
+            </a:r>
+          </a:p>
+          <a:p>
+            <a:r>
+              <a:rPr lang="en-US" sz="1000" b="1" dirty="0"/>
+              <a:t>Recall:	</a:t>
+            </a:r>
+            <a:r>
+              <a:rPr lang="en-US" sz="1000" b="1" dirty="0">
+                <a:solidFill>
+                  <a:srgbClr val="FF0000"/>
+                </a:solidFill>
+              </a:rPr>
+              <a:t>0.819</a:t>
+            </a:r>
+          </a:p>
+          <a:p>
+            <a:r>
+              <a:rPr lang="en-US" sz="1000" b="1" dirty="0"/>
+              <a:t>F_1 Score:	</a:t>
+            </a:r>
+            <a:r>
+              <a:rPr lang="en-US" sz="1000" b="1" dirty="0">
+                <a:solidFill>
+                  <a:srgbClr val="FF0000"/>
+                </a:solidFill>
+              </a:rPr>
+              <a:t>0.867</a:t>
+            </a:r>
+          </a:p>
+          <a:p>
+            <a:r>
+              <a:rPr lang="en-US" sz="1000" b="1" dirty="0"/>
+              <a:t>AUC:	</a:t>
+            </a:r>
+            <a:r>
+              <a:rPr lang="en-US" sz="1000" b="1" dirty="0">
+                <a:solidFill>
+                  <a:srgbClr val="FF0000"/>
+                </a:solidFill>
+              </a:rPr>
+              <a:t>0.891</a:t>
+            </a:r>
+          </a:p>
+        </p:txBody>
+      </p:sp>
+      <p:sp>
+        <p:nvSpPr>
+          <p:cNvPr id="48" name="TextBox 47">
+            <a:extLst>
+              <a:ext uri="{FF2B5EF4-FFF2-40B4-BE49-F238E27FC236}">
+                <a16:creationId xmlns:a16="http://schemas.microsoft.com/office/drawing/2014/main" id="{5D29533E-A01A-E3E3-6F6B-477569C06074}"/>
+              </a:ext>
+            </a:extLst>
+          </p:cNvPr>
+          <p:cNvSpPr txBox="1"/>
+          <p:nvPr/>
+        </p:nvSpPr>
+        <p:spPr>
+          <a:xfrm>
+            <a:off x="8715246" y="5291235"/>
+            <a:ext cx="1484952" cy="276999"/>
+          </a:xfrm>
+          <a:prstGeom prst="rect">
+            <a:avLst/>
+          </a:prstGeom>
+          <a:noFill/>
+        </p:spPr>
+        <p:txBody>
+          <a:bodyPr wrap="square" rtlCol="0">
+            <a:spAutoFit/>
+          </a:bodyPr>
+          <a:lstStyle/>
+          <a:p>
+            <a:r>
+              <a:rPr lang="en-US" sz="1200" b="1" dirty="0"/>
+              <a:t>2 Feature Model</a:t>
+            </a:r>
+          </a:p>
+        </p:txBody>
+      </p:sp>
+      <p:sp>
+        <p:nvSpPr>
+          <p:cNvPr id="56" name="TextBox 55">
+            <a:extLst>
+              <a:ext uri="{FF2B5EF4-FFF2-40B4-BE49-F238E27FC236}">
+                <a16:creationId xmlns:a16="http://schemas.microsoft.com/office/drawing/2014/main" id="{202FE195-E129-55F7-DE67-163439A9219A}"/>
+              </a:ext>
+            </a:extLst>
+          </p:cNvPr>
+          <p:cNvSpPr txBox="1"/>
+          <p:nvPr/>
+        </p:nvSpPr>
+        <p:spPr>
+          <a:xfrm>
+            <a:off x="5711316" y="4027662"/>
+            <a:ext cx="1398430" cy="861774"/>
+          </a:xfrm>
+          <a:prstGeom prst="rect">
+            <a:avLst/>
+          </a:prstGeom>
+          <a:solidFill>
+            <a:srgbClr val="FFC000"/>
+          </a:solidFill>
+          <a:ln>
+            <a:solidFill>
+              <a:schemeClr val="tx1"/>
+            </a:solidFill>
+          </a:ln>
+          <a:effectLst>
+            <a:outerShdw blurRad="50800" dist="38100" dir="2700000" algn="tl" rotWithShape="0">
+              <a:prstClr val="black">
+                <a:alpha val="40000"/>
+              </a:prstClr>
+            </a:outerShdw>
+          </a:effectLst>
+        </p:spPr>
+        <p:txBody>
+          <a:bodyPr wrap="square" rtlCol="0">
+            <a:spAutoFit/>
+          </a:bodyPr>
+          <a:lstStyle/>
+          <a:p>
+            <a:r>
+              <a:rPr lang="en-US" sz="1000" b="1" dirty="0"/>
+              <a:t>Accuracy:	</a:t>
+            </a:r>
+            <a:r>
+              <a:rPr lang="en-US" sz="1000" b="1" dirty="0">
+                <a:solidFill>
+                  <a:srgbClr val="FF0000"/>
+                </a:solidFill>
+              </a:rPr>
+              <a:t>0.937</a:t>
+            </a:r>
+          </a:p>
+          <a:p>
+            <a:r>
+              <a:rPr lang="en-US" sz="1000" b="1" dirty="0"/>
+              <a:t>Precision:	</a:t>
+            </a:r>
+            <a:r>
+              <a:rPr lang="en-US" sz="1000" b="1" dirty="0">
+                <a:solidFill>
+                  <a:srgbClr val="FF0000"/>
+                </a:solidFill>
+              </a:rPr>
+              <a:t>0.936</a:t>
+            </a:r>
+          </a:p>
+          <a:p>
+            <a:r>
+              <a:rPr lang="en-US" sz="1000" b="1" dirty="0"/>
+              <a:t>Recall:	</a:t>
+            </a:r>
+            <a:r>
+              <a:rPr lang="en-US" sz="1000" b="1" dirty="0">
+                <a:solidFill>
+                  <a:srgbClr val="FF0000"/>
+                </a:solidFill>
+              </a:rPr>
+              <a:t>0.879</a:t>
+            </a:r>
+          </a:p>
+          <a:p>
+            <a:r>
+              <a:rPr lang="en-US" sz="1000" b="1" dirty="0"/>
+              <a:t>F_1 Score:	</a:t>
+            </a:r>
+            <a:r>
+              <a:rPr lang="en-US" sz="1000" b="1" dirty="0">
+                <a:solidFill>
+                  <a:srgbClr val="FF0000"/>
+                </a:solidFill>
+              </a:rPr>
+              <a:t>0.906</a:t>
+            </a:r>
+          </a:p>
+          <a:p>
+            <a:r>
+              <a:rPr lang="en-US" sz="1000" b="1" dirty="0"/>
+              <a:t>AUC:	</a:t>
+            </a:r>
+            <a:r>
+              <a:rPr lang="en-US" sz="1000" b="1" dirty="0">
+                <a:solidFill>
+                  <a:srgbClr val="FF0000"/>
+                </a:solidFill>
+              </a:rPr>
+              <a:t>0.923</a:t>
+            </a:r>
+          </a:p>
+        </p:txBody>
+      </p:sp>
+      <p:sp>
+        <p:nvSpPr>
+          <p:cNvPr id="36" name="TextBox 35">
+            <a:extLst>
+              <a:ext uri="{FF2B5EF4-FFF2-40B4-BE49-F238E27FC236}">
+                <a16:creationId xmlns:a16="http://schemas.microsoft.com/office/drawing/2014/main" id="{D7FB7DF3-AD77-F70C-E632-F2625C701D34}"/>
+              </a:ext>
+            </a:extLst>
+          </p:cNvPr>
+          <p:cNvSpPr txBox="1"/>
+          <p:nvPr/>
+        </p:nvSpPr>
+        <p:spPr>
+          <a:xfrm>
+            <a:off x="2817620" y="3746745"/>
             <a:ext cx="1398430" cy="215444"/>
           </a:xfrm>
           <a:prstGeom prst="rect">
@@ -28062,7 +27914,7 @@
                                           </p:stCondLst>
                                         </p:cTn>
                                         <p:tgtEl>
-                                          <p:spTgt spid="4"/>
+                                          <p:spTgt spid="31"/>
                                         </p:tgtEl>
                                         <p:attrNameLst>
                                           <p:attrName>style.visibility</p:attrName>
@@ -28076,7 +27928,7 @@
                                       <p:cBhvr>
                                         <p:cTn id="21" dur="1000"/>
                                         <p:tgtEl>
-                                          <p:spTgt spid="4"/>
+                                          <p:spTgt spid="31"/>
                                         </p:tgtEl>
                                       </p:cBhvr>
                                     </p:animEffect>
@@ -28084,7 +27936,7 @@
                                       <p:cBhvr>
                                         <p:cTn id="22" dur="1000" fill="hold"/>
                                         <p:tgtEl>
-                                          <p:spTgt spid="4"/>
+                                          <p:spTgt spid="31"/>
                                         </p:tgtEl>
                                         <p:attrNameLst>
                                           <p:attrName>ppt_x</p:attrName>
@@ -28107,7 +27959,7 @@
                                       <p:cBhvr>
                                         <p:cTn id="23" dur="1000" fill="hold"/>
                                         <p:tgtEl>
-                                          <p:spTgt spid="4"/>
+                                          <p:spTgt spid="31"/>
                                         </p:tgtEl>
                                         <p:attrNameLst>
                                           <p:attrName>ppt_y</p:attrName>
@@ -28143,7 +27995,7 @@
                                           </p:stCondLst>
                                         </p:cTn>
                                         <p:tgtEl>
-                                          <p:spTgt spid="32"/>
+                                          <p:spTgt spid="38"/>
                                         </p:tgtEl>
                                         <p:attrNameLst>
                                           <p:attrName>style.visibility</p:attrName>
@@ -28157,7 +28009,7 @@
                                       <p:cBhvr>
                                         <p:cTn id="26" dur="1000"/>
                                         <p:tgtEl>
-                                          <p:spTgt spid="32"/>
+                                          <p:spTgt spid="38"/>
                                         </p:tgtEl>
                                       </p:cBhvr>
                                     </p:animEffect>
@@ -28165,7 +28017,7 @@
                                       <p:cBhvr>
                                         <p:cTn id="27" dur="1000" fill="hold"/>
                                         <p:tgtEl>
-                                          <p:spTgt spid="32"/>
+                                          <p:spTgt spid="38"/>
                                         </p:tgtEl>
                                         <p:attrNameLst>
                                           <p:attrName>ppt_x</p:attrName>
@@ -28188,7 +28040,7 @@
                                       <p:cBhvr>
                                         <p:cTn id="28" dur="1000" fill="hold"/>
                                         <p:tgtEl>
-                                          <p:spTgt spid="32"/>
+                                          <p:spTgt spid="38"/>
                                         </p:tgtEl>
                                         <p:attrNameLst>
                                           <p:attrName>ppt_y</p:attrName>
@@ -28224,7 +28076,7 @@
                                           </p:stCondLst>
                                         </p:cTn>
                                         <p:tgtEl>
-                                          <p:spTgt spid="38"/>
+                                          <p:spTgt spid="32"/>
                                         </p:tgtEl>
                                         <p:attrNameLst>
                                           <p:attrName>style.visibility</p:attrName>
@@ -28238,7 +28090,7 @@
                                       <p:cBhvr>
                                         <p:cTn id="31" dur="1000"/>
                                         <p:tgtEl>
-                                          <p:spTgt spid="38"/>
+                                          <p:spTgt spid="32"/>
                                         </p:tgtEl>
                                       </p:cBhvr>
                                     </p:animEffect>
@@ -28246,7 +28098,7 @@
                                       <p:cBhvr>
                                         <p:cTn id="32" dur="1000" fill="hold"/>
                                         <p:tgtEl>
-                                          <p:spTgt spid="38"/>
+                                          <p:spTgt spid="32"/>
                                         </p:tgtEl>
                                         <p:attrNameLst>
                                           <p:attrName>ppt_x</p:attrName>
@@ -28269,7 +28121,7 @@
                                       <p:cBhvr>
                                         <p:cTn id="33" dur="1000" fill="hold"/>
                                         <p:tgtEl>
-                                          <p:spTgt spid="38"/>
+                                          <p:spTgt spid="32"/>
                                         </p:tgtEl>
                                         <p:attrNameLst>
                                           <p:attrName>ppt_y</p:attrName>
@@ -28305,7 +28157,7 @@
                                           </p:stCondLst>
                                         </p:cTn>
                                         <p:tgtEl>
-                                          <p:spTgt spid="2"/>
+                                          <p:spTgt spid="36"/>
                                         </p:tgtEl>
                                         <p:attrNameLst>
                                           <p:attrName>style.visibility</p:attrName>
@@ -28319,7 +28171,7 @@
                                       <p:cBhvr>
                                         <p:cTn id="36" dur="1000"/>
                                         <p:tgtEl>
-                                          <p:spTgt spid="2"/>
+                                          <p:spTgt spid="36"/>
                                         </p:tgtEl>
                                       </p:cBhvr>
                                     </p:animEffect>
@@ -28327,7 +28179,7 @@
                                       <p:cBhvr>
                                         <p:cTn id="37" dur="1000" fill="hold"/>
                                         <p:tgtEl>
-                                          <p:spTgt spid="2"/>
+                                          <p:spTgt spid="36"/>
                                         </p:tgtEl>
                                         <p:attrNameLst>
                                           <p:attrName>ppt_x</p:attrName>
@@ -28350,7 +28202,7 @@
                                       <p:cBhvr>
                                         <p:cTn id="38" dur="1000" fill="hold"/>
                                         <p:tgtEl>
-                                          <p:spTgt spid="2"/>
+                                          <p:spTgt spid="36"/>
                                         </p:tgtEl>
                                         <p:attrNameLst>
                                           <p:attrName>ppt_y</p:attrName>
@@ -28391,7 +28243,7 @@
                             </p:stCondLst>
                             <p:childTnLst>
                               <p:par>
-                                <p:cTn id="41" presetID="42" presetClass="entr" presetSubtype="0" fill="hold" nodeType="clickEffect">
+                                <p:cTn id="41" presetID="42" presetClass="entr" presetSubtype="0" fill="hold" grpId="0" nodeType="clickEffect">
                                   <p:stCondLst>
                                     <p:cond delay="0"/>
                                   </p:stCondLst>
@@ -28404,7 +28256,7 @@
                                           </p:stCondLst>
                                         </p:cTn>
                                         <p:tgtEl>
-                                          <p:spTgt spid="14"/>
+                                          <p:spTgt spid="33"/>
                                         </p:tgtEl>
                                         <p:attrNameLst>
                                           <p:attrName>style.visibility</p:attrName>
@@ -28418,7 +28270,7 @@
                                       <p:cBhvr>
                                         <p:cTn id="43" dur="1000"/>
                                         <p:tgtEl>
-                                          <p:spTgt spid="14"/>
+                                          <p:spTgt spid="33"/>
                                         </p:tgtEl>
                                       </p:cBhvr>
                                     </p:animEffect>
@@ -28426,7 +28278,7 @@
                                       <p:cBhvr>
                                         <p:cTn id="44" dur="1000" fill="hold"/>
                                         <p:tgtEl>
-                                          <p:spTgt spid="14"/>
+                                          <p:spTgt spid="33"/>
                                         </p:tgtEl>
                                         <p:attrNameLst>
                                           <p:attrName>ppt_x</p:attrName>
@@ -28449,7 +28301,7 @@
                                       <p:cBhvr>
                                         <p:cTn id="45" dur="1000" fill="hold"/>
                                         <p:tgtEl>
-                                          <p:spTgt spid="14"/>
+                                          <p:spTgt spid="33"/>
                                         </p:tgtEl>
                                         <p:attrNameLst>
                                           <p:attrName>ppt_y</p:attrName>
@@ -28485,7 +28337,7 @@
                                           </p:stCondLst>
                                         </p:cTn>
                                         <p:tgtEl>
-                                          <p:spTgt spid="33"/>
+                                          <p:spTgt spid="53"/>
                                         </p:tgtEl>
                                         <p:attrNameLst>
                                           <p:attrName>style.visibility</p:attrName>
@@ -28499,7 +28351,7 @@
                                       <p:cBhvr>
                                         <p:cTn id="48" dur="1000"/>
                                         <p:tgtEl>
-                                          <p:spTgt spid="33"/>
+                                          <p:spTgt spid="53"/>
                                         </p:tgtEl>
                                       </p:cBhvr>
                                     </p:animEffect>
@@ -28507,7 +28359,7 @@
                                       <p:cBhvr>
                                         <p:cTn id="49" dur="1000" fill="hold"/>
                                         <p:tgtEl>
-                                          <p:spTgt spid="33"/>
+                                          <p:spTgt spid="53"/>
                                         </p:tgtEl>
                                         <p:attrNameLst>
                                           <p:attrName>ppt_x</p:attrName>
@@ -28530,7 +28382,7 @@
                                       <p:cBhvr>
                                         <p:cTn id="50" dur="1000" fill="hold"/>
                                         <p:tgtEl>
-                                          <p:spTgt spid="33"/>
+                                          <p:spTgt spid="53"/>
                                         </p:tgtEl>
                                         <p:attrNameLst>
                                           <p:attrName>ppt_y</p:attrName>
@@ -28553,7 +28405,7 @@
                                 </p:cTn>
                               </p:par>
                               <p:par>
-                                <p:cTn id="51" presetID="42" presetClass="entr" presetSubtype="0" fill="hold" grpId="0" nodeType="withEffect">
+                                <p:cTn id="51" presetID="42" presetClass="entr" presetSubtype="0" fill="hold" nodeType="withEffect">
                                   <p:stCondLst>
                                     <p:cond delay="0"/>
                                   </p:stCondLst>
@@ -28566,7 +28418,7 @@
                                           </p:stCondLst>
                                         </p:cTn>
                                         <p:tgtEl>
-                                          <p:spTgt spid="53"/>
+                                          <p:spTgt spid="30"/>
                                         </p:tgtEl>
                                         <p:attrNameLst>
                                           <p:attrName>style.visibility</p:attrName>
@@ -28580,7 +28432,7 @@
                                       <p:cBhvr>
                                         <p:cTn id="53" dur="1000"/>
                                         <p:tgtEl>
-                                          <p:spTgt spid="53"/>
+                                          <p:spTgt spid="30"/>
                                         </p:tgtEl>
                                       </p:cBhvr>
                                     </p:animEffect>
@@ -28588,7 +28440,7 @@
                                       <p:cBhvr>
                                         <p:cTn id="54" dur="1000" fill="hold"/>
                                         <p:tgtEl>
-                                          <p:spTgt spid="53"/>
+                                          <p:spTgt spid="30"/>
                                         </p:tgtEl>
                                         <p:attrNameLst>
                                           <p:attrName>ppt_x</p:attrName>
@@ -28611,88 +28463,7 @@
                                       <p:cBhvr>
                                         <p:cTn id="55" dur="1000" fill="hold"/>
                                         <p:tgtEl>
-                                          <p:spTgt spid="53"/>
-                                        </p:tgtEl>
-                                        <p:attrNameLst>
-                                          <p:attrName>ppt_y</p:attrName>
-                                        </p:attrNameLst>
-                                      </p:cBhvr>
-                                      <p:tavLst>
-                                        <p:tav tm="0">
-                                          <p:val>
-                                            <p:strVal val="#ppt_y+.1"/>
-                                          </p:val>
-                                        </p:tav>
-                                        <p:tav tm="100000">
-                                          <p:val>
-                                            <p:strVal val="#ppt_y"/>
-                                          </p:val>
-                                        </p:tav>
-                                      </p:tavLst>
-                                    </p:anim>
-                                  </p:childTnLst>
-                                </p:cTn>
-                              </p:par>
-                              <p:par>
-                                <p:cTn id="56" presetID="42" presetClass="entr" presetSubtype="0" fill="hold" grpId="0" nodeType="withEffect">
-                                  <p:stCondLst>
-                                    <p:cond delay="0"/>
-                                  </p:stCondLst>
-                                  <p:childTnLst>
-                                    <p:set>
-                                      <p:cBhvr>
-                                        <p:cTn id="57" dur="1" fill="hold">
-                                          <p:stCondLst>
-                                            <p:cond delay="0"/>
-                                          </p:stCondLst>
-                                        </p:cTn>
-                                        <p:tgtEl>
-                                          <p:spTgt spid="26"/>
-                                        </p:tgtEl>
-                                        <p:attrNameLst>
-                                          <p:attrName>style.visibility</p:attrName>
-                                        </p:attrNameLst>
-                                      </p:cBhvr>
-                                      <p:to>
-                                        <p:strVal val="visible"/>
-                                      </p:to>
-                                    </p:set>
-                                    <p:animEffect transition="in" filter="fade">
-                                      <p:cBhvr>
-                                        <p:cTn id="58" dur="1000"/>
-                                        <p:tgtEl>
-                                          <p:spTgt spid="26"/>
-                                        </p:tgtEl>
-                                      </p:cBhvr>
-                                    </p:animEffect>
-                                    <p:anim calcmode="lin" valueType="num">
-                                      <p:cBhvr>
-                                        <p:cTn id="59" dur="1000" fill="hold"/>
-                                        <p:tgtEl>
-                                          <p:spTgt spid="26"/>
-                                        </p:tgtEl>
-                                        <p:attrNameLst>
-                                          <p:attrName>ppt_x</p:attrName>
-                                        </p:attrNameLst>
-                                      </p:cBhvr>
-                                      <p:tavLst>
-                                        <p:tav tm="0">
-                                          <p:val>
-                                            <p:strVal val="#ppt_x"/>
-                                          </p:val>
-                                        </p:tav>
-                                        <p:tav tm="100000">
-                                          <p:val>
-                                            <p:strVal val="#ppt_x"/>
-                                          </p:val>
-                                        </p:tav>
-                                      </p:tavLst>
-                                    </p:anim>
-                                    <p:anim calcmode="lin" valueType="num">
-                                      <p:cBhvr>
-                                        <p:cTn id="60" dur="1000" fill="hold"/>
-                                        <p:tgtEl>
-                                          <p:spTgt spid="26"/>
+                                          <p:spTgt spid="30"/>
                                         </p:tgtEl>
                                         <p:attrNameLst>
                                           <p:attrName>ppt_y</p:attrName>
@@ -28721,32 +28492,113 @@
                     </p:cTn>
                   </p:par>
                   <p:par>
-                    <p:cTn id="61" fill="hold">
+                    <p:cTn id="56" fill="hold">
                       <p:stCondLst>
                         <p:cond delay="indefinite"/>
                       </p:stCondLst>
                       <p:childTnLst>
                         <p:par>
-                          <p:cTn id="62" fill="hold">
+                          <p:cTn id="57" fill="hold">
                             <p:stCondLst>
                               <p:cond delay="0"/>
                             </p:stCondLst>
                             <p:childTnLst>
                               <p:par>
-                                <p:cTn id="63" presetID="42" presetClass="entr" presetSubtype="0" fill="hold" nodeType="clickEffect">
+                                <p:cTn id="58" presetID="42" presetClass="entr" presetSubtype="0" fill="hold" nodeType="clickEffect">
                                   <p:stCondLst>
                                     <p:cond delay="0"/>
                                   </p:stCondLst>
                                   <p:childTnLst>
                                     <p:set>
                                       <p:cBhvr>
+                                        <p:cTn id="59" dur="1" fill="hold">
+                                          <p:stCondLst>
+                                            <p:cond delay="0"/>
+                                          </p:stCondLst>
+                                        </p:cTn>
+                                        <p:tgtEl>
+                                          <p:spTgt spid="37"/>
+                                        </p:tgtEl>
+                                        <p:attrNameLst>
+                                          <p:attrName>style.visibility</p:attrName>
+                                        </p:attrNameLst>
+                                      </p:cBhvr>
+                                      <p:to>
+                                        <p:strVal val="visible"/>
+                                      </p:to>
+                                    </p:set>
+                                    <p:animEffect transition="in" filter="fade">
+                                      <p:cBhvr>
+                                        <p:cTn id="60" dur="1000"/>
+                                        <p:tgtEl>
+                                          <p:spTgt spid="37"/>
+                                        </p:tgtEl>
+                                      </p:cBhvr>
+                                    </p:animEffect>
+                                    <p:anim calcmode="lin" valueType="num">
+                                      <p:cBhvr>
+                                        <p:cTn id="61" dur="1000" fill="hold"/>
+                                        <p:tgtEl>
+                                          <p:spTgt spid="37"/>
+                                        </p:tgtEl>
+                                        <p:attrNameLst>
+                                          <p:attrName>ppt_x</p:attrName>
+                                        </p:attrNameLst>
+                                      </p:cBhvr>
+                                      <p:tavLst>
+                                        <p:tav tm="0">
+                                          <p:val>
+                                            <p:strVal val="#ppt_x"/>
+                                          </p:val>
+                                        </p:tav>
+                                        <p:tav tm="100000">
+                                          <p:val>
+                                            <p:strVal val="#ppt_x"/>
+                                          </p:val>
+                                        </p:tav>
+                                      </p:tavLst>
+                                    </p:anim>
+                                    <p:anim calcmode="lin" valueType="num">
+                                      <p:cBhvr>
+                                        <p:cTn id="62" dur="1000" fill="hold"/>
+                                        <p:tgtEl>
+                                          <p:spTgt spid="37"/>
+                                        </p:tgtEl>
+                                        <p:attrNameLst>
+                                          <p:attrName>ppt_y</p:attrName>
+                                        </p:attrNameLst>
+                                      </p:cBhvr>
+                                      <p:tavLst>
+                                        <p:tav tm="0">
+                                          <p:val>
+                                            <p:strVal val="#ppt_y+.1"/>
+                                          </p:val>
+                                        </p:tav>
+                                        <p:tav tm="100000">
+                                          <p:val>
+                                            <p:strVal val="#ppt_y"/>
+                                          </p:val>
+                                        </p:tav>
+                                      </p:tavLst>
+                                    </p:anim>
+                                  </p:childTnLst>
+                                </p:cTn>
+                              </p:par>
+                              <p:par>
+                                <p:cTn id="63" presetID="42" presetClass="entr" presetSubtype="0" fill="hold" grpId="0" nodeType="withEffect">
+                                  <p:stCondLst>
+                                    <p:cond delay="0"/>
+                                  </p:stCondLst>
+                                  <p:childTnLst>
+                                    <p:set>
+                                      <p:cBhvr>
                                         <p:cTn id="64" dur="1" fill="hold">
                                           <p:stCondLst>
                                             <p:cond delay="0"/>
                                           </p:stCondLst>
                                         </p:cTn>
                                         <p:tgtEl>
-                                          <p:spTgt spid="34"/>
+                                          <p:spTgt spid="46"/>
                                         </p:tgtEl>
                                         <p:attrNameLst>
                                           <p:attrName>style.visibility</p:attrName>
@@ -28760,7 +28612,7 @@
                                       <p:cBhvr>
                                         <p:cTn id="65" dur="1000"/>
                                         <p:tgtEl>
-                                          <p:spTgt spid="34"/>
+                                          <p:spTgt spid="46"/>
                                         </p:tgtEl>
                                       </p:cBhvr>
                                     </p:animEffect>
@@ -28768,7 +28620,7 @@
                                       <p:cBhvr>
                                         <p:cTn id="66" dur="1000" fill="hold"/>
                                         <p:tgtEl>
-                                          <p:spTgt spid="34"/>
+                                          <p:spTgt spid="46"/>
                                         </p:tgtEl>
                                         <p:attrNameLst>
                                           <p:attrName>ppt_x</p:attrName>
@@ -28791,7 +28643,7 @@
                                       <p:cBhvr>
                                         <p:cTn id="67" dur="1000" fill="hold"/>
                                         <p:tgtEl>
-                                          <p:spTgt spid="34"/>
+                                          <p:spTgt spid="46"/>
                                         </p:tgtEl>
                                         <p:attrNameLst>
                                           <p:attrName>ppt_y</p:attrName>
@@ -28827,7 +28679,7 @@
                                           </p:stCondLst>
                                         </p:cTn>
                                         <p:tgtEl>
-                                          <p:spTgt spid="46"/>
+                                          <p:spTgt spid="55"/>
                                         </p:tgtEl>
                                         <p:attrNameLst>
                                           <p:attrName>style.visibility</p:attrName>
@@ -28841,7 +28693,7 @@
                                       <p:cBhvr>
                                         <p:cTn id="70" dur="1000"/>
                                         <p:tgtEl>
-                                          <p:spTgt spid="46"/>
+                                          <p:spTgt spid="55"/>
                                         </p:tgtEl>
                                       </p:cBhvr>
                                     </p:animEffect>
@@ -28849,7 +28701,7 @@
                                       <p:cBhvr>
                                         <p:cTn id="71" dur="1000" fill="hold"/>
                                         <p:tgtEl>
-                                          <p:spTgt spid="46"/>
+                                          <p:spTgt spid="55"/>
                                         </p:tgtEl>
                                         <p:attrNameLst>
                                           <p:attrName>ppt_x</p:attrName>
@@ -28872,169 +28724,7 @@
                                       <p:cBhvr>
                                         <p:cTn id="72" dur="1000" fill="hold"/>
                                         <p:tgtEl>
-                                          <p:spTgt spid="46"/>
-                                        </p:tgtEl>
-                                        <p:attrNameLst>
-                                          <p:attrName>ppt_y</p:attrName>
-                                        </p:attrNameLst>
-                                      </p:cBhvr>
-                                      <p:tavLst>
-                                        <p:tav tm="0">
-                                          <p:val>
-                                            <p:strVal val="#ppt_y+.1"/>
-                                          </p:val>
-                                        </p:tav>
-                                        <p:tav tm="100000">
-                                          <p:val>
-                                            <p:strVal val="#ppt_y"/>
-                                          </p:val>
-                                        </p:tav>
-                                      </p:tavLst>
-                                    </p:anim>
-                                  </p:childTnLst>
-                                </p:cTn>
-                              </p:par>
-                              <p:par>
-                                <p:cTn id="73" presetID="42" presetClass="entr" presetSubtype="0" fill="hold" grpId="0" nodeType="withEffect">
-                                  <p:stCondLst>
-                                    <p:cond delay="0"/>
-                                  </p:stCondLst>
-                                  <p:childTnLst>
-                                    <p:set>
-                                      <p:cBhvr>
-                                        <p:cTn id="74" dur="1" fill="hold">
-                                          <p:stCondLst>
-                                            <p:cond delay="0"/>
-                                          </p:stCondLst>
-                                        </p:cTn>
-                                        <p:tgtEl>
                                           <p:spTgt spid="55"/>
-                                        </p:tgtEl>
-                                        <p:attrNameLst>
-                                          <p:attrName>style.visibility</p:attrName>
-                                        </p:attrNameLst>
-                                      </p:cBhvr>
-                                      <p:to>
-                                        <p:strVal val="visible"/>
-                                      </p:to>
-                                    </p:set>
-                                    <p:animEffect transition="in" filter="fade">
-                                      <p:cBhvr>
-                                        <p:cTn id="75" dur="1000"/>
-                                        <p:tgtEl>
-                                          <p:spTgt spid="55"/>
-                                        </p:tgtEl>
-                                      </p:cBhvr>
-                                    </p:animEffect>
-                                    <p:anim calcmode="lin" valueType="num">
-                                      <p:cBhvr>
-                                        <p:cTn id="76" dur="1000" fill="hold"/>
-                                        <p:tgtEl>
-                                          <p:spTgt spid="55"/>
-                                        </p:tgtEl>
-                                        <p:attrNameLst>
-                                          <p:attrName>ppt_x</p:attrName>
-                                        </p:attrNameLst>
-                                      </p:cBhvr>
-                                      <p:tavLst>
-                                        <p:tav tm="0">
-                                          <p:val>
-                                            <p:strVal val="#ppt_x"/>
-                                          </p:val>
-                                        </p:tav>
-                                        <p:tav tm="100000">
-                                          <p:val>
-                                            <p:strVal val="#ppt_x"/>
-                                          </p:val>
-                                        </p:tav>
-                                      </p:tavLst>
-                                    </p:anim>
-                                    <p:anim calcmode="lin" valueType="num">
-                                      <p:cBhvr>
-                                        <p:cTn id="77" dur="1000" fill="hold"/>
-                                        <p:tgtEl>
-                                          <p:spTgt spid="55"/>
-                                        </p:tgtEl>
-                                        <p:attrNameLst>
-                                          <p:attrName>ppt_y</p:attrName>
-                                        </p:attrNameLst>
-                                      </p:cBhvr>
-                                      <p:tavLst>
-                                        <p:tav tm="0">
-                                          <p:val>
-                                            <p:strVal val="#ppt_y+.1"/>
-                                          </p:val>
-                                        </p:tav>
-                                        <p:tav tm="100000">
-                                          <p:val>
-                                            <p:strVal val="#ppt_y"/>
-                                          </p:val>
-                                        </p:tav>
-                                      </p:tavLst>
-                                    </p:anim>
-                                  </p:childTnLst>
-                                </p:cTn>
-                              </p:par>
-                              <p:par>
-                                <p:cTn id="78" presetID="42" presetClass="entr" presetSubtype="0" fill="hold" grpId="0" nodeType="withEffect">
-                                  <p:stCondLst>
-                                    <p:cond delay="0"/>
-                                  </p:stCondLst>
-                                  <p:childTnLst>
-                                    <p:set>
-                                      <p:cBhvr>
-                                        <p:cTn id="79" dur="1" fill="hold">
-                                          <p:stCondLst>
-                                            <p:cond delay="0"/>
-                                          </p:stCondLst>
-                                        </p:cTn>
-                                        <p:tgtEl>
-                                          <p:spTgt spid="27"/>
-                                        </p:tgtEl>
-                                        <p:attrNameLst>
-                                          <p:attrName>style.visibility</p:attrName>
-                                        </p:attrNameLst>
-                                      </p:cBhvr>
-                                      <p:to>
-                                        <p:strVal val="visible"/>
-                                      </p:to>
-                                    </p:set>
-                                    <p:animEffect transition="in" filter="fade">
-                                      <p:cBhvr>
-                                        <p:cTn id="80" dur="1000"/>
-                                        <p:tgtEl>
-                                          <p:spTgt spid="27"/>
-                                        </p:tgtEl>
-                                      </p:cBhvr>
-                                    </p:animEffect>
-                                    <p:anim calcmode="lin" valueType="num">
-                                      <p:cBhvr>
-                                        <p:cTn id="81" dur="1000" fill="hold"/>
-                                        <p:tgtEl>
-                                          <p:spTgt spid="27"/>
-                                        </p:tgtEl>
-                                        <p:attrNameLst>
-                                          <p:attrName>ppt_x</p:attrName>
-                                        </p:attrNameLst>
-                                      </p:cBhvr>
-                                      <p:tavLst>
-                                        <p:tav tm="0">
-                                          <p:val>
-                                            <p:strVal val="#ppt_x"/>
-                                          </p:val>
-                                        </p:tav>
-                                        <p:tav tm="100000">
-                                          <p:val>
-                                            <p:strVal val="#ppt_x"/>
-                                          </p:val>
-                                        </p:tav>
-                                      </p:tavLst>
-                                    </p:anim>
-                                    <p:anim calcmode="lin" valueType="num">
-                                      <p:cBhvr>
-                                        <p:cTn id="82" dur="1000" fill="hold"/>
-                                        <p:tgtEl>
-                                          <p:spTgt spid="27"/>
                                         </p:tgtEl>
                                         <p:attrNameLst>
                                           <p:attrName>ppt_y</p:attrName>
@@ -29063,32 +28753,32 @@
                     </p:cTn>
                   </p:par>
                   <p:par>
-                    <p:cTn id="83" fill="hold">
+                    <p:cTn id="73" fill="hold">
                       <p:stCondLst>
                         <p:cond delay="indefinite"/>
                       </p:stCondLst>
                       <p:childTnLst>
                         <p:par>
-                          <p:cTn id="84" fill="hold">
+                          <p:cTn id="74" fill="hold">
                             <p:stCondLst>
                               <p:cond delay="0"/>
                             </p:stCondLst>
                             <p:childTnLst>
                               <p:par>
-                                <p:cTn id="85" presetID="42" presetClass="entr" presetSubtype="0" fill="hold" nodeType="clickEffect">
+                                <p:cTn id="75" presetID="42" presetClass="entr" presetSubtype="0" fill="hold" grpId="0" nodeType="clickEffect">
                                   <p:stCondLst>
                                     <p:cond delay="0"/>
                                   </p:stCondLst>
                                   <p:childTnLst>
                                     <p:set>
                                       <p:cBhvr>
-                                        <p:cTn id="86" dur="1" fill="hold">
+                                        <p:cTn id="76" dur="1" fill="hold">
                                           <p:stCondLst>
                                             <p:cond delay="0"/>
                                           </p:stCondLst>
                                         </p:cTn>
                                         <p:tgtEl>
-                                          <p:spTgt spid="44"/>
+                                          <p:spTgt spid="47"/>
                                         </p:tgtEl>
                                         <p:attrNameLst>
                                           <p:attrName>style.visibility</p:attrName>
@@ -29100,17 +28790,17 @@
                                     </p:set>
                                     <p:animEffect transition="in" filter="fade">
                                       <p:cBhvr>
-                                        <p:cTn id="87" dur="1000"/>
-                                        <p:tgtEl>
-                                          <p:spTgt spid="44"/>
+                                        <p:cTn id="77" dur="1000"/>
+                                        <p:tgtEl>
+                                          <p:spTgt spid="47"/>
                                         </p:tgtEl>
                                       </p:cBhvr>
                                     </p:animEffect>
                                     <p:anim calcmode="lin" valueType="num">
                                       <p:cBhvr>
-                                        <p:cTn id="88" dur="1000" fill="hold"/>
-                                        <p:tgtEl>
-                                          <p:spTgt spid="44"/>
+                                        <p:cTn id="78" dur="1000" fill="hold"/>
+                                        <p:tgtEl>
+                                          <p:spTgt spid="47"/>
                                         </p:tgtEl>
                                         <p:attrNameLst>
                                           <p:attrName>ppt_x</p:attrName>
@@ -29131,9 +28821,9 @@
                                     </p:anim>
                                     <p:anim calcmode="lin" valueType="num">
                                       <p:cBhvr>
-                                        <p:cTn id="89" dur="1000" fill="hold"/>
-                                        <p:tgtEl>
-                                          <p:spTgt spid="44"/>
+                                        <p:cTn id="79" dur="1000" fill="hold"/>
+                                        <p:tgtEl>
+                                          <p:spTgt spid="47"/>
                                         </p:tgtEl>
                                         <p:attrNameLst>
                                           <p:attrName>ppt_y</p:attrName>
@@ -29156,20 +28846,20 @@
                                 </p:cTn>
                               </p:par>
                               <p:par>
-                                <p:cTn id="90" presetID="42" presetClass="entr" presetSubtype="0" fill="hold" grpId="0" nodeType="withEffect">
+                                <p:cTn id="80" presetID="42" presetClass="entr" presetSubtype="0" fill="hold" grpId="0" nodeType="withEffect">
                                   <p:stCondLst>
                                     <p:cond delay="0"/>
                                   </p:stCondLst>
                                   <p:childTnLst>
                                     <p:set>
                                       <p:cBhvr>
-                                        <p:cTn id="91" dur="1" fill="hold">
+                                        <p:cTn id="81" dur="1" fill="hold">
                                           <p:stCondLst>
                                             <p:cond delay="0"/>
                                           </p:stCondLst>
                                         </p:cTn>
                                         <p:tgtEl>
-                                          <p:spTgt spid="47"/>
+                                          <p:spTgt spid="56"/>
                                         </p:tgtEl>
                                         <p:attrNameLst>
                                           <p:attrName>style.visibility</p:attrName>
@@ -29181,17 +28871,17 @@
                                     </p:set>
                                     <p:animEffect transition="in" filter="fade">
                                       <p:cBhvr>
-                                        <p:cTn id="92" dur="1000"/>
-                                        <p:tgtEl>
-                                          <p:spTgt spid="47"/>
+                                        <p:cTn id="82" dur="1000"/>
+                                        <p:tgtEl>
+                                          <p:spTgt spid="56"/>
                                         </p:tgtEl>
                                       </p:cBhvr>
                                     </p:animEffect>
                                     <p:anim calcmode="lin" valueType="num">
                                       <p:cBhvr>
-                                        <p:cTn id="93" dur="1000" fill="hold"/>
-                                        <p:tgtEl>
-                                          <p:spTgt spid="47"/>
+                                        <p:cTn id="83" dur="1000" fill="hold"/>
+                                        <p:tgtEl>
+                                          <p:spTgt spid="56"/>
                                         </p:tgtEl>
                                         <p:attrNameLst>
                                           <p:attrName>ppt_x</p:attrName>
@@ -29212,9 +28902,9 @@
                                     </p:anim>
                                     <p:anim calcmode="lin" valueType="num">
                                       <p:cBhvr>
-                                        <p:cTn id="94" dur="1000" fill="hold"/>
-                                        <p:tgtEl>
-                                          <p:spTgt spid="47"/>
+                                        <p:cTn id="84" dur="1000" fill="hold"/>
+                                        <p:tgtEl>
+                                          <p:spTgt spid="56"/>
                                         </p:tgtEl>
                                         <p:attrNameLst>
                                           <p:attrName>ppt_y</p:attrName>
@@ -29237,20 +28927,20 @@
                                 </p:cTn>
                               </p:par>
                               <p:par>
-                                <p:cTn id="95" presetID="42" presetClass="entr" presetSubtype="0" fill="hold" grpId="0" nodeType="withEffect">
+                                <p:cTn id="85" presetID="42" presetClass="entr" presetSubtype="0" fill="hold" nodeType="withEffect">
                                   <p:stCondLst>
                                     <p:cond delay="0"/>
                                   </p:stCondLst>
                                   <p:childTnLst>
                                     <p:set>
                                       <p:cBhvr>
-                                        <p:cTn id="96" dur="1" fill="hold">
+                                        <p:cTn id="86" dur="1" fill="hold">
                                           <p:stCondLst>
                                             <p:cond delay="0"/>
                                           </p:stCondLst>
                                         </p:cTn>
                                         <p:tgtEl>
-                                          <p:spTgt spid="56"/>
+                                          <p:spTgt spid="39"/>
                                         </p:tgtEl>
                                         <p:attrNameLst>
                                           <p:attrName>style.visibility</p:attrName>
@@ -29262,17 +28952,17 @@
                                     </p:set>
                                     <p:animEffect transition="in" filter="fade">
                                       <p:cBhvr>
-                                        <p:cTn id="97" dur="1000"/>
-                                        <p:tgtEl>
-                                          <p:spTgt spid="56"/>
+                                        <p:cTn id="87" dur="1000"/>
+                                        <p:tgtEl>
+                                          <p:spTgt spid="39"/>
                                         </p:tgtEl>
                                       </p:cBhvr>
                                     </p:animEffect>
                                     <p:anim calcmode="lin" valueType="num">
                                       <p:cBhvr>
-                                        <p:cTn id="98" dur="1000" fill="hold"/>
-                                        <p:tgtEl>
-                                          <p:spTgt spid="56"/>
+                                        <p:cTn id="88" dur="1000" fill="hold"/>
+                                        <p:tgtEl>
+                                          <p:spTgt spid="39"/>
                                         </p:tgtEl>
                                         <p:attrNameLst>
                                           <p:attrName>ppt_x</p:attrName>
@@ -29293,90 +28983,9 @@
                                     </p:anim>
                                     <p:anim calcmode="lin" valueType="num">
                                       <p:cBhvr>
-                                        <p:cTn id="99" dur="1000" fill="hold"/>
-                                        <p:tgtEl>
-                                          <p:spTgt spid="56"/>
-                                        </p:tgtEl>
-                                        <p:attrNameLst>
-                                          <p:attrName>ppt_y</p:attrName>
-                                        </p:attrNameLst>
-                                      </p:cBhvr>
-                                      <p:tavLst>
-                                        <p:tav tm="0">
-                                          <p:val>
-                                            <p:strVal val="#ppt_y+.1"/>
-                                          </p:val>
-                                        </p:tav>
-                                        <p:tav tm="100000">
-                                          <p:val>
-                                            <p:strVal val="#ppt_y"/>
-                                          </p:val>
-                                        </p:tav>
-                                      </p:tavLst>
-                                    </p:anim>
-                                  </p:childTnLst>
-                                </p:cTn>
-                              </p:par>
-                              <p:par>
-                                <p:cTn id="100" presetID="42" presetClass="entr" presetSubtype="0" fill="hold" grpId="0" nodeType="withEffect">
-                                  <p:stCondLst>
-                                    <p:cond delay="0"/>
-                                  </p:stCondLst>
-                                  <p:childTnLst>
-                                    <p:set>
-                                      <p:cBhvr>
-                                        <p:cTn id="101" dur="1" fill="hold">
-                                          <p:stCondLst>
-                                            <p:cond delay="0"/>
-                                          </p:stCondLst>
-                                        </p:cTn>
-                                        <p:tgtEl>
-                                          <p:spTgt spid="28"/>
-                                        </p:tgtEl>
-                                        <p:attrNameLst>
-                                          <p:attrName>style.visibility</p:attrName>
-                                        </p:attrNameLst>
-                                      </p:cBhvr>
-                                      <p:to>
-                                        <p:strVal val="visible"/>
-                                      </p:to>
-                                    </p:set>
-                                    <p:animEffect transition="in" filter="fade">
-                                      <p:cBhvr>
-                                        <p:cTn id="102" dur="1000"/>
-                                        <p:tgtEl>
-                                          <p:spTgt spid="28"/>
-                                        </p:tgtEl>
-                                      </p:cBhvr>
-                                    </p:animEffect>
-                                    <p:anim calcmode="lin" valueType="num">
-                                      <p:cBhvr>
-                                        <p:cTn id="103" dur="1000" fill="hold"/>
-                                        <p:tgtEl>
-                                          <p:spTgt spid="28"/>
-                                        </p:tgtEl>
-                                        <p:attrNameLst>
-                                          <p:attrName>ppt_x</p:attrName>
-                                        </p:attrNameLst>
-                                      </p:cBhvr>
-                                      <p:tavLst>
-                                        <p:tav tm="0">
-                                          <p:val>
-                                            <p:strVal val="#ppt_x"/>
-                                          </p:val>
-                                        </p:tav>
-                                        <p:tav tm="100000">
-                                          <p:val>
-                                            <p:strVal val="#ppt_x"/>
-                                          </p:val>
-                                        </p:tav>
-                                      </p:tavLst>
-                                    </p:anim>
-                                    <p:anim calcmode="lin" valueType="num">
-                                      <p:cBhvr>
-                                        <p:cTn id="104" dur="1000" fill="hold"/>
-                                        <p:tgtEl>
-                                          <p:spTgt spid="28"/>
+                                        <p:cTn id="89" dur="1000" fill="hold"/>
+                                        <p:tgtEl>
+                                          <p:spTgt spid="39"/>
                                         </p:tgtEl>
                                         <p:attrNameLst>
                                           <p:attrName>ppt_y</p:attrName>
@@ -29405,32 +29014,32 @@
                     </p:cTn>
                   </p:par>
                   <p:par>
-                    <p:cTn id="105" fill="hold">
+                    <p:cTn id="90" fill="hold">
                       <p:stCondLst>
                         <p:cond delay="indefinite"/>
                       </p:stCondLst>
                       <p:childTnLst>
                         <p:par>
-                          <p:cTn id="106" fill="hold">
+                          <p:cTn id="91" fill="hold">
                             <p:stCondLst>
                               <p:cond delay="0"/>
                             </p:stCondLst>
                             <p:childTnLst>
                               <p:par>
-                                <p:cTn id="107" presetID="42" presetClass="entr" presetSubtype="0" fill="hold" nodeType="clickEffect">
+                                <p:cTn id="92" presetID="42" presetClass="entr" presetSubtype="0" fill="hold" nodeType="clickEffect">
                                   <p:stCondLst>
                                     <p:cond delay="0"/>
                                   </p:stCondLst>
                                   <p:childTnLst>
                                     <p:set>
                                       <p:cBhvr>
-                                        <p:cTn id="108" dur="1" fill="hold">
+                                        <p:cTn id="93" dur="1" fill="hold">
                                           <p:stCondLst>
                                             <p:cond delay="0"/>
                                           </p:stCondLst>
                                         </p:cTn>
                                         <p:tgtEl>
-                                          <p:spTgt spid="40"/>
+                                          <p:spTgt spid="41"/>
                                         </p:tgtEl>
                                         <p:attrNameLst>
                                           <p:attrName>style.visibility</p:attrName>
@@ -29442,17 +29051,17 @@
                                     </p:set>
                                     <p:animEffect transition="in" filter="fade">
                                       <p:cBhvr>
-                                        <p:cTn id="109" dur="1000"/>
-                                        <p:tgtEl>
-                                          <p:spTgt spid="40"/>
+                                        <p:cTn id="94" dur="1000"/>
+                                        <p:tgtEl>
+                                          <p:spTgt spid="41"/>
                                         </p:tgtEl>
                                       </p:cBhvr>
                                     </p:animEffect>
                                     <p:anim calcmode="lin" valueType="num">
                                       <p:cBhvr>
-                                        <p:cTn id="110" dur="1000" fill="hold"/>
-                                        <p:tgtEl>
-                                          <p:spTgt spid="40"/>
+                                        <p:cTn id="95" dur="1000" fill="hold"/>
+                                        <p:tgtEl>
+                                          <p:spTgt spid="41"/>
                                         </p:tgtEl>
                                         <p:attrNameLst>
                                           <p:attrName>ppt_x</p:attrName>
@@ -29473,9 +29082,9 @@
                                     </p:anim>
                                     <p:anim calcmode="lin" valueType="num">
                                       <p:cBhvr>
-                                        <p:cTn id="111" dur="1000" fill="hold"/>
-                                        <p:tgtEl>
-                                          <p:spTgt spid="40"/>
+                                        <p:cTn id="96" dur="1000" fill="hold"/>
+                                        <p:tgtEl>
+                                          <p:spTgt spid="41"/>
                                         </p:tgtEl>
                                         <p:attrNameLst>
                                           <p:attrName>ppt_y</p:attrName>
@@ -29498,14 +29107,14 @@
                                 </p:cTn>
                               </p:par>
                               <p:par>
-                                <p:cTn id="112" presetID="42" presetClass="entr" presetSubtype="0" fill="hold" grpId="0" nodeType="withEffect">
+                                <p:cTn id="97" presetID="42" presetClass="entr" presetSubtype="0" fill="hold" grpId="0" nodeType="withEffect">
                                   <p:stCondLst>
                                     <p:cond delay="0"/>
                                   </p:stCondLst>
                                   <p:childTnLst>
                                     <p:set>
                                       <p:cBhvr>
-                                        <p:cTn id="113" dur="1" fill="hold">
+                                        <p:cTn id="98" dur="1" fill="hold">
                                           <p:stCondLst>
                                             <p:cond delay="0"/>
                                           </p:stCondLst>
@@ -29523,7 +29132,7 @@
                                     </p:set>
                                     <p:animEffect transition="in" filter="fade">
                                       <p:cBhvr>
-                                        <p:cTn id="114" dur="1000"/>
+                                        <p:cTn id="99" dur="1000"/>
                                         <p:tgtEl>
                                           <p:spTgt spid="48"/>
                                         </p:tgtEl>
@@ -29531,7 +29140,7 @@
                                     </p:animEffect>
                                     <p:anim calcmode="lin" valueType="num">
                                       <p:cBhvr>
-                                        <p:cTn id="115" dur="1000" fill="hold"/>
+                                        <p:cTn id="100" dur="1000" fill="hold"/>
                                         <p:tgtEl>
                                           <p:spTgt spid="48"/>
                                         </p:tgtEl>
@@ -29554,7 +29163,7 @@
                                     </p:anim>
                                     <p:anim calcmode="lin" valueType="num">
                                       <p:cBhvr>
-                                        <p:cTn id="116" dur="1000" fill="hold"/>
+                                        <p:cTn id="101" dur="1000" fill="hold"/>
                                         <p:tgtEl>
                                           <p:spTgt spid="48"/>
                                         </p:tgtEl>
@@ -29579,14 +29188,14 @@
                                 </p:cTn>
                               </p:par>
                               <p:par>
-                                <p:cTn id="117" presetID="42" presetClass="entr" presetSubtype="0" fill="hold" grpId="0" nodeType="withEffect">
+                                <p:cTn id="102" presetID="42" presetClass="entr" presetSubtype="0" fill="hold" grpId="0" nodeType="withEffect">
                                   <p:stCondLst>
                                     <p:cond delay="0"/>
                                   </p:stCondLst>
                                   <p:childTnLst>
                                     <p:set>
                                       <p:cBhvr>
-                                        <p:cTn id="118" dur="1" fill="hold">
+                                        <p:cTn id="103" dur="1" fill="hold">
                                           <p:stCondLst>
                                             <p:cond delay="0"/>
                                           </p:stCondLst>
@@ -29604,7 +29213,7 @@
                                     </p:set>
                                     <p:animEffect transition="in" filter="fade">
                                       <p:cBhvr>
-                                        <p:cTn id="119" dur="1000"/>
+                                        <p:cTn id="104" dur="1000"/>
                                         <p:tgtEl>
                                           <p:spTgt spid="58"/>
                                         </p:tgtEl>
@@ -29612,7 +29221,7 @@
                                     </p:animEffect>
                                     <p:anim calcmode="lin" valueType="num">
                                       <p:cBhvr>
-                                        <p:cTn id="120" dur="1000" fill="hold"/>
+                                        <p:cTn id="105" dur="1000" fill="hold"/>
                                         <p:tgtEl>
                                           <p:spTgt spid="58"/>
                                         </p:tgtEl>
@@ -29635,90 +29244,9 @@
                                     </p:anim>
                                     <p:anim calcmode="lin" valueType="num">
                                       <p:cBhvr>
-                                        <p:cTn id="121" dur="1000" fill="hold"/>
+                                        <p:cTn id="106" dur="1000" fill="hold"/>
                                         <p:tgtEl>
                                           <p:spTgt spid="58"/>
-                                        </p:tgtEl>
-                                        <p:attrNameLst>
-                                          <p:attrName>ppt_y</p:attrName>
-                                        </p:attrNameLst>
-                                      </p:cBhvr>
-                                      <p:tavLst>
-                                        <p:tav tm="0">
-                                          <p:val>
-                                            <p:strVal val="#ppt_y+.1"/>
-                                          </p:val>
-                                        </p:tav>
-                                        <p:tav tm="100000">
-                                          <p:val>
-                                            <p:strVal val="#ppt_y"/>
-                                          </p:val>
-                                        </p:tav>
-                                      </p:tavLst>
-                                    </p:anim>
-                                  </p:childTnLst>
-                                </p:cTn>
-                              </p:par>
-                              <p:par>
-                                <p:cTn id="122" presetID="42" presetClass="entr" presetSubtype="0" fill="hold" grpId="0" nodeType="withEffect">
-                                  <p:stCondLst>
-                                    <p:cond delay="0"/>
-                                  </p:stCondLst>
-                                  <p:childTnLst>
-                                    <p:set>
-                                      <p:cBhvr>
-                                        <p:cTn id="123" dur="1" fill="hold">
-                                          <p:stCondLst>
-                                            <p:cond delay="0"/>
-                                          </p:stCondLst>
-                                        </p:cTn>
-                                        <p:tgtEl>
-                                          <p:spTgt spid="29"/>
-                                        </p:tgtEl>
-                                        <p:attrNameLst>
-                                          <p:attrName>style.visibility</p:attrName>
-                                        </p:attrNameLst>
-                                      </p:cBhvr>
-                                      <p:to>
-                                        <p:strVal val="visible"/>
-                                      </p:to>
-                                    </p:set>
-                                    <p:animEffect transition="in" filter="fade">
-                                      <p:cBhvr>
-                                        <p:cTn id="124" dur="1000"/>
-                                        <p:tgtEl>
-                                          <p:spTgt spid="29"/>
-                                        </p:tgtEl>
-                                      </p:cBhvr>
-                                    </p:animEffect>
-                                    <p:anim calcmode="lin" valueType="num">
-                                      <p:cBhvr>
-                                        <p:cTn id="125" dur="1000" fill="hold"/>
-                                        <p:tgtEl>
-                                          <p:spTgt spid="29"/>
-                                        </p:tgtEl>
-                                        <p:attrNameLst>
-                                          <p:attrName>ppt_x</p:attrName>
-                                        </p:attrNameLst>
-                                      </p:cBhvr>
-                                      <p:tavLst>
-                                        <p:tav tm="0">
-                                          <p:val>
-                                            <p:strVal val="#ppt_x"/>
-                                          </p:val>
-                                        </p:tav>
-                                        <p:tav tm="100000">
-                                          <p:val>
-                                            <p:strVal val="#ppt_x"/>
-                                          </p:val>
-                                        </p:tav>
-                                      </p:tavLst>
-                                    </p:anim>
-                                    <p:anim calcmode="lin" valueType="num">
-                                      <p:cBhvr>
-                                        <p:cTn id="126" dur="1000" fill="hold"/>
-                                        <p:tgtEl>
-                                          <p:spTgt spid="29"/>
                                         </p:tgtEl>
                                         <p:attrNameLst>
                                           <p:attrName>ppt_y</p:attrName>
@@ -29747,26 +29275,26 @@
                     </p:cTn>
                   </p:par>
                   <p:par>
-                    <p:cTn id="127" fill="hold">
+                    <p:cTn id="107" fill="hold">
                       <p:stCondLst>
                         <p:cond delay="indefinite"/>
                       </p:stCondLst>
                       <p:childTnLst>
                         <p:par>
-                          <p:cTn id="128" fill="hold">
+                          <p:cTn id="108" fill="hold">
                             <p:stCondLst>
                               <p:cond delay="0"/>
                             </p:stCondLst>
                             <p:childTnLst>
                               <p:par>
-                                <p:cTn id="129" presetID="42" presetClass="entr" presetSubtype="0" fill="hold" nodeType="clickEffect">
+                                <p:cTn id="109" presetID="42" presetClass="entr" presetSubtype="0" fill="hold" nodeType="clickEffect">
                                   <p:stCondLst>
                                     <p:cond delay="0"/>
                                   </p:stCondLst>
                                   <p:childTnLst>
                                     <p:set>
                                       <p:cBhvr>
-                                        <p:cTn id="130" dur="1" fill="hold">
+                                        <p:cTn id="110" dur="1" fill="hold">
                                           <p:stCondLst>
                                             <p:cond delay="0"/>
                                           </p:stCondLst>
@@ -29784,7 +29312,7 @@
                                     </p:set>
                                     <p:animEffect transition="in" filter="fade">
                                       <p:cBhvr>
-                                        <p:cTn id="131" dur="1000"/>
+                                        <p:cTn id="111" dur="1000"/>
                                         <p:tgtEl>
                                           <p:spTgt spid="9"/>
                                         </p:tgtEl>
@@ -29792,7 +29320,7 @@
                                     </p:animEffect>
                                     <p:anim calcmode="lin" valueType="num">
                                       <p:cBhvr>
-                                        <p:cTn id="132" dur="1000" fill="hold"/>
+                                        <p:cTn id="112" dur="1000" fill="hold"/>
                                         <p:tgtEl>
                                           <p:spTgt spid="9"/>
                                         </p:tgtEl>
@@ -29815,7 +29343,7 @@
                                     </p:anim>
                                     <p:anim calcmode="lin" valueType="num">
                                       <p:cBhvr>
-                                        <p:cTn id="133" dur="1000" fill="hold"/>
+                                        <p:cTn id="113" dur="1000" fill="hold"/>
                                         <p:tgtEl>
                                           <p:spTgt spid="9"/>
                                         </p:tgtEl>
@@ -29867,22 +29395,18 @@
       </p:par>
     </p:tnLst>
     <p:bldLst>
+      <p:bldP spid="46" grpId="0"/>
+      <p:bldP spid="59" grpId="0" animBg="1"/>
+      <p:bldP spid="53" grpId="0" animBg="1"/>
+      <p:bldP spid="33" grpId="0"/>
       <p:bldP spid="32" grpId="0"/>
-      <p:bldP spid="33" grpId="0"/>
       <p:bldP spid="38" grpId="0" animBg="1"/>
-      <p:bldP spid="46" grpId="0"/>
+      <p:bldP spid="55" grpId="0" animBg="1"/>
       <p:bldP spid="47" grpId="0"/>
+      <p:bldP spid="58" grpId="0" animBg="1"/>
       <p:bldP spid="48" grpId="0"/>
-      <p:bldP spid="53" grpId="0" animBg="1"/>
-      <p:bldP spid="55" grpId="0" animBg="1"/>
       <p:bldP spid="56" grpId="0" animBg="1"/>
-      <p:bldP spid="58" grpId="0" animBg="1"/>
-      <p:bldP spid="59" grpId="0" animBg="1"/>
-      <p:bldP spid="2" grpId="0" animBg="1"/>
-      <p:bldP spid="26" grpId="0" animBg="1"/>
-      <p:bldP spid="27" grpId="0" animBg="1"/>
-      <p:bldP spid="28" grpId="0" animBg="1"/>
-      <p:bldP spid="29" grpId="0" animBg="1"/>
+      <p:bldP spid="36" grpId="0" animBg="1"/>
     </p:bldLst>
   </p:timing>
 </p:sld>
@@ -32944,15 +32468,7 @@
               </a:pPr>
               <a:r>
                 <a:rPr lang="en-US" sz="2100" dirty="0"/>
-                <a:t>Tableau, Python,  </a:t>
-              </a:r>
-              <a:r>
-                <a:rPr lang="en-US" sz="2100" dirty="0" err="1"/>
-                <a:t>Sckit</a:t>
-              </a:r>
-              <a:r>
-                <a:rPr lang="en-US" sz="2100" dirty="0"/>
-                <a:t> Learn, Tensorflow/</a:t>
+                <a:t>Tableau, Python,  Scikit Learn, Tensorflow/</a:t>
               </a:r>
               <a:r>
                 <a:rPr lang="en-US" sz="2100" dirty="0" err="1"/>
@@ -34952,11 +34468,17 @@
             <a:avLst/>
           </a:prstGeom>
           <a:solidFill>
-            <a:schemeClr val="accent1"/>
+            <a:schemeClr val="accent1">
+              <a:lumMod val="20000"/>
+              <a:lumOff val="80000"/>
+            </a:schemeClr>
           </a:solidFill>
           <a:ln w="12700">
             <a:solidFill>
-              <a:schemeClr val="tx1"/>
+              <a:schemeClr val="accent1">
+                <a:lumMod val="40000"/>
+                <a:lumOff val="60000"/>
+              </a:schemeClr>
             </a:solidFill>
           </a:ln>
         </p:spPr>
@@ -37760,14 +37282,61 @@
         </p:blipFill>
         <p:spPr>
           <a:xfrm>
-            <a:off x="2691055" y="897671"/>
-            <a:ext cx="2276871" cy="3490896"/>
+            <a:off x="2680109" y="897671"/>
+            <a:ext cx="2287818" cy="3490896"/>
           </a:xfrm>
           <a:prstGeom prst="rect">
             <a:avLst/>
           </a:prstGeom>
         </p:spPr>
       </p:pic>
+      <p:cxnSp>
+        <p:nvCxnSpPr>
+          <p:cNvPr id="7" name="Straight Arrow Connector 6">
+            <a:extLst>
+              <a:ext uri="{FF2B5EF4-FFF2-40B4-BE49-F238E27FC236}">
+                <a16:creationId xmlns:a16="http://schemas.microsoft.com/office/drawing/2014/main" id="{F4411BAA-B42D-9A5C-A998-BEC9CDC4BA97}"/>
+              </a:ext>
+            </a:extLst>
+          </p:cNvPr>
+          <p:cNvCxnSpPr>
+            <a:cxnSpLocks/>
+            <a:stCxn id="5" idx="2"/>
+          </p:cNvCxnSpPr>
+          <p:nvPr/>
+        </p:nvCxnSpPr>
+        <p:spPr>
+          <a:xfrm>
+            <a:off x="3824018" y="4388567"/>
+            <a:ext cx="506442" cy="778656"/>
+          </a:xfrm>
+          <a:prstGeom prst="straightConnector1">
+            <a:avLst/>
+          </a:prstGeom>
+          <a:ln w="38100">
+            <a:solidFill>
+              <a:srgbClr val="FF0000"/>
+            </a:solidFill>
+            <a:prstDash val="sysDot"/>
+            <a:headEnd type="stealth" w="lg" len="med"/>
+            <a:tailEnd type="stealth" w="lg" len="med"/>
+          </a:ln>
+        </p:spPr>
+        <p:style>
+          <a:lnRef idx="1">
+            <a:schemeClr val="accent1"/>
+          </a:lnRef>
+          <a:fillRef idx="0">
+            <a:schemeClr val="accent1"/>
+          </a:fillRef>
+          <a:effectRef idx="0">
+            <a:schemeClr val="accent1"/>
+          </a:effectRef>
+          <a:fontRef idx="minor">
+            <a:schemeClr val="tx1"/>
+          </a:fontRef>
+        </p:style>
+      </p:cxnSp>
     </p:spTree>
     <p:extLst>
       <p:ext uri="{BB962C8B-B14F-4D97-AF65-F5344CB8AC3E}">
@@ -37812,7 +37381,7 @@
                                           </p:stCondLst>
                                         </p:cTn>
                                         <p:tgtEl>
-                                          <p:spTgt spid="20"/>
+                                          <p:spTgt spid="9"/>
                                         </p:tgtEl>
                                         <p:attrNameLst>
                                           <p:attrName>style.visibility</p:attrName>
@@ -37826,7 +37395,7 @@
                                       <p:cBhvr>
                                         <p:cTn id="7" dur="1000"/>
                                         <p:tgtEl>
-                                          <p:spTgt spid="20"/>
+                                          <p:spTgt spid="9"/>
                                         </p:tgtEl>
                                       </p:cBhvr>
                                     </p:animEffect>
@@ -37834,7 +37403,7 @@
                                       <p:cBhvr>
                                         <p:cTn id="8" dur="1000" fill="hold"/>
                                         <p:tgtEl>
-                                          <p:spTgt spid="20"/>
+                                          <p:spTgt spid="9"/>
                                         </p:tgtEl>
                                         <p:attrNameLst>
                                           <p:attrName>ppt_x</p:attrName>
@@ -37857,88 +37426,7 @@
                                       <p:cBhvr>
                                         <p:cTn id="9" dur="1000" fill="hold"/>
                                         <p:tgtEl>
-                                          <p:spTgt spid="20"/>
-                                        </p:tgtEl>
-                                        <p:attrNameLst>
-                                          <p:attrName>ppt_y</p:attrName>
-                                        </p:attrNameLst>
-                                      </p:cBhvr>
-                                      <p:tavLst>
-                                        <p:tav tm="0">
-                                          <p:val>
-                                            <p:strVal val="#ppt_y+.1"/>
-                                          </p:val>
-                                        </p:tav>
-                                        <p:tav tm="100000">
-                                          <p:val>
-                                            <p:strVal val="#ppt_y"/>
-                                          </p:val>
-                                        </p:tav>
-                                      </p:tavLst>
-                                    </p:anim>
-                                  </p:childTnLst>
-                                </p:cTn>
-                              </p:par>
-                              <p:par>
-                                <p:cTn id="10" presetID="42" presetClass="entr" presetSubtype="0" fill="hold" nodeType="withEffect">
-                                  <p:stCondLst>
-                                    <p:cond delay="0"/>
-                                  </p:stCondLst>
-                                  <p:childTnLst>
-                                    <p:set>
-                                      <p:cBhvr>
-                                        <p:cTn id="11" dur="1" fill="hold">
-                                          <p:stCondLst>
-                                            <p:cond delay="0"/>
-                                          </p:stCondLst>
-                                        </p:cTn>
-                                        <p:tgtEl>
-                                          <p:spTgt spid="21"/>
-                                        </p:tgtEl>
-                                        <p:attrNameLst>
-                                          <p:attrName>style.visibility</p:attrName>
-                                        </p:attrNameLst>
-                                      </p:cBhvr>
-                                      <p:to>
-                                        <p:strVal val="visible"/>
-                                      </p:to>
-                                    </p:set>
-                                    <p:animEffect transition="in" filter="fade">
-                                      <p:cBhvr>
-                                        <p:cTn id="12" dur="1000"/>
-                                        <p:tgtEl>
-                                          <p:spTgt spid="21"/>
-                                        </p:tgtEl>
-                                      </p:cBhvr>
-                                    </p:animEffect>
-                                    <p:anim calcmode="lin" valueType="num">
-                                      <p:cBhvr>
-                                        <p:cTn id="13" dur="1000" fill="hold"/>
-                                        <p:tgtEl>
-                                          <p:spTgt spid="21"/>
-                                        </p:tgtEl>
-                                        <p:attrNameLst>
-                                          <p:attrName>ppt_x</p:attrName>
-                                        </p:attrNameLst>
-                                      </p:cBhvr>
-                                      <p:tavLst>
-                                        <p:tav tm="0">
-                                          <p:val>
-                                            <p:strVal val="#ppt_x"/>
-                                          </p:val>
-                                        </p:tav>
-                                        <p:tav tm="100000">
-                                          <p:val>
-                                            <p:strVal val="#ppt_x"/>
-                                          </p:val>
-                                        </p:tav>
-                                      </p:tavLst>
-                                    </p:anim>
-                                    <p:anim calcmode="lin" valueType="num">
-                                      <p:cBhvr>
-                                        <p:cTn id="14" dur="1000" fill="hold"/>
-                                        <p:tgtEl>
-                                          <p:spTgt spid="21"/>
+                                          <p:spTgt spid="9"/>
                                         </p:tgtEl>
                                         <p:attrNameLst>
                                           <p:attrName>ppt_y</p:attrName>
@@ -37967,32 +37455,113 @@
                     </p:cTn>
                   </p:par>
                   <p:par>
-                    <p:cTn id="15" fill="hold">
+                    <p:cTn id="10" fill="hold">
                       <p:stCondLst>
                         <p:cond delay="indefinite"/>
                       </p:stCondLst>
                       <p:childTnLst>
                         <p:par>
-                          <p:cTn id="16" fill="hold">
+                          <p:cTn id="11" fill="hold">
                             <p:stCondLst>
                               <p:cond delay="0"/>
                             </p:stCondLst>
                             <p:childTnLst>
                               <p:par>
-                                <p:cTn id="17" presetID="42" presetClass="entr" presetSubtype="0" fill="hold" nodeType="clickEffect">
+                                <p:cTn id="12" presetID="42" presetClass="entr" presetSubtype="0" fill="hold" nodeType="clickEffect">
                                   <p:stCondLst>
                                     <p:cond delay="0"/>
                                   </p:stCondLst>
                                   <p:childTnLst>
                                     <p:set>
                                       <p:cBhvr>
+                                        <p:cTn id="13" dur="1" fill="hold">
+                                          <p:stCondLst>
+                                            <p:cond delay="0"/>
+                                          </p:stCondLst>
+                                        </p:cTn>
+                                        <p:tgtEl>
+                                          <p:spTgt spid="14"/>
+                                        </p:tgtEl>
+                                        <p:attrNameLst>
+                                          <p:attrName>style.visibility</p:attrName>
+                                        </p:attrNameLst>
+                                      </p:cBhvr>
+                                      <p:to>
+                                        <p:strVal val="visible"/>
+                                      </p:to>
+                                    </p:set>
+                                    <p:animEffect transition="in" filter="fade">
+                                      <p:cBhvr>
+                                        <p:cTn id="14" dur="1000"/>
+                                        <p:tgtEl>
+                                          <p:spTgt spid="14"/>
+                                        </p:tgtEl>
+                                      </p:cBhvr>
+                                    </p:animEffect>
+                                    <p:anim calcmode="lin" valueType="num">
+                                      <p:cBhvr>
+                                        <p:cTn id="15" dur="1000" fill="hold"/>
+                                        <p:tgtEl>
+                                          <p:spTgt spid="14"/>
+                                        </p:tgtEl>
+                                        <p:attrNameLst>
+                                          <p:attrName>ppt_x</p:attrName>
+                                        </p:attrNameLst>
+                                      </p:cBhvr>
+                                      <p:tavLst>
+                                        <p:tav tm="0">
+                                          <p:val>
+                                            <p:strVal val="#ppt_x"/>
+                                          </p:val>
+                                        </p:tav>
+                                        <p:tav tm="100000">
+                                          <p:val>
+                                            <p:strVal val="#ppt_x"/>
+                                          </p:val>
+                                        </p:tav>
+                                      </p:tavLst>
+                                    </p:anim>
+                                    <p:anim calcmode="lin" valueType="num">
+                                      <p:cBhvr>
+                                        <p:cTn id="16" dur="1000" fill="hold"/>
+                                        <p:tgtEl>
+                                          <p:spTgt spid="14"/>
+                                        </p:tgtEl>
+                                        <p:attrNameLst>
+                                          <p:attrName>ppt_y</p:attrName>
+                                        </p:attrNameLst>
+                                      </p:cBhvr>
+                                      <p:tavLst>
+                                        <p:tav tm="0">
+                                          <p:val>
+                                            <p:strVal val="#ppt_y+.1"/>
+                                          </p:val>
+                                        </p:tav>
+                                        <p:tav tm="100000">
+                                          <p:val>
+                                            <p:strVal val="#ppt_y"/>
+                                          </p:val>
+                                        </p:tav>
+                                      </p:tavLst>
+                                    </p:anim>
+                                  </p:childTnLst>
+                                </p:cTn>
+                              </p:par>
+                              <p:par>
+                                <p:cTn id="17" presetID="42" presetClass="entr" presetSubtype="0" fill="hold" nodeType="withEffect">
+                                  <p:stCondLst>
+                                    <p:cond delay="0"/>
+                                  </p:stCondLst>
+                                  <p:childTnLst>
+                                    <p:set>
+                                      <p:cBhvr>
                                         <p:cTn id="18" dur="1" fill="hold">
                                           <p:stCondLst>
                                             <p:cond delay="0"/>
                                           </p:stCondLst>
                                         </p:cTn>
                                         <p:tgtEl>
-                                          <p:spTgt spid="9"/>
+                                          <p:spTgt spid="13"/>
                                         </p:tgtEl>
                                         <p:attrNameLst>
                                           <p:attrName>style.visibility</p:attrName>
@@ -38006,7 +37575,7 @@
                                       <p:cBhvr>
                                         <p:cTn id="19" dur="1000"/>
                                         <p:tgtEl>
-                                          <p:spTgt spid="9"/>
+                                          <p:spTgt spid="13"/>
                                         </p:tgtEl>
                                       </p:cBhvr>
                                     </p:animEffect>
@@ -38014,7 +37583,7 @@
                                       <p:cBhvr>
                                         <p:cTn id="20" dur="1000" fill="hold"/>
                                         <p:tgtEl>
-                                          <p:spTgt spid="9"/>
+                                          <p:spTgt spid="13"/>
                                         </p:tgtEl>
                                         <p:attrNameLst>
                                           <p:attrName>ppt_x</p:attrName>
@@ -38037,7 +37606,7 @@
                                       <p:cBhvr>
                                         <p:cTn id="21" dur="1000" fill="hold"/>
                                         <p:tgtEl>
-                                          <p:spTgt spid="9"/>
+                                          <p:spTgt spid="13"/>
                                         </p:tgtEl>
                                         <p:attrNameLst>
                                           <p:attrName>ppt_y</p:attrName>
@@ -38073,7 +37642,7 @@
                                           </p:stCondLst>
                                         </p:cTn>
                                         <p:tgtEl>
-                                          <p:spTgt spid="18"/>
+                                          <p:spTgt spid="8"/>
                                         </p:tgtEl>
                                         <p:attrNameLst>
                                           <p:attrName>style.visibility</p:attrName>
@@ -38087,7 +37656,7 @@
                                       <p:cBhvr>
                                         <p:cTn id="24" dur="1000"/>
                                         <p:tgtEl>
-                                          <p:spTgt spid="18"/>
+                                          <p:spTgt spid="8"/>
                                         </p:tgtEl>
                                       </p:cBhvr>
                                     </p:animEffect>
@@ -38095,7 +37664,7 @@
                                       <p:cBhvr>
                                         <p:cTn id="25" dur="1000" fill="hold"/>
                                         <p:tgtEl>
-                                          <p:spTgt spid="18"/>
+                                          <p:spTgt spid="8"/>
                                         </p:tgtEl>
                                         <p:attrNameLst>
                                           <p:attrName>ppt_x</p:attrName>
@@ -38118,7 +37687,7 @@
                                       <p:cBhvr>
                                         <p:cTn id="26" dur="1000" fill="hold"/>
                                         <p:tgtEl>
-                                          <p:spTgt spid="18"/>
+                                          <p:spTgt spid="8"/>
                                         </p:tgtEl>
                                         <p:attrNameLst>
                                           <p:attrName>ppt_y</p:attrName>
@@ -38154,7 +37723,7 @@
                                           </p:stCondLst>
                                         </p:cTn>
                                         <p:tgtEl>
-                                          <p:spTgt spid="14"/>
+                                          <p:spTgt spid="12"/>
                                         </p:tgtEl>
                                         <p:attrNameLst>
                                           <p:attrName>style.visibility</p:attrName>
@@ -38168,7 +37737,7 @@
                                       <p:cBhvr>
                                         <p:cTn id="29" dur="1000"/>
                                         <p:tgtEl>
-                                          <p:spTgt spid="14"/>
+                                          <p:spTgt spid="12"/>
                                         </p:tgtEl>
                                       </p:cBhvr>
                                     </p:animEffect>
@@ -38176,7 +37745,7 @@
                                       <p:cBhvr>
                                         <p:cTn id="30" dur="1000" fill="hold"/>
                                         <p:tgtEl>
-                                          <p:spTgt spid="14"/>
+                                          <p:spTgt spid="12"/>
                                         </p:tgtEl>
                                         <p:attrNameLst>
                                           <p:attrName>ppt_x</p:attrName>
@@ -38199,7 +37768,7 @@
                                       <p:cBhvr>
                                         <p:cTn id="31" dur="1000" fill="hold"/>
                                         <p:tgtEl>
-                                          <p:spTgt spid="14"/>
+                                          <p:spTgt spid="12"/>
                                         </p:tgtEl>
                                         <p:attrNameLst>
                                           <p:attrName>ppt_y</p:attrName>
@@ -38235,7 +37804,7 @@
                                           </p:stCondLst>
                                         </p:cTn>
                                         <p:tgtEl>
-                                          <p:spTgt spid="13"/>
+                                          <p:spTgt spid="21"/>
                                         </p:tgtEl>
                                         <p:attrNameLst>
                                           <p:attrName>style.visibility</p:attrName>
@@ -38249,7 +37818,7 @@
                                       <p:cBhvr>
                                         <p:cTn id="34" dur="1000"/>
                                         <p:tgtEl>
-                                          <p:spTgt spid="13"/>
+                                          <p:spTgt spid="21"/>
                                         </p:tgtEl>
                                       </p:cBhvr>
                                     </p:animEffect>
@@ -38257,7 +37826,7 @@
                                       <p:cBhvr>
                                         <p:cTn id="35" dur="1000" fill="hold"/>
                                         <p:tgtEl>
-                                          <p:spTgt spid="13"/>
+                                          <p:spTgt spid="21"/>
                                         </p:tgtEl>
                                         <p:attrNameLst>
                                           <p:attrName>ppt_x</p:attrName>
@@ -38280,7 +37849,7 @@
                                       <p:cBhvr>
                                         <p:cTn id="36" dur="1000" fill="hold"/>
                                         <p:tgtEl>
-                                          <p:spTgt spid="13"/>
+                                          <p:spTgt spid="21"/>
                                         </p:tgtEl>
                                         <p:attrNameLst>
                                           <p:attrName>ppt_y</p:attrName>
@@ -38316,7 +37885,7 @@
                                           </p:stCondLst>
                                         </p:cTn>
                                         <p:tgtEl>
-                                          <p:spTgt spid="19"/>
+                                          <p:spTgt spid="17"/>
                                         </p:tgtEl>
                                         <p:attrNameLst>
                                           <p:attrName>style.visibility</p:attrName>
@@ -38330,7 +37899,7 @@
                                       <p:cBhvr>
                                         <p:cTn id="39" dur="1000"/>
                                         <p:tgtEl>
-                                          <p:spTgt spid="19"/>
+                                          <p:spTgt spid="17"/>
                                         </p:tgtEl>
                                       </p:cBhvr>
                                     </p:animEffect>
@@ -38338,7 +37907,7 @@
                                       <p:cBhvr>
                                         <p:cTn id="40" dur="1000" fill="hold"/>
                                         <p:tgtEl>
-                                          <p:spTgt spid="19"/>
+                                          <p:spTgt spid="17"/>
                                         </p:tgtEl>
                                         <p:attrNameLst>
                                           <p:attrName>ppt_x</p:attrName>
@@ -38361,7 +37930,7 @@
                                       <p:cBhvr>
                                         <p:cTn id="41" dur="1000" fill="hold"/>
                                         <p:tgtEl>
-                                          <p:spTgt spid="19"/>
+                                          <p:spTgt spid="17"/>
                                         </p:tgtEl>
                                         <p:attrNameLst>
                                           <p:attrName>ppt_y</p:attrName>
@@ -38397,7 +37966,7 @@
                                           </p:stCondLst>
                                         </p:cTn>
                                         <p:tgtEl>
-                                          <p:spTgt spid="8"/>
+                                          <p:spTgt spid="20"/>
                                         </p:tgtEl>
                                         <p:attrNameLst>
                                           <p:attrName>style.visibility</p:attrName>
@@ -38411,7 +37980,7 @@
                                       <p:cBhvr>
                                         <p:cTn id="44" dur="1000"/>
                                         <p:tgtEl>
-                                          <p:spTgt spid="8"/>
+                                          <p:spTgt spid="20"/>
                                         </p:tgtEl>
                                       </p:cBhvr>
                                     </p:animEffect>
@@ -38419,7 +37988,7 @@
                                       <p:cBhvr>
                                         <p:cTn id="45" dur="1000" fill="hold"/>
                                         <p:tgtEl>
-                                          <p:spTgt spid="8"/>
+                                          <p:spTgt spid="20"/>
                                         </p:tgtEl>
                                         <p:attrNameLst>
                                           <p:attrName>ppt_x</p:attrName>
@@ -38442,7 +38011,7 @@
                                       <p:cBhvr>
                                         <p:cTn id="46" dur="1000" fill="hold"/>
                                         <p:tgtEl>
-                                          <p:spTgt spid="8"/>
+                                          <p:spTgt spid="20"/>
                                         </p:tgtEl>
                                         <p:attrNameLst>
                                           <p:attrName>ppt_y</p:attrName>
@@ -38478,7 +38047,7 @@
                                           </p:stCondLst>
                                         </p:cTn>
                                         <p:tgtEl>
-                                          <p:spTgt spid="12"/>
+                                          <p:spTgt spid="19"/>
                                         </p:tgtEl>
                                         <p:attrNameLst>
                                           <p:attrName>style.visibility</p:attrName>
@@ -38492,7 +38061,7 @@
                                       <p:cBhvr>
                                         <p:cTn id="49" dur="1000"/>
                                         <p:tgtEl>
-                                          <p:spTgt spid="12"/>
+                                          <p:spTgt spid="19"/>
                                         </p:tgtEl>
                                       </p:cBhvr>
                                     </p:animEffect>
@@ -38500,7 +38069,7 @@
                                       <p:cBhvr>
                                         <p:cTn id="50" dur="1000" fill="hold"/>
                                         <p:tgtEl>
-                                          <p:spTgt spid="12"/>
+                                          <p:spTgt spid="19"/>
                                         </p:tgtEl>
                                         <p:attrNameLst>
                                           <p:attrName>ppt_x</p:attrName>
@@ -38523,7 +38092,7 @@
                                       <p:cBhvr>
                                         <p:cTn id="51" dur="1000" fill="hold"/>
                                         <p:tgtEl>
-                                          <p:spTgt spid="12"/>
+                                          <p:spTgt spid="19"/>
                                         </p:tgtEl>
                                         <p:attrNameLst>
                                           <p:attrName>ppt_y</p:attrName>
@@ -38559,7 +38128,7 @@
                                           </p:stCondLst>
                                         </p:cTn>
                                         <p:tgtEl>
-                                          <p:spTgt spid="17"/>
+                                          <p:spTgt spid="18"/>
                                         </p:tgtEl>
                                         <p:attrNameLst>
                                           <p:attrName>style.visibility</p:attrName>
@@ -38573,7 +38142,7 @@
                                       <p:cBhvr>
                                         <p:cTn id="54" dur="1000"/>
                                         <p:tgtEl>
-                                          <p:spTgt spid="17"/>
+                                          <p:spTgt spid="18"/>
                                         </p:tgtEl>
                                       </p:cBhvr>
                                     </p:animEffect>
@@ -38581,7 +38150,7 @@
                                       <p:cBhvr>
                                         <p:cTn id="55" dur="1000" fill="hold"/>
                                         <p:tgtEl>
-                                          <p:spTgt spid="17"/>
+                                          <p:spTgt spid="18"/>
                                         </p:tgtEl>
                                         <p:attrNameLst>
                                           <p:attrName>ppt_x</p:attrName>
@@ -38604,7 +38173,7 @@
                                       <p:cBhvr>
                                         <p:cTn id="56" dur="1000" fill="hold"/>
                                         <p:tgtEl>
-                                          <p:spTgt spid="17"/>
+                                          <p:spTgt spid="18"/>
                                         </p:tgtEl>
                                         <p:attrNameLst>
                                           <p:attrName>ppt_y</p:attrName>
@@ -38824,15 +38393,33 @@
                                   </p:childTnLst>
                                 </p:cTn>
                               </p:par>
+                            </p:childTnLst>
+                          </p:cTn>
+                        </p:par>
+                      </p:childTnLst>
+                    </p:cTn>
+                  </p:par>
+                  <p:par>
+                    <p:cTn id="71" fill="hold">
+                      <p:stCondLst>
+                        <p:cond delay="indefinite"/>
+                      </p:stCondLst>
+                      <p:childTnLst>
+                        <p:par>
+                          <p:cTn id="72" fill="hold">
+                            <p:stCondLst>
+                              <p:cond delay="0"/>
+                            </p:stCondLst>
+                            <p:childTnLst>
                               <p:par>
-                                <p:cTn id="71" presetID="42" presetClass="entr" presetSubtype="0" fill="hold" nodeType="withEffect">
+                                <p:cTn id="73" presetID="42" presetClass="entr" presetSubtype="0" fill="hold" nodeType="clickEffect">
                                   <p:stCondLst>
                                     <p:cond delay="0"/>
                                   </p:stCondLst>
                                   <p:childTnLst>
                                     <p:set>
                                       <p:cBhvr>
-                                        <p:cTn id="72" dur="1" fill="hold">
+                                        <p:cTn id="74" dur="1" fill="hold">
                                           <p:stCondLst>
                                             <p:cond delay="0"/>
                                           </p:stCondLst>
@@ -38850,7 +38437,7 @@
                                     </p:set>
                                     <p:animEffect transition="in" filter="fade">
                                       <p:cBhvr>
-                                        <p:cTn id="73" dur="1000"/>
+                                        <p:cTn id="75" dur="1000"/>
                                         <p:tgtEl>
                                           <p:spTgt spid="22"/>
                                         </p:tgtEl>
@@ -38858,7 +38445,7 @@
                                     </p:animEffect>
                                     <p:anim calcmode="lin" valueType="num">
                                       <p:cBhvr>
-                                        <p:cTn id="74" dur="1000" fill="hold"/>
+                                        <p:cTn id="76" dur="1000" fill="hold"/>
                                         <p:tgtEl>
                                           <p:spTgt spid="22"/>
                                         </p:tgtEl>
@@ -38881,9 +38468,108 @@
                                     </p:anim>
                                     <p:anim calcmode="lin" valueType="num">
                                       <p:cBhvr>
-                                        <p:cTn id="75" dur="1000" fill="hold"/>
+                                        <p:cTn id="77" dur="1000" fill="hold"/>
                                         <p:tgtEl>
                                           <p:spTgt spid="22"/>
+                                        </p:tgtEl>
+                                        <p:attrNameLst>
+                                          <p:attrName>ppt_y</p:attrName>
+                                        </p:attrNameLst>
+                                      </p:cBhvr>
+                                      <p:tavLst>
+                                        <p:tav tm="0">
+                                          <p:val>
+                                            <p:strVal val="#ppt_y+.1"/>
+                                          </p:val>
+                                        </p:tav>
+                                        <p:tav tm="100000">
+                                          <p:val>
+                                            <p:strVal val="#ppt_y"/>
+                                          </p:val>
+                                        </p:tav>
+                                      </p:tavLst>
+                                    </p:anim>
+                                  </p:childTnLst>
+                                </p:cTn>
+                              </p:par>
+                            </p:childTnLst>
+                          </p:cTn>
+                        </p:par>
+                      </p:childTnLst>
+                    </p:cTn>
+                  </p:par>
+                  <p:par>
+                    <p:cTn id="78" fill="hold">
+                      <p:stCondLst>
+                        <p:cond delay="indefinite"/>
+                      </p:stCondLst>
+                      <p:childTnLst>
+                        <p:par>
+                          <p:cTn id="79" fill="hold">
+                            <p:stCondLst>
+                              <p:cond delay="0"/>
+                            </p:stCondLst>
+                            <p:childTnLst>
+                              <p:par>
+                                <p:cTn id="80" presetID="42" presetClass="entr" presetSubtype="0" fill="hold" nodeType="clickEffect">
+                                  <p:stCondLst>
+                                    <p:cond delay="0"/>
+                                  </p:stCondLst>
+                                  <p:childTnLst>
+                                    <p:set>
+                                      <p:cBhvr>
+                                        <p:cTn id="81" dur="1" fill="hold">
+                                          <p:stCondLst>
+                                            <p:cond delay="0"/>
+                                          </p:stCondLst>
+                                        </p:cTn>
+                                        <p:tgtEl>
+                                          <p:spTgt spid="7"/>
+                                        </p:tgtEl>
+                                        <p:attrNameLst>
+                                          <p:attrName>style.visibility</p:attrName>
+                                        </p:attrNameLst>
+                                      </p:cBhvr>
+                                      <p:to>
+                                        <p:strVal val="visible"/>
+                                      </p:to>
+                                    </p:set>
+                                    <p:animEffect transition="in" filter="fade">
+                                      <p:cBhvr>
+                                        <p:cTn id="82" dur="1000"/>
+                                        <p:tgtEl>
+                                          <p:spTgt spid="7"/>
+                                        </p:tgtEl>
+                                      </p:cBhvr>
+                                    </p:animEffect>
+                                    <p:anim calcmode="lin" valueType="num">
+                                      <p:cBhvr>
+                                        <p:cTn id="83" dur="1000" fill="hold"/>
+                                        <p:tgtEl>
+                                          <p:spTgt spid="7"/>
+                                        </p:tgtEl>
+                                        <p:attrNameLst>
+                                          <p:attrName>ppt_x</p:attrName>
+                                        </p:attrNameLst>
+                                      </p:cBhvr>
+                                      <p:tavLst>
+                                        <p:tav tm="0">
+                                          <p:val>
+                                            <p:strVal val="#ppt_x"/>
+                                          </p:val>
+                                        </p:tav>
+                                        <p:tav tm="100000">
+                                          <p:val>
+                                            <p:strVal val="#ppt_x"/>
+                                          </p:val>
+                                        </p:tav>
+                                      </p:tavLst>
+                                    </p:anim>
+                                    <p:anim calcmode="lin" valueType="num">
+                                      <p:cBhvr>
+                                        <p:cTn id="84" dur="1000" fill="hold"/>
+                                        <p:tgtEl>
+                                          <p:spTgt spid="7"/>
                                         </p:tgtEl>
                                         <p:attrNameLst>
                                           <p:attrName>ppt_y</p:attrName>
@@ -40019,7 +39705,7 @@
         </p:nvSpPr>
         <p:spPr>
           <a:xfrm>
-            <a:off x="8404245" y="1894788"/>
+            <a:off x="8283475" y="1995422"/>
             <a:ext cx="1277084" cy="307777"/>
           </a:xfrm>
           <a:prstGeom prst="rect">
@@ -41532,6 +41218,58 @@
           </a:extLst>
         </p:spPr>
       </p:pic>
+      <p:sp>
+        <p:nvSpPr>
+          <p:cNvPr id="2" name="TextBox 1">
+            <a:extLst>
+              <a:ext uri="{FF2B5EF4-FFF2-40B4-BE49-F238E27FC236}">
+                <a16:creationId xmlns:a16="http://schemas.microsoft.com/office/drawing/2014/main" id="{D99E3221-AE02-905D-8B44-016304BA745E}"/>
+              </a:ext>
+            </a:extLst>
+          </p:cNvPr>
+          <p:cNvSpPr txBox="1"/>
+          <p:nvPr/>
+        </p:nvSpPr>
+        <p:spPr>
+          <a:xfrm>
+            <a:off x="1346540" y="4945535"/>
+            <a:ext cx="1179870" cy="276999"/>
+          </a:xfrm>
+          <a:prstGeom prst="rect">
+            <a:avLst/>
+          </a:prstGeom>
+          <a:solidFill>
+            <a:schemeClr val="accent1">
+              <a:lumMod val="40000"/>
+              <a:lumOff val="60000"/>
+            </a:schemeClr>
+          </a:solidFill>
+          <a:ln>
+            <a:solidFill>
+              <a:schemeClr val="tx1"/>
+            </a:solidFill>
+          </a:ln>
+          <a:effectLst>
+            <a:outerShdw blurRad="50800" dist="38100" dir="2700000" algn="tl" rotWithShape="0">
+              <a:prstClr val="black">
+                <a:alpha val="40000"/>
+              </a:prstClr>
+            </a:outerShdw>
+          </a:effectLst>
+        </p:spPr>
+        <p:txBody>
+          <a:bodyPr wrap="square" rtlCol="0">
+            <a:spAutoFit/>
+          </a:bodyPr>
+          <a:lstStyle/>
+          <a:p>
+            <a:r>
+              <a:rPr lang="en-US" sz="1200" dirty="0"/>
+              <a:t>&lt;50% Explained</a:t>
+            </a:r>
+          </a:p>
+        </p:txBody>
+      </p:sp>
     </p:spTree>
     <p:extLst>
       <p:ext uri="{BB962C8B-B14F-4D97-AF65-F5344CB8AC3E}">
@@ -41959,7 +41697,7 @@
                             </p:stCondLst>
                             <p:childTnLst>
                               <p:par>
-                                <p:cTn id="33" presetID="42" presetClass="entr" presetSubtype="0" fill="hold" nodeType="clickEffect">
+                                <p:cTn id="33" presetID="42" presetClass="entr" presetSubtype="0" fill="hold" grpId="0" nodeType="clickEffect">
                                   <p:stCondLst>
                                     <p:cond delay="0"/>
                                   </p:stCondLst>
@@ -41972,7 +41710,7 @@
                                           </p:stCondLst>
                                         </p:cTn>
                                         <p:tgtEl>
-                                          <p:spTgt spid="15"/>
+                                          <p:spTgt spid="2"/>
                                         </p:tgtEl>
                                         <p:attrNameLst>
                                           <p:attrName>style.visibility</p:attrName>
@@ -41986,7 +41724,7 @@
                                       <p:cBhvr>
                                         <p:cTn id="35" dur="1000"/>
                                         <p:tgtEl>
-                                          <p:spTgt spid="15"/>
+                                          <p:spTgt spid="2"/>
                                         </p:tgtEl>
                                       </p:cBhvr>
                                     </p:animEffect>
@@ -41994,7 +41732,7 @@
                                       <p:cBhvr>
                                         <p:cTn id="36" dur="1000" fill="hold"/>
                                         <p:tgtEl>
-                                          <p:spTgt spid="15"/>
+                                          <p:spTgt spid="2"/>
                                         </p:tgtEl>
                                         <p:attrNameLst>
                                           <p:attrName>ppt_x</p:attrName>
@@ -42016,6 +41754,105 @@
                                     <p:anim calcmode="lin" valueType="num">
                                       <p:cBhvr>
                                         <p:cTn id="37" dur="1000" fill="hold"/>
+                                        <p:tgtEl>
+                                          <p:spTgt spid="2"/>
+                                        </p:tgtEl>
+                                        <p:attrNameLst>
+                                          <p:attrName>ppt_y</p:attrName>
+                                        </p:attrNameLst>
+                                      </p:cBhvr>
+                                      <p:tavLst>
+                                        <p:tav tm="0">
+                                          <p:val>
+                                            <p:strVal val="#ppt_y+.1"/>
+                                          </p:val>
+                                        </p:tav>
+                                        <p:tav tm="100000">
+                                          <p:val>
+                                            <p:strVal val="#ppt_y"/>
+                                          </p:val>
+                                        </p:tav>
+                                      </p:tavLst>
+                                    </p:anim>
+                                  </p:childTnLst>
+                                </p:cTn>
+                              </p:par>
+                            </p:childTnLst>
+                          </p:cTn>
+                        </p:par>
+                      </p:childTnLst>
+                    </p:cTn>
+                  </p:par>
+                  <p:par>
+                    <p:cTn id="38" fill="hold">
+                      <p:stCondLst>
+                        <p:cond delay="indefinite"/>
+                      </p:stCondLst>
+                      <p:childTnLst>
+                        <p:par>
+                          <p:cTn id="39" fill="hold">
+                            <p:stCondLst>
+                              <p:cond delay="0"/>
+                            </p:stCondLst>
+                            <p:childTnLst>
+                              <p:par>
+                                <p:cTn id="40" presetID="42" presetClass="entr" presetSubtype="0" fill="hold" nodeType="clickEffect">
+                                  <p:stCondLst>
+                                    <p:cond delay="0"/>
+                                  </p:stCondLst>
+                                  <p:childTnLst>
+                                    <p:set>
+                                      <p:cBhvr>
+                                        <p:cTn id="41" dur="1" fill="hold">
+                                          <p:stCondLst>
+                                            <p:cond delay="0"/>
+                                          </p:stCondLst>
+                                        </p:cTn>
+                                        <p:tgtEl>
+                                          <p:spTgt spid="15"/>
+                                        </p:tgtEl>
+                                        <p:attrNameLst>
+                                          <p:attrName>style.visibility</p:attrName>
+                                        </p:attrNameLst>
+                                      </p:cBhvr>
+                                      <p:to>
+                                        <p:strVal val="visible"/>
+                                      </p:to>
+                                    </p:set>
+                                    <p:animEffect transition="in" filter="fade">
+                                      <p:cBhvr>
+                                        <p:cTn id="42" dur="1000"/>
+                                        <p:tgtEl>
+                                          <p:spTgt spid="15"/>
+                                        </p:tgtEl>
+                                      </p:cBhvr>
+                                    </p:animEffect>
+                                    <p:anim calcmode="lin" valueType="num">
+                                      <p:cBhvr>
+                                        <p:cTn id="43" dur="1000" fill="hold"/>
+                                        <p:tgtEl>
+                                          <p:spTgt spid="15"/>
+                                        </p:tgtEl>
+                                        <p:attrNameLst>
+                                          <p:attrName>ppt_x</p:attrName>
+                                        </p:attrNameLst>
+                                      </p:cBhvr>
+                                      <p:tavLst>
+                                        <p:tav tm="0">
+                                          <p:val>
+                                            <p:strVal val="#ppt_x"/>
+                                          </p:val>
+                                        </p:tav>
+                                        <p:tav tm="100000">
+                                          <p:val>
+                                            <p:strVal val="#ppt_x"/>
+                                          </p:val>
+                                        </p:tav>
+                                      </p:tavLst>
+                                    </p:anim>
+                                    <p:anim calcmode="lin" valueType="num">
+                                      <p:cBhvr>
+                                        <p:cTn id="44" dur="1000" fill="hold"/>
                                         <p:tgtEl>
                                           <p:spTgt spid="15"/>
                                         </p:tgtEl>
@@ -42066,6 +41903,9 @@
         </p:cTn>
       </p:par>
     </p:tnLst>
+    <p:bldLst>
+      <p:bldP spid="2" grpId="0" animBg="1"/>
+    </p:bldLst>
   </p:timing>
 </p:sld>
 </file>

--- a/Ram_Rao_Final_Practicum.pptx
+++ b/Ram_Rao_Final_Practicum.pptx
@@ -26186,8 +26186,8 @@
         </p:blipFill>
         <p:spPr>
           <a:xfrm>
-            <a:off x="5601636" y="23425"/>
-            <a:ext cx="4536569" cy="1998687"/>
+            <a:off x="5641676" y="23425"/>
+            <a:ext cx="4496530" cy="1998687"/>
           </a:xfrm>
           <a:prstGeom prst="rect">
             <a:avLst/>
@@ -26498,7 +26498,7 @@
         </p:nvSpPr>
         <p:spPr>
           <a:xfrm>
-            <a:off x="8603350" y="819462"/>
+            <a:off x="8836498" y="1041890"/>
             <a:ext cx="1484952" cy="276999"/>
           </a:xfrm>
           <a:prstGeom prst="rect">
@@ -27501,7 +27501,7 @@
         </p:nvSpPr>
         <p:spPr>
           <a:xfrm>
-            <a:off x="8715246" y="5291235"/>
+            <a:off x="8758487" y="5192232"/>
             <a:ext cx="1484952" cy="276999"/>
           </a:xfrm>
           <a:prstGeom prst="rect">

--- a/Ram_Rao_Final_Practicum.pptx
+++ b/Ram_Rao_Final_Practicum.pptx
@@ -26186,8 +26186,8 @@
         </p:blipFill>
         <p:spPr>
           <a:xfrm>
-            <a:off x="5641676" y="23425"/>
-            <a:ext cx="4496530" cy="1998687"/>
+            <a:off x="5666082" y="23425"/>
+            <a:ext cx="4400049" cy="1998687"/>
           </a:xfrm>
           <a:prstGeom prst="rect">
             <a:avLst/>
@@ -26612,8 +26612,8 @@
         </p:nvGrpSpPr>
         <p:grpSpPr>
           <a:xfrm>
-            <a:off x="10101627" y="29990"/>
-            <a:ext cx="2080228" cy="1538622"/>
+            <a:off x="10041147" y="29990"/>
+            <a:ext cx="2140708" cy="1538622"/>
             <a:chOff x="0" y="143317"/>
             <a:chExt cx="3474720" cy="1479574"/>
           </a:xfrm>

--- a/Ram_Rao_Final_Practicum.pptx
+++ b/Ram_Rao_Final_Practicum.pptx
@@ -131,6 +131,759 @@
     </p:ext>
   </p:extLst>
 </p:presentation>
+</file>
+
+<file path=ppt/charts/chart1.xml><?xml version="1.0" encoding="utf-8"?>
+<c:chartSpace xmlns:c="http://schemas.openxmlformats.org/drawingml/2006/chart" xmlns:a="http://schemas.openxmlformats.org/drawingml/2006/main" xmlns:r="http://schemas.openxmlformats.org/officeDocument/2006/relationships" xmlns:c16r2="http://schemas.microsoft.com/office/drawing/2015/06/chart">
+  <c:date1904 val="0"/>
+  <c:lang val="en-US"/>
+  <c:roundedCorners val="0"/>
+  <mc:AlternateContent xmlns:mc="http://schemas.openxmlformats.org/markup-compatibility/2006">
+    <mc:Choice xmlns:c14="http://schemas.microsoft.com/office/drawing/2007/8/2/chart" Requires="c14">
+      <c14:style val="102"/>
+    </mc:Choice>
+    <mc:Fallback>
+      <c:style val="2"/>
+    </mc:Fallback>
+  </mc:AlternateContent>
+  <c:chart>
+    <c:autoTitleDeleted val="1"/>
+    <c:plotArea>
+      <c:layout>
+        <c:manualLayout>
+          <c:layoutTarget val="inner"/>
+          <c:xMode val="edge"/>
+          <c:yMode val="edge"/>
+          <c:x val="0.13734867098453826"/>
+          <c:y val="0.10047203516831288"/>
+          <c:w val="0.72530265803092342"/>
+          <c:h val="0.6673148166297509"/>
+        </c:manualLayout>
+      </c:layout>
+      <c:scatterChart>
+        <c:scatterStyle val="smoothMarker"/>
+        <c:varyColors val="0"/>
+        <c:ser>
+          <c:idx val="3"/>
+          <c:order val="0"/>
+          <c:tx>
+            <c:strRef>
+              <c:f>spread!$E$15</c:f>
+              <c:strCache>
+                <c:ptCount val="1"/>
+                <c:pt idx="0">
+                  <c:v>RMSE</c:v>
+                </c:pt>
+              </c:strCache>
+            </c:strRef>
+          </c:tx>
+          <c:marker>
+            <c:symbol val="triangle"/>
+            <c:size val="6"/>
+          </c:marker>
+          <c:xVal>
+            <c:numRef>
+              <c:f>spread!$D$16:$D$21</c:f>
+              <c:numCache>
+                <c:formatCode>General</c:formatCode>
+                <c:ptCount val="6"/>
+                <c:pt idx="0">
+                  <c:v>72</c:v>
+                </c:pt>
+                <c:pt idx="1">
+                  <c:v>20</c:v>
+                </c:pt>
+                <c:pt idx="2">
+                  <c:v>10</c:v>
+                </c:pt>
+                <c:pt idx="3">
+                  <c:v>6</c:v>
+                </c:pt>
+                <c:pt idx="4">
+                  <c:v>4</c:v>
+                </c:pt>
+                <c:pt idx="5">
+                  <c:v>2</c:v>
+                </c:pt>
+              </c:numCache>
+            </c:numRef>
+          </c:xVal>
+          <c:yVal>
+            <c:numRef>
+              <c:f>spread!$E$16:$E$21</c:f>
+              <c:numCache>
+                <c:formatCode>General</c:formatCode>
+                <c:ptCount val="6"/>
+                <c:pt idx="0">
+                  <c:v>0.16300000000000001</c:v>
+                </c:pt>
+                <c:pt idx="1">
+                  <c:v>0.14399999999999999</c:v>
+                </c:pt>
+                <c:pt idx="2">
+                  <c:v>0.14599999999999999</c:v>
+                </c:pt>
+                <c:pt idx="3">
+                  <c:v>0.17599999999999999</c:v>
+                </c:pt>
+                <c:pt idx="4">
+                  <c:v>0.252</c:v>
+                </c:pt>
+                <c:pt idx="5">
+                  <c:v>0.29599999999999999</c:v>
+                </c:pt>
+              </c:numCache>
+            </c:numRef>
+          </c:yVal>
+          <c:smooth val="1"/>
+          <c:extLst>
+            <c:ext xmlns:c16="http://schemas.microsoft.com/office/drawing/2014/chart" uri="{C3380CC4-5D6E-409C-BE32-E72D297353CC}">
+              <c16:uniqueId val="{00000000-22A3-4F0C-89D9-B28AF94EB74A}"/>
+            </c:ext>
+          </c:extLst>
+        </c:ser>
+        <c:dLbls>
+          <c:showLegendKey val="0"/>
+          <c:showVal val="0"/>
+          <c:showCatName val="0"/>
+          <c:showSerName val="0"/>
+          <c:showPercent val="0"/>
+          <c:showBubbleSize val="0"/>
+        </c:dLbls>
+        <c:axId val="1910399968"/>
+        <c:axId val="1910406624"/>
+      </c:scatterChart>
+      <c:scatterChart>
+        <c:scatterStyle val="smoothMarker"/>
+        <c:varyColors val="0"/>
+        <c:ser>
+          <c:idx val="0"/>
+          <c:order val="1"/>
+          <c:tx>
+            <c:strRef>
+              <c:f>spread!$F$15</c:f>
+              <c:strCache>
+                <c:ptCount val="1"/>
+                <c:pt idx="0">
+                  <c:v>Precision</c:v>
+                </c:pt>
+              </c:strCache>
+            </c:strRef>
+          </c:tx>
+          <c:spPr>
+            <a:ln w="19050" cap="rnd">
+              <a:solidFill>
+                <a:schemeClr val="accent1"/>
+              </a:solidFill>
+              <a:round/>
+            </a:ln>
+            <a:effectLst/>
+          </c:spPr>
+          <c:marker>
+            <c:symbol val="circle"/>
+            <c:size val="6"/>
+            <c:spPr>
+              <a:solidFill>
+                <a:schemeClr val="accent1"/>
+              </a:solidFill>
+              <a:ln w="9525">
+                <a:solidFill>
+                  <a:schemeClr val="accent1"/>
+                </a:solidFill>
+              </a:ln>
+              <a:effectLst/>
+            </c:spPr>
+          </c:marker>
+          <c:xVal>
+            <c:numRef>
+              <c:f>spread!$D$16:$D$21</c:f>
+              <c:numCache>
+                <c:formatCode>General</c:formatCode>
+                <c:ptCount val="6"/>
+                <c:pt idx="0">
+                  <c:v>72</c:v>
+                </c:pt>
+                <c:pt idx="1">
+                  <c:v>20</c:v>
+                </c:pt>
+                <c:pt idx="2">
+                  <c:v>10</c:v>
+                </c:pt>
+                <c:pt idx="3">
+                  <c:v>6</c:v>
+                </c:pt>
+                <c:pt idx="4">
+                  <c:v>4</c:v>
+                </c:pt>
+                <c:pt idx="5">
+                  <c:v>2</c:v>
+                </c:pt>
+              </c:numCache>
+            </c:numRef>
+          </c:xVal>
+          <c:yVal>
+            <c:numRef>
+              <c:f>spread!$F$16:$F$21</c:f>
+              <c:numCache>
+                <c:formatCode>General</c:formatCode>
+                <c:ptCount val="6"/>
+                <c:pt idx="0">
+                  <c:v>0.97599999999999998</c:v>
+                </c:pt>
+                <c:pt idx="1">
+                  <c:v>0.98099999999999998</c:v>
+                </c:pt>
+                <c:pt idx="2">
+                  <c:v>0.98199999999999998</c:v>
+                </c:pt>
+                <c:pt idx="3">
+                  <c:v>0.96899999999999997</c:v>
+                </c:pt>
+                <c:pt idx="4">
+                  <c:v>0.93600000000000005</c:v>
+                </c:pt>
+                <c:pt idx="5">
+                  <c:v>0.92100000000000004</c:v>
+                </c:pt>
+              </c:numCache>
+            </c:numRef>
+          </c:yVal>
+          <c:smooth val="1"/>
+          <c:extLst>
+            <c:ext xmlns:c16="http://schemas.microsoft.com/office/drawing/2014/chart" uri="{C3380CC4-5D6E-409C-BE32-E72D297353CC}">
+              <c16:uniqueId val="{00000001-22A3-4F0C-89D9-B28AF94EB74A}"/>
+            </c:ext>
+          </c:extLst>
+        </c:ser>
+        <c:ser>
+          <c:idx val="1"/>
+          <c:order val="2"/>
+          <c:tx>
+            <c:strRef>
+              <c:f>spread!$G$15</c:f>
+              <c:strCache>
+                <c:ptCount val="1"/>
+                <c:pt idx="0">
+                  <c:v>Recall</c:v>
+                </c:pt>
+              </c:strCache>
+            </c:strRef>
+          </c:tx>
+          <c:spPr>
+            <a:ln w="19050" cap="rnd">
+              <a:solidFill>
+                <a:schemeClr val="accent2"/>
+              </a:solidFill>
+              <a:round/>
+            </a:ln>
+            <a:effectLst/>
+          </c:spPr>
+          <c:marker>
+            <c:symbol val="circle"/>
+            <c:size val="6"/>
+            <c:spPr>
+              <a:solidFill>
+                <a:schemeClr val="accent2"/>
+              </a:solidFill>
+              <a:ln w="9525">
+                <a:solidFill>
+                  <a:schemeClr val="accent2"/>
+                </a:solidFill>
+              </a:ln>
+              <a:effectLst/>
+            </c:spPr>
+          </c:marker>
+          <c:xVal>
+            <c:numRef>
+              <c:f>spread!$D$16:$D$21</c:f>
+              <c:numCache>
+                <c:formatCode>General</c:formatCode>
+                <c:ptCount val="6"/>
+                <c:pt idx="0">
+                  <c:v>72</c:v>
+                </c:pt>
+                <c:pt idx="1">
+                  <c:v>20</c:v>
+                </c:pt>
+                <c:pt idx="2">
+                  <c:v>10</c:v>
+                </c:pt>
+                <c:pt idx="3">
+                  <c:v>6</c:v>
+                </c:pt>
+                <c:pt idx="4">
+                  <c:v>4</c:v>
+                </c:pt>
+                <c:pt idx="5">
+                  <c:v>2</c:v>
+                </c:pt>
+              </c:numCache>
+            </c:numRef>
+          </c:xVal>
+          <c:yVal>
+            <c:numRef>
+              <c:f>spread!$G$16:$G$21</c:f>
+              <c:numCache>
+                <c:formatCode>General</c:formatCode>
+                <c:ptCount val="6"/>
+                <c:pt idx="0">
+                  <c:v>0.94399999999999995</c:v>
+                </c:pt>
+                <c:pt idx="1">
+                  <c:v>0.96</c:v>
+                </c:pt>
+                <c:pt idx="2">
+                  <c:v>0.95599999999999996</c:v>
+                </c:pt>
+                <c:pt idx="3">
+                  <c:v>0.94899999999999995</c:v>
+                </c:pt>
+                <c:pt idx="4">
+                  <c:v>0.879</c:v>
+                </c:pt>
+                <c:pt idx="5">
+                  <c:v>0.81899999999999995</c:v>
+                </c:pt>
+              </c:numCache>
+            </c:numRef>
+          </c:yVal>
+          <c:smooth val="1"/>
+          <c:extLst>
+            <c:ext xmlns:c16="http://schemas.microsoft.com/office/drawing/2014/chart" uri="{C3380CC4-5D6E-409C-BE32-E72D297353CC}">
+              <c16:uniqueId val="{00000002-22A3-4F0C-89D9-B28AF94EB74A}"/>
+            </c:ext>
+          </c:extLst>
+        </c:ser>
+        <c:ser>
+          <c:idx val="2"/>
+          <c:order val="3"/>
+          <c:tx>
+            <c:strRef>
+              <c:f>spread!$H$15</c:f>
+              <c:strCache>
+                <c:ptCount val="1"/>
+                <c:pt idx="0">
+                  <c:v>Accuracy</c:v>
+                </c:pt>
+              </c:strCache>
+            </c:strRef>
+          </c:tx>
+          <c:spPr>
+            <a:ln w="19050" cap="rnd">
+              <a:solidFill>
+                <a:schemeClr val="accent6">
+                  <a:lumMod val="75000"/>
+                </a:schemeClr>
+              </a:solidFill>
+              <a:round/>
+            </a:ln>
+            <a:effectLst/>
+          </c:spPr>
+          <c:marker>
+            <c:symbol val="circle"/>
+            <c:size val="6"/>
+            <c:spPr>
+              <a:solidFill>
+                <a:schemeClr val="accent6">
+                  <a:lumMod val="75000"/>
+                </a:schemeClr>
+              </a:solidFill>
+              <a:ln w="9525">
+                <a:solidFill>
+                  <a:schemeClr val="accent3"/>
+                </a:solidFill>
+              </a:ln>
+              <a:effectLst/>
+            </c:spPr>
+          </c:marker>
+          <c:dPt>
+            <c:idx val="5"/>
+            <c:marker>
+              <c:spPr>
+                <a:solidFill>
+                  <a:schemeClr val="accent6">
+                    <a:lumMod val="75000"/>
+                  </a:schemeClr>
+                </a:solidFill>
+                <a:ln w="9525">
+                  <a:solidFill>
+                    <a:schemeClr val="accent6">
+                      <a:lumMod val="75000"/>
+                    </a:schemeClr>
+                  </a:solidFill>
+                </a:ln>
+                <a:effectLst/>
+              </c:spPr>
+            </c:marker>
+            <c:bubble3D val="0"/>
+            <c:extLst>
+              <c:ext xmlns:c16="http://schemas.microsoft.com/office/drawing/2014/chart" uri="{C3380CC4-5D6E-409C-BE32-E72D297353CC}">
+                <c16:uniqueId val="{00000003-22A3-4F0C-89D9-B28AF94EB74A}"/>
+              </c:ext>
+            </c:extLst>
+          </c:dPt>
+          <c:xVal>
+            <c:numRef>
+              <c:f>spread!$D$16:$D$21</c:f>
+              <c:numCache>
+                <c:formatCode>General</c:formatCode>
+                <c:ptCount val="6"/>
+                <c:pt idx="0">
+                  <c:v>72</c:v>
+                </c:pt>
+                <c:pt idx="1">
+                  <c:v>20</c:v>
+                </c:pt>
+                <c:pt idx="2">
+                  <c:v>10</c:v>
+                </c:pt>
+                <c:pt idx="3">
+                  <c:v>6</c:v>
+                </c:pt>
+                <c:pt idx="4">
+                  <c:v>4</c:v>
+                </c:pt>
+                <c:pt idx="5">
+                  <c:v>2</c:v>
+                </c:pt>
+              </c:numCache>
+            </c:numRef>
+          </c:xVal>
+          <c:yVal>
+            <c:numRef>
+              <c:f>spread!$H$16:$H$21</c:f>
+              <c:numCache>
+                <c:formatCode>General</c:formatCode>
+                <c:ptCount val="6"/>
+                <c:pt idx="0">
+                  <c:v>0.97199999999999998</c:v>
+                </c:pt>
+                <c:pt idx="1">
+                  <c:v>0.97899999999999998</c:v>
+                </c:pt>
+                <c:pt idx="2">
+                  <c:v>0.97899999999999998</c:v>
+                </c:pt>
+                <c:pt idx="3">
+                  <c:v>0.96899999999999997</c:v>
+                </c:pt>
+                <c:pt idx="4">
+                  <c:v>0.93700000000000006</c:v>
+                </c:pt>
+                <c:pt idx="5">
+                  <c:v>0.91200000000000003</c:v>
+                </c:pt>
+              </c:numCache>
+            </c:numRef>
+          </c:yVal>
+          <c:smooth val="1"/>
+          <c:extLst>
+            <c:ext xmlns:c16="http://schemas.microsoft.com/office/drawing/2014/chart" uri="{C3380CC4-5D6E-409C-BE32-E72D297353CC}">
+              <c16:uniqueId val="{00000004-22A3-4F0C-89D9-B28AF94EB74A}"/>
+            </c:ext>
+          </c:extLst>
+        </c:ser>
+        <c:dLbls>
+          <c:showLegendKey val="0"/>
+          <c:showVal val="0"/>
+          <c:showCatName val="0"/>
+          <c:showSerName val="0"/>
+          <c:showPercent val="0"/>
+          <c:showBubbleSize val="0"/>
+        </c:dLbls>
+        <c:axId val="1907971824"/>
+        <c:axId val="1907976400"/>
+      </c:scatterChart>
+      <c:valAx>
+        <c:axId val="1910399968"/>
+        <c:scaling>
+          <c:orientation val="minMax"/>
+        </c:scaling>
+        <c:delete val="0"/>
+        <c:axPos val="t"/>
+        <c:majorGridlines>
+          <c:spPr>
+            <a:ln w="9525" cap="flat" cmpd="sng" algn="ctr">
+              <a:solidFill>
+                <a:schemeClr val="tx1">
+                  <a:lumMod val="15000"/>
+                  <a:lumOff val="85000"/>
+                </a:schemeClr>
+              </a:solidFill>
+              <a:round/>
+            </a:ln>
+            <a:effectLst/>
+          </c:spPr>
+        </c:majorGridlines>
+        <c:numFmt formatCode="General" sourceLinked="1"/>
+        <c:majorTickMark val="none"/>
+        <c:minorTickMark val="none"/>
+        <c:tickLblPos val="nextTo"/>
+        <c:spPr>
+          <a:noFill/>
+          <a:ln w="9525" cap="flat" cmpd="sng" algn="ctr">
+            <a:solidFill>
+              <a:schemeClr val="tx1"/>
+            </a:solidFill>
+            <a:round/>
+          </a:ln>
+          <a:effectLst/>
+        </c:spPr>
+        <c:txPr>
+          <a:bodyPr rot="-60000000" spcFirstLastPara="1" vertOverflow="ellipsis" vert="horz" wrap="square" anchor="ctr" anchorCtr="1"/>
+          <a:lstStyle/>
+          <a:p>
+            <a:pPr>
+              <a:defRPr sz="900" b="0" i="0" u="none" strike="noStrike" kern="1200" baseline="0">
+                <a:solidFill>
+                  <a:schemeClr val="tx1">
+                    <a:lumMod val="65000"/>
+                    <a:lumOff val="35000"/>
+                  </a:schemeClr>
+                </a:solidFill>
+                <a:latin typeface="+mn-lt"/>
+                <a:ea typeface="+mn-ea"/>
+                <a:cs typeface="+mn-cs"/>
+              </a:defRPr>
+            </a:pPr>
+            <a:endParaRPr lang="en-US"/>
+          </a:p>
+        </c:txPr>
+        <c:crossAx val="1910406624"/>
+        <c:crosses val="autoZero"/>
+        <c:crossBetween val="midCat"/>
+        <c:majorUnit val="10"/>
+        <c:minorUnit val="5"/>
+      </c:valAx>
+      <c:valAx>
+        <c:axId val="1910406624"/>
+        <c:scaling>
+          <c:orientation val="maxMin"/>
+          <c:max val="0.4"/>
+        </c:scaling>
+        <c:delete val="0"/>
+        <c:axPos val="l"/>
+        <c:majorGridlines>
+          <c:spPr>
+            <a:ln w="9525" cap="flat" cmpd="sng" algn="ctr">
+              <a:solidFill>
+                <a:schemeClr val="tx1">
+                  <a:lumMod val="15000"/>
+                  <a:lumOff val="85000"/>
+                </a:schemeClr>
+              </a:solidFill>
+              <a:round/>
+            </a:ln>
+            <a:effectLst/>
+          </c:spPr>
+        </c:majorGridlines>
+        <c:title>
+          <c:tx>
+            <c:rich>
+              <a:bodyPr/>
+              <a:lstStyle/>
+              <a:p>
+                <a:pPr>
+                  <a:defRPr sz="1200" baseline="0"/>
+                </a:pPr>
+                <a:r>
+                  <a:rPr lang="en-US" sz="1100" baseline="0"/>
+                  <a:t>RMSE</a:t>
+                </a:r>
+              </a:p>
+            </c:rich>
+          </c:tx>
+          <c:overlay val="0"/>
+        </c:title>
+        <c:numFmt formatCode="General" sourceLinked="1"/>
+        <c:majorTickMark val="none"/>
+        <c:minorTickMark val="none"/>
+        <c:tickLblPos val="nextTo"/>
+        <c:spPr>
+          <a:noFill/>
+          <a:ln w="9525" cap="flat" cmpd="sng" algn="ctr">
+            <a:solidFill>
+              <a:schemeClr val="tx1"/>
+            </a:solidFill>
+            <a:round/>
+          </a:ln>
+          <a:effectLst/>
+        </c:spPr>
+        <c:txPr>
+          <a:bodyPr rot="-60000000" spcFirstLastPara="1" vertOverflow="ellipsis" vert="horz" wrap="square" anchor="ctr" anchorCtr="1"/>
+          <a:lstStyle/>
+          <a:p>
+            <a:pPr>
+              <a:defRPr sz="900" b="0" i="0" u="none" strike="noStrike" kern="1200" baseline="0">
+                <a:solidFill>
+                  <a:schemeClr val="tx1">
+                    <a:lumMod val="65000"/>
+                    <a:lumOff val="35000"/>
+                  </a:schemeClr>
+                </a:solidFill>
+                <a:latin typeface="+mn-lt"/>
+                <a:ea typeface="+mn-ea"/>
+                <a:cs typeface="+mn-cs"/>
+              </a:defRPr>
+            </a:pPr>
+            <a:endParaRPr lang="en-US"/>
+          </a:p>
+        </c:txPr>
+        <c:crossAx val="1910399968"/>
+        <c:crosses val="autoZero"/>
+        <c:crossBetween val="midCat"/>
+        <c:majorUnit val="0.1"/>
+      </c:valAx>
+      <c:valAx>
+        <c:axId val="1907976400"/>
+        <c:scaling>
+          <c:orientation val="minMax"/>
+          <c:max val="1"/>
+          <c:min val="0.8"/>
+        </c:scaling>
+        <c:delete val="0"/>
+        <c:axPos val="r"/>
+        <c:title>
+          <c:tx>
+            <c:rich>
+              <a:bodyPr/>
+              <a:lstStyle/>
+              <a:p>
+                <a:pPr>
+                  <a:defRPr sz="1100" baseline="0"/>
+                </a:pPr>
+                <a:r>
+                  <a:rPr lang="en-US" sz="1100" baseline="0"/>
+                  <a:t>Precision, Recall, Accuracy</a:t>
+                </a:r>
+              </a:p>
+            </c:rich>
+          </c:tx>
+          <c:overlay val="0"/>
+        </c:title>
+        <c:numFmt formatCode="General" sourceLinked="1"/>
+        <c:majorTickMark val="out"/>
+        <c:minorTickMark val="in"/>
+        <c:tickLblPos val="nextTo"/>
+        <c:spPr>
+          <a:ln>
+            <a:solidFill>
+              <a:schemeClr val="tx1"/>
+            </a:solidFill>
+          </a:ln>
+        </c:spPr>
+        <c:txPr>
+          <a:bodyPr/>
+          <a:lstStyle/>
+          <a:p>
+            <a:pPr>
+              <a:defRPr sz="900" baseline="0"/>
+            </a:pPr>
+            <a:endParaRPr lang="en-US"/>
+          </a:p>
+        </c:txPr>
+        <c:crossAx val="1907971824"/>
+        <c:crosses val="max"/>
+        <c:crossBetween val="midCat"/>
+        <c:majorUnit val="0.1"/>
+        <c:minorUnit val="5.000000000000001E-2"/>
+      </c:valAx>
+      <c:valAx>
+        <c:axId val="1907971824"/>
+        <c:scaling>
+          <c:orientation val="minMax"/>
+        </c:scaling>
+        <c:delete val="1"/>
+        <c:axPos val="b"/>
+        <c:title>
+          <c:tx>
+            <c:rich>
+              <a:bodyPr/>
+              <a:lstStyle/>
+              <a:p>
+                <a:pPr>
+                  <a:defRPr sz="1100" baseline="0"/>
+                </a:pPr>
+                <a:r>
+                  <a:rPr lang="en-US" sz="1100" baseline="0"/>
+                  <a:t>No. of Predictor Features in Model</a:t>
+                </a:r>
+              </a:p>
+            </c:rich>
+          </c:tx>
+          <c:overlay val="0"/>
+        </c:title>
+        <c:numFmt formatCode="General" sourceLinked="1"/>
+        <c:majorTickMark val="out"/>
+        <c:minorTickMark val="none"/>
+        <c:tickLblPos val="nextTo"/>
+        <c:crossAx val="1907976400"/>
+        <c:crosses val="autoZero"/>
+        <c:crossBetween val="midCat"/>
+      </c:valAx>
+      <c:spPr>
+        <a:ln w="12700">
+          <a:solidFill>
+            <a:schemeClr val="tx1"/>
+          </a:solidFill>
+        </a:ln>
+      </c:spPr>
+    </c:plotArea>
+    <c:legend>
+      <c:legendPos val="b"/>
+      <c:overlay val="0"/>
+      <c:spPr>
+        <a:noFill/>
+        <a:ln>
+          <a:noFill/>
+        </a:ln>
+        <a:effectLst/>
+      </c:spPr>
+      <c:txPr>
+        <a:bodyPr rot="0" spcFirstLastPara="1" vertOverflow="ellipsis" vert="horz" wrap="square" anchor="ctr" anchorCtr="1"/>
+        <a:lstStyle/>
+        <a:p>
+          <a:pPr>
+            <a:defRPr sz="900" b="0" i="0" u="none" strike="noStrike" kern="1200" baseline="0">
+              <a:solidFill>
+                <a:schemeClr val="tx1">
+                  <a:lumMod val="65000"/>
+                  <a:lumOff val="35000"/>
+                </a:schemeClr>
+              </a:solidFill>
+              <a:latin typeface="+mn-lt"/>
+              <a:ea typeface="+mn-ea"/>
+              <a:cs typeface="+mn-cs"/>
+            </a:defRPr>
+          </a:pPr>
+          <a:endParaRPr lang="en-US"/>
+        </a:p>
+      </c:txPr>
+    </c:legend>
+    <c:plotVisOnly val="1"/>
+    <c:dispBlanksAs val="gap"/>
+    <c:showDLblsOverMax val="0"/>
+    <c:extLst/>
+  </c:chart>
+  <c:spPr>
+    <a:ln>
+      <a:noFill/>
+    </a:ln>
+  </c:spPr>
+  <c:txPr>
+    <a:bodyPr/>
+    <a:lstStyle/>
+    <a:p>
+      <a:pPr>
+        <a:defRPr/>
+      </a:pPr>
+      <a:endParaRPr lang="en-US"/>
+    </a:p>
+  </c:txPr>
+  <c:externalData r:id="rId1">
+    <c:autoUpdate val="0"/>
+  </c:externalData>
+</c:chartSpace>
 </file>
 
 <file path=ppt/diagrams/colors1.xml><?xml version="1.0" encoding="utf-8"?>
@@ -3364,7 +4117,7 @@
           <a:p>
             <a:fld id="{D41C5BD2-4D8D-4C7C-9FC3-7949CD64F1DB}" type="datetimeFigureOut">
               <a:rPr lang="en-US" smtClean="0"/>
-              <a:t>7/17/2022</a:t>
+              <a:t>7/18/2022</a:t>
             </a:fld>
             <a:endParaRPr lang="en-US"/>
           </a:p>
@@ -3778,7 +4531,7 @@
           <a:p>
             <a:fld id="{4BDF68E2-58F2-4D09-BE8B-E3BD06533059}" type="datetimeFigureOut">
               <a:rPr lang="en-US" smtClean="0"/>
-              <a:t>7/17/2022</a:t>
+              <a:t>7/18/2022</a:t>
             </a:fld>
             <a:endParaRPr lang="en-US" dirty="0"/>
           </a:p>
@@ -4055,7 +4808,7 @@
           <a:p>
             <a:fld id="{2E2D6473-DF6D-4702-B328-E0DD40540A4E}" type="datetimeFigureOut">
               <a:rPr lang="en-US" smtClean="0"/>
-              <a:t>7/17/2022</a:t>
+              <a:t>7/18/2022</a:t>
             </a:fld>
             <a:endParaRPr lang="en-US" dirty="0"/>
           </a:p>
@@ -4264,7 +5017,7 @@
           <a:p>
             <a:fld id="{E26F7E3A-B166-407D-9866-32884E7D5B37}" type="datetimeFigureOut">
               <a:rPr lang="en-US" smtClean="0"/>
-              <a:t>7/17/2022</a:t>
+              <a:t>7/18/2022</a:t>
             </a:fld>
             <a:endParaRPr lang="en-US" dirty="0"/>
           </a:p>
@@ -5691,7 +6444,7 @@
           <a:p>
             <a:fld id="{528FC5F6-F338-4AE4-BB23-26385BCFC423}" type="datetimeFigureOut">
               <a:rPr lang="en-US" smtClean="0"/>
-              <a:t>7/17/2022</a:t>
+              <a:t>7/18/2022</a:t>
             </a:fld>
             <a:endParaRPr lang="en-US" dirty="0"/>
           </a:p>
@@ -5967,7 +6720,7 @@
           <a:p>
             <a:fld id="{20EBB0C4-6273-4C6E-B9BD-2EDC30F1CD52}" type="datetimeFigureOut">
               <a:rPr lang="en-US" smtClean="0"/>
-              <a:t>7/17/2022</a:t>
+              <a:t>7/18/2022</a:t>
             </a:fld>
             <a:endParaRPr lang="en-US" dirty="0"/>
           </a:p>
@@ -6233,7 +6986,7 @@
           <a:p>
             <a:fld id="{19AB4D41-86C1-4908-B66A-0B50CEB3BF29}" type="datetimeFigureOut">
               <a:rPr lang="en-US" smtClean="0"/>
-              <a:t>7/17/2022</a:t>
+              <a:t>7/18/2022</a:t>
             </a:fld>
             <a:endParaRPr lang="en-US" dirty="0"/>
           </a:p>
@@ -6646,7 +7399,7 @@
           <a:p>
             <a:fld id="{E6426E2C-56C1-4E0D-A793-0088A7FDD37E}" type="datetimeFigureOut">
               <a:rPr lang="en-US" smtClean="0"/>
-              <a:t>7/17/2022</a:t>
+              <a:t>7/18/2022</a:t>
             </a:fld>
             <a:endParaRPr lang="en-US" dirty="0"/>
           </a:p>
@@ -6788,7 +7541,7 @@
           <a:p>
             <a:fld id="{C8C39B41-D8B5-4052-B551-9B5525EAA8B6}" type="datetimeFigureOut">
               <a:rPr lang="en-US" smtClean="0"/>
-              <a:t>7/17/2022</a:t>
+              <a:t>7/18/2022</a:t>
             </a:fld>
             <a:endParaRPr lang="en-US" dirty="0"/>
           </a:p>
@@ -6902,7 +7655,7 @@
           <a:p>
             <a:fld id="{4D94136C-8742-45B2-AF27-D93DF72833A9}" type="datetimeFigureOut">
               <a:rPr lang="en-US" smtClean="0"/>
-              <a:t>7/17/2022</a:t>
+              <a:t>7/18/2022</a:t>
             </a:fld>
             <a:endParaRPr lang="en-US" dirty="0"/>
           </a:p>
@@ -7215,7 +7968,7 @@
           <a:p>
             <a:fld id="{32ABBEA6-7C60-4B02-AE87-00D78D8422AF}" type="datetimeFigureOut">
               <a:rPr lang="en-US" smtClean="0"/>
-              <a:t>7/17/2022</a:t>
+              <a:t>7/18/2022</a:t>
             </a:fld>
             <a:endParaRPr lang="en-US" dirty="0"/>
           </a:p>
@@ -7505,7 +8258,7 @@
           <a:p>
             <a:fld id="{C9CAD897-D46E-4AD2-BD9B-49DD3E640873}" type="datetimeFigureOut">
               <a:rPr lang="en-US" smtClean="0"/>
-              <a:t>7/17/2022</a:t>
+              <a:t>7/18/2022</a:t>
             </a:fld>
             <a:endParaRPr lang="en-US" dirty="0"/>
           </a:p>
@@ -7747,7 +8500,7 @@
           <a:p>
             <a:fld id="{98624D31-43A5-475A-80CF-332C9F6DCF35}" type="datetimeFigureOut">
               <a:rPr lang="en-US" smtClean="0"/>
-              <a:t>7/17/2022</a:t>
+              <a:t>7/18/2022</a:t>
             </a:fld>
             <a:endParaRPr lang="en-US" dirty="0"/>
           </a:p>
@@ -26166,36 +26919,6 @@
       </p:grpSpPr>
       <p:pic>
         <p:nvPicPr>
-          <p:cNvPr id="37" name="Picture 36" descr="Chart, bar chart&#10;&#10;Description automatically generated">
-            <a:extLst>
-              <a:ext uri="{FF2B5EF4-FFF2-40B4-BE49-F238E27FC236}">
-                <a16:creationId xmlns:a16="http://schemas.microsoft.com/office/drawing/2014/main" id="{02DD6CF9-1CBE-9DDA-0DC6-FA78EF1BC7AB}"/>
-              </a:ext>
-            </a:extLst>
-          </p:cNvPr>
-          <p:cNvPicPr>
-            <a:picLocks noChangeAspect="1"/>
-          </p:cNvPicPr>
-          <p:nvPr/>
-        </p:nvPicPr>
-        <p:blipFill>
-          <a:blip r:embed="rId2"/>
-          <a:stretch>
-            <a:fillRect/>
-          </a:stretch>
-        </p:blipFill>
-        <p:spPr>
-          <a:xfrm>
-            <a:off x="5666082" y="23425"/>
-            <a:ext cx="4400049" cy="1998687"/>
-          </a:xfrm>
-          <a:prstGeom prst="rect">
-            <a:avLst/>
-          </a:prstGeom>
-        </p:spPr>
-      </p:pic>
-      <p:pic>
-        <p:nvPicPr>
           <p:cNvPr id="30" name="Picture 29" descr="Chart, bar chart&#10;&#10;Description automatically generated">
             <a:extLst>
               <a:ext uri="{FF2B5EF4-FFF2-40B4-BE49-F238E27FC236}">
@@ -26209,7 +26932,7 @@
           <p:nvPr/>
         </p:nvPicPr>
         <p:blipFill>
-          <a:blip r:embed="rId3"/>
+          <a:blip r:embed="rId2"/>
           <a:stretch>
             <a:fillRect/>
           </a:stretch>
@@ -26280,8 +27003,8 @@
         </p:nvGrpSpPr>
         <p:grpSpPr>
           <a:xfrm>
-            <a:off x="10101627" y="2981324"/>
-            <a:ext cx="2080228" cy="3859891"/>
+            <a:off x="10104283" y="3340679"/>
+            <a:ext cx="2080228" cy="3491553"/>
             <a:chOff x="0" y="143317"/>
             <a:chExt cx="3474720" cy="1479574"/>
           </a:xfrm>
@@ -26351,8 +27074,8 @@
           </p:nvSpPr>
           <p:spPr>
             <a:xfrm>
-              <a:off x="72228" y="178852"/>
-              <a:ext cx="3330264" cy="1335119"/>
+              <a:off x="72228" y="178345"/>
+              <a:ext cx="3330264" cy="1335626"/>
             </a:xfrm>
             <a:prstGeom prst="rect">
               <a:avLst/>
@@ -26486,41 +27209,6 @@
       </p:grpSp>
       <p:sp>
         <p:nvSpPr>
-          <p:cNvPr id="46" name="TextBox 45">
-            <a:extLst>
-              <a:ext uri="{FF2B5EF4-FFF2-40B4-BE49-F238E27FC236}">
-                <a16:creationId xmlns:a16="http://schemas.microsoft.com/office/drawing/2014/main" id="{BD2BA7F8-9F53-9FC0-37AE-A83AB9226A9D}"/>
-              </a:ext>
-            </a:extLst>
-          </p:cNvPr>
-          <p:cNvSpPr txBox="1"/>
-          <p:nvPr/>
-        </p:nvSpPr>
-        <p:spPr>
-          <a:xfrm>
-            <a:off x="8836498" y="1041890"/>
-            <a:ext cx="1484952" cy="276999"/>
-          </a:xfrm>
-          <a:prstGeom prst="rect">
-            <a:avLst/>
-          </a:prstGeom>
-          <a:noFill/>
-        </p:spPr>
-        <p:txBody>
-          <a:bodyPr wrap="square" rtlCol="0">
-            <a:spAutoFit/>
-          </a:bodyPr>
-          <a:lstStyle/>
-          <a:p>
-            <a:r>
-              <a:rPr lang="en-US" sz="1200" b="1" dirty="0"/>
-              <a:t>6 Feature Model</a:t>
-            </a:r>
-          </a:p>
-        </p:txBody>
-      </p:sp>
-      <p:sp>
-        <p:nvSpPr>
           <p:cNvPr id="59" name="TextBox 58">
             <a:extLst>
               <a:ext uri="{FF2B5EF4-FFF2-40B4-BE49-F238E27FC236}">
@@ -26533,7 +27221,7 @@
         </p:nvSpPr>
         <p:spPr>
           <a:xfrm>
-            <a:off x="10575554" y="1736359"/>
+            <a:off x="10447395" y="2237022"/>
             <a:ext cx="1398430" cy="1077218"/>
           </a:xfrm>
           <a:prstGeom prst="rect">
@@ -26612,7 +27300,7 @@
         </p:nvGrpSpPr>
         <p:grpSpPr>
           <a:xfrm>
-            <a:off x="10041147" y="29990"/>
+            <a:off x="10088302" y="688057"/>
             <a:ext cx="2140708" cy="1538622"/>
             <a:chOff x="0" y="143317"/>
             <a:chExt cx="3474720" cy="1479574"/>
@@ -26684,7 +27372,7 @@
           <p:spPr>
             <a:xfrm>
               <a:off x="72228" y="178852"/>
-              <a:ext cx="3330264" cy="1335119"/>
+              <a:ext cx="3330263" cy="1335119"/>
             </a:xfrm>
             <a:prstGeom prst="rect">
               <a:avLst/>
@@ -26967,7 +27655,7 @@
         </p:nvSpPr>
         <p:spPr>
           <a:xfrm>
-            <a:off x="4047011" y="4348135"/>
+            <a:off x="4066895" y="4347897"/>
             <a:ext cx="1484952" cy="276999"/>
           </a:xfrm>
           <a:prstGeom prst="rect">
@@ -27003,7 +27691,7 @@
           <p:nvPr/>
         </p:nvPicPr>
         <p:blipFill>
-          <a:blip r:embed="rId4"/>
+          <a:blip r:embed="rId3"/>
           <a:stretch>
             <a:fillRect/>
           </a:stretch>
@@ -27032,7 +27720,7 @@
         </p:nvSpPr>
         <p:spPr>
           <a:xfrm>
-            <a:off x="4047011" y="931750"/>
+            <a:off x="4348936" y="748773"/>
             <a:ext cx="1484952" cy="276999"/>
           </a:xfrm>
           <a:prstGeom prst="rect">
@@ -27181,14 +27869,14 @@
           <p:nvPr/>
         </p:nvPicPr>
         <p:blipFill>
-          <a:blip r:embed="rId5"/>
+          <a:blip r:embed="rId4"/>
           <a:stretch>
             <a:fillRect/>
           </a:stretch>
         </p:blipFill>
         <p:spPr>
           <a:xfrm>
-            <a:off x="5711316" y="2650075"/>
+            <a:off x="5682613" y="2880475"/>
             <a:ext cx="4400049" cy="1518862"/>
           </a:xfrm>
           <a:prstGeom prst="rect">
@@ -27196,119 +27884,6 @@
           </a:prstGeom>
         </p:spPr>
       </p:pic>
-      <p:sp>
-        <p:nvSpPr>
-          <p:cNvPr id="55" name="TextBox 54">
-            <a:extLst>
-              <a:ext uri="{FF2B5EF4-FFF2-40B4-BE49-F238E27FC236}">
-                <a16:creationId xmlns:a16="http://schemas.microsoft.com/office/drawing/2014/main" id="{A1C8AFB1-EEF6-2419-864C-650AAB925D75}"/>
-              </a:ext>
-            </a:extLst>
-          </p:cNvPr>
-          <p:cNvSpPr txBox="1"/>
-          <p:nvPr/>
-        </p:nvSpPr>
-        <p:spPr>
-          <a:xfrm>
-            <a:off x="5666082" y="1827291"/>
-            <a:ext cx="1398430" cy="861774"/>
-          </a:xfrm>
-          <a:prstGeom prst="rect">
-            <a:avLst/>
-          </a:prstGeom>
-          <a:solidFill>
-            <a:srgbClr val="FFC000"/>
-          </a:solidFill>
-          <a:ln>
-            <a:solidFill>
-              <a:schemeClr val="tx1"/>
-            </a:solidFill>
-          </a:ln>
-          <a:effectLst>
-            <a:outerShdw blurRad="50800" dist="38100" dir="2700000" algn="tl" rotWithShape="0">
-              <a:prstClr val="black">
-                <a:alpha val="40000"/>
-              </a:prstClr>
-            </a:outerShdw>
-          </a:effectLst>
-        </p:spPr>
-        <p:txBody>
-          <a:bodyPr wrap="square" rtlCol="0">
-            <a:spAutoFit/>
-          </a:bodyPr>
-          <a:lstStyle/>
-          <a:p>
-            <a:r>
-              <a:rPr lang="en-US" sz="1000" b="1" dirty="0"/>
-              <a:t>Accuracy:	</a:t>
-            </a:r>
-            <a:r>
-              <a:rPr lang="en-US" sz="1000" b="1" dirty="0">
-                <a:solidFill>
-                  <a:srgbClr val="FF0000"/>
-                </a:solidFill>
-              </a:rPr>
-              <a:t>0.969</a:t>
-            </a:r>
-          </a:p>
-          <a:p>
-            <a:r>
-              <a:rPr lang="en-US" sz="1000" b="1" dirty="0"/>
-              <a:t>Precision:	</a:t>
-            </a:r>
-            <a:r>
-              <a:rPr lang="en-US" sz="1000" b="1" dirty="0">
-                <a:solidFill>
-                  <a:srgbClr val="FF0000"/>
-                </a:solidFill>
-              </a:rPr>
-              <a:t>0.969</a:t>
-            </a:r>
-          </a:p>
-          <a:p>
-            <a:r>
-              <a:rPr lang="en-US" sz="1000" b="1" dirty="0"/>
-              <a:t>Recall:	</a:t>
-            </a:r>
-            <a:r>
-              <a:rPr lang="en-US" sz="1000" b="1" dirty="0">
-                <a:solidFill>
-                  <a:srgbClr val="FF0000"/>
-                </a:solidFill>
-              </a:rPr>
-              <a:t>0.941</a:t>
-            </a:r>
-          </a:p>
-          <a:p>
-            <a:r>
-              <a:rPr lang="en-US" sz="1000" b="1" dirty="0"/>
-              <a:t>F_1 Score:	</a:t>
-            </a:r>
-            <a:r>
-              <a:rPr lang="en-US" sz="1000" b="1" dirty="0">
-                <a:solidFill>
-                  <a:srgbClr val="FF0000"/>
-                </a:solidFill>
-              </a:rPr>
-              <a:t>0.955</a:t>
-            </a:r>
-          </a:p>
-          <a:p>
-            <a:r>
-              <a:rPr lang="en-US" sz="1000" b="1" dirty="0"/>
-              <a:t>AUC:	</a:t>
-            </a:r>
-            <a:r>
-              <a:rPr lang="en-US" sz="1000" b="1" dirty="0">
-                <a:solidFill>
-                  <a:srgbClr val="FF0000"/>
-                </a:solidFill>
-              </a:rPr>
-              <a:t>0.962</a:t>
-            </a:r>
-          </a:p>
-        </p:txBody>
-      </p:sp>
       <p:sp>
         <p:nvSpPr>
           <p:cNvPr id="47" name="TextBox 46">
@@ -27323,7 +27898,7 @@
         </p:nvSpPr>
         <p:spPr>
           <a:xfrm>
-            <a:off x="8813817" y="3170520"/>
+            <a:off x="8640952" y="3494992"/>
             <a:ext cx="1484952" cy="276999"/>
           </a:xfrm>
           <a:prstGeom prst="rect">
@@ -27359,14 +27934,14 @@
           <p:nvPr/>
         </p:nvPicPr>
         <p:blipFill>
-          <a:blip r:embed="rId6"/>
+          <a:blip r:embed="rId5"/>
           <a:stretch>
             <a:fillRect/>
           </a:stretch>
         </p:blipFill>
         <p:spPr>
           <a:xfrm>
-            <a:off x="5938887" y="4785766"/>
+            <a:off x="5911627" y="5086455"/>
             <a:ext cx="4149415" cy="1366930"/>
           </a:xfrm>
           <a:prstGeom prst="rect">
@@ -27388,7 +27963,7 @@
         </p:nvSpPr>
         <p:spPr>
           <a:xfrm>
-            <a:off x="5635244" y="5889300"/>
+            <a:off x="5503341" y="5970458"/>
             <a:ext cx="1398430" cy="861774"/>
           </a:xfrm>
           <a:prstGeom prst="rect">
@@ -27501,7 +28076,7 @@
         </p:nvSpPr>
         <p:spPr>
           <a:xfrm>
-            <a:off x="8758487" y="5192232"/>
+            <a:off x="8603350" y="5423973"/>
             <a:ext cx="1484952" cy="276999"/>
           </a:xfrm>
           <a:prstGeom prst="rect">
@@ -27536,7 +28111,7 @@
         </p:nvSpPr>
         <p:spPr>
           <a:xfrm>
-            <a:off x="5711316" y="4027662"/>
+            <a:off x="5808172" y="4237260"/>
             <a:ext cx="1398430" cy="861774"/>
           </a:xfrm>
           <a:prstGeom prst="rect">
@@ -27672,6 +28247,332 @@
           </a:p>
         </p:txBody>
       </p:sp>
+      <p:pic>
+        <p:nvPicPr>
+          <p:cNvPr id="26" name="Picture 18" descr="Image result for python computer program">
+            <a:extLst>
+              <a:ext uri="{FF2B5EF4-FFF2-40B4-BE49-F238E27FC236}">
+                <a16:creationId xmlns:a16="http://schemas.microsoft.com/office/drawing/2014/main" id="{AC12FDAA-6287-A81A-9BD4-A36001946A06}"/>
+              </a:ext>
+            </a:extLst>
+          </p:cNvPr>
+          <p:cNvPicPr>
+            <a:picLocks noChangeAspect="1" noChangeArrowheads="1"/>
+          </p:cNvPicPr>
+          <p:nvPr/>
+        </p:nvPicPr>
+        <p:blipFill>
+          <a:blip r:embed="rId6">
+            <a:extLst>
+              <a:ext uri="{28A0092B-C50C-407E-A947-70E740481C1C}">
+                <a14:useLocalDpi xmlns:a14="http://schemas.microsoft.com/office/drawing/2010/main" val="0"/>
+              </a:ext>
+            </a:extLst>
+          </a:blip>
+          <a:srcRect/>
+          <a:stretch>
+            <a:fillRect/>
+          </a:stretch>
+        </p:blipFill>
+        <p:spPr bwMode="auto">
+          <a:xfrm>
+            <a:off x="11172994" y="8109"/>
+            <a:ext cx="997392" cy="679947"/>
+          </a:xfrm>
+          <a:prstGeom prst="rect">
+            <a:avLst/>
+          </a:prstGeom>
+          <a:noFill/>
+          <a:extLst>
+            <a:ext uri="{909E8E84-426E-40DD-AFC4-6F175D3DCCD1}">
+              <a14:hiddenFill xmlns:a14="http://schemas.microsoft.com/office/drawing/2010/main">
+                <a:solidFill>
+                  <a:srgbClr val="FFFFFF"/>
+                </a:solidFill>
+              </a14:hiddenFill>
+            </a:ext>
+          </a:extLst>
+        </p:spPr>
+      </p:pic>
+      <p:graphicFrame>
+        <p:nvGraphicFramePr>
+          <p:cNvPr id="28" name="Chart 27">
+            <a:extLst>
+              <a:ext uri="{FF2B5EF4-FFF2-40B4-BE49-F238E27FC236}">
+                <a16:creationId xmlns:a16="http://schemas.microsoft.com/office/drawing/2014/main" id="{D3796AC7-5FF4-DE38-082D-ADF565203F33}"/>
+              </a:ext>
+            </a:extLst>
+          </p:cNvPr>
+          <p:cNvGraphicFramePr/>
+          <p:nvPr>
+            <p:extLst>
+              <p:ext uri="{D42A27DB-BD31-4B8C-83A1-F6EECF244321}">
+                <p14:modId xmlns:p14="http://schemas.microsoft.com/office/powerpoint/2010/main" val="37528874"/>
+              </p:ext>
+            </p:extLst>
+          </p:nvPr>
+        </p:nvGraphicFramePr>
+        <p:xfrm>
+          <a:off x="5551847" y="47753"/>
+          <a:ext cx="4667943" cy="2850570"/>
+        </p:xfrm>
+        <a:graphic>
+          <a:graphicData uri="http://schemas.openxmlformats.org/drawingml/2006/chart">
+            <c:chart xmlns:c="http://schemas.openxmlformats.org/drawingml/2006/chart" xmlns:r="http://schemas.openxmlformats.org/officeDocument/2006/relationships" r:id="rId7"/>
+          </a:graphicData>
+        </a:graphic>
+      </p:graphicFrame>
+      <p:sp>
+        <p:nvSpPr>
+          <p:cNvPr id="29" name="Oval 28">
+            <a:extLst>
+              <a:ext uri="{FF2B5EF4-FFF2-40B4-BE49-F238E27FC236}">
+                <a16:creationId xmlns:a16="http://schemas.microsoft.com/office/drawing/2014/main" id="{80FC725B-24B8-E751-102C-FEE2A62AF08E}"/>
+              </a:ext>
+            </a:extLst>
+          </p:cNvPr>
+          <p:cNvSpPr/>
+          <p:nvPr/>
+        </p:nvSpPr>
+        <p:spPr>
+          <a:xfrm>
+            <a:off x="9059857" y="422252"/>
+            <a:ext cx="367176" cy="1085850"/>
+          </a:xfrm>
+          <a:prstGeom prst="ellipse">
+            <a:avLst/>
+          </a:prstGeom>
+          <a:noFill/>
+          <a:ln w="38100">
+            <a:solidFill>
+              <a:srgbClr val="FF0000"/>
+            </a:solidFill>
+            <a:prstDash val="sysDot"/>
+          </a:ln>
+        </p:spPr>
+        <p:style>
+          <a:lnRef idx="2">
+            <a:schemeClr val="accent1">
+              <a:shade val="50000"/>
+            </a:schemeClr>
+          </a:lnRef>
+          <a:fillRef idx="1">
+            <a:schemeClr val="accent1"/>
+          </a:fillRef>
+          <a:effectRef idx="0">
+            <a:schemeClr val="accent1"/>
+          </a:effectRef>
+          <a:fontRef idx="minor">
+            <a:schemeClr val="lt1"/>
+          </a:fontRef>
+        </p:style>
+        <p:txBody>
+          <a:bodyPr rot="0" spcFirstLastPara="0" vert="horz" wrap="square" lIns="91440" tIns="45720" rIns="91440" bIns="45720" numCol="1" spcCol="0" rtlCol="0" fromWordArt="0" anchor="ctr" anchorCtr="0" forceAA="0" compatLnSpc="1">
+            <a:prstTxWarp prst="textNoShape">
+              <a:avLst/>
+            </a:prstTxWarp>
+            <a:noAutofit/>
+          </a:bodyPr>
+          <a:lstStyle/>
+          <a:p>
+            <a:endParaRPr lang="en-US"/>
+          </a:p>
+        </p:txBody>
+      </p:sp>
+      <p:sp>
+        <p:nvSpPr>
+          <p:cNvPr id="34" name="Arrow: Right 33">
+            <a:extLst>
+              <a:ext uri="{FF2B5EF4-FFF2-40B4-BE49-F238E27FC236}">
+                <a16:creationId xmlns:a16="http://schemas.microsoft.com/office/drawing/2014/main" id="{C6119F07-AC7A-E183-1368-2DA96308A181}"/>
+              </a:ext>
+            </a:extLst>
+          </p:cNvPr>
+          <p:cNvSpPr/>
+          <p:nvPr/>
+        </p:nvSpPr>
+        <p:spPr>
+          <a:xfrm>
+            <a:off x="6623237" y="1811158"/>
+            <a:ext cx="708124" cy="205740"/>
+          </a:xfrm>
+          <a:prstGeom prst="rightArrow">
+            <a:avLst/>
+          </a:prstGeom>
+        </p:spPr>
+        <p:style>
+          <a:lnRef idx="2">
+            <a:schemeClr val="accent1">
+              <a:shade val="50000"/>
+            </a:schemeClr>
+          </a:lnRef>
+          <a:fillRef idx="1">
+            <a:schemeClr val="accent1"/>
+          </a:fillRef>
+          <a:effectRef idx="0">
+            <a:schemeClr val="accent1"/>
+          </a:effectRef>
+          <a:fontRef idx="minor">
+            <a:schemeClr val="lt1"/>
+          </a:fontRef>
+        </p:style>
+        <p:txBody>
+          <a:bodyPr rot="0" spcFirstLastPara="0" vert="horz" wrap="square" lIns="91440" tIns="45720" rIns="91440" bIns="45720" numCol="1" spcCol="0" rtlCol="0" fromWordArt="0" anchor="ctr" anchorCtr="0" forceAA="0" compatLnSpc="1">
+            <a:prstTxWarp prst="textNoShape">
+              <a:avLst/>
+            </a:prstTxWarp>
+            <a:noAutofit/>
+          </a:bodyPr>
+          <a:lstStyle/>
+          <a:p>
+            <a:endParaRPr lang="en-US"/>
+          </a:p>
+        </p:txBody>
+      </p:sp>
+      <p:sp>
+        <p:nvSpPr>
+          <p:cNvPr id="35" name="Text Box 4124">
+            <a:extLst>
+              <a:ext uri="{FF2B5EF4-FFF2-40B4-BE49-F238E27FC236}">
+                <a16:creationId xmlns:a16="http://schemas.microsoft.com/office/drawing/2014/main" id="{257541B1-F7B7-F2E6-6682-897ECE0558C7}"/>
+              </a:ext>
+            </a:extLst>
+          </p:cNvPr>
+          <p:cNvSpPr txBox="1"/>
+          <p:nvPr/>
+        </p:nvSpPr>
+        <p:spPr>
+          <a:xfrm>
+            <a:off x="7450754" y="1637162"/>
+            <a:ext cx="1266825" cy="476250"/>
+          </a:xfrm>
+          <a:prstGeom prst="rect">
+            <a:avLst/>
+          </a:prstGeom>
+          <a:solidFill>
+            <a:schemeClr val="accent1">
+              <a:lumMod val="40000"/>
+              <a:lumOff val="60000"/>
+            </a:schemeClr>
+          </a:solidFill>
+          <a:ln w="6350">
+            <a:solidFill>
+              <a:schemeClr val="tx1"/>
+            </a:solidFill>
+          </a:ln>
+          <a:effectLst/>
+        </p:spPr>
+        <p:txBody>
+          <a:bodyPr rot="0" spcFirstLastPara="0" vert="horz" wrap="square" lIns="91440" tIns="45720" rIns="91440" bIns="45720" numCol="1" spcCol="0" rtlCol="0" fromWordArt="0" anchor="t" anchorCtr="0" forceAA="0" compatLnSpc="1">
+            <a:prstTxWarp prst="textNoShape">
+              <a:avLst/>
+            </a:prstTxWarp>
+            <a:noAutofit/>
+          </a:bodyPr>
+          <a:lstStyle/>
+          <a:p>
+            <a:pPr marL="0" marR="0">
+              <a:lnSpc>
+                <a:spcPct val="107000"/>
+              </a:lnSpc>
+              <a:spcBef>
+                <a:spcPts val="0"/>
+              </a:spcBef>
+              <a:spcAft>
+                <a:spcPts val="800"/>
+              </a:spcAft>
+            </a:pPr>
+            <a:r>
+              <a:rPr lang="en-US" sz="1100" dirty="0">
+                <a:effectLst/>
+                <a:latin typeface="Calibri" panose="020F0502020204030204" pitchFamily="34" charset="0"/>
+                <a:ea typeface="Calibri" panose="020F0502020204030204" pitchFamily="34" charset="0"/>
+                <a:cs typeface="Times New Roman" panose="02020603050405020304" pitchFamily="18" charset="0"/>
+              </a:rPr>
+              <a:t>Higher Performing Models Range</a:t>
+            </a:r>
+          </a:p>
+        </p:txBody>
+      </p:sp>
+      <p:cxnSp>
+        <p:nvCxnSpPr>
+          <p:cNvPr id="40" name="Straight Connector 39">
+            <a:extLst>
+              <a:ext uri="{FF2B5EF4-FFF2-40B4-BE49-F238E27FC236}">
+                <a16:creationId xmlns:a16="http://schemas.microsoft.com/office/drawing/2014/main" id="{D5946E07-BFAA-1F9B-9F48-4EE20A61B212}"/>
+              </a:ext>
+            </a:extLst>
+          </p:cNvPr>
+          <p:cNvCxnSpPr>
+            <a:cxnSpLocks/>
+          </p:cNvCxnSpPr>
+          <p:nvPr/>
+        </p:nvCxnSpPr>
+        <p:spPr>
+          <a:xfrm>
+            <a:off x="6696733" y="1307980"/>
+            <a:ext cx="754021" cy="0"/>
+          </a:xfrm>
+          <a:prstGeom prst="line">
+            <a:avLst/>
+          </a:prstGeom>
+          <a:ln w="38100">
+            <a:solidFill>
+              <a:srgbClr val="FF0000"/>
+            </a:solidFill>
+            <a:prstDash val="sysDot"/>
+          </a:ln>
+        </p:spPr>
+        <p:style>
+          <a:lnRef idx="1">
+            <a:schemeClr val="accent1"/>
+          </a:lnRef>
+          <a:fillRef idx="0">
+            <a:schemeClr val="accent1"/>
+          </a:fillRef>
+          <a:effectRef idx="0">
+            <a:schemeClr val="accent1"/>
+          </a:effectRef>
+          <a:fontRef idx="minor">
+            <a:schemeClr val="tx1"/>
+          </a:fontRef>
+        </p:style>
+      </p:cxnSp>
+      <p:sp>
+        <p:nvSpPr>
+          <p:cNvPr id="42" name="TextBox 41">
+            <a:extLst>
+              <a:ext uri="{FF2B5EF4-FFF2-40B4-BE49-F238E27FC236}">
+                <a16:creationId xmlns:a16="http://schemas.microsoft.com/office/drawing/2014/main" id="{9EE1022E-7D44-82C5-7473-F4263024A5C5}"/>
+              </a:ext>
+            </a:extLst>
+          </p:cNvPr>
+          <p:cNvSpPr txBox="1"/>
+          <p:nvPr/>
+        </p:nvSpPr>
+        <p:spPr>
+          <a:xfrm>
+            <a:off x="7450754" y="1168345"/>
+            <a:ext cx="1380979" cy="276999"/>
+          </a:xfrm>
+          <a:prstGeom prst="rect">
+            <a:avLst/>
+          </a:prstGeom>
+          <a:noFill/>
+        </p:spPr>
+        <p:txBody>
+          <a:bodyPr wrap="square" rtlCol="0">
+            <a:spAutoFit/>
+          </a:bodyPr>
+          <a:lstStyle/>
+          <a:p>
+            <a:r>
+              <a:rPr lang="en-US" sz="1200" b="1" dirty="0"/>
+              <a:t>Baseline Model</a:t>
+            </a:r>
+          </a:p>
+        </p:txBody>
+      </p:sp>
     </p:spTree>
     <p:extLst>
       <p:ext uri="{BB962C8B-B14F-4D97-AF65-F5344CB8AC3E}">
@@ -27901,7 +28802,7 @@
                             </p:stCondLst>
                             <p:childTnLst>
                               <p:par>
-                                <p:cTn id="19" presetID="42" presetClass="entr" presetSubtype="0" fill="hold" nodeType="clickEffect">
+                                <p:cTn id="19" presetID="42" presetClass="entr" presetSubtype="0" fill="hold" grpId="0" nodeType="clickEffect">
                                   <p:stCondLst>
                                     <p:cond delay="0"/>
                                   </p:stCondLst>
@@ -27914,7 +28815,7 @@
                                           </p:stCondLst>
                                         </p:cTn>
                                         <p:tgtEl>
-                                          <p:spTgt spid="31"/>
+                                          <p:spTgt spid="36"/>
                                         </p:tgtEl>
                                         <p:attrNameLst>
                                           <p:attrName>style.visibility</p:attrName>
@@ -27928,7 +28829,7 @@
                                       <p:cBhvr>
                                         <p:cTn id="21" dur="1000"/>
                                         <p:tgtEl>
-                                          <p:spTgt spid="31"/>
+                                          <p:spTgt spid="36"/>
                                         </p:tgtEl>
                                       </p:cBhvr>
                                     </p:animEffect>
@@ -27936,7 +28837,7 @@
                                       <p:cBhvr>
                                         <p:cTn id="22" dur="1000" fill="hold"/>
                                         <p:tgtEl>
-                                          <p:spTgt spid="31"/>
+                                          <p:spTgt spid="36"/>
                                         </p:tgtEl>
                                         <p:attrNameLst>
                                           <p:attrName>ppt_x</p:attrName>
@@ -27959,7 +28860,7 @@
                                       <p:cBhvr>
                                         <p:cTn id="23" dur="1000" fill="hold"/>
                                         <p:tgtEl>
-                                          <p:spTgt spid="31"/>
+                                          <p:spTgt spid="36"/>
                                         </p:tgtEl>
                                         <p:attrNameLst>
                                           <p:attrName>ppt_y</p:attrName>
@@ -27982,7 +28883,7 @@
                                 </p:cTn>
                               </p:par>
                               <p:par>
-                                <p:cTn id="24" presetID="42" presetClass="entr" presetSubtype="0" fill="hold" grpId="0" nodeType="withEffect">
+                                <p:cTn id="24" presetID="42" presetClass="entr" presetSubtype="0" fill="hold" nodeType="withEffect">
                                   <p:stCondLst>
                                     <p:cond delay="0"/>
                                   </p:stCondLst>
@@ -27995,7 +28896,7 @@
                                           </p:stCondLst>
                                         </p:cTn>
                                         <p:tgtEl>
-                                          <p:spTgt spid="38"/>
+                                          <p:spTgt spid="31"/>
                                         </p:tgtEl>
                                         <p:attrNameLst>
                                           <p:attrName>style.visibility</p:attrName>
@@ -28009,7 +28910,7 @@
                                       <p:cBhvr>
                                         <p:cTn id="26" dur="1000"/>
                                         <p:tgtEl>
-                                          <p:spTgt spid="38"/>
+                                          <p:spTgt spid="31"/>
                                         </p:tgtEl>
                                       </p:cBhvr>
                                     </p:animEffect>
@@ -28017,7 +28918,7 @@
                                       <p:cBhvr>
                                         <p:cTn id="27" dur="1000" fill="hold"/>
                                         <p:tgtEl>
-                                          <p:spTgt spid="38"/>
+                                          <p:spTgt spid="31"/>
                                         </p:tgtEl>
                                         <p:attrNameLst>
                                           <p:attrName>ppt_x</p:attrName>
@@ -28040,7 +28941,7 @@
                                       <p:cBhvr>
                                         <p:cTn id="28" dur="1000" fill="hold"/>
                                         <p:tgtEl>
-                                          <p:spTgt spid="38"/>
+                                          <p:spTgt spid="31"/>
                                         </p:tgtEl>
                                         <p:attrNameLst>
                                           <p:attrName>ppt_y</p:attrName>
@@ -28157,7 +29058,7 @@
                                           </p:stCondLst>
                                         </p:cTn>
                                         <p:tgtEl>
-                                          <p:spTgt spid="36"/>
+                                          <p:spTgt spid="38"/>
                                         </p:tgtEl>
                                         <p:attrNameLst>
                                           <p:attrName>style.visibility</p:attrName>
@@ -28171,7 +29072,7 @@
                                       <p:cBhvr>
                                         <p:cTn id="36" dur="1000"/>
                                         <p:tgtEl>
-                                          <p:spTgt spid="36"/>
+                                          <p:spTgt spid="38"/>
                                         </p:tgtEl>
                                       </p:cBhvr>
                                     </p:animEffect>
@@ -28179,7 +29080,7 @@
                                       <p:cBhvr>
                                         <p:cTn id="37" dur="1000" fill="hold"/>
                                         <p:tgtEl>
-                                          <p:spTgt spid="36"/>
+                                          <p:spTgt spid="38"/>
                                         </p:tgtEl>
                                         <p:attrNameLst>
                                           <p:attrName>ppt_x</p:attrName>
@@ -28202,7 +29103,7 @@
                                       <p:cBhvr>
                                         <p:cTn id="38" dur="1000" fill="hold"/>
                                         <p:tgtEl>
-                                          <p:spTgt spid="36"/>
+                                          <p:spTgt spid="38"/>
                                         </p:tgtEl>
                                         <p:attrNameLst>
                                           <p:attrName>ppt_y</p:attrName>
@@ -28243,7 +29144,7 @@
                             </p:stCondLst>
                             <p:childTnLst>
                               <p:par>
-                                <p:cTn id="41" presetID="42" presetClass="entr" presetSubtype="0" fill="hold" grpId="0" nodeType="clickEffect">
+                                <p:cTn id="41" presetID="42" presetClass="entr" presetSubtype="0" fill="hold" nodeType="clickEffect">
                                   <p:stCondLst>
                                     <p:cond delay="0"/>
                                   </p:stCondLst>
@@ -28256,7 +29157,7 @@
                                           </p:stCondLst>
                                         </p:cTn>
                                         <p:tgtEl>
-                                          <p:spTgt spid="33"/>
+                                          <p:spTgt spid="30"/>
                                         </p:tgtEl>
                                         <p:attrNameLst>
                                           <p:attrName>style.visibility</p:attrName>
@@ -28270,7 +29171,7 @@
                                       <p:cBhvr>
                                         <p:cTn id="43" dur="1000"/>
                                         <p:tgtEl>
-                                          <p:spTgt spid="33"/>
+                                          <p:spTgt spid="30"/>
                                         </p:tgtEl>
                                       </p:cBhvr>
                                     </p:animEffect>
@@ -28278,7 +29179,7 @@
                                       <p:cBhvr>
                                         <p:cTn id="44" dur="1000" fill="hold"/>
                                         <p:tgtEl>
-                                          <p:spTgt spid="33"/>
+                                          <p:spTgt spid="30"/>
                                         </p:tgtEl>
                                         <p:attrNameLst>
                                           <p:attrName>ppt_x</p:attrName>
@@ -28301,7 +29202,7 @@
                                       <p:cBhvr>
                                         <p:cTn id="45" dur="1000" fill="hold"/>
                                         <p:tgtEl>
-                                          <p:spTgt spid="33"/>
+                                          <p:spTgt spid="30"/>
                                         </p:tgtEl>
                                         <p:attrNameLst>
                                           <p:attrName>ppt_y</p:attrName>
@@ -28337,7 +29238,7 @@
                                           </p:stCondLst>
                                         </p:cTn>
                                         <p:tgtEl>
-                                          <p:spTgt spid="53"/>
+                                          <p:spTgt spid="33"/>
                                         </p:tgtEl>
                                         <p:attrNameLst>
                                           <p:attrName>style.visibility</p:attrName>
@@ -28351,7 +29252,7 @@
                                       <p:cBhvr>
                                         <p:cTn id="48" dur="1000"/>
                                         <p:tgtEl>
-                                          <p:spTgt spid="53"/>
+                                          <p:spTgt spid="33"/>
                                         </p:tgtEl>
                                       </p:cBhvr>
                                     </p:animEffect>
@@ -28359,7 +29260,7 @@
                                       <p:cBhvr>
                                         <p:cTn id="49" dur="1000" fill="hold"/>
                                         <p:tgtEl>
-                                          <p:spTgt spid="53"/>
+                                          <p:spTgt spid="33"/>
                                         </p:tgtEl>
                                         <p:attrNameLst>
                                           <p:attrName>ppt_x</p:attrName>
@@ -28382,7 +29283,7 @@
                                       <p:cBhvr>
                                         <p:cTn id="50" dur="1000" fill="hold"/>
                                         <p:tgtEl>
-                                          <p:spTgt spid="53"/>
+                                          <p:spTgt spid="33"/>
                                         </p:tgtEl>
                                         <p:attrNameLst>
                                           <p:attrName>ppt_y</p:attrName>
@@ -28405,7 +29306,7 @@
                                 </p:cTn>
                               </p:par>
                               <p:par>
-                                <p:cTn id="51" presetID="42" presetClass="entr" presetSubtype="0" fill="hold" nodeType="withEffect">
+                                <p:cTn id="51" presetID="42" presetClass="entr" presetSubtype="0" fill="hold" grpId="0" nodeType="withEffect">
                                   <p:stCondLst>
                                     <p:cond delay="0"/>
                                   </p:stCondLst>
@@ -28418,7 +29319,7 @@
                                           </p:stCondLst>
                                         </p:cTn>
                                         <p:tgtEl>
-                                          <p:spTgt spid="30"/>
+                                          <p:spTgt spid="53"/>
                                         </p:tgtEl>
                                         <p:attrNameLst>
                                           <p:attrName>style.visibility</p:attrName>
@@ -28432,7 +29333,7 @@
                                       <p:cBhvr>
                                         <p:cTn id="53" dur="1000"/>
                                         <p:tgtEl>
-                                          <p:spTgt spid="30"/>
+                                          <p:spTgt spid="53"/>
                                         </p:tgtEl>
                                       </p:cBhvr>
                                     </p:animEffect>
@@ -28440,7 +29341,7 @@
                                       <p:cBhvr>
                                         <p:cTn id="54" dur="1000" fill="hold"/>
                                         <p:tgtEl>
-                                          <p:spTgt spid="30"/>
+                                          <p:spTgt spid="53"/>
                                         </p:tgtEl>
                                         <p:attrNameLst>
                                           <p:attrName>ppt_x</p:attrName>
@@ -28463,7 +29364,7 @@
                                       <p:cBhvr>
                                         <p:cTn id="55" dur="1000" fill="hold"/>
                                         <p:tgtEl>
-                                          <p:spTgt spid="30"/>
+                                          <p:spTgt spid="53"/>
                                         </p:tgtEl>
                                         <p:attrNameLst>
                                           <p:attrName>ppt_y</p:attrName>
@@ -28517,7 +29418,7 @@
                                           </p:stCondLst>
                                         </p:cTn>
                                         <p:tgtEl>
-                                          <p:spTgt spid="37"/>
+                                          <p:spTgt spid="39"/>
                                         </p:tgtEl>
                                         <p:attrNameLst>
                                           <p:attrName>style.visibility</p:attrName>
@@ -28531,7 +29432,7 @@
                                       <p:cBhvr>
                                         <p:cTn id="60" dur="1000"/>
                                         <p:tgtEl>
-                                          <p:spTgt spid="37"/>
+                                          <p:spTgt spid="39"/>
                                         </p:tgtEl>
                                       </p:cBhvr>
                                     </p:animEffect>
@@ -28539,7 +29440,7 @@
                                       <p:cBhvr>
                                         <p:cTn id="61" dur="1000" fill="hold"/>
                                         <p:tgtEl>
-                                          <p:spTgt spid="37"/>
+                                          <p:spTgt spid="39"/>
                                         </p:tgtEl>
                                         <p:attrNameLst>
                                           <p:attrName>ppt_x</p:attrName>
@@ -28562,7 +29463,7 @@
                                       <p:cBhvr>
                                         <p:cTn id="62" dur="1000" fill="hold"/>
                                         <p:tgtEl>
-                                          <p:spTgt spid="37"/>
+                                          <p:spTgt spid="39"/>
                                         </p:tgtEl>
                                         <p:attrNameLst>
                                           <p:attrName>ppt_y</p:attrName>
@@ -28598,7 +29499,7 @@
                                           </p:stCondLst>
                                         </p:cTn>
                                         <p:tgtEl>
-                                          <p:spTgt spid="46"/>
+                                          <p:spTgt spid="47"/>
                                         </p:tgtEl>
                                         <p:attrNameLst>
                                           <p:attrName>style.visibility</p:attrName>
@@ -28612,7 +29513,7 @@
                                       <p:cBhvr>
                                         <p:cTn id="65" dur="1000"/>
                                         <p:tgtEl>
-                                          <p:spTgt spid="46"/>
+                                          <p:spTgt spid="47"/>
                                         </p:tgtEl>
                                       </p:cBhvr>
                                     </p:animEffect>
@@ -28620,7 +29521,7 @@
                                       <p:cBhvr>
                                         <p:cTn id="66" dur="1000" fill="hold"/>
                                         <p:tgtEl>
-                                          <p:spTgt spid="46"/>
+                                          <p:spTgt spid="47"/>
                                         </p:tgtEl>
                                         <p:attrNameLst>
                                           <p:attrName>ppt_x</p:attrName>
@@ -28643,7 +29544,7 @@
                                       <p:cBhvr>
                                         <p:cTn id="67" dur="1000" fill="hold"/>
                                         <p:tgtEl>
-                                          <p:spTgt spid="46"/>
+                                          <p:spTgt spid="47"/>
                                         </p:tgtEl>
                                         <p:attrNameLst>
                                           <p:attrName>ppt_y</p:attrName>
@@ -28679,7 +29580,7 @@
                                           </p:stCondLst>
                                         </p:cTn>
                                         <p:tgtEl>
-                                          <p:spTgt spid="55"/>
+                                          <p:spTgt spid="56"/>
                                         </p:tgtEl>
                                         <p:attrNameLst>
                                           <p:attrName>style.visibility</p:attrName>
@@ -28693,7 +29594,7 @@
                                       <p:cBhvr>
                                         <p:cTn id="70" dur="1000"/>
                                         <p:tgtEl>
-                                          <p:spTgt spid="55"/>
+                                          <p:spTgt spid="56"/>
                                         </p:tgtEl>
                                       </p:cBhvr>
                                     </p:animEffect>
@@ -28701,7 +29602,7 @@
                                       <p:cBhvr>
                                         <p:cTn id="71" dur="1000" fill="hold"/>
                                         <p:tgtEl>
-                                          <p:spTgt spid="55"/>
+                                          <p:spTgt spid="56"/>
                                         </p:tgtEl>
                                         <p:attrNameLst>
                                           <p:attrName>ppt_x</p:attrName>
@@ -28724,7 +29625,7 @@
                                       <p:cBhvr>
                                         <p:cTn id="72" dur="1000" fill="hold"/>
                                         <p:tgtEl>
-                                          <p:spTgt spid="55"/>
+                                          <p:spTgt spid="56"/>
                                         </p:tgtEl>
                                         <p:attrNameLst>
                                           <p:attrName>ppt_y</p:attrName>
@@ -28765,7 +29666,7 @@
                             </p:stCondLst>
                             <p:childTnLst>
                               <p:par>
-                                <p:cTn id="75" presetID="42" presetClass="entr" presetSubtype="0" fill="hold" grpId="0" nodeType="clickEffect">
+                                <p:cTn id="75" presetID="42" presetClass="entr" presetSubtype="0" fill="hold" nodeType="clickEffect">
                                   <p:stCondLst>
                                     <p:cond delay="0"/>
                                   </p:stCondLst>
@@ -28778,7 +29679,7 @@
                                           </p:stCondLst>
                                         </p:cTn>
                                         <p:tgtEl>
-                                          <p:spTgt spid="47"/>
+                                          <p:spTgt spid="41"/>
                                         </p:tgtEl>
                                         <p:attrNameLst>
                                           <p:attrName>style.visibility</p:attrName>
@@ -28792,7 +29693,7 @@
                                       <p:cBhvr>
                                         <p:cTn id="77" dur="1000"/>
                                         <p:tgtEl>
-                                          <p:spTgt spid="47"/>
+                                          <p:spTgt spid="41"/>
                                         </p:tgtEl>
                                       </p:cBhvr>
                                     </p:animEffect>
@@ -28800,7 +29701,7 @@
                                       <p:cBhvr>
                                         <p:cTn id="78" dur="1000" fill="hold"/>
                                         <p:tgtEl>
-                                          <p:spTgt spid="47"/>
+                                          <p:spTgt spid="41"/>
                                         </p:tgtEl>
                                         <p:attrNameLst>
                                           <p:attrName>ppt_x</p:attrName>
@@ -28823,7 +29724,7 @@
                                       <p:cBhvr>
                                         <p:cTn id="79" dur="1000" fill="hold"/>
                                         <p:tgtEl>
-                                          <p:spTgt spid="47"/>
+                                          <p:spTgt spid="41"/>
                                         </p:tgtEl>
                                         <p:attrNameLst>
                                           <p:attrName>ppt_y</p:attrName>
@@ -28859,7 +29760,7 @@
                                           </p:stCondLst>
                                         </p:cTn>
                                         <p:tgtEl>
-                                          <p:spTgt spid="56"/>
+                                          <p:spTgt spid="48"/>
                                         </p:tgtEl>
                                         <p:attrNameLst>
                                           <p:attrName>style.visibility</p:attrName>
@@ -28873,7 +29774,7 @@
                                       <p:cBhvr>
                                         <p:cTn id="82" dur="1000"/>
                                         <p:tgtEl>
-                                          <p:spTgt spid="56"/>
+                                          <p:spTgt spid="48"/>
                                         </p:tgtEl>
                                       </p:cBhvr>
                                     </p:animEffect>
@@ -28881,7 +29782,7 @@
                                       <p:cBhvr>
                                         <p:cTn id="83" dur="1000" fill="hold"/>
                                         <p:tgtEl>
-                                          <p:spTgt spid="56"/>
+                                          <p:spTgt spid="48"/>
                                         </p:tgtEl>
                                         <p:attrNameLst>
                                           <p:attrName>ppt_x</p:attrName>
@@ -28904,7 +29805,7 @@
                                       <p:cBhvr>
                                         <p:cTn id="84" dur="1000" fill="hold"/>
                                         <p:tgtEl>
-                                          <p:spTgt spid="56"/>
+                                          <p:spTgt spid="48"/>
                                         </p:tgtEl>
                                         <p:attrNameLst>
                                           <p:attrName>ppt_y</p:attrName>
@@ -28927,7 +29828,7 @@
                                 </p:cTn>
                               </p:par>
                               <p:par>
-                                <p:cTn id="85" presetID="42" presetClass="entr" presetSubtype="0" fill="hold" nodeType="withEffect">
+                                <p:cTn id="85" presetID="42" presetClass="entr" presetSubtype="0" fill="hold" grpId="0" nodeType="withEffect">
                                   <p:stCondLst>
                                     <p:cond delay="0"/>
                                   </p:stCondLst>
@@ -28940,7 +29841,7 @@
                                           </p:stCondLst>
                                         </p:cTn>
                                         <p:tgtEl>
-                                          <p:spTgt spid="39"/>
+                                          <p:spTgt spid="58"/>
                                         </p:tgtEl>
                                         <p:attrNameLst>
                                           <p:attrName>style.visibility</p:attrName>
@@ -28954,7 +29855,7 @@
                                       <p:cBhvr>
                                         <p:cTn id="87" dur="1000"/>
                                         <p:tgtEl>
-                                          <p:spTgt spid="39"/>
+                                          <p:spTgt spid="58"/>
                                         </p:tgtEl>
                                       </p:cBhvr>
                                     </p:animEffect>
@@ -28962,7 +29863,7 @@
                                       <p:cBhvr>
                                         <p:cTn id="88" dur="1000" fill="hold"/>
                                         <p:tgtEl>
-                                          <p:spTgt spid="39"/>
+                                          <p:spTgt spid="58"/>
                                         </p:tgtEl>
                                         <p:attrNameLst>
                                           <p:attrName>ppt_x</p:attrName>
@@ -28985,7 +29886,7 @@
                                       <p:cBhvr>
                                         <p:cTn id="89" dur="1000" fill="hold"/>
                                         <p:tgtEl>
-                                          <p:spTgt spid="39"/>
+                                          <p:spTgt spid="58"/>
                                         </p:tgtEl>
                                         <p:attrNameLst>
                                           <p:attrName>ppt_y</p:attrName>
@@ -29026,7 +29927,7 @@
                             </p:stCondLst>
                             <p:childTnLst>
                               <p:par>
-                                <p:cTn id="92" presetID="42" presetClass="entr" presetSubtype="0" fill="hold" nodeType="clickEffect">
+                                <p:cTn id="92" presetID="42" presetClass="entr" presetSubtype="0" fill="hold" grpId="0" nodeType="clickEffect">
                                   <p:stCondLst>
                                     <p:cond delay="0"/>
                                   </p:stCondLst>
@@ -29039,7 +29940,7 @@
                                           </p:stCondLst>
                                         </p:cTn>
                                         <p:tgtEl>
-                                          <p:spTgt spid="41"/>
+                                          <p:spTgt spid="28"/>
                                         </p:tgtEl>
                                         <p:attrNameLst>
                                           <p:attrName>style.visibility</p:attrName>
@@ -29053,7 +29954,7 @@
                                       <p:cBhvr>
                                         <p:cTn id="94" dur="1000"/>
                                         <p:tgtEl>
-                                          <p:spTgt spid="41"/>
+                                          <p:spTgt spid="28"/>
                                         </p:tgtEl>
                                       </p:cBhvr>
                                     </p:animEffect>
@@ -29061,7 +29962,7 @@
                                       <p:cBhvr>
                                         <p:cTn id="95" dur="1000" fill="hold"/>
                                         <p:tgtEl>
-                                          <p:spTgt spid="41"/>
+                                          <p:spTgt spid="28"/>
                                         </p:tgtEl>
                                         <p:attrNameLst>
                                           <p:attrName>ppt_x</p:attrName>
@@ -29084,7 +29985,7 @@
                                       <p:cBhvr>
                                         <p:cTn id="96" dur="1000" fill="hold"/>
                                         <p:tgtEl>
-                                          <p:spTgt spid="41"/>
+                                          <p:spTgt spid="28"/>
                                         </p:tgtEl>
                                         <p:attrNameLst>
                                           <p:attrName>ppt_y</p:attrName>
@@ -29120,7 +30021,7 @@
                                           </p:stCondLst>
                                         </p:cTn>
                                         <p:tgtEl>
-                                          <p:spTgt spid="48"/>
+                                          <p:spTgt spid="29"/>
                                         </p:tgtEl>
                                         <p:attrNameLst>
                                           <p:attrName>style.visibility</p:attrName>
@@ -29134,7 +30035,7 @@
                                       <p:cBhvr>
                                         <p:cTn id="99" dur="1000"/>
                                         <p:tgtEl>
-                                          <p:spTgt spid="48"/>
+                                          <p:spTgt spid="29"/>
                                         </p:tgtEl>
                                       </p:cBhvr>
                                     </p:animEffect>
@@ -29142,7 +30043,7 @@
                                       <p:cBhvr>
                                         <p:cTn id="100" dur="1000" fill="hold"/>
                                         <p:tgtEl>
-                                          <p:spTgt spid="48"/>
+                                          <p:spTgt spid="29"/>
                                         </p:tgtEl>
                                         <p:attrNameLst>
                                           <p:attrName>ppt_x</p:attrName>
@@ -29165,7 +30066,7 @@
                                       <p:cBhvr>
                                         <p:cTn id="101" dur="1000" fill="hold"/>
                                         <p:tgtEl>
-                                          <p:spTgt spid="48"/>
+                                          <p:spTgt spid="29"/>
                                         </p:tgtEl>
                                         <p:attrNameLst>
                                           <p:attrName>ppt_y</p:attrName>
@@ -29188,7 +30089,7 @@
                                 </p:cTn>
                               </p:par>
                               <p:par>
-                                <p:cTn id="102" presetID="42" presetClass="entr" presetSubtype="0" fill="hold" grpId="0" nodeType="withEffect">
+                                <p:cTn id="102" presetID="42" presetClass="entr" presetSubtype="0" fill="hold" nodeType="withEffect">
                                   <p:stCondLst>
                                     <p:cond delay="0"/>
                                   </p:stCondLst>
@@ -29201,7 +30102,7 @@
                                           </p:stCondLst>
                                         </p:cTn>
                                         <p:tgtEl>
-                                          <p:spTgt spid="58"/>
+                                          <p:spTgt spid="40"/>
                                         </p:tgtEl>
                                         <p:attrNameLst>
                                           <p:attrName>style.visibility</p:attrName>
@@ -29215,7 +30116,7 @@
                                       <p:cBhvr>
                                         <p:cTn id="104" dur="1000"/>
                                         <p:tgtEl>
-                                          <p:spTgt spid="58"/>
+                                          <p:spTgt spid="40"/>
                                         </p:tgtEl>
                                       </p:cBhvr>
                                     </p:animEffect>
@@ -29223,7 +30124,7 @@
                                       <p:cBhvr>
                                         <p:cTn id="105" dur="1000" fill="hold"/>
                                         <p:tgtEl>
-                                          <p:spTgt spid="58"/>
+                                          <p:spTgt spid="40"/>
                                         </p:tgtEl>
                                         <p:attrNameLst>
                                           <p:attrName>ppt_x</p:attrName>
@@ -29246,7 +30147,250 @@
                                       <p:cBhvr>
                                         <p:cTn id="106" dur="1000" fill="hold"/>
                                         <p:tgtEl>
-                                          <p:spTgt spid="58"/>
+                                          <p:spTgt spid="40"/>
+                                        </p:tgtEl>
+                                        <p:attrNameLst>
+                                          <p:attrName>ppt_y</p:attrName>
+                                        </p:attrNameLst>
+                                      </p:cBhvr>
+                                      <p:tavLst>
+                                        <p:tav tm="0">
+                                          <p:val>
+                                            <p:strVal val="#ppt_y+.1"/>
+                                          </p:val>
+                                        </p:tav>
+                                        <p:tav tm="100000">
+                                          <p:val>
+                                            <p:strVal val="#ppt_y"/>
+                                          </p:val>
+                                        </p:tav>
+                                      </p:tavLst>
+                                    </p:anim>
+                                  </p:childTnLst>
+                                </p:cTn>
+                              </p:par>
+                              <p:par>
+                                <p:cTn id="107" presetID="42" presetClass="entr" presetSubtype="0" fill="hold" grpId="0" nodeType="withEffect">
+                                  <p:stCondLst>
+                                    <p:cond delay="0"/>
+                                  </p:stCondLst>
+                                  <p:childTnLst>
+                                    <p:set>
+                                      <p:cBhvr>
+                                        <p:cTn id="108" dur="1" fill="hold">
+                                          <p:stCondLst>
+                                            <p:cond delay="0"/>
+                                          </p:stCondLst>
+                                        </p:cTn>
+                                        <p:tgtEl>
+                                          <p:spTgt spid="42"/>
+                                        </p:tgtEl>
+                                        <p:attrNameLst>
+                                          <p:attrName>style.visibility</p:attrName>
+                                        </p:attrNameLst>
+                                      </p:cBhvr>
+                                      <p:to>
+                                        <p:strVal val="visible"/>
+                                      </p:to>
+                                    </p:set>
+                                    <p:animEffect transition="in" filter="fade">
+                                      <p:cBhvr>
+                                        <p:cTn id="109" dur="1000"/>
+                                        <p:tgtEl>
+                                          <p:spTgt spid="42"/>
+                                        </p:tgtEl>
+                                      </p:cBhvr>
+                                    </p:animEffect>
+                                    <p:anim calcmode="lin" valueType="num">
+                                      <p:cBhvr>
+                                        <p:cTn id="110" dur="1000" fill="hold"/>
+                                        <p:tgtEl>
+                                          <p:spTgt spid="42"/>
+                                        </p:tgtEl>
+                                        <p:attrNameLst>
+                                          <p:attrName>ppt_x</p:attrName>
+                                        </p:attrNameLst>
+                                      </p:cBhvr>
+                                      <p:tavLst>
+                                        <p:tav tm="0">
+                                          <p:val>
+                                            <p:strVal val="#ppt_x"/>
+                                          </p:val>
+                                        </p:tav>
+                                        <p:tav tm="100000">
+                                          <p:val>
+                                            <p:strVal val="#ppt_x"/>
+                                          </p:val>
+                                        </p:tav>
+                                      </p:tavLst>
+                                    </p:anim>
+                                    <p:anim calcmode="lin" valueType="num">
+                                      <p:cBhvr>
+                                        <p:cTn id="111" dur="1000" fill="hold"/>
+                                        <p:tgtEl>
+                                          <p:spTgt spid="42"/>
+                                        </p:tgtEl>
+                                        <p:attrNameLst>
+                                          <p:attrName>ppt_y</p:attrName>
+                                        </p:attrNameLst>
+                                      </p:cBhvr>
+                                      <p:tavLst>
+                                        <p:tav tm="0">
+                                          <p:val>
+                                            <p:strVal val="#ppt_y+.1"/>
+                                          </p:val>
+                                        </p:tav>
+                                        <p:tav tm="100000">
+                                          <p:val>
+                                            <p:strVal val="#ppt_y"/>
+                                          </p:val>
+                                        </p:tav>
+                                      </p:tavLst>
+                                    </p:anim>
+                                  </p:childTnLst>
+                                </p:cTn>
+                              </p:par>
+                              <p:par>
+                                <p:cTn id="112" presetID="42" presetClass="entr" presetSubtype="0" fill="hold" grpId="0" nodeType="withEffect">
+                                  <p:stCondLst>
+                                    <p:cond delay="0"/>
+                                  </p:stCondLst>
+                                  <p:childTnLst>
+                                    <p:set>
+                                      <p:cBhvr>
+                                        <p:cTn id="113" dur="1" fill="hold">
+                                          <p:stCondLst>
+                                            <p:cond delay="0"/>
+                                          </p:stCondLst>
+                                        </p:cTn>
+                                        <p:tgtEl>
+                                          <p:spTgt spid="34"/>
+                                        </p:tgtEl>
+                                        <p:attrNameLst>
+                                          <p:attrName>style.visibility</p:attrName>
+                                        </p:attrNameLst>
+                                      </p:cBhvr>
+                                      <p:to>
+                                        <p:strVal val="visible"/>
+                                      </p:to>
+                                    </p:set>
+                                    <p:animEffect transition="in" filter="fade">
+                                      <p:cBhvr>
+                                        <p:cTn id="114" dur="1000"/>
+                                        <p:tgtEl>
+                                          <p:spTgt spid="34"/>
+                                        </p:tgtEl>
+                                      </p:cBhvr>
+                                    </p:animEffect>
+                                    <p:anim calcmode="lin" valueType="num">
+                                      <p:cBhvr>
+                                        <p:cTn id="115" dur="1000" fill="hold"/>
+                                        <p:tgtEl>
+                                          <p:spTgt spid="34"/>
+                                        </p:tgtEl>
+                                        <p:attrNameLst>
+                                          <p:attrName>ppt_x</p:attrName>
+                                        </p:attrNameLst>
+                                      </p:cBhvr>
+                                      <p:tavLst>
+                                        <p:tav tm="0">
+                                          <p:val>
+                                            <p:strVal val="#ppt_x"/>
+                                          </p:val>
+                                        </p:tav>
+                                        <p:tav tm="100000">
+                                          <p:val>
+                                            <p:strVal val="#ppt_x"/>
+                                          </p:val>
+                                        </p:tav>
+                                      </p:tavLst>
+                                    </p:anim>
+                                    <p:anim calcmode="lin" valueType="num">
+                                      <p:cBhvr>
+                                        <p:cTn id="116" dur="1000" fill="hold"/>
+                                        <p:tgtEl>
+                                          <p:spTgt spid="34"/>
+                                        </p:tgtEl>
+                                        <p:attrNameLst>
+                                          <p:attrName>ppt_y</p:attrName>
+                                        </p:attrNameLst>
+                                      </p:cBhvr>
+                                      <p:tavLst>
+                                        <p:tav tm="0">
+                                          <p:val>
+                                            <p:strVal val="#ppt_y+.1"/>
+                                          </p:val>
+                                        </p:tav>
+                                        <p:tav tm="100000">
+                                          <p:val>
+                                            <p:strVal val="#ppt_y"/>
+                                          </p:val>
+                                        </p:tav>
+                                      </p:tavLst>
+                                    </p:anim>
+                                  </p:childTnLst>
+                                </p:cTn>
+                              </p:par>
+                              <p:par>
+                                <p:cTn id="117" presetID="42" presetClass="entr" presetSubtype="0" fill="hold" grpId="0" nodeType="withEffect">
+                                  <p:stCondLst>
+                                    <p:cond delay="0"/>
+                                  </p:stCondLst>
+                                  <p:childTnLst>
+                                    <p:set>
+                                      <p:cBhvr>
+                                        <p:cTn id="118" dur="1" fill="hold">
+                                          <p:stCondLst>
+                                            <p:cond delay="0"/>
+                                          </p:stCondLst>
+                                        </p:cTn>
+                                        <p:tgtEl>
+                                          <p:spTgt spid="35"/>
+                                        </p:tgtEl>
+                                        <p:attrNameLst>
+                                          <p:attrName>style.visibility</p:attrName>
+                                        </p:attrNameLst>
+                                      </p:cBhvr>
+                                      <p:to>
+                                        <p:strVal val="visible"/>
+                                      </p:to>
+                                    </p:set>
+                                    <p:animEffect transition="in" filter="fade">
+                                      <p:cBhvr>
+                                        <p:cTn id="119" dur="1000"/>
+                                        <p:tgtEl>
+                                          <p:spTgt spid="35"/>
+                                        </p:tgtEl>
+                                      </p:cBhvr>
+                                    </p:animEffect>
+                                    <p:anim calcmode="lin" valueType="num">
+                                      <p:cBhvr>
+                                        <p:cTn id="120" dur="1000" fill="hold"/>
+                                        <p:tgtEl>
+                                          <p:spTgt spid="35"/>
+                                        </p:tgtEl>
+                                        <p:attrNameLst>
+                                          <p:attrName>ppt_x</p:attrName>
+                                        </p:attrNameLst>
+                                      </p:cBhvr>
+                                      <p:tavLst>
+                                        <p:tav tm="0">
+                                          <p:val>
+                                            <p:strVal val="#ppt_x"/>
+                                          </p:val>
+                                        </p:tav>
+                                        <p:tav tm="100000">
+                                          <p:val>
+                                            <p:strVal val="#ppt_x"/>
+                                          </p:val>
+                                        </p:tav>
+                                      </p:tavLst>
+                                    </p:anim>
+                                    <p:anim calcmode="lin" valueType="num">
+                                      <p:cBhvr>
+                                        <p:cTn id="121" dur="1000" fill="hold"/>
+                                        <p:tgtEl>
+                                          <p:spTgt spid="35"/>
                                         </p:tgtEl>
                                         <p:attrNameLst>
                                           <p:attrName>ppt_y</p:attrName>
@@ -29275,26 +30419,26 @@
                     </p:cTn>
                   </p:par>
                   <p:par>
-                    <p:cTn id="107" fill="hold">
+                    <p:cTn id="122" fill="hold">
                       <p:stCondLst>
                         <p:cond delay="indefinite"/>
                       </p:stCondLst>
                       <p:childTnLst>
                         <p:par>
-                          <p:cTn id="108" fill="hold">
+                          <p:cTn id="123" fill="hold">
                             <p:stCondLst>
                               <p:cond delay="0"/>
                             </p:stCondLst>
                             <p:childTnLst>
                               <p:par>
-                                <p:cTn id="109" presetID="42" presetClass="entr" presetSubtype="0" fill="hold" nodeType="clickEffect">
+                                <p:cTn id="124" presetID="42" presetClass="entr" presetSubtype="0" fill="hold" nodeType="clickEffect">
                                   <p:stCondLst>
                                     <p:cond delay="0"/>
                                   </p:stCondLst>
                                   <p:childTnLst>
                                     <p:set>
                                       <p:cBhvr>
-                                        <p:cTn id="110" dur="1" fill="hold">
+                                        <p:cTn id="125" dur="1" fill="hold">
                                           <p:stCondLst>
                                             <p:cond delay="0"/>
                                           </p:stCondLst>
@@ -29312,7 +30456,7 @@
                                     </p:set>
                                     <p:animEffect transition="in" filter="fade">
                                       <p:cBhvr>
-                                        <p:cTn id="111" dur="1000"/>
+                                        <p:cTn id="126" dur="1000"/>
                                         <p:tgtEl>
                                           <p:spTgt spid="9"/>
                                         </p:tgtEl>
@@ -29320,7 +30464,7 @@
                                     </p:animEffect>
                                     <p:anim calcmode="lin" valueType="num">
                                       <p:cBhvr>
-                                        <p:cTn id="112" dur="1000" fill="hold"/>
+                                        <p:cTn id="127" dur="1000" fill="hold"/>
                                         <p:tgtEl>
                                           <p:spTgt spid="9"/>
                                         </p:tgtEl>
@@ -29343,7 +30487,7 @@
                                     </p:anim>
                                     <p:anim calcmode="lin" valueType="num">
                                       <p:cBhvr>
-                                        <p:cTn id="113" dur="1000" fill="hold"/>
+                                        <p:cTn id="128" dur="1000" fill="hold"/>
                                         <p:tgtEl>
                                           <p:spTgt spid="9"/>
                                         </p:tgtEl>
@@ -29395,18 +30539,23 @@
       </p:par>
     </p:tnLst>
     <p:bldLst>
-      <p:bldP spid="46" grpId="0"/>
       <p:bldP spid="59" grpId="0" animBg="1"/>
       <p:bldP spid="53" grpId="0" animBg="1"/>
       <p:bldP spid="33" grpId="0"/>
       <p:bldP spid="32" grpId="0"/>
       <p:bldP spid="38" grpId="0" animBg="1"/>
-      <p:bldP spid="55" grpId="0" animBg="1"/>
       <p:bldP spid="47" grpId="0"/>
       <p:bldP spid="58" grpId="0" animBg="1"/>
       <p:bldP spid="48" grpId="0"/>
       <p:bldP spid="56" grpId="0" animBg="1"/>
       <p:bldP spid="36" grpId="0" animBg="1"/>
+      <p:bldGraphic spid="28" grpId="0">
+        <p:bldAsOne/>
+      </p:bldGraphic>
+      <p:bldP spid="29" grpId="0" animBg="1"/>
+      <p:bldP spid="34" grpId="0" animBg="1"/>
+      <p:bldP spid="35" grpId="0" animBg="1"/>
+      <p:bldP spid="42" grpId="0"/>
     </p:bldLst>
   </p:timing>
 </p:sld>
@@ -32715,12 +33864,8 @@
                 <a:buNone/>
               </a:pPr>
               <a:r>
-                <a:rPr lang="en-US" sz="2000" dirty="0" err="1"/>
-                <a:t>Sckit</a:t>
-              </a:r>
-              <a:r>
                 <a:rPr lang="en-US" sz="2000" dirty="0"/>
-                <a:t> Learn:  ML Models</a:t>
+                <a:t>Scikit Learn:  ML Models</a:t>
               </a:r>
             </a:p>
             <a:p>
@@ -34469,8 +35614,8 @@
           </a:prstGeom>
           <a:solidFill>
             <a:schemeClr val="accent1">
-              <a:lumMod val="20000"/>
-              <a:lumOff val="80000"/>
+              <a:lumMod val="40000"/>
+              <a:lumOff val="60000"/>
             </a:schemeClr>
           </a:solidFill>
           <a:ln w="12700">
@@ -36643,7 +37788,7 @@
                 <a:buChar char="q"/>
               </a:pPr>
               <a:r>
-                <a:rPr lang="en-US" sz="1600" b="1" dirty="0"/>
+                <a:rPr lang="en-US" dirty="0"/>
                 <a:t>Higher Default</a:t>
               </a:r>
             </a:p>
@@ -42408,12 +43553,8 @@
                 <a:buChar char="ü"/>
               </a:pPr>
               <a:r>
-                <a:rPr lang="en-US" sz="1600" dirty="0" err="1"/>
-                <a:t>Sckit</a:t>
-              </a:r>
-              <a:r>
                 <a:rPr lang="en-US" sz="1600" dirty="0"/>
-                <a:t> Learn</a:t>
+                <a:t>Scikit Learn</a:t>
               </a:r>
             </a:p>
             <a:p>
@@ -42529,12 +43670,8 @@
                 <a:buChar char="ü"/>
               </a:pPr>
               <a:r>
-                <a:rPr lang="en-US" sz="1600" dirty="0" err="1"/>
-                <a:t>Sckit</a:t>
-              </a:r>
-              <a:r>
                 <a:rPr lang="en-US" sz="1600" dirty="0"/>
-                <a:t>-Learn Metrics for Evaluation</a:t>
+                <a:t>Scikit-Learn Metrics for Evaluation</a:t>
               </a:r>
             </a:p>
           </p:txBody>
@@ -42587,6 +43724,54 @@
           </a:extLst>
         </p:spPr>
       </p:pic>
+      <p:sp>
+        <p:nvSpPr>
+          <p:cNvPr id="2" name="Rectangle 1">
+            <a:extLst>
+              <a:ext uri="{FF2B5EF4-FFF2-40B4-BE49-F238E27FC236}">
+                <a16:creationId xmlns:a16="http://schemas.microsoft.com/office/drawing/2014/main" id="{64A73C28-F578-45F7-4FAC-EEB4F69D68E9}"/>
+              </a:ext>
+            </a:extLst>
+          </p:cNvPr>
+          <p:cNvSpPr/>
+          <p:nvPr/>
+        </p:nvSpPr>
+        <p:spPr>
+          <a:xfrm>
+            <a:off x="1526875" y="3429000"/>
+            <a:ext cx="5840083" cy="2626743"/>
+          </a:xfrm>
+          <a:prstGeom prst="rect">
+            <a:avLst/>
+          </a:prstGeom>
+          <a:noFill/>
+          <a:ln w="57150"/>
+        </p:spPr>
+        <p:style>
+          <a:lnRef idx="2">
+            <a:schemeClr val="accent1">
+              <a:shade val="50000"/>
+            </a:schemeClr>
+          </a:lnRef>
+          <a:fillRef idx="1">
+            <a:schemeClr val="accent1"/>
+          </a:fillRef>
+          <a:effectRef idx="0">
+            <a:schemeClr val="accent1"/>
+          </a:effectRef>
+          <a:fontRef idx="minor">
+            <a:schemeClr val="lt1"/>
+          </a:fontRef>
+        </p:style>
+        <p:txBody>
+          <a:bodyPr rtlCol="0" anchor="ctr"/>
+          <a:lstStyle/>
+          <a:p>
+            <a:pPr algn="ctr"/>
+            <a:endParaRPr lang="en-US"/>
+          </a:p>
+        </p:txBody>
+      </p:sp>
     </p:spTree>
     <p:extLst>
       <p:ext uri="{BB962C8B-B14F-4D97-AF65-F5344CB8AC3E}">
@@ -42803,6 +43988,105 @@
                       </p:childTnLst>
                     </p:cTn>
                   </p:par>
+                  <p:par>
+                    <p:cTn id="17" fill="hold">
+                      <p:stCondLst>
+                        <p:cond delay="indefinite"/>
+                      </p:stCondLst>
+                      <p:childTnLst>
+                        <p:par>
+                          <p:cTn id="18" fill="hold">
+                            <p:stCondLst>
+                              <p:cond delay="0"/>
+                            </p:stCondLst>
+                            <p:childTnLst>
+                              <p:par>
+                                <p:cTn id="19" presetID="42" presetClass="entr" presetSubtype="0" fill="hold" grpId="0" nodeType="clickEffect">
+                                  <p:stCondLst>
+                                    <p:cond delay="0"/>
+                                  </p:stCondLst>
+                                  <p:childTnLst>
+                                    <p:set>
+                                      <p:cBhvr>
+                                        <p:cTn id="20" dur="1" fill="hold">
+                                          <p:stCondLst>
+                                            <p:cond delay="0"/>
+                                          </p:stCondLst>
+                                        </p:cTn>
+                                        <p:tgtEl>
+                                          <p:spTgt spid="2"/>
+                                        </p:tgtEl>
+                                        <p:attrNameLst>
+                                          <p:attrName>style.visibility</p:attrName>
+                                        </p:attrNameLst>
+                                      </p:cBhvr>
+                                      <p:to>
+                                        <p:strVal val="visible"/>
+                                      </p:to>
+                                    </p:set>
+                                    <p:animEffect transition="in" filter="fade">
+                                      <p:cBhvr>
+                                        <p:cTn id="21" dur="1000"/>
+                                        <p:tgtEl>
+                                          <p:spTgt spid="2"/>
+                                        </p:tgtEl>
+                                      </p:cBhvr>
+                                    </p:animEffect>
+                                    <p:anim calcmode="lin" valueType="num">
+                                      <p:cBhvr>
+                                        <p:cTn id="22" dur="1000" fill="hold"/>
+                                        <p:tgtEl>
+                                          <p:spTgt spid="2"/>
+                                        </p:tgtEl>
+                                        <p:attrNameLst>
+                                          <p:attrName>ppt_x</p:attrName>
+                                        </p:attrNameLst>
+                                      </p:cBhvr>
+                                      <p:tavLst>
+                                        <p:tav tm="0">
+                                          <p:val>
+                                            <p:strVal val="#ppt_x"/>
+                                          </p:val>
+                                        </p:tav>
+                                        <p:tav tm="100000">
+                                          <p:val>
+                                            <p:strVal val="#ppt_x"/>
+                                          </p:val>
+                                        </p:tav>
+                                      </p:tavLst>
+                                    </p:anim>
+                                    <p:anim calcmode="lin" valueType="num">
+                                      <p:cBhvr>
+                                        <p:cTn id="23" dur="1000" fill="hold"/>
+                                        <p:tgtEl>
+                                          <p:spTgt spid="2"/>
+                                        </p:tgtEl>
+                                        <p:attrNameLst>
+                                          <p:attrName>ppt_y</p:attrName>
+                                        </p:attrNameLst>
+                                      </p:cBhvr>
+                                      <p:tavLst>
+                                        <p:tav tm="0">
+                                          <p:val>
+                                            <p:strVal val="#ppt_y+.1"/>
+                                          </p:val>
+                                        </p:tav>
+                                        <p:tav tm="100000">
+                                          <p:val>
+                                            <p:strVal val="#ppt_y"/>
+                                          </p:val>
+                                        </p:tav>
+                                      </p:tavLst>
+                                    </p:anim>
+                                  </p:childTnLst>
+                                </p:cTn>
+                              </p:par>
+                            </p:childTnLst>
+                          </p:cTn>
+                        </p:par>
+                      </p:childTnLst>
+                    </p:cTn>
+                  </p:par>
                 </p:childTnLst>
               </p:cTn>
               <p:prevCondLst>
@@ -42824,6 +44108,9 @@
         </p:cTn>
       </p:par>
     </p:tnLst>
+    <p:bldLst>
+      <p:bldP spid="2" grpId="0" animBg="1"/>
+    </p:bldLst>
   </p:timing>
 </p:sld>
 </file>

--- a/Ram_Rao_Final_Practicum.pptx
+++ b/Ram_Rao_Final_Practicum.pptx
@@ -26989,224 +26989,6 @@
           </a:p>
         </p:txBody>
       </p:sp>
-      <p:grpSp>
-        <p:nvGrpSpPr>
-          <p:cNvPr id="9" name="Group 8">
-            <a:extLst>
-              <a:ext uri="{FF2B5EF4-FFF2-40B4-BE49-F238E27FC236}">
-                <a16:creationId xmlns:a16="http://schemas.microsoft.com/office/drawing/2014/main" id="{00DD67DD-FF0B-189A-94D9-8A4BD7D6984A}"/>
-              </a:ext>
-            </a:extLst>
-          </p:cNvPr>
-          <p:cNvGrpSpPr/>
-          <p:nvPr/>
-        </p:nvGrpSpPr>
-        <p:grpSpPr>
-          <a:xfrm>
-            <a:off x="10104283" y="3340679"/>
-            <a:ext cx="2080228" cy="3491553"/>
-            <a:chOff x="0" y="143317"/>
-            <a:chExt cx="3474720" cy="1479574"/>
-          </a:xfrm>
-        </p:grpSpPr>
-        <p:sp>
-          <p:nvSpPr>
-            <p:cNvPr id="10" name="Rectangle: Rounded Corners 9">
-              <a:extLst>
-                <a:ext uri="{FF2B5EF4-FFF2-40B4-BE49-F238E27FC236}">
-                  <a16:creationId xmlns:a16="http://schemas.microsoft.com/office/drawing/2014/main" id="{ABA6B321-B5C0-27D4-A626-0165460ADEFD}"/>
-                </a:ext>
-              </a:extLst>
-            </p:cNvPr>
-            <p:cNvSpPr/>
-            <p:nvPr/>
-          </p:nvSpPr>
-          <p:spPr>
-            <a:xfrm>
-              <a:off x="0" y="143317"/>
-              <a:ext cx="3474720" cy="1479574"/>
-            </a:xfrm>
-            <a:prstGeom prst="roundRect">
-              <a:avLst/>
-            </a:prstGeom>
-          </p:spPr>
-          <p:style>
-            <a:lnRef idx="2">
-              <a:schemeClr val="lt1">
-                <a:hueOff val="0"/>
-                <a:satOff val="0"/>
-                <a:lumOff val="0"/>
-                <a:alphaOff val="0"/>
-              </a:schemeClr>
-            </a:lnRef>
-            <a:fillRef idx="1">
-              <a:schemeClr val="accent1">
-                <a:hueOff val="0"/>
-                <a:satOff val="0"/>
-                <a:lumOff val="0"/>
-                <a:alphaOff val="0"/>
-              </a:schemeClr>
-            </a:fillRef>
-            <a:effectRef idx="0">
-              <a:schemeClr val="accent1">
-                <a:hueOff val="0"/>
-                <a:satOff val="0"/>
-                <a:lumOff val="0"/>
-                <a:alphaOff val="0"/>
-              </a:schemeClr>
-            </a:effectRef>
-            <a:fontRef idx="minor">
-              <a:schemeClr val="lt1"/>
-            </a:fontRef>
-          </p:style>
-        </p:sp>
-        <p:sp>
-          <p:nvSpPr>
-            <p:cNvPr id="11" name="Rectangle: Rounded Corners 4">
-              <a:extLst>
-                <a:ext uri="{FF2B5EF4-FFF2-40B4-BE49-F238E27FC236}">
-                  <a16:creationId xmlns:a16="http://schemas.microsoft.com/office/drawing/2014/main" id="{02309736-BCA4-ABD3-F89B-D3E9F2329324}"/>
-                </a:ext>
-              </a:extLst>
-            </p:cNvPr>
-            <p:cNvSpPr txBox="1"/>
-            <p:nvPr/>
-          </p:nvSpPr>
-          <p:spPr>
-            <a:xfrm>
-              <a:off x="72228" y="178345"/>
-              <a:ext cx="3330264" cy="1335626"/>
-            </a:xfrm>
-            <a:prstGeom prst="rect">
-              <a:avLst/>
-            </a:prstGeom>
-          </p:spPr>
-          <p:style>
-            <a:lnRef idx="0">
-              <a:scrgbClr r="0" g="0" b="0"/>
-            </a:lnRef>
-            <a:fillRef idx="0">
-              <a:scrgbClr r="0" g="0" b="0"/>
-            </a:fillRef>
-            <a:effectRef idx="0">
-              <a:scrgbClr r="0" g="0" b="0"/>
-            </a:effectRef>
-            <a:fontRef idx="minor">
-              <a:schemeClr val="lt1"/>
-            </a:fontRef>
-          </p:style>
-          <p:txBody>
-            <a:bodyPr spcFirstLastPara="0" vert="horz" wrap="square" lIns="80010" tIns="80010" rIns="80010" bIns="80010" numCol="1" spcCol="1270" anchor="t" anchorCtr="0">
-              <a:noAutofit/>
-            </a:bodyPr>
-            <a:lstStyle/>
-            <a:p>
-              <a:pPr marL="0" lvl="0" indent="0" algn="l" defTabSz="933450">
-                <a:lnSpc>
-                  <a:spcPct val="90000"/>
-                </a:lnSpc>
-                <a:spcBef>
-                  <a:spcPct val="0"/>
-                </a:spcBef>
-                <a:spcAft>
-                  <a:spcPct val="35000"/>
-                </a:spcAft>
-                <a:buNone/>
-              </a:pPr>
-              <a:r>
-                <a:rPr lang="en-US" b="1" kern="1200" dirty="0"/>
-                <a:t>Results:</a:t>
-              </a:r>
-            </a:p>
-            <a:p>
-              <a:pPr marL="285750" lvl="0" indent="-285750" algn="l" defTabSz="933450">
-                <a:lnSpc>
-                  <a:spcPct val="90000"/>
-                </a:lnSpc>
-                <a:spcBef>
-                  <a:spcPct val="0"/>
-                </a:spcBef>
-                <a:spcAft>
-                  <a:spcPct val="35000"/>
-                </a:spcAft>
-                <a:buFont typeface="Wingdings" panose="05000000000000000000" pitchFamily="2" charset="2"/>
-                <a:buChar char="Ø"/>
-              </a:pPr>
-              <a:r>
-                <a:rPr lang="en-US" sz="1600" b="1" dirty="0"/>
-                <a:t>No Loss in Prediction Power for 10 &amp; 20 Feature Relative to Base Model</a:t>
-              </a:r>
-            </a:p>
-            <a:p>
-              <a:pPr marL="285750" lvl="0" indent="-285750" algn="l" defTabSz="933450">
-                <a:lnSpc>
-                  <a:spcPct val="90000"/>
-                </a:lnSpc>
-                <a:spcBef>
-                  <a:spcPct val="0"/>
-                </a:spcBef>
-                <a:spcAft>
-                  <a:spcPct val="35000"/>
-                </a:spcAft>
-                <a:buFont typeface="Wingdings" panose="05000000000000000000" pitchFamily="2" charset="2"/>
-                <a:buChar char="Ø"/>
-              </a:pPr>
-              <a:r>
-                <a:rPr lang="en-US" sz="1600" b="1" dirty="0"/>
-                <a:t>More Interpretable than Base Model</a:t>
-              </a:r>
-            </a:p>
-            <a:p>
-              <a:pPr marL="285750" lvl="0" indent="-285750" algn="l" defTabSz="933450">
-                <a:lnSpc>
-                  <a:spcPct val="90000"/>
-                </a:lnSpc>
-                <a:spcBef>
-                  <a:spcPct val="0"/>
-                </a:spcBef>
-                <a:spcAft>
-                  <a:spcPct val="35000"/>
-                </a:spcAft>
-                <a:buFont typeface="Wingdings" panose="05000000000000000000" pitchFamily="2" charset="2"/>
-                <a:buChar char="Ø"/>
-              </a:pPr>
-              <a:r>
-                <a:rPr lang="en-US" sz="1600" b="1" dirty="0"/>
-                <a:t>Model Predictability Not as Good for  6, 4 &amp; 2 Feature Models </a:t>
-              </a:r>
-            </a:p>
-            <a:p>
-              <a:pPr marL="0" lvl="0" indent="0" algn="l" defTabSz="933450">
-                <a:lnSpc>
-                  <a:spcPct val="90000"/>
-                </a:lnSpc>
-                <a:spcBef>
-                  <a:spcPct val="0"/>
-                </a:spcBef>
-                <a:spcAft>
-                  <a:spcPct val="35000"/>
-                </a:spcAft>
-                <a:buNone/>
-              </a:pPr>
-              <a:endParaRPr lang="en-US" b="1" kern="1200" dirty="0"/>
-            </a:p>
-            <a:p>
-              <a:pPr lvl="1" defTabSz="933450">
-                <a:lnSpc>
-                  <a:spcPct val="90000"/>
-                </a:lnSpc>
-                <a:spcBef>
-                  <a:spcPct val="0"/>
-                </a:spcBef>
-                <a:spcAft>
-                  <a:spcPct val="35000"/>
-                </a:spcAft>
-              </a:pPr>
-              <a:endParaRPr lang="en-US" sz="2000" kern="1200" dirty="0"/>
-            </a:p>
-          </p:txBody>
-        </p:sp>
-      </p:grpSp>
       <p:sp>
         <p:nvSpPr>
           <p:cNvPr id="59" name="TextBox 58">
@@ -27300,7 +27082,7 @@
         </p:nvGrpSpPr>
         <p:grpSpPr>
           <a:xfrm>
-            <a:off x="10088302" y="688057"/>
+            <a:off x="10007899" y="678923"/>
             <a:ext cx="2140708" cy="1538622"/>
             <a:chOff x="0" y="143317"/>
             <a:chExt cx="3474720" cy="1479574"/>
@@ -27371,7 +27153,7 @@
           </p:nvSpPr>
           <p:spPr>
             <a:xfrm>
-              <a:off x="72228" y="178852"/>
+              <a:off x="97851" y="178853"/>
               <a:ext cx="3330263" cy="1335119"/>
             </a:xfrm>
             <a:prstGeom prst="rect">
@@ -27877,7 +27659,7 @@
         <p:spPr>
           <a:xfrm>
             <a:off x="5682613" y="2880475"/>
-            <a:ext cx="4400049" cy="1518862"/>
+            <a:ext cx="4385570" cy="1518862"/>
           </a:xfrm>
           <a:prstGeom prst="rect">
             <a:avLst/>
@@ -27942,7 +27724,7 @@
         <p:spPr>
           <a:xfrm>
             <a:off x="5911627" y="5086455"/>
-            <a:ext cx="4149415" cy="1366930"/>
+            <a:ext cx="4156555" cy="1366930"/>
           </a:xfrm>
           <a:prstGeom prst="rect">
             <a:avLst/>
@@ -28307,14 +28089,14 @@
           <p:nvPr>
             <p:extLst>
               <p:ext uri="{D42A27DB-BD31-4B8C-83A1-F6EECF244321}">
-                <p14:modId xmlns:p14="http://schemas.microsoft.com/office/powerpoint/2010/main" val="37528874"/>
+                <p14:modId xmlns:p14="http://schemas.microsoft.com/office/powerpoint/2010/main" val="2968231555"/>
               </p:ext>
             </p:extLst>
           </p:nvPr>
         </p:nvGraphicFramePr>
         <p:xfrm>
-          <a:off x="5551847" y="47753"/>
-          <a:ext cx="4667943" cy="2850570"/>
+          <a:off x="5531889" y="48547"/>
+          <a:ext cx="4630977" cy="2850570"/>
         </p:xfrm>
         <a:graphic>
           <a:graphicData uri="http://schemas.openxmlformats.org/drawingml/2006/chart">
@@ -28336,7 +28118,7 @@
         </p:nvSpPr>
         <p:spPr>
           <a:xfrm>
-            <a:off x="9059857" y="422252"/>
+            <a:off x="9009710" y="410964"/>
             <a:ext cx="367176" cy="1085850"/>
           </a:xfrm>
           <a:prstGeom prst="ellipse">
@@ -28393,7 +28175,7 @@
         </p:nvSpPr>
         <p:spPr>
           <a:xfrm>
-            <a:off x="6623237" y="1811158"/>
+            <a:off x="6594115" y="1776928"/>
             <a:ext cx="708124" cy="205740"/>
           </a:xfrm>
           <a:prstGeom prst="rightArrow">
@@ -28510,7 +28292,7 @@
         </p:nvCxnSpPr>
         <p:spPr>
           <a:xfrm>
-            <a:off x="6696733" y="1307980"/>
+            <a:off x="6594115" y="1306844"/>
             <a:ext cx="754021" cy="0"/>
           </a:xfrm>
           <a:prstGeom prst="line">
@@ -28552,7 +28334,7 @@
         </p:nvSpPr>
         <p:spPr>
           <a:xfrm>
-            <a:off x="7450754" y="1168345"/>
+            <a:off x="7391952" y="1168344"/>
             <a:ext cx="1380979" cy="276999"/>
           </a:xfrm>
           <a:prstGeom prst="rect">
@@ -28573,6 +28355,224 @@
           </a:p>
         </p:txBody>
       </p:sp>
+      <p:grpSp>
+        <p:nvGrpSpPr>
+          <p:cNvPr id="9" name="Group 8">
+            <a:extLst>
+              <a:ext uri="{FF2B5EF4-FFF2-40B4-BE49-F238E27FC236}">
+                <a16:creationId xmlns:a16="http://schemas.microsoft.com/office/drawing/2014/main" id="{00DD67DD-FF0B-189A-94D9-8A4BD7D6984A}"/>
+              </a:ext>
+            </a:extLst>
+          </p:cNvPr>
+          <p:cNvGrpSpPr/>
+          <p:nvPr/>
+        </p:nvGrpSpPr>
+        <p:grpSpPr>
+          <a:xfrm>
+            <a:off x="10039666" y="3314240"/>
+            <a:ext cx="2080228" cy="3491553"/>
+            <a:chOff x="0" y="143317"/>
+            <a:chExt cx="3474720" cy="1479574"/>
+          </a:xfrm>
+        </p:grpSpPr>
+        <p:sp>
+          <p:nvSpPr>
+            <p:cNvPr id="10" name="Rectangle: Rounded Corners 9">
+              <a:extLst>
+                <a:ext uri="{FF2B5EF4-FFF2-40B4-BE49-F238E27FC236}">
+                  <a16:creationId xmlns:a16="http://schemas.microsoft.com/office/drawing/2014/main" id="{ABA6B321-B5C0-27D4-A626-0165460ADEFD}"/>
+                </a:ext>
+              </a:extLst>
+            </p:cNvPr>
+            <p:cNvSpPr/>
+            <p:nvPr/>
+          </p:nvSpPr>
+          <p:spPr>
+            <a:xfrm>
+              <a:off x="0" y="143317"/>
+              <a:ext cx="3474720" cy="1479574"/>
+            </a:xfrm>
+            <a:prstGeom prst="roundRect">
+              <a:avLst/>
+            </a:prstGeom>
+          </p:spPr>
+          <p:style>
+            <a:lnRef idx="2">
+              <a:schemeClr val="lt1">
+                <a:hueOff val="0"/>
+                <a:satOff val="0"/>
+                <a:lumOff val="0"/>
+                <a:alphaOff val="0"/>
+              </a:schemeClr>
+            </a:lnRef>
+            <a:fillRef idx="1">
+              <a:schemeClr val="accent1">
+                <a:hueOff val="0"/>
+                <a:satOff val="0"/>
+                <a:lumOff val="0"/>
+                <a:alphaOff val="0"/>
+              </a:schemeClr>
+            </a:fillRef>
+            <a:effectRef idx="0">
+              <a:schemeClr val="accent1">
+                <a:hueOff val="0"/>
+                <a:satOff val="0"/>
+                <a:lumOff val="0"/>
+                <a:alphaOff val="0"/>
+              </a:schemeClr>
+            </a:effectRef>
+            <a:fontRef idx="minor">
+              <a:schemeClr val="lt1"/>
+            </a:fontRef>
+          </p:style>
+        </p:sp>
+        <p:sp>
+          <p:nvSpPr>
+            <p:cNvPr id="11" name="Rectangle: Rounded Corners 4">
+              <a:extLst>
+                <a:ext uri="{FF2B5EF4-FFF2-40B4-BE49-F238E27FC236}">
+                  <a16:creationId xmlns:a16="http://schemas.microsoft.com/office/drawing/2014/main" id="{02309736-BCA4-ABD3-F89B-D3E9F2329324}"/>
+                </a:ext>
+              </a:extLst>
+            </p:cNvPr>
+            <p:cNvSpPr txBox="1"/>
+            <p:nvPr/>
+          </p:nvSpPr>
+          <p:spPr>
+            <a:xfrm>
+              <a:off x="57462" y="168020"/>
+              <a:ext cx="3330264" cy="1335626"/>
+            </a:xfrm>
+            <a:prstGeom prst="rect">
+              <a:avLst/>
+            </a:prstGeom>
+          </p:spPr>
+          <p:style>
+            <a:lnRef idx="0">
+              <a:scrgbClr r="0" g="0" b="0"/>
+            </a:lnRef>
+            <a:fillRef idx="0">
+              <a:scrgbClr r="0" g="0" b="0"/>
+            </a:fillRef>
+            <a:effectRef idx="0">
+              <a:scrgbClr r="0" g="0" b="0"/>
+            </a:effectRef>
+            <a:fontRef idx="minor">
+              <a:schemeClr val="lt1"/>
+            </a:fontRef>
+          </p:style>
+          <p:txBody>
+            <a:bodyPr spcFirstLastPara="0" vert="horz" wrap="square" lIns="80010" tIns="80010" rIns="80010" bIns="80010" numCol="1" spcCol="1270" anchor="t" anchorCtr="0">
+              <a:noAutofit/>
+            </a:bodyPr>
+            <a:lstStyle/>
+            <a:p>
+              <a:pPr marL="0" lvl="0" indent="0" algn="l" defTabSz="933450">
+                <a:lnSpc>
+                  <a:spcPct val="90000"/>
+                </a:lnSpc>
+                <a:spcBef>
+                  <a:spcPct val="0"/>
+                </a:spcBef>
+                <a:spcAft>
+                  <a:spcPct val="35000"/>
+                </a:spcAft>
+                <a:buNone/>
+              </a:pPr>
+              <a:r>
+                <a:rPr lang="en-US" b="1" kern="1200" dirty="0"/>
+                <a:t>Results:</a:t>
+              </a:r>
+            </a:p>
+            <a:p>
+              <a:pPr marL="285750" lvl="0" indent="-285750" algn="l" defTabSz="933450">
+                <a:lnSpc>
+                  <a:spcPct val="90000"/>
+                </a:lnSpc>
+                <a:spcBef>
+                  <a:spcPct val="0"/>
+                </a:spcBef>
+                <a:spcAft>
+                  <a:spcPct val="35000"/>
+                </a:spcAft>
+                <a:buFont typeface="Wingdings" panose="05000000000000000000" pitchFamily="2" charset="2"/>
+                <a:buChar char="Ø"/>
+              </a:pPr>
+              <a:r>
+                <a:rPr lang="en-US" sz="1600" b="1" dirty="0"/>
+                <a:t>No Loss in Prediction Power for 10 &amp; 20 Feature Relative to Base Model</a:t>
+              </a:r>
+            </a:p>
+            <a:p>
+              <a:pPr marL="285750" lvl="0" indent="-285750" algn="l" defTabSz="933450">
+                <a:lnSpc>
+                  <a:spcPct val="90000"/>
+                </a:lnSpc>
+                <a:spcBef>
+                  <a:spcPct val="0"/>
+                </a:spcBef>
+                <a:spcAft>
+                  <a:spcPct val="35000"/>
+                </a:spcAft>
+                <a:buFont typeface="Wingdings" panose="05000000000000000000" pitchFamily="2" charset="2"/>
+                <a:buChar char="Ø"/>
+              </a:pPr>
+              <a:r>
+                <a:rPr lang="en-US" sz="1600" b="1" dirty="0"/>
+                <a:t>More Interpretable than Base Model</a:t>
+              </a:r>
+            </a:p>
+            <a:p>
+              <a:pPr marL="285750" lvl="0" indent="-285750" algn="l" defTabSz="933450">
+                <a:lnSpc>
+                  <a:spcPct val="90000"/>
+                </a:lnSpc>
+                <a:spcBef>
+                  <a:spcPct val="0"/>
+                </a:spcBef>
+                <a:spcAft>
+                  <a:spcPct val="35000"/>
+                </a:spcAft>
+                <a:buFont typeface="Wingdings" panose="05000000000000000000" pitchFamily="2" charset="2"/>
+                <a:buChar char="Ø"/>
+              </a:pPr>
+              <a:r>
+                <a:rPr lang="en-US" sz="1600" b="1" dirty="0"/>
+                <a:t>Model Predictability Not as Good for  6, 4 &amp; 2 Feature Models </a:t>
+              </a:r>
+            </a:p>
+            <a:p>
+              <a:pPr marL="0" lvl="0" indent="0" algn="l" defTabSz="933450">
+                <a:lnSpc>
+                  <a:spcPct val="90000"/>
+                </a:lnSpc>
+                <a:spcBef>
+                  <a:spcPct val="0"/>
+                </a:spcBef>
+                <a:spcAft>
+                  <a:spcPct val="35000"/>
+                </a:spcAft>
+                <a:buNone/>
+              </a:pPr>
+              <a:endParaRPr lang="en-US" b="1" kern="1200" dirty="0"/>
+            </a:p>
+            <a:p>
+              <a:pPr lvl="1" defTabSz="933450">
+                <a:lnSpc>
+                  <a:spcPct val="90000"/>
+                </a:lnSpc>
+                <a:spcBef>
+                  <a:spcPct val="0"/>
+                </a:spcBef>
+                <a:spcAft>
+                  <a:spcPct val="35000"/>
+                </a:spcAft>
+              </a:pPr>
+              <a:endParaRPr lang="en-US" sz="2000" kern="1200" dirty="0"/>
+            </a:p>
+          </p:txBody>
+        </p:sp>
+      </p:grpSp>
     </p:spTree>
     <p:extLst>
       <p:ext uri="{BB962C8B-B14F-4D97-AF65-F5344CB8AC3E}">
